--- a/reflections-on-trusting-trust-slides.pptx
+++ b/reflections-on-trusting-trust-slides.pptx
@@ -237,7 +237,7 @@
           <a:p>
             <a:fld id="{DBB36151-A010-D04C-8956-928746249808}" type="datetimeFigureOut">
               <a:rPr lang="en-US" smtClean="0"/>
-              <a:t>1/24/2016</a:t>
+              <a:t>1/25/16</a:t>
             </a:fld>
             <a:endParaRPr lang="en-US"/>
           </a:p>
@@ -402,7 +402,7 @@
           <a:p>
             <a:fld id="{A4C7C88C-CDFE-4350-B2C5-3C6CAEFDB07C}" type="datetimeFigureOut">
               <a:rPr lang="en-SG" smtClean="0"/>
-              <a:t>24/1/2016</a:t>
+              <a:t>25/1/16</a:t>
             </a:fld>
             <a:endParaRPr lang="en-SG"/>
           </a:p>
@@ -801,7 +801,7 @@
           <a:p>
             <a:fld id="{422F67E2-38E7-4A1D-97B7-1A3D76F52D34}" type="datetime1">
               <a:rPr lang="en-SG" smtClean="0"/>
-              <a:t>24/1/2016</a:t>
+              <a:t>25/1/16</a:t>
             </a:fld>
             <a:endParaRPr lang="en-SG"/>
           </a:p>
@@ -971,7 +971,7 @@
           <a:p>
             <a:fld id="{571D26BE-CF29-49E8-90A9-693FA176DA2E}" type="datetime1">
               <a:rPr lang="en-SG" smtClean="0"/>
-              <a:t>24/1/2016</a:t>
+              <a:t>25/1/16</a:t>
             </a:fld>
             <a:endParaRPr lang="en-SG"/>
           </a:p>
@@ -1151,7 +1151,7 @@
           <a:p>
             <a:fld id="{9465F57D-487B-4FA9-9804-4E6B1445D87E}" type="datetime1">
               <a:rPr lang="en-SG" smtClean="0"/>
-              <a:t>24/1/2016</a:t>
+              <a:t>25/1/16</a:t>
             </a:fld>
             <a:endParaRPr lang="en-SG"/>
           </a:p>
@@ -1321,7 +1321,7 @@
           <a:p>
             <a:fld id="{FF100F33-09D9-4424-9CFF-3583AE8E001C}" type="datetime1">
               <a:rPr lang="en-SG" smtClean="0"/>
-              <a:t>24/1/2016</a:t>
+              <a:t>25/1/16</a:t>
             </a:fld>
             <a:endParaRPr lang="en-SG"/>
           </a:p>
@@ -1565,7 +1565,7 @@
           <a:p>
             <a:fld id="{FEDF4C57-AE9B-4009-AE25-E54332066983}" type="datetime1">
               <a:rPr lang="en-SG" smtClean="0"/>
-              <a:t>24/1/2016</a:t>
+              <a:t>25/1/16</a:t>
             </a:fld>
             <a:endParaRPr lang="en-SG"/>
           </a:p>
@@ -1797,7 +1797,7 @@
           <a:p>
             <a:fld id="{8804DBDF-77D8-4526-82F0-2FD9258F6F4E}" type="datetime1">
               <a:rPr lang="en-SG" smtClean="0"/>
-              <a:t>24/1/2016</a:t>
+              <a:t>25/1/16</a:t>
             </a:fld>
             <a:endParaRPr lang="en-SG"/>
           </a:p>
@@ -2164,7 +2164,7 @@
           <a:p>
             <a:fld id="{2EDDACF3-1137-43EC-8B9B-FFC39405A05F}" type="datetime1">
               <a:rPr lang="en-SG" smtClean="0"/>
-              <a:t>24/1/2016</a:t>
+              <a:t>25/1/16</a:t>
             </a:fld>
             <a:endParaRPr lang="en-SG"/>
           </a:p>
@@ -2282,7 +2282,7 @@
           <a:p>
             <a:fld id="{7EA35B8A-1AE7-4E07-AA62-B18CC233816A}" type="datetime1">
               <a:rPr lang="en-SG" smtClean="0"/>
-              <a:t>24/1/2016</a:t>
+              <a:t>25/1/16</a:t>
             </a:fld>
             <a:endParaRPr lang="en-SG"/>
           </a:p>
@@ -2377,7 +2377,7 @@
           <a:p>
             <a:fld id="{3E5DB0B1-4D46-4B8D-87D9-ED3A0D6268D9}" type="datetime1">
               <a:rPr lang="en-SG" smtClean="0"/>
-              <a:t>24/1/2016</a:t>
+              <a:t>25/1/16</a:t>
             </a:fld>
             <a:endParaRPr lang="en-SG"/>
           </a:p>
@@ -2654,7 +2654,7 @@
           <a:p>
             <a:fld id="{B5FAF827-52F0-4265-95B3-9B7BE33238A1}" type="datetime1">
               <a:rPr lang="en-SG" smtClean="0"/>
-              <a:t>24/1/2016</a:t>
+              <a:t>25/1/16</a:t>
             </a:fld>
             <a:endParaRPr lang="en-SG"/>
           </a:p>
@@ -2911,7 +2911,7 @@
           <a:p>
             <a:fld id="{FB910920-7330-4500-8EED-E7F9B59504DB}" type="datetime1">
               <a:rPr lang="en-SG" smtClean="0"/>
-              <a:t>24/1/2016</a:t>
+              <a:t>25/1/16</a:t>
             </a:fld>
             <a:endParaRPr lang="en-SG"/>
           </a:p>
@@ -3124,7 +3124,7 @@
           <a:p>
             <a:fld id="{049282E9-B576-43F6-B614-0FB8874DC925}" type="datetime1">
               <a:rPr lang="en-SG" smtClean="0"/>
-              <a:t>24/1/2016</a:t>
+              <a:t>25/1/16</a:t>
             </a:fld>
             <a:endParaRPr lang="en-SG"/>
           </a:p>
@@ -4128,14 +4128,14 @@
                 <a:gridCol w="3744686">
                   <a:extLst>
                     <a:ext uri="{9D8B030D-6E8A-4147-A177-3AD203B41FA5}">
-                      <a16:colId xmlns:a16="http://schemas.microsoft.com/office/drawing/2014/main" val="20000"/>
+                      <a16:colId xmlns:a16="http://schemas.microsoft.com/office/drawing/2014/main" xmlns="" val="20000"/>
                     </a:ext>
                   </a:extLst>
                 </a:gridCol>
                 <a:gridCol w="3744686">
                   <a:extLst>
                     <a:ext uri="{9D8B030D-6E8A-4147-A177-3AD203B41FA5}">
-                      <a16:colId xmlns:a16="http://schemas.microsoft.com/office/drawing/2014/main" val="20001"/>
+                      <a16:colId xmlns:a16="http://schemas.microsoft.com/office/drawing/2014/main" xmlns="" val="20001"/>
                     </a:ext>
                   </a:extLst>
                 </a:gridCol>
@@ -4171,7 +4171,7 @@
                 </a:tc>
                 <a:extLst>
                   <a:ext uri="{0D108BD9-81ED-4DB2-BD59-A6C34878D82A}">
-                    <a16:rowId xmlns:a16="http://schemas.microsoft.com/office/drawing/2014/main" val="10000"/>
+                    <a16:rowId xmlns:a16="http://schemas.microsoft.com/office/drawing/2014/main" xmlns="" val="10000"/>
                   </a:ext>
                 </a:extLst>
               </a:tr>
@@ -4210,7 +4210,7 @@
                 </a:tc>
                 <a:extLst>
                   <a:ext uri="{0D108BD9-81ED-4DB2-BD59-A6C34878D82A}">
-                    <a16:rowId xmlns:a16="http://schemas.microsoft.com/office/drawing/2014/main" val="10001"/>
+                    <a16:rowId xmlns:a16="http://schemas.microsoft.com/office/drawing/2014/main" xmlns="" val="10001"/>
                   </a:ext>
                 </a:extLst>
               </a:tr>
@@ -4265,7 +4265,7 @@
                 </a:tc>
                 <a:extLst>
                   <a:ext uri="{0D108BD9-81ED-4DB2-BD59-A6C34878D82A}">
-                    <a16:rowId xmlns:a16="http://schemas.microsoft.com/office/drawing/2014/main" val="10002"/>
+                    <a16:rowId xmlns:a16="http://schemas.microsoft.com/office/drawing/2014/main" xmlns="" val="10002"/>
                   </a:ext>
                 </a:extLst>
               </a:tr>
@@ -4304,7 +4304,7 @@
                 </a:tc>
                 <a:extLst>
                   <a:ext uri="{0D108BD9-81ED-4DB2-BD59-A6C34878D82A}">
-                    <a16:rowId xmlns:a16="http://schemas.microsoft.com/office/drawing/2014/main" val="10003"/>
+                    <a16:rowId xmlns:a16="http://schemas.microsoft.com/office/drawing/2014/main" xmlns="" val="10003"/>
                   </a:ext>
                 </a:extLst>
               </a:tr>
@@ -4363,7 +4363,7 @@
                 </a:tc>
                 <a:extLst>
                   <a:ext uri="{0D108BD9-81ED-4DB2-BD59-A6C34878D82A}">
-                    <a16:rowId xmlns:a16="http://schemas.microsoft.com/office/drawing/2014/main" val="10004"/>
+                    <a16:rowId xmlns:a16="http://schemas.microsoft.com/office/drawing/2014/main" xmlns="" val="10004"/>
                   </a:ext>
                 </a:extLst>
               </a:tr>
@@ -4427,7 +4427,7 @@
                 </a:tc>
                 <a:extLst>
                   <a:ext uri="{0D108BD9-81ED-4DB2-BD59-A6C34878D82A}">
-                    <a16:rowId xmlns:a16="http://schemas.microsoft.com/office/drawing/2014/main" val="10005"/>
+                    <a16:rowId xmlns:a16="http://schemas.microsoft.com/office/drawing/2014/main" xmlns="" val="10005"/>
                   </a:ext>
                 </a:extLst>
               </a:tr>
@@ -10250,7 +10250,11 @@
           <a:p>
             <a:r>
               <a:rPr lang="en-US" dirty="0" smtClean="0"/>
-              <a:t>4c. mysha256.c</a:t>
+              <a:t>4b. </a:t>
+            </a:r>
+            <a:r>
+              <a:rPr lang="en-US" dirty="0" smtClean="0"/>
+              <a:t>mysha256.c</a:t>
             </a:r>
             <a:endParaRPr lang="en-US" dirty="0"/>
           </a:p>
@@ -10525,7 +10529,11 @@
           <a:p>
             <a:r>
               <a:rPr lang="en-US" dirty="0" smtClean="0"/>
-              <a:t>4d. mysha256-hacked.c</a:t>
+              <a:t>4c. </a:t>
+            </a:r>
+            <a:r>
+              <a:rPr lang="en-US" dirty="0" smtClean="0"/>
+              <a:t>mysha256-hacked.c</a:t>
             </a:r>
             <a:endParaRPr lang="en-US" dirty="0"/>
           </a:p>
@@ -10806,7 +10814,11 @@
           <a:p>
             <a:r>
               <a:rPr lang="en-US" dirty="0" smtClean="0"/>
-              <a:t>4e. compiler-hack-</a:t>
+              <a:t>4d. </a:t>
+            </a:r>
+            <a:r>
+              <a:rPr lang="en-US" dirty="0" smtClean="0"/>
+              <a:t>compiler-hack-</a:t>
             </a:r>
             <a:r>
               <a:rPr lang="en-US" dirty="0" err="1" smtClean="0"/>
@@ -21165,14 +21177,14 @@
                 <a:gridCol w="3048000">
                   <a:extLst>
                     <a:ext uri="{9D8B030D-6E8A-4147-A177-3AD203B41FA5}">
-                      <a16:colId xmlns:a16="http://schemas.microsoft.com/office/drawing/2014/main" val="20000"/>
+                      <a16:colId xmlns:a16="http://schemas.microsoft.com/office/drawing/2014/main" xmlns="" val="20000"/>
                     </a:ext>
                   </a:extLst>
                 </a:gridCol>
                 <a:gridCol w="3048000">
                   <a:extLst>
                     <a:ext uri="{9D8B030D-6E8A-4147-A177-3AD203B41FA5}">
-                      <a16:colId xmlns:a16="http://schemas.microsoft.com/office/drawing/2014/main" val="20001"/>
+                      <a16:colId xmlns:a16="http://schemas.microsoft.com/office/drawing/2014/main" xmlns="" val="20001"/>
                     </a:ext>
                   </a:extLst>
                 </a:gridCol>
@@ -21208,7 +21220,7 @@
                 </a:tc>
                 <a:extLst>
                   <a:ext uri="{0D108BD9-81ED-4DB2-BD59-A6C34878D82A}">
-                    <a16:rowId xmlns:a16="http://schemas.microsoft.com/office/drawing/2014/main" val="10000"/>
+                    <a16:rowId xmlns:a16="http://schemas.microsoft.com/office/drawing/2014/main" xmlns="" val="10000"/>
                   </a:ext>
                 </a:extLst>
               </a:tr>
@@ -21276,7 +21288,7 @@
                 </a:tc>
                 <a:extLst>
                   <a:ext uri="{0D108BD9-81ED-4DB2-BD59-A6C34878D82A}">
-                    <a16:rowId xmlns:a16="http://schemas.microsoft.com/office/drawing/2014/main" val="10001"/>
+                    <a16:rowId xmlns:a16="http://schemas.microsoft.com/office/drawing/2014/main" xmlns="" val="10001"/>
                   </a:ext>
                 </a:extLst>
               </a:tr>
@@ -21315,7 +21327,7 @@
                 </a:tc>
                 <a:extLst>
                   <a:ext uri="{0D108BD9-81ED-4DB2-BD59-A6C34878D82A}">
-                    <a16:rowId xmlns:a16="http://schemas.microsoft.com/office/drawing/2014/main" val="10002"/>
+                    <a16:rowId xmlns:a16="http://schemas.microsoft.com/office/drawing/2014/main" xmlns="" val="10002"/>
                   </a:ext>
                 </a:extLst>
               </a:tr>
@@ -21387,7 +21399,7 @@
                 </a:tc>
                 <a:extLst>
                   <a:ext uri="{0D108BD9-81ED-4DB2-BD59-A6C34878D82A}">
-                    <a16:rowId xmlns:a16="http://schemas.microsoft.com/office/drawing/2014/main" val="10003"/>
+                    <a16:rowId xmlns:a16="http://schemas.microsoft.com/office/drawing/2014/main" xmlns="" val="10003"/>
                   </a:ext>
                 </a:extLst>
               </a:tr>
@@ -21443,7 +21455,7 @@
                 </a:tc>
                 <a:extLst>
                   <a:ext uri="{0D108BD9-81ED-4DB2-BD59-A6C34878D82A}">
-                    <a16:rowId xmlns:a16="http://schemas.microsoft.com/office/drawing/2014/main" val="10004"/>
+                    <a16:rowId xmlns:a16="http://schemas.microsoft.com/office/drawing/2014/main" xmlns="" val="10004"/>
                   </a:ext>
                 </a:extLst>
               </a:tr>
@@ -21507,7 +21519,7 @@
                 </a:tc>
                 <a:extLst>
                   <a:ext uri="{0D108BD9-81ED-4DB2-BD59-A6C34878D82A}">
-                    <a16:rowId xmlns:a16="http://schemas.microsoft.com/office/drawing/2014/main" val="10005"/>
+                    <a16:rowId xmlns:a16="http://schemas.microsoft.com/office/drawing/2014/main" xmlns="" val="10005"/>
                   </a:ext>
                 </a:extLst>
               </a:tr>

--- a/reflections-on-trusting-trust-slides.pptx
+++ b/reflections-on-trusting-trust-slides.pptx
@@ -237,7 +237,7 @@
           <a:p>
             <a:fld id="{DBB36151-A010-D04C-8956-928746249808}" type="datetimeFigureOut">
               <a:rPr lang="en-US" smtClean="0"/>
-              <a:t>1/25/16</a:t>
+              <a:t>3/2/16</a:t>
             </a:fld>
             <a:endParaRPr lang="en-US"/>
           </a:p>
@@ -402,7 +402,7 @@
           <a:p>
             <a:fld id="{A4C7C88C-CDFE-4350-B2C5-3C6CAEFDB07C}" type="datetimeFigureOut">
               <a:rPr lang="en-SG" smtClean="0"/>
-              <a:t>25/1/16</a:t>
+              <a:t>2/3/16</a:t>
             </a:fld>
             <a:endParaRPr lang="en-SG"/>
           </a:p>
@@ -801,7 +801,7 @@
           <a:p>
             <a:fld id="{422F67E2-38E7-4A1D-97B7-1A3D76F52D34}" type="datetime1">
               <a:rPr lang="en-SG" smtClean="0"/>
-              <a:t>25/1/16</a:t>
+              <a:t>2/3/16</a:t>
             </a:fld>
             <a:endParaRPr lang="en-SG"/>
           </a:p>
@@ -971,7 +971,7 @@
           <a:p>
             <a:fld id="{571D26BE-CF29-49E8-90A9-693FA176DA2E}" type="datetime1">
               <a:rPr lang="en-SG" smtClean="0"/>
-              <a:t>25/1/16</a:t>
+              <a:t>2/3/16</a:t>
             </a:fld>
             <a:endParaRPr lang="en-SG"/>
           </a:p>
@@ -1151,7 +1151,7 @@
           <a:p>
             <a:fld id="{9465F57D-487B-4FA9-9804-4E6B1445D87E}" type="datetime1">
               <a:rPr lang="en-SG" smtClean="0"/>
-              <a:t>25/1/16</a:t>
+              <a:t>2/3/16</a:t>
             </a:fld>
             <a:endParaRPr lang="en-SG"/>
           </a:p>
@@ -1321,7 +1321,7 @@
           <a:p>
             <a:fld id="{FF100F33-09D9-4424-9CFF-3583AE8E001C}" type="datetime1">
               <a:rPr lang="en-SG" smtClean="0"/>
-              <a:t>25/1/16</a:t>
+              <a:t>2/3/16</a:t>
             </a:fld>
             <a:endParaRPr lang="en-SG"/>
           </a:p>
@@ -1565,7 +1565,7 @@
           <a:p>
             <a:fld id="{FEDF4C57-AE9B-4009-AE25-E54332066983}" type="datetime1">
               <a:rPr lang="en-SG" smtClean="0"/>
-              <a:t>25/1/16</a:t>
+              <a:t>2/3/16</a:t>
             </a:fld>
             <a:endParaRPr lang="en-SG"/>
           </a:p>
@@ -1797,7 +1797,7 @@
           <a:p>
             <a:fld id="{8804DBDF-77D8-4526-82F0-2FD9258F6F4E}" type="datetime1">
               <a:rPr lang="en-SG" smtClean="0"/>
-              <a:t>25/1/16</a:t>
+              <a:t>2/3/16</a:t>
             </a:fld>
             <a:endParaRPr lang="en-SG"/>
           </a:p>
@@ -2164,7 +2164,7 @@
           <a:p>
             <a:fld id="{2EDDACF3-1137-43EC-8B9B-FFC39405A05F}" type="datetime1">
               <a:rPr lang="en-SG" smtClean="0"/>
-              <a:t>25/1/16</a:t>
+              <a:t>2/3/16</a:t>
             </a:fld>
             <a:endParaRPr lang="en-SG"/>
           </a:p>
@@ -2282,7 +2282,7 @@
           <a:p>
             <a:fld id="{7EA35B8A-1AE7-4E07-AA62-B18CC233816A}" type="datetime1">
               <a:rPr lang="en-SG" smtClean="0"/>
-              <a:t>25/1/16</a:t>
+              <a:t>2/3/16</a:t>
             </a:fld>
             <a:endParaRPr lang="en-SG"/>
           </a:p>
@@ -2377,7 +2377,7 @@
           <a:p>
             <a:fld id="{3E5DB0B1-4D46-4B8D-87D9-ED3A0D6268D9}" type="datetime1">
               <a:rPr lang="en-SG" smtClean="0"/>
-              <a:t>25/1/16</a:t>
+              <a:t>2/3/16</a:t>
             </a:fld>
             <a:endParaRPr lang="en-SG"/>
           </a:p>
@@ -2654,7 +2654,7 @@
           <a:p>
             <a:fld id="{B5FAF827-52F0-4265-95B3-9B7BE33238A1}" type="datetime1">
               <a:rPr lang="en-SG" smtClean="0"/>
-              <a:t>25/1/16</a:t>
+              <a:t>2/3/16</a:t>
             </a:fld>
             <a:endParaRPr lang="en-SG"/>
           </a:p>
@@ -2911,7 +2911,7 @@
           <a:p>
             <a:fld id="{FB910920-7330-4500-8EED-E7F9B59504DB}" type="datetime1">
               <a:rPr lang="en-SG" smtClean="0"/>
-              <a:t>25/1/16</a:t>
+              <a:t>2/3/16</a:t>
             </a:fld>
             <a:endParaRPr lang="en-SG"/>
           </a:p>
@@ -3124,7 +3124,7 @@
           <a:p>
             <a:fld id="{049282E9-B576-43F6-B614-0FB8874DC925}" type="datetime1">
               <a:rPr lang="en-SG" smtClean="0"/>
-              <a:t>25/1/16</a:t>
+              <a:t>2/3/16</a:t>
             </a:fld>
             <a:endParaRPr lang="en-SG"/>
           </a:p>
@@ -3711,8 +3711,8 @@
         </p:nvSpPr>
         <p:spPr>
           <a:xfrm>
-            <a:off x="0" y="6174859"/>
-            <a:ext cx="3552497" cy="369332"/>
+            <a:off x="36933" y="6030199"/>
+            <a:ext cx="4810370" cy="584775"/>
           </a:xfrm>
           <a:prstGeom prst="rect">
             <a:avLst/>
@@ -3726,10 +3726,24 @@
           <a:lstStyle/>
           <a:p>
             <a:r>
-              <a:rPr lang="en-SG" dirty="0" smtClean="0"/>
+              <a:rPr lang="en-SG" sz="1600" dirty="0" smtClean="0"/>
+              <a:t>Security Wednesdays #8 @ NUS </a:t>
+            </a:r>
+            <a:r>
+              <a:rPr lang="en-SG" sz="1600" dirty="0" err="1" smtClean="0"/>
+              <a:t>Greyhats</a:t>
+            </a:r>
+            <a:r>
+              <a:rPr lang="en-SG" sz="1600" dirty="0" smtClean="0"/>
+              <a:t> (9 Mar 2016)</a:t>
+            </a:r>
+          </a:p>
+          <a:p>
+            <a:r>
+              <a:rPr lang="en-SG" sz="1600" dirty="0" smtClean="0"/>
               <a:t>Papers We Love #16 (25 Jan 2016)</a:t>
             </a:r>
-            <a:endParaRPr lang="en-SG" dirty="0"/>
+            <a:endParaRPr lang="en-SG" sz="1600" dirty="0"/>
           </a:p>
         </p:txBody>
       </p:sp>
@@ -3741,8 +3755,8 @@
         </p:nvSpPr>
         <p:spPr>
           <a:xfrm>
-            <a:off x="4271554" y="6174859"/>
-            <a:ext cx="4872446" cy="615553"/>
+            <a:off x="4847303" y="6007062"/>
+            <a:ext cx="4296697" cy="553998"/>
           </a:xfrm>
           <a:prstGeom prst="rect">
             <a:avLst/>
@@ -3756,31 +3770,31 @@
           <a:lstStyle/>
           <a:p>
             <a:r>
-              <a:rPr lang="en-SG" dirty="0" smtClean="0"/>
+              <a:rPr lang="en-SG" sz="1600" dirty="0" smtClean="0"/>
               <a:t>By: Yeo Kheng Meng (</a:t>
             </a:r>
             <a:r>
-              <a:rPr lang="en-SG" dirty="0" smtClean="0">
+              <a:rPr lang="en-SG" sz="1600" dirty="0" smtClean="0">
                 <a:hlinkClick r:id="rId5"/>
               </a:rPr>
               <a:t>yeokm1@gmail.com)</a:t>
             </a:r>
-            <a:endParaRPr lang="en-SG" dirty="0" smtClean="0"/>
-          </a:p>
-          <a:p>
-            <a:r>
-              <a:rPr lang="en-SG" sz="1600" dirty="0">
+            <a:endParaRPr lang="en-SG" sz="1600" dirty="0" smtClean="0"/>
+          </a:p>
+          <a:p>
+            <a:r>
+              <a:rPr lang="en-SG" sz="1400" dirty="0">
                 <a:hlinkClick r:id="rId6"/>
               </a:rPr>
               <a:t>https://</a:t>
             </a:r>
             <a:r>
-              <a:rPr lang="en-SG" sz="1600" dirty="0" smtClean="0">
+              <a:rPr lang="en-SG" sz="1400" dirty="0" smtClean="0">
                 <a:hlinkClick r:id="rId6"/>
               </a:rPr>
               <a:t>github.com/yeokm1/reflections-of-trusting-trust</a:t>
             </a:r>
-            <a:endParaRPr lang="en-SG" sz="1600" dirty="0" smtClean="0"/>
+            <a:endParaRPr lang="en-SG" sz="1400" dirty="0" smtClean="0"/>
           </a:p>
         </p:txBody>
       </p:sp>
@@ -4505,13 +4519,13 @@
         </p:nvSpPr>
         <p:spPr>
           <a:xfrm>
-            <a:off x="628650" y="925286"/>
-            <a:ext cx="7886700" cy="5562600"/>
+            <a:off x="187358" y="799918"/>
+            <a:ext cx="7886700" cy="1083449"/>
           </a:xfrm>
         </p:spPr>
         <p:txBody>
           <a:bodyPr>
-            <a:normAutofit lnSpcReduction="10000"/>
+            <a:normAutofit/>
           </a:bodyPr>
           <a:lstStyle/>
           <a:p>
@@ -4529,189 +4543,13 @@
             </a:r>
           </a:p>
           <a:p>
-            <a:r>
-              <a:rPr lang="en-US" dirty="0" smtClean="0"/>
-              <a:t>Compile with existing compiler</a:t>
-            </a:r>
-          </a:p>
-          <a:p>
-            <a:pPr lvl="1"/>
-            <a:r>
-              <a:rPr lang="en-US" sz="2000" dirty="0" smtClean="0"/>
-              <a:t>../</a:t>
-            </a:r>
-            <a:r>
-              <a:rPr lang="en-US" sz="2000" dirty="0"/>
-              <a:t>clean-</a:t>
-            </a:r>
-            <a:r>
-              <a:rPr lang="en-US" sz="2000" dirty="0" err="1"/>
-              <a:t>compiler.out</a:t>
-            </a:r>
-            <a:r>
-              <a:rPr lang="en-US" sz="2000" dirty="0"/>
-              <a:t>  </a:t>
-            </a:r>
-            <a:r>
-              <a:rPr lang="en-US" sz="2000" dirty="0" err="1"/>
-              <a:t>hw-new.c</a:t>
-            </a:r>
-            <a:r>
-              <a:rPr lang="en-US" sz="2000" dirty="0"/>
-              <a:t> -o </a:t>
-            </a:r>
-            <a:r>
-              <a:rPr lang="en-US" sz="2000" dirty="0" err="1" smtClean="0"/>
-              <a:t>hw-new.out</a:t>
-            </a:r>
-            <a:endParaRPr lang="en-US" sz="2000" dirty="0" smtClean="0"/>
-          </a:p>
-          <a:p>
-            <a:pPr lvl="1"/>
-            <a:r>
-              <a:rPr lang="en-US" sz="2000" dirty="0" smtClean="0"/>
-              <a:t>Existing compiler does not </a:t>
-            </a:r>
-            <a:r>
-              <a:rPr lang="en-US" sz="2000" dirty="0" err="1" smtClean="0"/>
-              <a:t>recognise</a:t>
-            </a:r>
-            <a:r>
-              <a:rPr lang="en-US" sz="2000" dirty="0" smtClean="0"/>
-              <a:t> ”uint1” keyword</a:t>
-            </a:r>
+            <a:endParaRPr lang="en-US" dirty="0"/>
+          </a:p>
+          <a:p>
             <a:endParaRPr lang="en-US" dirty="0" smtClean="0"/>
           </a:p>
           <a:p>
-            <a:r>
-              <a:rPr lang="en-US" dirty="0" smtClean="0"/>
-              <a:t>We train our compiler to </a:t>
-            </a:r>
-            <a:r>
-              <a:rPr lang="en-US" dirty="0" err="1" smtClean="0"/>
-              <a:t>recognise</a:t>
-            </a:r>
-            <a:r>
-              <a:rPr lang="en-US" dirty="0" smtClean="0"/>
-              <a:t> “uint1”</a:t>
-            </a:r>
-          </a:p>
-          <a:p>
             <a:endParaRPr lang="en-US" dirty="0" smtClean="0"/>
-          </a:p>
-          <a:p>
-            <a:endParaRPr lang="en-US" dirty="0"/>
-          </a:p>
-          <a:p>
-            <a:endParaRPr lang="en-US" dirty="0" smtClean="0"/>
-          </a:p>
-          <a:p>
-            <a:endParaRPr lang="en-US" dirty="0" smtClean="0"/>
-          </a:p>
-          <a:p>
-            <a:pPr lvl="1"/>
-            <a:r>
-              <a:rPr lang="en-US" sz="2000" dirty="0" smtClean="0"/>
-              <a:t>Use existing compiler to compile “training-</a:t>
-            </a:r>
-            <a:r>
-              <a:rPr lang="en-US" sz="2000" dirty="0" err="1" smtClean="0"/>
-              <a:t>compiler.c</a:t>
-            </a:r>
-            <a:r>
-              <a:rPr lang="en-US" sz="2000" dirty="0" smtClean="0"/>
-              <a:t>”</a:t>
-            </a:r>
-          </a:p>
-          <a:p>
-            <a:pPr lvl="1"/>
-            <a:r>
-              <a:rPr lang="en-US" sz="2000" dirty="0" smtClean="0"/>
-              <a:t>../</a:t>
-            </a:r>
-            <a:r>
-              <a:rPr lang="en-US" sz="2000" dirty="0"/>
-              <a:t>clean-</a:t>
-            </a:r>
-            <a:r>
-              <a:rPr lang="en-US" sz="2000" dirty="0" err="1"/>
-              <a:t>compiler.out</a:t>
-            </a:r>
-            <a:r>
-              <a:rPr lang="en-US" sz="2000" dirty="0"/>
-              <a:t>  </a:t>
-            </a:r>
-            <a:r>
-              <a:rPr lang="en-US" sz="2000" dirty="0" smtClean="0"/>
-              <a:t>training-</a:t>
-            </a:r>
-            <a:r>
-              <a:rPr lang="en-US" sz="2000" dirty="0" err="1" smtClean="0"/>
-              <a:t>compiler.c</a:t>
-            </a:r>
-            <a:r>
-              <a:rPr lang="en-US" sz="2000" dirty="0" smtClean="0"/>
-              <a:t> –o training-</a:t>
-            </a:r>
-            <a:r>
-              <a:rPr lang="en-US" sz="2000" dirty="0" err="1" smtClean="0"/>
-              <a:t>compiler.out</a:t>
-            </a:r>
-            <a:endParaRPr lang="en-US" sz="2000" dirty="0" smtClean="0"/>
-          </a:p>
-          <a:p>
-            <a:r>
-              <a:rPr lang="en-US" dirty="0" smtClean="0"/>
-              <a:t>Our compiler now </a:t>
-            </a:r>
-            <a:r>
-              <a:rPr lang="en-US" dirty="0" err="1" smtClean="0"/>
-              <a:t>recognises</a:t>
-            </a:r>
-            <a:r>
-              <a:rPr lang="en-US" dirty="0" smtClean="0"/>
-              <a:t> “uint1”</a:t>
-            </a:r>
-          </a:p>
-          <a:p>
-            <a:pPr lvl="1"/>
-            <a:r>
-              <a:rPr lang="en-US" sz="2000" dirty="0"/>
-              <a:t>./training-</a:t>
-            </a:r>
-            <a:r>
-              <a:rPr lang="en-US" sz="2000" dirty="0" err="1"/>
-              <a:t>compiler.out</a:t>
-            </a:r>
-            <a:r>
-              <a:rPr lang="en-US" sz="2000" dirty="0"/>
-              <a:t> </a:t>
-            </a:r>
-            <a:r>
-              <a:rPr lang="en-US" sz="2000" dirty="0" err="1"/>
-              <a:t>hw-new.c</a:t>
-            </a:r>
-            <a:r>
-              <a:rPr lang="en-US" sz="2000" dirty="0"/>
-              <a:t> -o </a:t>
-            </a:r>
-            <a:r>
-              <a:rPr lang="en-US" sz="2000" dirty="0" err="1" smtClean="0"/>
-              <a:t>hw-new.out</a:t>
-            </a:r>
-            <a:endParaRPr lang="en-US" sz="2000" dirty="0" smtClean="0"/>
-          </a:p>
-          <a:p>
-            <a:pPr lvl="1"/>
-            <a:r>
-              <a:rPr lang="en-US" sz="2000" dirty="0" smtClean="0"/>
-              <a:t>./</a:t>
-            </a:r>
-            <a:r>
-              <a:rPr lang="en-US" sz="2000" dirty="0" err="1" smtClean="0"/>
-              <a:t>hw-new.out</a:t>
-            </a:r>
-            <a:endParaRPr lang="en-US" sz="2000" dirty="0"/>
           </a:p>
           <a:p>
             <a:pPr lvl="1"/>
@@ -4745,6 +4583,393 @@
           </a:p>
         </p:txBody>
       </p:sp>
+      <p:graphicFrame>
+        <p:nvGraphicFramePr>
+          <p:cNvPr id="5" name="Table 4"/>
+          <p:cNvGraphicFramePr>
+            <a:graphicFrameLocks noGrp="1"/>
+          </p:cNvGraphicFramePr>
+          <p:nvPr>
+            <p:extLst>
+              <p:ext uri="{D42A27DB-BD31-4B8C-83A1-F6EECF244321}">
+                <p14:modId xmlns:p14="http://schemas.microsoft.com/office/powerpoint/2010/main" val="394915224"/>
+              </p:ext>
+            </p:extLst>
+          </p:nvPr>
+        </p:nvGraphicFramePr>
+        <p:xfrm>
+          <a:off x="84524" y="1452282"/>
+          <a:ext cx="8990320" cy="4433689"/>
+        </p:xfrm>
+        <a:graphic>
+          <a:graphicData uri="http://schemas.openxmlformats.org/drawingml/2006/table">
+            <a:tbl>
+              <a:tblPr firstRow="1" bandRow="1">
+                <a:tableStyleId>{5C22544A-7EE6-4342-B048-85BDC9FD1C3A}</a:tableStyleId>
+              </a:tblPr>
+              <a:tblGrid>
+                <a:gridCol w="4080222"/>
+                <a:gridCol w="4910098"/>
+              </a:tblGrid>
+              <a:tr h="539389">
+                <a:tc>
+                  <a:txBody>
+                    <a:bodyPr/>
+                    <a:lstStyle/>
+                    <a:p>
+                      <a:r>
+                        <a:rPr lang="en-US" sz="1400" dirty="0" smtClean="0"/>
+                        <a:t>Step</a:t>
+                      </a:r>
+                      <a:endParaRPr lang="en-US" sz="1400" dirty="0"/>
+                    </a:p>
+                  </a:txBody>
+                  <a:tcPr/>
+                </a:tc>
+                <a:tc>
+                  <a:txBody>
+                    <a:bodyPr/>
+                    <a:lstStyle/>
+                    <a:p>
+                      <a:r>
+                        <a:rPr lang="en-US" sz="1400" dirty="0" smtClean="0"/>
+                        <a:t>Command</a:t>
+                      </a:r>
+                      <a:endParaRPr lang="en-US" sz="1400" dirty="0"/>
+                    </a:p>
+                  </a:txBody>
+                  <a:tcPr/>
+                </a:tc>
+              </a:tr>
+              <a:tr h="437861">
+                <a:tc>
+                  <a:txBody>
+                    <a:bodyPr/>
+                    <a:lstStyle/>
+                    <a:p>
+                      <a:r>
+                        <a:rPr lang="en-US" sz="1400" dirty="0" smtClean="0"/>
+                        <a:t>Open </a:t>
+                      </a:r>
+                      <a:r>
+                        <a:rPr lang="en-US" sz="1400" dirty="0" err="1" smtClean="0"/>
+                        <a:t>hw-new.c</a:t>
+                      </a:r>
+                      <a:endParaRPr lang="en-US" sz="1400" dirty="0" smtClean="0"/>
+                    </a:p>
+                  </a:txBody>
+                  <a:tcPr/>
+                </a:tc>
+                <a:tc>
+                  <a:txBody>
+                    <a:bodyPr/>
+                    <a:lstStyle/>
+                    <a:p>
+                      <a:r>
+                        <a:rPr lang="en-US" sz="1400" dirty="0" smtClean="0"/>
+                        <a:t>open</a:t>
+                      </a:r>
+                      <a:r>
+                        <a:rPr lang="en-US" sz="1400" baseline="0" dirty="0" smtClean="0"/>
+                        <a:t> </a:t>
+                      </a:r>
+                      <a:r>
+                        <a:rPr lang="en-US" sz="1400" baseline="0" dirty="0" err="1" smtClean="0"/>
+                        <a:t>hw-new.c</a:t>
+                      </a:r>
+                      <a:endParaRPr lang="en-US" sz="1400" dirty="0" smtClean="0"/>
+                    </a:p>
+                  </a:txBody>
+                  <a:tcPr/>
+                </a:tc>
+              </a:tr>
+              <a:tr h="625025">
+                <a:tc>
+                  <a:txBody>
+                    <a:bodyPr/>
+                    <a:lstStyle/>
+                    <a:p>
+                      <a:r>
+                        <a:rPr lang="en-US" sz="1400" dirty="0" smtClean="0"/>
+                        <a:t>Compile with existing compiler</a:t>
+                      </a:r>
+                    </a:p>
+                    <a:p>
+                      <a:pPr marL="0" marR="0" indent="0" algn="l" defTabSz="914400" rtl="0" eaLnBrk="1" fontAlgn="auto" latinLnBrk="0" hangingPunct="1">
+                        <a:lnSpc>
+                          <a:spcPct val="100000"/>
+                        </a:lnSpc>
+                        <a:spcBef>
+                          <a:spcPts val="0"/>
+                        </a:spcBef>
+                        <a:spcAft>
+                          <a:spcPts val="0"/>
+                        </a:spcAft>
+                        <a:buClrTx/>
+                        <a:buSzTx/>
+                        <a:buFontTx/>
+                        <a:buNone/>
+                        <a:tabLst/>
+                        <a:defRPr/>
+                      </a:pPr>
+                      <a:r>
+                        <a:rPr lang="en-US" sz="1400" dirty="0" smtClean="0"/>
+                        <a:t>(Existing compiler does not </a:t>
+                      </a:r>
+                      <a:r>
+                        <a:rPr lang="en-US" sz="1400" dirty="0" err="1" smtClean="0"/>
+                        <a:t>recognise</a:t>
+                      </a:r>
+                      <a:r>
+                        <a:rPr lang="en-US" sz="1400" dirty="0" smtClean="0"/>
+                        <a:t> ”uint1”)</a:t>
+                      </a:r>
+                    </a:p>
+                  </a:txBody>
+                  <a:tcPr/>
+                </a:tc>
+                <a:tc>
+                  <a:txBody>
+                    <a:bodyPr/>
+                    <a:lstStyle/>
+                    <a:p>
+                      <a:r>
+                        <a:rPr lang="en-US" sz="1400" dirty="0" smtClean="0"/>
+                        <a:t>../clean-</a:t>
+                      </a:r>
+                      <a:r>
+                        <a:rPr lang="en-US" sz="1400" dirty="0" err="1" smtClean="0"/>
+                        <a:t>compiler.out</a:t>
+                      </a:r>
+                      <a:r>
+                        <a:rPr lang="en-US" sz="1400" dirty="0" smtClean="0"/>
+                        <a:t>  </a:t>
+                      </a:r>
+                      <a:r>
+                        <a:rPr lang="en-US" sz="1400" dirty="0" err="1" smtClean="0"/>
+                        <a:t>hw-new.c</a:t>
+                      </a:r>
+                      <a:r>
+                        <a:rPr lang="en-US" sz="1400" dirty="0" smtClean="0"/>
+                        <a:t> -o </a:t>
+                      </a:r>
+                      <a:r>
+                        <a:rPr lang="en-US" sz="1400" dirty="0" err="1" smtClean="0"/>
+                        <a:t>hw-new.out</a:t>
+                      </a:r>
+                      <a:endParaRPr lang="en-US" sz="1400" dirty="0" smtClean="0"/>
+                    </a:p>
+                  </a:txBody>
+                  <a:tcPr/>
+                </a:tc>
+              </a:tr>
+              <a:tr h="1527861">
+                <a:tc>
+                  <a:txBody>
+                    <a:bodyPr/>
+                    <a:lstStyle/>
+                    <a:p>
+                      <a:r>
+                        <a:rPr lang="en-US" sz="1400" dirty="0" smtClean="0"/>
+                        <a:t>Open training-</a:t>
+                      </a:r>
+                      <a:r>
+                        <a:rPr lang="en-US" sz="1400" dirty="0" err="1" smtClean="0"/>
+                        <a:t>compiler.c</a:t>
+                      </a:r>
+                      <a:endParaRPr lang="en-US" sz="1400" dirty="0" smtClean="0"/>
+                    </a:p>
+                  </a:txBody>
+                  <a:tcPr/>
+                </a:tc>
+                <a:tc>
+                  <a:txBody>
+                    <a:bodyPr/>
+                    <a:lstStyle/>
+                    <a:p>
+                      <a:r>
+                        <a:rPr lang="en-US" sz="1400" dirty="0" smtClean="0"/>
+                        <a:t>open training-</a:t>
+                      </a:r>
+                      <a:r>
+                        <a:rPr lang="en-US" sz="1400" dirty="0" err="1" smtClean="0"/>
+                        <a:t>compiler.c</a:t>
+                      </a:r>
+                      <a:endParaRPr lang="en-US" sz="1400" dirty="0" smtClean="0"/>
+                    </a:p>
+                  </a:txBody>
+                  <a:tcPr/>
+                </a:tc>
+              </a:tr>
+              <a:tr h="404126">
+                <a:tc>
+                  <a:txBody>
+                    <a:bodyPr/>
+                    <a:lstStyle/>
+                    <a:p>
+                      <a:r>
+                        <a:rPr lang="en-US" sz="1400" dirty="0" smtClean="0"/>
+                        <a:t>Use existing compiler to compile “training-</a:t>
+                      </a:r>
+                      <a:r>
+                        <a:rPr lang="en-US" sz="1400" dirty="0" err="1" smtClean="0"/>
+                        <a:t>compiler.c</a:t>
+                      </a:r>
+                      <a:r>
+                        <a:rPr lang="en-US" sz="1400" dirty="0" smtClean="0"/>
+                        <a:t>”</a:t>
+                      </a:r>
+                    </a:p>
+                  </a:txBody>
+                  <a:tcPr/>
+                </a:tc>
+                <a:tc>
+                  <a:txBody>
+                    <a:bodyPr/>
+                    <a:lstStyle/>
+                    <a:p>
+                      <a:r>
+                        <a:rPr lang="en-US" sz="1400" dirty="0" smtClean="0"/>
+                        <a:t>../</a:t>
+                      </a:r>
+                      <a:r>
+                        <a:rPr lang="en-US" sz="1400" dirty="0" smtClean="0"/>
+                        <a:t>clean-</a:t>
+                      </a:r>
+                      <a:r>
+                        <a:rPr lang="en-US" sz="1400" dirty="0" err="1" smtClean="0"/>
+                        <a:t>compiler.out</a:t>
+                      </a:r>
+                      <a:r>
+                        <a:rPr lang="en-US" sz="1400" dirty="0" smtClean="0"/>
+                        <a:t> </a:t>
+                      </a:r>
+                      <a:r>
+                        <a:rPr lang="en-US" sz="1400" dirty="0" smtClean="0"/>
+                        <a:t>training-</a:t>
+                      </a:r>
+                      <a:r>
+                        <a:rPr lang="en-US" sz="1400" dirty="0" err="1" smtClean="0"/>
+                        <a:t>compiler.c</a:t>
+                      </a:r>
+                      <a:r>
+                        <a:rPr lang="en-US" sz="1400" dirty="0" smtClean="0"/>
+                        <a:t> –o training-</a:t>
+                      </a:r>
+                      <a:r>
+                        <a:rPr lang="en-US" sz="1400" dirty="0" err="1" smtClean="0"/>
+                        <a:t>compiler.out</a:t>
+                      </a:r>
+                      <a:endParaRPr lang="en-US" sz="1400" dirty="0" smtClean="0"/>
+                    </a:p>
+                  </a:txBody>
+                  <a:tcPr/>
+                </a:tc>
+              </a:tr>
+              <a:tr h="360038">
+                <a:tc>
+                  <a:txBody>
+                    <a:bodyPr/>
+                    <a:lstStyle/>
+                    <a:p>
+                      <a:r>
+                        <a:rPr lang="en-US" sz="1400" dirty="0" smtClean="0"/>
+                        <a:t>Use training compiler to compile</a:t>
+                      </a:r>
+                      <a:r>
+                        <a:rPr lang="en-US" sz="1400" baseline="0" dirty="0" smtClean="0"/>
+                        <a:t> </a:t>
+                      </a:r>
+                      <a:r>
+                        <a:rPr lang="en-US" sz="1400" baseline="0" dirty="0" err="1" smtClean="0"/>
+                        <a:t>hw-new.c</a:t>
+                      </a:r>
+                      <a:endParaRPr lang="en-US" sz="1400" dirty="0"/>
+                    </a:p>
+                  </a:txBody>
+                  <a:tcPr/>
+                </a:tc>
+                <a:tc>
+                  <a:txBody>
+                    <a:bodyPr/>
+                    <a:lstStyle/>
+                    <a:p>
+                      <a:r>
+                        <a:rPr lang="en-US" sz="1400" dirty="0" smtClean="0"/>
+                        <a:t>./training-</a:t>
+                      </a:r>
+                      <a:r>
+                        <a:rPr lang="en-US" sz="1400" dirty="0" err="1" smtClean="0"/>
+                        <a:t>compiler.out</a:t>
+                      </a:r>
+                      <a:r>
+                        <a:rPr lang="en-US" sz="1400" dirty="0" smtClean="0"/>
+                        <a:t> </a:t>
+                      </a:r>
+                      <a:r>
+                        <a:rPr lang="en-US" sz="1400" dirty="0" err="1" smtClean="0"/>
+                        <a:t>hw-new.c</a:t>
+                      </a:r>
+                      <a:r>
+                        <a:rPr lang="en-US" sz="1400" dirty="0" smtClean="0"/>
+                        <a:t> -o </a:t>
+                      </a:r>
+                      <a:r>
+                        <a:rPr lang="en-US" sz="1400" dirty="0" err="1" smtClean="0"/>
+                        <a:t>hw-new.out</a:t>
+                      </a:r>
+                      <a:endParaRPr lang="en-US" sz="1400" dirty="0" smtClean="0"/>
+                    </a:p>
+                  </a:txBody>
+                  <a:tcPr/>
+                </a:tc>
+              </a:tr>
+              <a:tr h="539389">
+                <a:tc>
+                  <a:txBody>
+                    <a:bodyPr/>
+                    <a:lstStyle/>
+                    <a:p>
+                      <a:r>
+                        <a:rPr lang="en-US" sz="1400" dirty="0" smtClean="0"/>
+                        <a:t>Run </a:t>
+                      </a:r>
+                      <a:r>
+                        <a:rPr lang="en-US" sz="1400" dirty="0" err="1" smtClean="0"/>
+                        <a:t>hw</a:t>
+                      </a:r>
+                      <a:r>
+                        <a:rPr lang="en-US" sz="1400" dirty="0" smtClean="0"/>
+                        <a:t>-new</a:t>
+                      </a:r>
+                      <a:endParaRPr lang="en-US" sz="1400" dirty="0"/>
+                    </a:p>
+                  </a:txBody>
+                  <a:tcPr/>
+                </a:tc>
+                <a:tc>
+                  <a:txBody>
+                    <a:bodyPr/>
+                    <a:lstStyle/>
+                    <a:p>
+                      <a:r>
+                        <a:rPr lang="en-US" sz="1400" dirty="0" smtClean="0"/>
+                        <a:t>./</a:t>
+                      </a:r>
+                      <a:r>
+                        <a:rPr lang="en-US" sz="1400" dirty="0" err="1" smtClean="0"/>
+                        <a:t>hw-new.out</a:t>
+                      </a:r>
+                      <a:endParaRPr lang="en-US" sz="1400" dirty="0"/>
+                    </a:p>
+                  </a:txBody>
+                  <a:tcPr/>
+                </a:tc>
+              </a:tr>
+            </a:tbl>
+          </a:graphicData>
+        </a:graphic>
+      </p:graphicFrame>
       <p:pic>
         <p:nvPicPr>
           <p:cNvPr id="6" name="Picture 5"/>
@@ -4767,8 +4992,8 @@
         </p:blipFill>
         <p:spPr>
           <a:xfrm>
-            <a:off x="1225550" y="2960914"/>
-            <a:ext cx="5232400" cy="1663700"/>
+            <a:off x="187358" y="3346568"/>
+            <a:ext cx="3746867" cy="1191358"/>
           </a:xfrm>
           <a:prstGeom prst="rect">
             <a:avLst/>
@@ -4850,7 +5075,17 @@
           <a:p>
             <a:r>
               <a:rPr lang="en-US" dirty="0" smtClean="0"/>
-              <a:t>Use training compiler to compile trained compiler</a:t>
+              <a:t>Compiler source code adopts “uint1”</a:t>
+            </a:r>
+          </a:p>
+          <a:p>
+            <a:r>
+              <a:rPr lang="en-US" dirty="0" smtClean="0"/>
+              <a:t>Use </a:t>
+            </a:r>
+            <a:r>
+              <a:rPr lang="en-US" dirty="0" smtClean="0"/>
+              <a:t>training compiler to compile trained compiler</a:t>
             </a:r>
           </a:p>
           <a:p>
@@ -4894,46 +5129,46 @@
           <a:p>
             <a:pPr lvl="1"/>
             <a:r>
-              <a:rPr lang="en-US" dirty="0"/>
+              <a:rPr lang="en-US" sz="2000" dirty="0"/>
               <a:t>./</a:t>
             </a:r>
             <a:r>
-              <a:rPr lang="en-US" dirty="0" smtClean="0"/>
+              <a:rPr lang="en-US" sz="2000" dirty="0" smtClean="0"/>
               <a:t>trained-</a:t>
             </a:r>
             <a:r>
-              <a:rPr lang="en-US" dirty="0" err="1" smtClean="0"/>
+              <a:rPr lang="en-US" sz="2000" dirty="0" err="1" smtClean="0"/>
               <a:t>compiler.out</a:t>
             </a:r>
             <a:r>
-              <a:rPr lang="en-US" dirty="0" smtClean="0"/>
+              <a:rPr lang="en-US" sz="2000" dirty="0" smtClean="0"/>
               <a:t> </a:t>
             </a:r>
             <a:r>
-              <a:rPr lang="en-US" dirty="0" err="1"/>
+              <a:rPr lang="en-US" sz="2000" dirty="0" err="1"/>
               <a:t>hw-new.c</a:t>
             </a:r>
             <a:r>
-              <a:rPr lang="en-US" dirty="0"/>
+              <a:rPr lang="en-US" sz="2000" dirty="0"/>
               <a:t> -o </a:t>
             </a:r>
             <a:r>
-              <a:rPr lang="en-US" dirty="0" err="1"/>
+              <a:rPr lang="en-US" sz="2000" dirty="0" err="1"/>
               <a:t>hw-new.out</a:t>
             </a:r>
-            <a:endParaRPr lang="en-US" dirty="0"/>
+            <a:endParaRPr lang="en-US" sz="2000" dirty="0"/>
           </a:p>
           <a:p>
             <a:pPr lvl="1"/>
             <a:r>
-              <a:rPr lang="en-US" dirty="0"/>
+              <a:rPr lang="en-US" sz="2000" dirty="0"/>
               <a:t>./</a:t>
             </a:r>
             <a:r>
-              <a:rPr lang="en-US" dirty="0" err="1"/>
+              <a:rPr lang="en-US" sz="2000" dirty="0" err="1"/>
               <a:t>hw-new.out</a:t>
             </a:r>
-            <a:endParaRPr lang="en-US" dirty="0"/>
+            <a:endParaRPr lang="en-US" sz="2000" dirty="0"/>
           </a:p>
           <a:p>
             <a:pPr lvl="1"/>
@@ -7752,6 +7987,13 @@
   <p:clrMapOvr>
     <a:masterClrMapping/>
   </p:clrMapOvr>
+  <p:timing>
+    <p:tnLst>
+      <p:par>
+        <p:cTn id="1" dur="indefinite" restart="never" nodeType="tmRoot"/>
+      </p:par>
+    </p:tnLst>
+  </p:timing>
 </p:sld>
 </file>
 
@@ -10100,6 +10342,13 @@
   <p:clrMapOvr>
     <a:masterClrMapping/>
   </p:clrMapOvr>
+  <p:timing>
+    <p:tnLst>
+      <p:par>
+        <p:cTn id="1" dur="indefinite" restart="never" nodeType="tmRoot"/>
+      </p:par>
+    </p:tnLst>
+  </p:timing>
 </p:sld>
 </file>
 
@@ -10208,6 +10457,13 @@
   <p:clrMapOvr>
     <a:masterClrMapping/>
   </p:clrMapOvr>
+  <p:timing>
+    <p:tnLst>
+      <p:par>
+        <p:cTn id="1" dur="indefinite" restart="never" nodeType="tmRoot"/>
+      </p:par>
+    </p:tnLst>
+  </p:timing>
 </p:sld>
 </file>
 
@@ -10250,11 +10506,7 @@
           <a:p>
             <a:r>
               <a:rPr lang="en-US" dirty="0" smtClean="0"/>
-              <a:t>4b. </a:t>
-            </a:r>
-            <a:r>
-              <a:rPr lang="en-US" dirty="0" smtClean="0"/>
-              <a:t>mysha256.c</a:t>
+              <a:t>4b. mysha256.c</a:t>
             </a:r>
             <a:endParaRPr lang="en-US" dirty="0"/>
           </a:p>
@@ -10529,11 +10781,7 @@
           <a:p>
             <a:r>
               <a:rPr lang="en-US" dirty="0" smtClean="0"/>
-              <a:t>4c. </a:t>
-            </a:r>
-            <a:r>
-              <a:rPr lang="en-US" dirty="0" smtClean="0"/>
-              <a:t>mysha256-hacked.c</a:t>
+              <a:t>4c. mysha256-hacked.c</a:t>
             </a:r>
             <a:endParaRPr lang="en-US" dirty="0"/>
           </a:p>
@@ -10814,11 +11062,7 @@
           <a:p>
             <a:r>
               <a:rPr lang="en-US" dirty="0" smtClean="0"/>
-              <a:t>4d. </a:t>
-            </a:r>
-            <a:r>
-              <a:rPr lang="en-US" dirty="0" smtClean="0"/>
-              <a:t>compiler-hack-</a:t>
+              <a:t>4d. compiler-hack-</a:t>
             </a:r>
             <a:r>
               <a:rPr lang="en-US" dirty="0" err="1" smtClean="0"/>
@@ -18936,7 +19180,11 @@
             <a:pPr algn="ctr"/>
             <a:r>
               <a:rPr lang="en-US" dirty="0" smtClean="0"/>
-              <a:t>The End</a:t>
+              <a:t>The </a:t>
+            </a:r>
+            <a:r>
+              <a:rPr lang="en-US" dirty="0" smtClean="0"/>
+              <a:t>End / Questions?</a:t>
             </a:r>
             <a:endParaRPr lang="en-US" dirty="0"/>
           </a:p>
@@ -19013,36 +19261,6 @@
               <a:t>github.com/yeokm1/reflections-of-trusting-trust</a:t>
             </a:r>
             <a:endParaRPr lang="en-SG" sz="1600" dirty="0" smtClean="0"/>
-          </a:p>
-        </p:txBody>
-      </p:sp>
-      <p:sp>
-        <p:nvSpPr>
-          <p:cNvPr id="6" name="TextBox 5"/>
-          <p:cNvSpPr txBox="1"/>
-          <p:nvPr/>
-        </p:nvSpPr>
-        <p:spPr>
-          <a:xfrm>
-            <a:off x="0" y="6174859"/>
-            <a:ext cx="3552497" cy="369332"/>
-          </a:xfrm>
-          <a:prstGeom prst="rect">
-            <a:avLst/>
-          </a:prstGeom>
-          <a:noFill/>
-        </p:spPr>
-        <p:txBody>
-          <a:bodyPr wrap="square" rtlCol="0">
-            <a:spAutoFit/>
-          </a:bodyPr>
-          <a:lstStyle/>
-          <a:p>
-            <a:r>
-              <a:rPr lang="en-SG" dirty="0" smtClean="0"/>
-              <a:t>Papers We Love #16 (25 Jan 2016)</a:t>
-            </a:r>
-            <a:endParaRPr lang="en-SG" dirty="0"/>
           </a:p>
         </p:txBody>
       </p:sp>

--- a/reflections-on-trusting-trust-slides.pptx
+++ b/reflections-on-trusting-trust-slides.pptx
@@ -5,10 +5,10 @@
     <p:sldMasterId id="2147483660" r:id="rId1"/>
   </p:sldMasterIdLst>
   <p:notesMasterIdLst>
-    <p:notesMasterId r:id="rId40"/>
+    <p:notesMasterId r:id="rId41"/>
   </p:notesMasterIdLst>
   <p:handoutMasterIdLst>
-    <p:handoutMasterId r:id="rId41"/>
+    <p:handoutMasterId r:id="rId42"/>
   </p:handoutMasterIdLst>
   <p:sldIdLst>
     <p:sldId id="256" r:id="rId2"/>
@@ -16,39 +16,40 @@
     <p:sldId id="257" r:id="rId4"/>
     <p:sldId id="262" r:id="rId5"/>
     <p:sldId id="259" r:id="rId6"/>
-    <p:sldId id="260" r:id="rId7"/>
-    <p:sldId id="261" r:id="rId8"/>
-    <p:sldId id="263" r:id="rId9"/>
-    <p:sldId id="265" r:id="rId10"/>
-    <p:sldId id="264" r:id="rId11"/>
-    <p:sldId id="267" r:id="rId12"/>
-    <p:sldId id="268" r:id="rId13"/>
-    <p:sldId id="269" r:id="rId14"/>
-    <p:sldId id="277" r:id="rId15"/>
-    <p:sldId id="270" r:id="rId16"/>
-    <p:sldId id="271" r:id="rId17"/>
-    <p:sldId id="273" r:id="rId18"/>
-    <p:sldId id="274" r:id="rId19"/>
-    <p:sldId id="276" r:id="rId20"/>
-    <p:sldId id="285" r:id="rId21"/>
-    <p:sldId id="275" r:id="rId22"/>
-    <p:sldId id="272" r:id="rId23"/>
-    <p:sldId id="278" r:id="rId24"/>
-    <p:sldId id="280" r:id="rId25"/>
-    <p:sldId id="281" r:id="rId26"/>
-    <p:sldId id="279" r:id="rId27"/>
-    <p:sldId id="282" r:id="rId28"/>
-    <p:sldId id="283" r:id="rId29"/>
-    <p:sldId id="284" r:id="rId30"/>
-    <p:sldId id="287" r:id="rId31"/>
-    <p:sldId id="286" r:id="rId32"/>
-    <p:sldId id="288" r:id="rId33"/>
-    <p:sldId id="289" r:id="rId34"/>
-    <p:sldId id="291" r:id="rId35"/>
-    <p:sldId id="290" r:id="rId36"/>
-    <p:sldId id="292" r:id="rId37"/>
-    <p:sldId id="266" r:id="rId38"/>
-    <p:sldId id="293" r:id="rId39"/>
+    <p:sldId id="295" r:id="rId7"/>
+    <p:sldId id="260" r:id="rId8"/>
+    <p:sldId id="261" r:id="rId9"/>
+    <p:sldId id="263" r:id="rId10"/>
+    <p:sldId id="265" r:id="rId11"/>
+    <p:sldId id="264" r:id="rId12"/>
+    <p:sldId id="267" r:id="rId13"/>
+    <p:sldId id="268" r:id="rId14"/>
+    <p:sldId id="269" r:id="rId15"/>
+    <p:sldId id="277" r:id="rId16"/>
+    <p:sldId id="270" r:id="rId17"/>
+    <p:sldId id="271" r:id="rId18"/>
+    <p:sldId id="273" r:id="rId19"/>
+    <p:sldId id="274" r:id="rId20"/>
+    <p:sldId id="276" r:id="rId21"/>
+    <p:sldId id="285" r:id="rId22"/>
+    <p:sldId id="275" r:id="rId23"/>
+    <p:sldId id="272" r:id="rId24"/>
+    <p:sldId id="278" r:id="rId25"/>
+    <p:sldId id="280" r:id="rId26"/>
+    <p:sldId id="281" r:id="rId27"/>
+    <p:sldId id="279" r:id="rId28"/>
+    <p:sldId id="282" r:id="rId29"/>
+    <p:sldId id="283" r:id="rId30"/>
+    <p:sldId id="284" r:id="rId31"/>
+    <p:sldId id="287" r:id="rId32"/>
+    <p:sldId id="286" r:id="rId33"/>
+    <p:sldId id="288" r:id="rId34"/>
+    <p:sldId id="289" r:id="rId35"/>
+    <p:sldId id="291" r:id="rId36"/>
+    <p:sldId id="290" r:id="rId37"/>
+    <p:sldId id="292" r:id="rId38"/>
+    <p:sldId id="266" r:id="rId39"/>
+    <p:sldId id="293" r:id="rId40"/>
   </p:sldIdLst>
   <p:sldSz cx="9144000" cy="6858000" type="screen4x3"/>
   <p:notesSz cx="9144000" cy="6858000"/>
@@ -237,7 +238,7 @@
           <a:p>
             <a:fld id="{DBB36151-A010-D04C-8956-928746249808}" type="datetimeFigureOut">
               <a:rPr lang="en-US" smtClean="0"/>
-              <a:t>3/2/16</a:t>
+              <a:t>3/5/2016</a:t>
             </a:fld>
             <a:endParaRPr lang="en-US"/>
           </a:p>
@@ -402,7 +403,7 @@
           <a:p>
             <a:fld id="{A4C7C88C-CDFE-4350-B2C5-3C6CAEFDB07C}" type="datetimeFigureOut">
               <a:rPr lang="en-SG" smtClean="0"/>
-              <a:t>2/3/16</a:t>
+              <a:t>5/3/2016</a:t>
             </a:fld>
             <a:endParaRPr lang="en-SG"/>
           </a:p>
@@ -466,35 +467,35 @@
           <a:p>
             <a:pPr lvl="0"/>
             <a:r>
-              <a:rPr lang="en-US" smtClean="0"/>
+              <a:rPr lang="en-US"/>
               <a:t>Edit Master text styles</a:t>
             </a:r>
           </a:p>
           <a:p>
             <a:pPr lvl="1"/>
             <a:r>
-              <a:rPr lang="en-US" smtClean="0"/>
+              <a:rPr lang="en-US"/>
               <a:t>Second level</a:t>
             </a:r>
           </a:p>
           <a:p>
             <a:pPr lvl="2"/>
             <a:r>
-              <a:rPr lang="en-US" smtClean="0"/>
+              <a:rPr lang="en-US"/>
               <a:t>Third level</a:t>
             </a:r>
           </a:p>
           <a:p>
             <a:pPr lvl="3"/>
             <a:r>
-              <a:rPr lang="en-US" smtClean="0"/>
+              <a:rPr lang="en-US"/>
               <a:t>Fourth level</a:t>
             </a:r>
           </a:p>
           <a:p>
             <a:pPr lvl="4"/>
             <a:r>
-              <a:rPr lang="en-US" smtClean="0"/>
+              <a:rPr lang="en-US"/>
               <a:t>Fifth level</a:t>
             </a:r>
             <a:endParaRPr lang="en-SG"/>
@@ -712,7 +713,7 @@
           </a:lstStyle>
           <a:p>
             <a:r>
-              <a:rPr lang="en-US" smtClean="0"/>
+              <a:rPr lang="en-US"/>
               <a:t>Click to edit Master title style</a:t>
             </a:r>
             <a:endParaRPr lang="en-US" dirty="0"/>
@@ -777,7 +778,7 @@
           </a:lstStyle>
           <a:p>
             <a:r>
-              <a:rPr lang="en-US" smtClean="0"/>
+              <a:rPr lang="en-US"/>
               <a:t>Click to edit Master subtitle style</a:t>
             </a:r>
             <a:endParaRPr lang="en-US" dirty="0"/>
@@ -801,7 +802,7 @@
           <a:p>
             <a:fld id="{422F67E2-38E7-4A1D-97B7-1A3D76F52D34}" type="datetime1">
               <a:rPr lang="en-SG" smtClean="0"/>
-              <a:t>2/3/16</a:t>
+              <a:t>5/3/2016</a:t>
             </a:fld>
             <a:endParaRPr lang="en-SG"/>
           </a:p>
@@ -895,7 +896,7 @@
           <a:lstStyle/>
           <a:p>
             <a:r>
-              <a:rPr lang="en-US" smtClean="0"/>
+              <a:rPr lang="en-US"/>
               <a:t>Click to edit Master title style</a:t>
             </a:r>
             <a:endParaRPr lang="en-US" dirty="0"/>
@@ -919,35 +920,35 @@
           <a:p>
             <a:pPr lvl="0"/>
             <a:r>
-              <a:rPr lang="en-US" smtClean="0"/>
+              <a:rPr lang="en-US"/>
               <a:t>Click to edit Master text styles</a:t>
             </a:r>
           </a:p>
           <a:p>
             <a:pPr lvl="1"/>
             <a:r>
-              <a:rPr lang="en-US" smtClean="0"/>
+              <a:rPr lang="en-US"/>
               <a:t>Second level</a:t>
             </a:r>
           </a:p>
           <a:p>
             <a:pPr lvl="2"/>
             <a:r>
-              <a:rPr lang="en-US" smtClean="0"/>
+              <a:rPr lang="en-US"/>
               <a:t>Third level</a:t>
             </a:r>
           </a:p>
           <a:p>
             <a:pPr lvl="3"/>
             <a:r>
-              <a:rPr lang="en-US" smtClean="0"/>
+              <a:rPr lang="en-US"/>
               <a:t>Fourth level</a:t>
             </a:r>
           </a:p>
           <a:p>
             <a:pPr lvl="4"/>
             <a:r>
-              <a:rPr lang="en-US" smtClean="0"/>
+              <a:rPr lang="en-US"/>
               <a:t>Fifth level</a:t>
             </a:r>
             <a:endParaRPr lang="en-US" dirty="0"/>
@@ -971,7 +972,7 @@
           <a:p>
             <a:fld id="{571D26BE-CF29-49E8-90A9-693FA176DA2E}" type="datetime1">
               <a:rPr lang="en-SG" smtClean="0"/>
-              <a:t>2/3/16</a:t>
+              <a:t>5/3/2016</a:t>
             </a:fld>
             <a:endParaRPr lang="en-SG"/>
           </a:p>
@@ -1070,7 +1071,7 @@
           <a:lstStyle/>
           <a:p>
             <a:r>
-              <a:rPr lang="en-US" smtClean="0"/>
+              <a:rPr lang="en-US"/>
               <a:t>Click to edit Master title style</a:t>
             </a:r>
             <a:endParaRPr lang="en-US" dirty="0"/>
@@ -1099,35 +1100,35 @@
           <a:p>
             <a:pPr lvl="0"/>
             <a:r>
-              <a:rPr lang="en-US" smtClean="0"/>
+              <a:rPr lang="en-US"/>
               <a:t>Click to edit Master text styles</a:t>
             </a:r>
           </a:p>
           <a:p>
             <a:pPr lvl="1"/>
             <a:r>
-              <a:rPr lang="en-US" smtClean="0"/>
+              <a:rPr lang="en-US"/>
               <a:t>Second level</a:t>
             </a:r>
           </a:p>
           <a:p>
             <a:pPr lvl="2"/>
             <a:r>
-              <a:rPr lang="en-US" smtClean="0"/>
+              <a:rPr lang="en-US"/>
               <a:t>Third level</a:t>
             </a:r>
           </a:p>
           <a:p>
             <a:pPr lvl="3"/>
             <a:r>
-              <a:rPr lang="en-US" smtClean="0"/>
+              <a:rPr lang="en-US"/>
               <a:t>Fourth level</a:t>
             </a:r>
           </a:p>
           <a:p>
             <a:pPr lvl="4"/>
             <a:r>
-              <a:rPr lang="en-US" smtClean="0"/>
+              <a:rPr lang="en-US"/>
               <a:t>Fifth level</a:t>
             </a:r>
             <a:endParaRPr lang="en-US" dirty="0"/>
@@ -1151,7 +1152,7 @@
           <a:p>
             <a:fld id="{9465F57D-487B-4FA9-9804-4E6B1445D87E}" type="datetime1">
               <a:rPr lang="en-SG" smtClean="0"/>
-              <a:t>2/3/16</a:t>
+              <a:t>5/3/2016</a:t>
             </a:fld>
             <a:endParaRPr lang="en-SG"/>
           </a:p>
@@ -1245,7 +1246,7 @@
           <a:lstStyle/>
           <a:p>
             <a:r>
-              <a:rPr lang="en-US" smtClean="0"/>
+              <a:rPr lang="en-US"/>
               <a:t>Click to edit Master title style</a:t>
             </a:r>
             <a:endParaRPr lang="en-US" dirty="0"/>
@@ -1269,35 +1270,35 @@
           <a:p>
             <a:pPr lvl="0"/>
             <a:r>
-              <a:rPr lang="en-US" smtClean="0"/>
+              <a:rPr lang="en-US"/>
               <a:t>Click to edit Master text styles</a:t>
             </a:r>
           </a:p>
           <a:p>
             <a:pPr lvl="1"/>
             <a:r>
-              <a:rPr lang="en-US" smtClean="0"/>
+              <a:rPr lang="en-US"/>
               <a:t>Second level</a:t>
             </a:r>
           </a:p>
           <a:p>
             <a:pPr lvl="2"/>
             <a:r>
-              <a:rPr lang="en-US" smtClean="0"/>
+              <a:rPr lang="en-US"/>
               <a:t>Third level</a:t>
             </a:r>
           </a:p>
           <a:p>
             <a:pPr lvl="3"/>
             <a:r>
-              <a:rPr lang="en-US" smtClean="0"/>
+              <a:rPr lang="en-US"/>
               <a:t>Fourth level</a:t>
             </a:r>
           </a:p>
           <a:p>
             <a:pPr lvl="4"/>
             <a:r>
-              <a:rPr lang="en-US" smtClean="0"/>
+              <a:rPr lang="en-US"/>
               <a:t>Fifth level</a:t>
             </a:r>
             <a:endParaRPr lang="en-US" dirty="0"/>
@@ -1321,7 +1322,7 @@
           <a:p>
             <a:fld id="{FF100F33-09D9-4424-9CFF-3583AE8E001C}" type="datetime1">
               <a:rPr lang="en-SG" smtClean="0"/>
-              <a:t>2/3/16</a:t>
+              <a:t>5/3/2016</a:t>
             </a:fld>
             <a:endParaRPr lang="en-SG"/>
           </a:p>
@@ -1424,7 +1425,7 @@
           </a:lstStyle>
           <a:p>
             <a:r>
-              <a:rPr lang="en-US" smtClean="0"/>
+              <a:rPr lang="en-US"/>
               <a:t>Click to edit Master title style</a:t>
             </a:r>
             <a:endParaRPr lang="en-US" dirty="0"/>
@@ -1542,7 +1543,7 @@
           <a:p>
             <a:pPr lvl="0"/>
             <a:r>
-              <a:rPr lang="en-US" smtClean="0"/>
+              <a:rPr lang="en-US"/>
               <a:t>Click to edit Master text styles</a:t>
             </a:r>
           </a:p>
@@ -1565,7 +1566,7 @@
           <a:p>
             <a:fld id="{FEDF4C57-AE9B-4009-AE25-E54332066983}" type="datetime1">
               <a:rPr lang="en-SG" smtClean="0"/>
-              <a:t>2/3/16</a:t>
+              <a:t>5/3/2016</a:t>
             </a:fld>
             <a:endParaRPr lang="en-SG"/>
           </a:p>
@@ -1659,7 +1660,7 @@
           <a:lstStyle/>
           <a:p>
             <a:r>
-              <a:rPr lang="en-US" smtClean="0"/>
+              <a:rPr lang="en-US"/>
               <a:t>Click to edit Master title style</a:t>
             </a:r>
             <a:endParaRPr lang="en-US" dirty="0"/>
@@ -1688,35 +1689,35 @@
           <a:p>
             <a:pPr lvl="0"/>
             <a:r>
-              <a:rPr lang="en-US" smtClean="0"/>
+              <a:rPr lang="en-US"/>
               <a:t>Click to edit Master text styles</a:t>
             </a:r>
           </a:p>
           <a:p>
             <a:pPr lvl="1"/>
             <a:r>
-              <a:rPr lang="en-US" smtClean="0"/>
+              <a:rPr lang="en-US"/>
               <a:t>Second level</a:t>
             </a:r>
           </a:p>
           <a:p>
             <a:pPr lvl="2"/>
             <a:r>
-              <a:rPr lang="en-US" smtClean="0"/>
+              <a:rPr lang="en-US"/>
               <a:t>Third level</a:t>
             </a:r>
           </a:p>
           <a:p>
             <a:pPr lvl="3"/>
             <a:r>
-              <a:rPr lang="en-US" smtClean="0"/>
+              <a:rPr lang="en-US"/>
               <a:t>Fourth level</a:t>
             </a:r>
           </a:p>
           <a:p>
             <a:pPr lvl="4"/>
             <a:r>
-              <a:rPr lang="en-US" smtClean="0"/>
+              <a:rPr lang="en-US"/>
               <a:t>Fifth level</a:t>
             </a:r>
             <a:endParaRPr lang="en-US" dirty="0"/>
@@ -1745,35 +1746,35 @@
           <a:p>
             <a:pPr lvl="0"/>
             <a:r>
-              <a:rPr lang="en-US" smtClean="0"/>
+              <a:rPr lang="en-US"/>
               <a:t>Click to edit Master text styles</a:t>
             </a:r>
           </a:p>
           <a:p>
             <a:pPr lvl="1"/>
             <a:r>
-              <a:rPr lang="en-US" smtClean="0"/>
+              <a:rPr lang="en-US"/>
               <a:t>Second level</a:t>
             </a:r>
           </a:p>
           <a:p>
             <a:pPr lvl="2"/>
             <a:r>
-              <a:rPr lang="en-US" smtClean="0"/>
+              <a:rPr lang="en-US"/>
               <a:t>Third level</a:t>
             </a:r>
           </a:p>
           <a:p>
             <a:pPr lvl="3"/>
             <a:r>
-              <a:rPr lang="en-US" smtClean="0"/>
+              <a:rPr lang="en-US"/>
               <a:t>Fourth level</a:t>
             </a:r>
           </a:p>
           <a:p>
             <a:pPr lvl="4"/>
             <a:r>
-              <a:rPr lang="en-US" smtClean="0"/>
+              <a:rPr lang="en-US"/>
               <a:t>Fifth level</a:t>
             </a:r>
             <a:endParaRPr lang="en-US" dirty="0"/>
@@ -1797,7 +1798,7 @@
           <a:p>
             <a:fld id="{8804DBDF-77D8-4526-82F0-2FD9258F6F4E}" type="datetime1">
               <a:rPr lang="en-SG" smtClean="0"/>
-              <a:t>2/3/16</a:t>
+              <a:t>5/3/2016</a:t>
             </a:fld>
             <a:endParaRPr lang="en-SG"/>
           </a:p>
@@ -1896,7 +1897,7 @@
           <a:lstStyle/>
           <a:p>
             <a:r>
-              <a:rPr lang="en-US" smtClean="0"/>
+              <a:rPr lang="en-US"/>
               <a:t>Click to edit Master title style</a:t>
             </a:r>
             <a:endParaRPr lang="en-US" dirty="0"/>
@@ -1962,7 +1963,7 @@
           <a:p>
             <a:pPr lvl="0"/>
             <a:r>
-              <a:rPr lang="en-US" smtClean="0"/>
+              <a:rPr lang="en-US"/>
               <a:t>Click to edit Master text styles</a:t>
             </a:r>
           </a:p>
@@ -1990,35 +1991,35 @@
           <a:p>
             <a:pPr lvl="0"/>
             <a:r>
-              <a:rPr lang="en-US" smtClean="0"/>
+              <a:rPr lang="en-US"/>
               <a:t>Click to edit Master text styles</a:t>
             </a:r>
           </a:p>
           <a:p>
             <a:pPr lvl="1"/>
             <a:r>
-              <a:rPr lang="en-US" smtClean="0"/>
+              <a:rPr lang="en-US"/>
               <a:t>Second level</a:t>
             </a:r>
           </a:p>
           <a:p>
             <a:pPr lvl="2"/>
             <a:r>
-              <a:rPr lang="en-US" smtClean="0"/>
+              <a:rPr lang="en-US"/>
               <a:t>Third level</a:t>
             </a:r>
           </a:p>
           <a:p>
             <a:pPr lvl="3"/>
             <a:r>
-              <a:rPr lang="en-US" smtClean="0"/>
+              <a:rPr lang="en-US"/>
               <a:t>Fourth level</a:t>
             </a:r>
           </a:p>
           <a:p>
             <a:pPr lvl="4"/>
             <a:r>
-              <a:rPr lang="en-US" smtClean="0"/>
+              <a:rPr lang="en-US"/>
               <a:t>Fifth level</a:t>
             </a:r>
             <a:endParaRPr lang="en-US" dirty="0"/>
@@ -2084,7 +2085,7 @@
           <a:p>
             <a:pPr lvl="0"/>
             <a:r>
-              <a:rPr lang="en-US" smtClean="0"/>
+              <a:rPr lang="en-US"/>
               <a:t>Click to edit Master text styles</a:t>
             </a:r>
           </a:p>
@@ -2112,35 +2113,35 @@
           <a:p>
             <a:pPr lvl="0"/>
             <a:r>
-              <a:rPr lang="en-US" smtClean="0"/>
+              <a:rPr lang="en-US"/>
               <a:t>Click to edit Master text styles</a:t>
             </a:r>
           </a:p>
           <a:p>
             <a:pPr lvl="1"/>
             <a:r>
-              <a:rPr lang="en-US" smtClean="0"/>
+              <a:rPr lang="en-US"/>
               <a:t>Second level</a:t>
             </a:r>
           </a:p>
           <a:p>
             <a:pPr lvl="2"/>
             <a:r>
-              <a:rPr lang="en-US" smtClean="0"/>
+              <a:rPr lang="en-US"/>
               <a:t>Third level</a:t>
             </a:r>
           </a:p>
           <a:p>
             <a:pPr lvl="3"/>
             <a:r>
-              <a:rPr lang="en-US" smtClean="0"/>
+              <a:rPr lang="en-US"/>
               <a:t>Fourth level</a:t>
             </a:r>
           </a:p>
           <a:p>
             <a:pPr lvl="4"/>
             <a:r>
-              <a:rPr lang="en-US" smtClean="0"/>
+              <a:rPr lang="en-US"/>
               <a:t>Fifth level</a:t>
             </a:r>
             <a:endParaRPr lang="en-US" dirty="0"/>
@@ -2164,7 +2165,7 @@
           <a:p>
             <a:fld id="{2EDDACF3-1137-43EC-8B9B-FFC39405A05F}" type="datetime1">
               <a:rPr lang="en-SG" smtClean="0"/>
-              <a:t>2/3/16</a:t>
+              <a:t>5/3/2016</a:t>
             </a:fld>
             <a:endParaRPr lang="en-SG"/>
           </a:p>
@@ -2258,7 +2259,7 @@
           <a:lstStyle/>
           <a:p>
             <a:r>
-              <a:rPr lang="en-US" smtClean="0"/>
+              <a:rPr lang="en-US"/>
               <a:t>Click to edit Master title style</a:t>
             </a:r>
             <a:endParaRPr lang="en-US" dirty="0"/>
@@ -2282,7 +2283,7 @@
           <a:p>
             <a:fld id="{7EA35B8A-1AE7-4E07-AA62-B18CC233816A}" type="datetime1">
               <a:rPr lang="en-SG" smtClean="0"/>
-              <a:t>2/3/16</a:t>
+              <a:t>5/3/2016</a:t>
             </a:fld>
             <a:endParaRPr lang="en-SG"/>
           </a:p>
@@ -2377,7 +2378,7 @@
           <a:p>
             <a:fld id="{3E5DB0B1-4D46-4B8D-87D9-ED3A0D6268D9}" type="datetime1">
               <a:rPr lang="en-SG" smtClean="0"/>
-              <a:t>2/3/16</a:t>
+              <a:t>5/3/2016</a:t>
             </a:fld>
             <a:endParaRPr lang="en-SG"/>
           </a:p>
@@ -2480,7 +2481,7 @@
           </a:lstStyle>
           <a:p>
             <a:r>
-              <a:rPr lang="en-US" smtClean="0"/>
+              <a:rPr lang="en-US"/>
               <a:t>Click to edit Master title style</a:t>
             </a:r>
             <a:endParaRPr lang="en-US" dirty="0"/>
@@ -2537,35 +2538,35 @@
           <a:p>
             <a:pPr lvl="0"/>
             <a:r>
-              <a:rPr lang="en-US" smtClean="0"/>
+              <a:rPr lang="en-US"/>
               <a:t>Click to edit Master text styles</a:t>
             </a:r>
           </a:p>
           <a:p>
             <a:pPr lvl="1"/>
             <a:r>
-              <a:rPr lang="en-US" smtClean="0"/>
+              <a:rPr lang="en-US"/>
               <a:t>Second level</a:t>
             </a:r>
           </a:p>
           <a:p>
             <a:pPr lvl="2"/>
             <a:r>
-              <a:rPr lang="en-US" smtClean="0"/>
+              <a:rPr lang="en-US"/>
               <a:t>Third level</a:t>
             </a:r>
           </a:p>
           <a:p>
             <a:pPr lvl="3"/>
             <a:r>
-              <a:rPr lang="en-US" smtClean="0"/>
+              <a:rPr lang="en-US"/>
               <a:t>Fourth level</a:t>
             </a:r>
           </a:p>
           <a:p>
             <a:pPr lvl="4"/>
             <a:r>
-              <a:rPr lang="en-US" smtClean="0"/>
+              <a:rPr lang="en-US"/>
               <a:t>Fifth level</a:t>
             </a:r>
             <a:endParaRPr lang="en-US" dirty="0"/>
@@ -2631,7 +2632,7 @@
           <a:p>
             <a:pPr lvl="0"/>
             <a:r>
-              <a:rPr lang="en-US" smtClean="0"/>
+              <a:rPr lang="en-US"/>
               <a:t>Click to edit Master text styles</a:t>
             </a:r>
           </a:p>
@@ -2654,7 +2655,7 @@
           <a:p>
             <a:fld id="{B5FAF827-52F0-4265-95B3-9B7BE33238A1}" type="datetime1">
               <a:rPr lang="en-SG" smtClean="0"/>
-              <a:t>2/3/16</a:t>
+              <a:t>5/3/2016</a:t>
             </a:fld>
             <a:endParaRPr lang="en-SG"/>
           </a:p>
@@ -2757,7 +2758,7 @@
           </a:lstStyle>
           <a:p>
             <a:r>
-              <a:rPr lang="en-US" smtClean="0"/>
+              <a:rPr lang="en-US"/>
               <a:t>Click to edit Master title style</a:t>
             </a:r>
             <a:endParaRPr lang="en-US" dirty="0"/>
@@ -2822,7 +2823,7 @@
           </a:lstStyle>
           <a:p>
             <a:r>
-              <a:rPr lang="en-US" smtClean="0"/>
+              <a:rPr lang="en-US"/>
               <a:t>Click icon to add picture</a:t>
             </a:r>
             <a:endParaRPr lang="en-US" dirty="0"/>
@@ -2888,7 +2889,7 @@
           <a:p>
             <a:pPr lvl="0"/>
             <a:r>
-              <a:rPr lang="en-US" smtClean="0"/>
+              <a:rPr lang="en-US"/>
               <a:t>Click to edit Master text styles</a:t>
             </a:r>
           </a:p>
@@ -2911,7 +2912,7 @@
           <a:p>
             <a:fld id="{FB910920-7330-4500-8EED-E7F9B59504DB}" type="datetime1">
               <a:rPr lang="en-SG" smtClean="0"/>
-              <a:t>2/3/16</a:t>
+              <a:t>5/3/2016</a:t>
             </a:fld>
             <a:endParaRPr lang="en-SG"/>
           </a:p>
@@ -3020,7 +3021,7 @@
           <a:lstStyle/>
           <a:p>
             <a:r>
-              <a:rPr lang="en-US" smtClean="0"/>
+              <a:rPr lang="en-US"/>
               <a:t>Click to edit Master title style</a:t>
             </a:r>
             <a:endParaRPr lang="en-US" dirty="0"/>
@@ -3054,35 +3055,35 @@
           <a:p>
             <a:pPr lvl="0"/>
             <a:r>
-              <a:rPr lang="en-US" smtClean="0"/>
+              <a:rPr lang="en-US"/>
               <a:t>Click to edit Master text styles</a:t>
             </a:r>
           </a:p>
           <a:p>
             <a:pPr lvl="1"/>
             <a:r>
-              <a:rPr lang="en-US" smtClean="0"/>
+              <a:rPr lang="en-US"/>
               <a:t>Second level</a:t>
             </a:r>
           </a:p>
           <a:p>
             <a:pPr lvl="2"/>
             <a:r>
-              <a:rPr lang="en-US" smtClean="0"/>
+              <a:rPr lang="en-US"/>
               <a:t>Third level</a:t>
             </a:r>
           </a:p>
           <a:p>
             <a:pPr lvl="3"/>
             <a:r>
-              <a:rPr lang="en-US" smtClean="0"/>
+              <a:rPr lang="en-US"/>
               <a:t>Fourth level</a:t>
             </a:r>
           </a:p>
           <a:p>
             <a:pPr lvl="4"/>
             <a:r>
-              <a:rPr lang="en-US" smtClean="0"/>
+              <a:rPr lang="en-US"/>
               <a:t>Fifth level</a:t>
             </a:r>
             <a:endParaRPr lang="en-US" dirty="0"/>
@@ -3124,7 +3125,7 @@
           <a:p>
             <a:fld id="{049282E9-B576-43F6-B614-0FB8874DC925}" type="datetime1">
               <a:rPr lang="en-SG" smtClean="0"/>
-              <a:t>2/3/16</a:t>
+              <a:t>5/3/2016</a:t>
             </a:fld>
             <a:endParaRPr lang="en-SG"/>
           </a:p>
@@ -3553,11 +3554,11 @@
           <a:lstStyle/>
           <a:p>
             <a:r>
-              <a:rPr lang="en-SG" dirty="0" smtClean="0"/>
+              <a:rPr lang="en-SG" dirty="0"/>
               <a:t>Reflections </a:t>
             </a:r>
             <a:r>
-              <a:rPr lang="en-SG" smtClean="0"/>
+              <a:rPr lang="en-SG"/>
               <a:t>on Trusting Trust</a:t>
             </a:r>
             <a:endParaRPr lang="en-SG" dirty="0"/>
@@ -3591,23 +3592,15 @@
               <a:buAutoNum type="arabicPeriod"/>
             </a:pPr>
             <a:r>
-              <a:rPr lang="en-SG" sz="2000" b="1" dirty="0" smtClean="0"/>
+              <a:rPr lang="en-SG" sz="2000" b="1" dirty="0"/>
               <a:t>Turing Award Lecture (1984)</a:t>
             </a:r>
           </a:p>
           <a:p>
             <a:pPr lvl="1" algn="l"/>
             <a:r>
-              <a:rPr lang="en-SG" sz="1800" dirty="0" smtClean="0"/>
-              <a:t>Given by: </a:t>
-            </a:r>
-            <a:r>
               <a:rPr lang="en-SG" sz="1800" dirty="0"/>
-              <a:t>Ken </a:t>
-            </a:r>
-            <a:r>
-              <a:rPr lang="en-SG" sz="1800" dirty="0" smtClean="0"/>
-              <a:t>Thompson</a:t>
+              <a:t>Given by: Ken Thompson</a:t>
             </a:r>
           </a:p>
           <a:p>
@@ -3616,15 +3609,9 @@
               <a:rPr lang="en-SG" sz="1800" dirty="0">
                 <a:hlinkClick r:id="rId2"/>
               </a:rPr>
-              <a:t>https://www.ece.cmu.edu/~</a:t>
-            </a:r>
-            <a:r>
-              <a:rPr lang="en-SG" sz="1800" dirty="0" smtClean="0">
-                <a:hlinkClick r:id="rId2"/>
-              </a:rPr>
-              <a:t>ganger/712.fall02/papers/p761-thompson.pdf</a:t>
-            </a:r>
-            <a:endParaRPr lang="en-SG" sz="1800" dirty="0" smtClean="0"/>
+              <a:t>https://www.ece.cmu.edu/~ganger/712.fall02/papers/p761-thompson.pdf</a:t>
+            </a:r>
+            <a:endParaRPr lang="en-SG" sz="1800" dirty="0"/>
           </a:p>
           <a:p>
             <a:pPr marL="457200" indent="-457200" algn="l">
@@ -3632,14 +3619,14 @@
               <a:buAutoNum type="arabicPeriod"/>
             </a:pPr>
             <a:r>
-              <a:rPr lang="en-SG" sz="2000" b="1" dirty="0" smtClean="0"/>
+              <a:rPr lang="en-SG" sz="2000" b="1" dirty="0"/>
               <a:t>Fully Countering Trust through Diverse Double Compiling (2009)</a:t>
             </a:r>
           </a:p>
           <a:p>
             <a:pPr lvl="1" algn="l"/>
             <a:r>
-              <a:rPr lang="en-SG" sz="1800" dirty="0" smtClean="0"/>
+              <a:rPr lang="en-SG" sz="1800" dirty="0"/>
               <a:t>By: David A. Wheeler</a:t>
             </a:r>
           </a:p>
@@ -3649,15 +3636,9 @@
               <a:rPr lang="en-SG" sz="1800" dirty="0">
                 <a:hlinkClick r:id="rId3"/>
               </a:rPr>
-              <a:t>http://</a:t>
-            </a:r>
-            <a:r>
-              <a:rPr lang="en-SG" sz="1800" dirty="0" smtClean="0">
-                <a:hlinkClick r:id="rId3"/>
-              </a:rPr>
-              <a:t>www.dwheeler.com/trusting-trust/dissertation/wheeler-trusting-trust-ddc.pdf</a:t>
-            </a:r>
-            <a:endParaRPr lang="en-SG" sz="1800" dirty="0" smtClean="0"/>
+              <a:t>http://www.dwheeler.com/trusting-trust/dissertation/wheeler-trusting-trust-ddc.pdf</a:t>
+            </a:r>
+            <a:endParaRPr lang="en-SG" sz="1800" dirty="0"/>
           </a:p>
           <a:p>
             <a:pPr marL="457200" indent="-457200" algn="l">
@@ -3665,18 +3646,18 @@
               <a:buAutoNum type="arabicPeriod"/>
             </a:pPr>
             <a:r>
-              <a:rPr lang="en-SG" sz="2000" b="1" dirty="0" smtClean="0"/>
+              <a:rPr lang="en-SG" sz="2000" b="1" dirty="0"/>
               <a:t>Critique of DDC (2010)</a:t>
             </a:r>
           </a:p>
           <a:p>
             <a:pPr lvl="1" algn="l"/>
             <a:r>
-              <a:rPr lang="en-SG" sz="1800" dirty="0" smtClean="0"/>
+              <a:rPr lang="en-SG" sz="1800" dirty="0"/>
               <a:t>By: Paul </a:t>
             </a:r>
             <a:r>
-              <a:rPr lang="en-SG" sz="1800" dirty="0" err="1" smtClean="0"/>
+              <a:rPr lang="en-SG" sz="1800" dirty="0" err="1"/>
               <a:t>Jakma</a:t>
             </a:r>
             <a:endParaRPr lang="en-SG" sz="1800" dirty="0"/>
@@ -3687,15 +3668,9 @@
               <a:rPr lang="en-SG" sz="1800" dirty="0">
                 <a:hlinkClick r:id="rId4"/>
               </a:rPr>
-              <a:t>https://</a:t>
-            </a:r>
-            <a:r>
-              <a:rPr lang="en-SG" sz="1800" dirty="0" smtClean="0">
-                <a:hlinkClick r:id="rId4"/>
-              </a:rPr>
-              <a:t>pjakma.files.wordpress.com/2010/09/critique-ddc.pdf</a:t>
-            </a:r>
-            <a:endParaRPr lang="en-SG" sz="1800" dirty="0" smtClean="0"/>
+              <a:t>https://pjakma.files.wordpress.com/2010/09/critique-ddc.pdf</a:t>
+            </a:r>
+            <a:endParaRPr lang="en-SG" sz="1800" dirty="0"/>
           </a:p>
           <a:p>
             <a:pPr algn="l"/>
@@ -3726,24 +3701,23 @@
           <a:lstStyle/>
           <a:p>
             <a:r>
-              <a:rPr lang="en-SG" sz="1600" dirty="0" smtClean="0"/>
+              <a:rPr lang="en-SG" sz="1600" dirty="0"/>
               <a:t>Security Wednesdays #8 @ NUS </a:t>
             </a:r>
             <a:r>
-              <a:rPr lang="en-SG" sz="1600" dirty="0" err="1" smtClean="0"/>
+              <a:rPr lang="en-SG" sz="1600" dirty="0" err="1"/>
               <a:t>Greyhats</a:t>
             </a:r>
             <a:r>
-              <a:rPr lang="en-SG" sz="1600" dirty="0" smtClean="0"/>
+              <a:rPr lang="en-SG" sz="1600" dirty="0"/>
               <a:t> (9 Mar 2016)</a:t>
             </a:r>
           </a:p>
           <a:p>
             <a:r>
-              <a:rPr lang="en-SG" sz="1600" dirty="0" smtClean="0"/>
+              <a:rPr lang="en-SG" sz="1600" dirty="0"/>
               <a:t>Papers We Love #16 (25 Jan 2016)</a:t>
             </a:r>
-            <a:endParaRPr lang="en-SG" sz="1600" dirty="0"/>
           </a:p>
         </p:txBody>
       </p:sp>
@@ -3770,31 +3744,25 @@
           <a:lstStyle/>
           <a:p>
             <a:r>
-              <a:rPr lang="en-SG" sz="1600" dirty="0" smtClean="0"/>
+              <a:rPr lang="en-SG" sz="1600" dirty="0"/>
               <a:t>By: Yeo Kheng Meng (</a:t>
             </a:r>
             <a:r>
-              <a:rPr lang="en-SG" sz="1600" dirty="0" smtClean="0">
+              <a:rPr lang="en-SG" sz="1600" dirty="0">
                 <a:hlinkClick r:id="rId5"/>
               </a:rPr>
               <a:t>yeokm1@gmail.com)</a:t>
             </a:r>
-            <a:endParaRPr lang="en-SG" sz="1600" dirty="0" smtClean="0"/>
+            <a:endParaRPr lang="en-SG" sz="1600" dirty="0"/>
           </a:p>
           <a:p>
             <a:r>
               <a:rPr lang="en-SG" sz="1400" dirty="0">
                 <a:hlinkClick r:id="rId6"/>
               </a:rPr>
-              <a:t>https://</a:t>
-            </a:r>
-            <a:r>
-              <a:rPr lang="en-SG" sz="1400" dirty="0" smtClean="0">
-                <a:hlinkClick r:id="rId6"/>
-              </a:rPr>
-              <a:t>github.com/yeokm1/reflections-of-trusting-trust</a:t>
-            </a:r>
-            <a:endParaRPr lang="en-SG" sz="1400" dirty="0" smtClean="0"/>
+              <a:t>https://github.com/yeokm1/reflections-of-trusting-trust</a:t>
+            </a:r>
+            <a:endParaRPr lang="en-SG" sz="1400" dirty="0"/>
           </a:p>
         </p:txBody>
       </p:sp>
@@ -3875,8 +3843,8 @@
         </p:nvSpPr>
         <p:spPr>
           <a:xfrm>
-            <a:off x="628650" y="18348"/>
-            <a:ext cx="7886700" cy="1325563"/>
+            <a:off x="248194" y="365126"/>
+            <a:ext cx="8647612" cy="1325563"/>
           </a:xfrm>
         </p:spPr>
         <p:txBody>
@@ -3884,10 +3852,9 @@
           <a:lstStyle/>
           <a:p>
             <a:r>
-              <a:rPr lang="en-SG" dirty="0" smtClean="0"/>
-              <a:t>2b. My ”clean” compiler</a:t>
-            </a:r>
-            <a:endParaRPr lang="en-SG" dirty="0"/>
+              <a:rPr lang="en-US" dirty="0"/>
+              <a:t>2a. Knowledge propagation</a:t>
+            </a:r>
           </a:p>
         </p:txBody>
       </p:sp>
@@ -3901,56 +3868,43 @@
             <p:ph idx="1"/>
           </p:nvPr>
         </p:nvSpPr>
-        <p:spPr>
-          <a:xfrm>
-            <a:off x="628650" y="1134496"/>
-            <a:ext cx="7886700" cy="4351338"/>
-          </a:xfrm>
-        </p:spPr>
-        <p:txBody>
-          <a:bodyPr/>
-          <a:lstStyle/>
-          <a:p>
-            <a:r>
-              <a:rPr lang="en-SG" dirty="0" smtClean="0"/>
-              <a:t>”</a:t>
-            </a:r>
-            <a:r>
-              <a:rPr lang="en-SG" dirty="0" err="1" smtClean="0"/>
-              <a:t>compiler.c</a:t>
-            </a:r>
-            <a:r>
-              <a:rPr lang="en-SG" dirty="0" smtClean="0"/>
-              <a:t>”</a:t>
-            </a:r>
-          </a:p>
-          <a:p>
-            <a:r>
-              <a:rPr lang="en-SG" dirty="0" smtClean="0"/>
-              <a:t>Reads input source file</a:t>
-            </a:r>
-          </a:p>
-          <a:p>
-            <a:r>
-              <a:rPr lang="en-SG" dirty="0" smtClean="0"/>
-              <a:t>Passes source file contents to GCC via </a:t>
-            </a:r>
-            <a:r>
-              <a:rPr lang="en-SG" dirty="0" err="1" smtClean="0"/>
-              <a:t>stdin</a:t>
-            </a:r>
-            <a:endParaRPr lang="en-SG" dirty="0" smtClean="0"/>
-          </a:p>
-          <a:p>
-            <a:r>
-              <a:rPr lang="en-SG" dirty="0" smtClean="0"/>
-              <a:t>Prints source file contents to </a:t>
-            </a:r>
-            <a:r>
-              <a:rPr lang="en-SG" dirty="0" err="1" smtClean="0"/>
-              <a:t>stdout</a:t>
-            </a:r>
-            <a:endParaRPr lang="en-SG" dirty="0"/>
+        <p:spPr/>
+        <p:txBody>
+          <a:bodyPr>
+            <a:normAutofit/>
+          </a:bodyPr>
+          <a:lstStyle/>
+          <a:p>
+            <a:r>
+              <a:rPr lang="en-US" dirty="0"/>
+              <a:t>Knowledge gained in first iteration of compiler passed down to subsequent “generations”</a:t>
+            </a:r>
+          </a:p>
+          <a:p>
+            <a:r>
+              <a:rPr lang="en-US" dirty="0"/>
+              <a:t>Compiler training</a:t>
+            </a:r>
+          </a:p>
+          <a:p>
+            <a:pPr lvl="1"/>
+            <a:r>
+              <a:rPr lang="en-US" dirty="0" err="1"/>
+              <a:t>Recognising</a:t>
+            </a:r>
+            <a:r>
+              <a:rPr lang="en-US" dirty="0"/>
+              <a:t> a new data type</a:t>
+            </a:r>
+          </a:p>
+          <a:p>
+            <a:endParaRPr lang="en-US" dirty="0"/>
+          </a:p>
+          <a:p>
+            <a:r>
+              <a:rPr lang="en-US" dirty="0"/>
+              <a:t>Similar to bootstrapping the compiler</a:t>
+            </a:r>
           </a:p>
         </p:txBody>
       </p:sp>
@@ -3980,7 +3934,7 @@
     </p:spTree>
     <p:extLst>
       <p:ext uri="{BB962C8B-B14F-4D97-AF65-F5344CB8AC3E}">
-        <p14:creationId xmlns:p14="http://schemas.microsoft.com/office/powerpoint/2010/main" val="654438619"/>
+        <p14:creationId xmlns:p14="http://schemas.microsoft.com/office/powerpoint/2010/main" val="3082612011"/>
       </p:ext>
     </p:extLst>
   </p:cSld>
@@ -4017,16 +3971,20 @@
             <p:ph type="title"/>
           </p:nvPr>
         </p:nvSpPr>
-        <p:spPr/>
+        <p:spPr>
+          <a:xfrm>
+            <a:off x="628650" y="18348"/>
+            <a:ext cx="7886700" cy="1325563"/>
+          </a:xfrm>
+        </p:spPr>
         <p:txBody>
           <a:bodyPr/>
           <a:lstStyle/>
           <a:p>
             <a:r>
-              <a:rPr lang="en-US" dirty="0" smtClean="0"/>
-              <a:t>2c. Clean compiler demo</a:t>
-            </a:r>
-            <a:endParaRPr lang="en-US" dirty="0"/>
+              <a:rPr lang="en-SG" dirty="0"/>
+              <a:t>2b. My ”clean” compiler</a:t>
+            </a:r>
           </a:p>
         </p:txBody>
       </p:sp>
@@ -4042,52 +4000,54 @@
         </p:nvSpPr>
         <p:spPr>
           <a:xfrm>
-            <a:off x="461282" y="1645646"/>
-            <a:ext cx="8221436" cy="1417138"/>
+            <a:off x="628650" y="1134496"/>
+            <a:ext cx="7886700" cy="4351338"/>
           </a:xfrm>
         </p:spPr>
         <p:txBody>
-          <a:bodyPr>
-            <a:normAutofit fontScale="92500"/>
-          </a:bodyPr>
-          <a:lstStyle/>
-          <a:p>
-            <a:r>
-              <a:rPr lang="en-US" dirty="0" smtClean="0"/>
-              <a:t>Compile my compiler with existing compiler </a:t>
-            </a:r>
-            <a:r>
-              <a:rPr lang="en-US" dirty="0" err="1" smtClean="0"/>
-              <a:t>eg</a:t>
-            </a:r>
-            <a:r>
-              <a:rPr lang="en-US" dirty="0" smtClean="0"/>
-              <a:t>. GCC</a:t>
-            </a:r>
-          </a:p>
-          <a:p>
-            <a:pPr lvl="1"/>
-            <a:r>
-              <a:rPr lang="en-US" dirty="0" smtClean="0"/>
-              <a:t>We can now discard GCC</a:t>
-            </a:r>
-          </a:p>
-          <a:p>
-            <a:r>
-              <a:rPr lang="en-US" dirty="0" smtClean="0"/>
-              <a:t>Use my compiler to compile hello world program (</a:t>
-            </a:r>
-            <a:r>
-              <a:rPr lang="en-US" dirty="0" err="1" smtClean="0"/>
-              <a:t>hw.c</a:t>
-            </a:r>
-            <a:r>
-              <a:rPr lang="en-US" dirty="0" smtClean="0"/>
-              <a:t>)</a:t>
-            </a:r>
-          </a:p>
-          <a:p>
-            <a:endParaRPr lang="en-US" dirty="0"/>
+          <a:bodyPr/>
+          <a:lstStyle/>
+          <a:p>
+            <a:r>
+              <a:rPr lang="en-SG" dirty="0"/>
+              <a:t>”</a:t>
+            </a:r>
+            <a:r>
+              <a:rPr lang="en-SG" dirty="0" err="1"/>
+              <a:t>compiler.c</a:t>
+            </a:r>
+            <a:r>
+              <a:rPr lang="en-SG" dirty="0"/>
+              <a:t>”</a:t>
+            </a:r>
+          </a:p>
+          <a:p>
+            <a:r>
+              <a:rPr lang="en-SG" dirty="0"/>
+              <a:t>Reads input source file</a:t>
+            </a:r>
+          </a:p>
+          <a:p>
+            <a:r>
+              <a:rPr lang="en-SG" dirty="0"/>
+              <a:t>Passes source file contents to GCC via </a:t>
+            </a:r>
+            <a:r>
+              <a:rPr lang="en-SG" dirty="0" err="1"/>
+              <a:t>stdin</a:t>
+            </a:r>
+            <a:endParaRPr lang="en-SG" dirty="0"/>
+          </a:p>
+          <a:p>
+            <a:r>
+              <a:rPr lang="en-SG" dirty="0"/>
+              <a:t>Prints source file contents to </a:t>
+            </a:r>
+            <a:r>
+              <a:rPr lang="en-SG" dirty="0" err="1"/>
+              <a:t>stdout</a:t>
+            </a:r>
+            <a:endParaRPr lang="en-SG" dirty="0"/>
           </a:p>
         </p:txBody>
       </p:sp>
@@ -4109,6 +4069,142 @@
             <a:fld id="{9705DC4D-6496-4D9B-AA35-AB22DFE8A2F2}" type="slidenum">
               <a:rPr lang="en-SG" smtClean="0"/>
               <a:t>11</a:t>
+            </a:fld>
+            <a:endParaRPr lang="en-SG"/>
+          </a:p>
+        </p:txBody>
+      </p:sp>
+    </p:spTree>
+    <p:extLst>
+      <p:ext uri="{BB962C8B-B14F-4D97-AF65-F5344CB8AC3E}">
+        <p14:creationId xmlns:p14="http://schemas.microsoft.com/office/powerpoint/2010/main" val="654438619"/>
+      </p:ext>
+    </p:extLst>
+  </p:cSld>
+  <p:clrMapOvr>
+    <a:masterClrMapping/>
+  </p:clrMapOvr>
+</p:sld>
+</file>
+
+<file path=ppt/slides/slide12.xml><?xml version="1.0" encoding="utf-8"?>
+<p:sld xmlns:a="http://schemas.openxmlformats.org/drawingml/2006/main" xmlns:r="http://schemas.openxmlformats.org/officeDocument/2006/relationships" xmlns:p="http://schemas.openxmlformats.org/presentationml/2006/main">
+  <p:cSld>
+    <p:spTree>
+      <p:nvGrpSpPr>
+        <p:cNvPr id="1" name=""/>
+        <p:cNvGrpSpPr/>
+        <p:nvPr/>
+      </p:nvGrpSpPr>
+      <p:grpSpPr>
+        <a:xfrm>
+          <a:off x="0" y="0"/>
+          <a:ext cx="0" cy="0"/>
+          <a:chOff x="0" y="0"/>
+          <a:chExt cx="0" cy="0"/>
+        </a:xfrm>
+      </p:grpSpPr>
+      <p:sp>
+        <p:nvSpPr>
+          <p:cNvPr id="2" name="Title 1"/>
+          <p:cNvSpPr>
+            <a:spLocks noGrp="1"/>
+          </p:cNvSpPr>
+          <p:nvPr>
+            <p:ph type="title"/>
+          </p:nvPr>
+        </p:nvSpPr>
+        <p:spPr/>
+        <p:txBody>
+          <a:bodyPr/>
+          <a:lstStyle/>
+          <a:p>
+            <a:r>
+              <a:rPr lang="en-US" dirty="0"/>
+              <a:t>2c. Clean compiler demo</a:t>
+            </a:r>
+          </a:p>
+        </p:txBody>
+      </p:sp>
+      <p:sp>
+        <p:nvSpPr>
+          <p:cNvPr id="3" name="Content Placeholder 2"/>
+          <p:cNvSpPr>
+            <a:spLocks noGrp="1"/>
+          </p:cNvSpPr>
+          <p:nvPr>
+            <p:ph idx="1"/>
+          </p:nvPr>
+        </p:nvSpPr>
+        <p:spPr>
+          <a:xfrm>
+            <a:off x="461282" y="1645646"/>
+            <a:ext cx="8221436" cy="1417138"/>
+          </a:xfrm>
+        </p:spPr>
+        <p:txBody>
+          <a:bodyPr>
+            <a:normAutofit fontScale="92500"/>
+          </a:bodyPr>
+          <a:lstStyle/>
+          <a:p>
+            <a:r>
+              <a:rPr lang="en-US" dirty="0"/>
+              <a:t>Compile my compiler with existing compiler </a:t>
+            </a:r>
+            <a:r>
+              <a:rPr lang="en-US" dirty="0" err="1"/>
+              <a:t>eg</a:t>
+            </a:r>
+            <a:r>
+              <a:rPr lang="en-US" dirty="0"/>
+              <a:t>. GCC</a:t>
+            </a:r>
+          </a:p>
+          <a:p>
+            <a:pPr lvl="1"/>
+            <a:r>
+              <a:rPr lang="en-US" dirty="0"/>
+              <a:t>We can now discard GCC</a:t>
+            </a:r>
+          </a:p>
+          <a:p>
+            <a:r>
+              <a:rPr lang="en-US" dirty="0"/>
+              <a:t>Use my compiler to compile hello world program (</a:t>
+            </a:r>
+            <a:r>
+              <a:rPr lang="en-US" dirty="0" err="1"/>
+              <a:t>hw.c</a:t>
+            </a:r>
+            <a:r>
+              <a:rPr lang="en-US" dirty="0"/>
+              <a:t>)</a:t>
+            </a:r>
+          </a:p>
+          <a:p>
+            <a:endParaRPr lang="en-US" dirty="0"/>
+          </a:p>
+        </p:txBody>
+      </p:sp>
+      <p:sp>
+        <p:nvSpPr>
+          <p:cNvPr id="4" name="Slide Number Placeholder 3"/>
+          <p:cNvSpPr>
+            <a:spLocks noGrp="1"/>
+          </p:cNvSpPr>
+          <p:nvPr>
+            <p:ph type="sldNum" sz="quarter" idx="12"/>
+          </p:nvPr>
+        </p:nvSpPr>
+        <p:spPr/>
+        <p:txBody>
+          <a:bodyPr/>
+          <a:lstStyle/>
+          <a:p>
+            <a:fld id="{9705DC4D-6496-4D9B-AA35-AB22DFE8A2F2}" type="slidenum">
+              <a:rPr lang="en-SG" smtClean="0"/>
+              <a:t>12</a:t>
             </a:fld>
             <a:endParaRPr lang="en-SG"/>
           </a:p>
@@ -4142,14 +4238,14 @@
                 <a:gridCol w="3744686">
                   <a:extLst>
                     <a:ext uri="{9D8B030D-6E8A-4147-A177-3AD203B41FA5}">
-                      <a16:colId xmlns:a16="http://schemas.microsoft.com/office/drawing/2014/main" xmlns="" val="20000"/>
+                      <a16:colId xmlns:a16="http://schemas.microsoft.com/office/drawing/2014/main" val="20000"/>
                     </a:ext>
                   </a:extLst>
                 </a:gridCol>
                 <a:gridCol w="3744686">
                   <a:extLst>
                     <a:ext uri="{9D8B030D-6E8A-4147-A177-3AD203B41FA5}">
-                      <a16:colId xmlns:a16="http://schemas.microsoft.com/office/drawing/2014/main" xmlns="" val="20001"/>
+                      <a16:colId xmlns:a16="http://schemas.microsoft.com/office/drawing/2014/main" val="20001"/>
                     </a:ext>
                   </a:extLst>
                 </a:gridCol>
@@ -4161,10 +4257,9 @@
                     <a:lstStyle/>
                     <a:p>
                       <a:r>
-                        <a:rPr lang="en-US" dirty="0" smtClean="0"/>
+                        <a:rPr lang="en-US" dirty="0"/>
                         <a:t>Step</a:t>
                       </a:r>
-                      <a:endParaRPr lang="en-US" dirty="0"/>
                     </a:p>
                   </a:txBody>
                   <a:tcPr/>
@@ -4175,17 +4270,16 @@
                     <a:lstStyle/>
                     <a:p>
                       <a:r>
-                        <a:rPr lang="en-US" dirty="0" smtClean="0"/>
+                        <a:rPr lang="en-US" dirty="0"/>
                         <a:t>Command</a:t>
                       </a:r>
-                      <a:endParaRPr lang="en-US" dirty="0"/>
                     </a:p>
                   </a:txBody>
                   <a:tcPr/>
                 </a:tc>
                 <a:extLst>
                   <a:ext uri="{0D108BD9-81ED-4DB2-BD59-A6C34878D82A}">
-                    <a16:rowId xmlns:a16="http://schemas.microsoft.com/office/drawing/2014/main" xmlns="" val="10000"/>
+                    <a16:rowId xmlns:a16="http://schemas.microsoft.com/office/drawing/2014/main" val="10000"/>
                   </a:ext>
                 </a:extLst>
               </a:tr>
@@ -4196,10 +4290,9 @@
                     <a:lstStyle/>
                     <a:p>
                       <a:r>
-                        <a:rPr lang="en-US" dirty="0" smtClean="0"/>
+                        <a:rPr lang="en-US" dirty="0"/>
                         <a:t>Go to codes directory</a:t>
                       </a:r>
-                      <a:endParaRPr lang="en-US" dirty="0"/>
                     </a:p>
                   </a:txBody>
                   <a:tcPr/>
@@ -4210,11 +4303,11 @@
                     <a:lstStyle/>
                     <a:p>
                       <a:r>
-                        <a:rPr lang="en-SG" dirty="0" smtClean="0"/>
+                        <a:rPr lang="en-SG" dirty="0"/>
                         <a:t>cd</a:t>
                       </a:r>
                       <a:r>
-                        <a:rPr lang="en-SG" baseline="0" dirty="0" smtClean="0"/>
+                        <a:rPr lang="en-SG" baseline="0" dirty="0"/>
                         <a:t> codes</a:t>
                       </a:r>
                       <a:endParaRPr lang="en-SG" dirty="0"/>
@@ -4224,7 +4317,7 @@
                 </a:tc>
                 <a:extLst>
                   <a:ext uri="{0D108BD9-81ED-4DB2-BD59-A6C34878D82A}">
-                    <a16:rowId xmlns:a16="http://schemas.microsoft.com/office/drawing/2014/main" xmlns="" val="10001"/>
+                    <a16:rowId xmlns:a16="http://schemas.microsoft.com/office/drawing/2014/main" val="10001"/>
                   </a:ext>
                 </a:extLst>
               </a:tr>
@@ -4235,11 +4328,11 @@
                     <a:lstStyle/>
                     <a:p>
                       <a:r>
-                        <a:rPr lang="en-US" dirty="0" smtClean="0"/>
+                        <a:rPr lang="en-US" dirty="0"/>
                         <a:t>Compile my compiler with </a:t>
                       </a:r>
                       <a:r>
-                        <a:rPr lang="en-US" dirty="0" err="1" smtClean="0"/>
+                        <a:rPr lang="en-US" dirty="0" err="1"/>
                         <a:t>gcc</a:t>
                       </a:r>
                       <a:endParaRPr lang="en-US" dirty="0"/>
@@ -4253,23 +4346,23 @@
                     <a:lstStyle/>
                     <a:p>
                       <a:r>
-                        <a:rPr lang="en-SG" dirty="0" err="1" smtClean="0"/>
+                        <a:rPr lang="en-SG" dirty="0" err="1"/>
                         <a:t>gcc</a:t>
                       </a:r>
                       <a:r>
-                        <a:rPr lang="en-SG" dirty="0" smtClean="0"/>
+                        <a:rPr lang="en-SG" dirty="0"/>
                         <a:t> </a:t>
                       </a:r>
                       <a:r>
-                        <a:rPr lang="en-SG" dirty="0" err="1" smtClean="0"/>
+                        <a:rPr lang="en-SG" dirty="0" err="1"/>
                         <a:t>compiler.c</a:t>
                       </a:r>
                       <a:r>
-                        <a:rPr lang="en-SG" dirty="0" smtClean="0"/>
+                        <a:rPr lang="en-SG" dirty="0"/>
                         <a:t> –o clean-</a:t>
                       </a:r>
                       <a:r>
-                        <a:rPr lang="en-SG" dirty="0" err="1" smtClean="0"/>
+                        <a:rPr lang="en-SG" dirty="0" err="1"/>
                         <a:t>compiler.out</a:t>
                       </a:r>
                       <a:endParaRPr lang="en-SG" dirty="0"/>
@@ -4279,7 +4372,7 @@
                 </a:tc>
                 <a:extLst>
                   <a:ext uri="{0D108BD9-81ED-4DB2-BD59-A6C34878D82A}">
-                    <a16:rowId xmlns:a16="http://schemas.microsoft.com/office/drawing/2014/main" xmlns="" val="10002"/>
+                    <a16:rowId xmlns:a16="http://schemas.microsoft.com/office/drawing/2014/main" val="10002"/>
                   </a:ext>
                 </a:extLst>
               </a:tr>
@@ -4290,10 +4383,9 @@
                     <a:lstStyle/>
                     <a:p>
                       <a:r>
-                        <a:rPr lang="en-US" dirty="0" smtClean="0"/>
+                        <a:rPr lang="en-US" dirty="0"/>
                         <a:t>Go to stage 2 directory</a:t>
                       </a:r>
-                      <a:endParaRPr lang="en-US" dirty="0"/>
                     </a:p>
                   </a:txBody>
                   <a:tcPr/>
@@ -4304,11 +4396,11 @@
                     <a:lstStyle/>
                     <a:p>
                       <a:r>
-                        <a:rPr lang="en-US" dirty="0" smtClean="0"/>
+                        <a:rPr lang="en-US" dirty="0"/>
                         <a:t>cd</a:t>
                       </a:r>
                       <a:r>
-                        <a:rPr lang="en-US" baseline="0" dirty="0" smtClean="0"/>
+                        <a:rPr lang="en-US" baseline="0" dirty="0"/>
                         <a:t> stage2</a:t>
                       </a:r>
                       <a:endParaRPr lang="en-US" dirty="0"/>
@@ -4318,7 +4410,7 @@
                 </a:tc>
                 <a:extLst>
                   <a:ext uri="{0D108BD9-81ED-4DB2-BD59-A6C34878D82A}">
-                    <a16:rowId xmlns:a16="http://schemas.microsoft.com/office/drawing/2014/main" xmlns="" val="10003"/>
+                    <a16:rowId xmlns:a16="http://schemas.microsoft.com/office/drawing/2014/main" val="10003"/>
                   </a:ext>
                 </a:extLst>
               </a:tr>
@@ -4329,11 +4421,11 @@
                     <a:lstStyle/>
                     <a:p>
                       <a:r>
-                        <a:rPr lang="en-US" dirty="0" smtClean="0"/>
+                        <a:rPr lang="en-US" dirty="0"/>
                         <a:t>Compile hello</a:t>
                       </a:r>
                       <a:r>
-                        <a:rPr lang="en-US" baseline="0" dirty="0" smtClean="0"/>
+                        <a:rPr lang="en-US" baseline="0" dirty="0"/>
                         <a:t> world</a:t>
                       </a:r>
                       <a:endParaRPr lang="en-US" dirty="0"/>
@@ -4347,27 +4439,27 @@
                     <a:lstStyle/>
                     <a:p>
                       <a:r>
-                        <a:rPr lang="en-US" dirty="0" smtClean="0"/>
+                        <a:rPr lang="en-US" dirty="0"/>
                         <a:t>../clean-</a:t>
                       </a:r>
                       <a:r>
-                        <a:rPr lang="en-US" dirty="0" err="1" smtClean="0"/>
+                        <a:rPr lang="en-US" dirty="0" err="1"/>
                         <a:t>compiler.out</a:t>
                       </a:r>
                       <a:r>
-                        <a:rPr lang="en-US" baseline="0" dirty="0" smtClean="0"/>
+                        <a:rPr lang="en-US" baseline="0" dirty="0"/>
                         <a:t> </a:t>
                       </a:r>
                       <a:r>
-                        <a:rPr lang="en-US" baseline="0" dirty="0" err="1" smtClean="0"/>
+                        <a:rPr lang="en-US" baseline="0" dirty="0" err="1"/>
                         <a:t>hw.c</a:t>
                       </a:r>
                       <a:r>
-                        <a:rPr lang="en-US" baseline="0" dirty="0" smtClean="0"/>
+                        <a:rPr lang="en-US" baseline="0" dirty="0"/>
                         <a:t> –o </a:t>
                       </a:r>
                       <a:r>
-                        <a:rPr lang="en-US" baseline="0" dirty="0" err="1" smtClean="0"/>
+                        <a:rPr lang="en-US" baseline="0" dirty="0" err="1"/>
                         <a:t>hw.out</a:t>
                       </a:r>
                       <a:endParaRPr lang="en-US" dirty="0"/>
@@ -4377,7 +4469,7 @@
                 </a:tc>
                 <a:extLst>
                   <a:ext uri="{0D108BD9-81ED-4DB2-BD59-A6C34878D82A}">
-                    <a16:rowId xmlns:a16="http://schemas.microsoft.com/office/drawing/2014/main" xmlns="" val="10004"/>
+                    <a16:rowId xmlns:a16="http://schemas.microsoft.com/office/drawing/2014/main" val="10004"/>
                   </a:ext>
                 </a:extLst>
               </a:tr>
@@ -4388,15 +4480,15 @@
                     <a:lstStyle/>
                     <a:p>
                       <a:r>
-                        <a:rPr lang="en-US" dirty="0" smtClean="0"/>
+                        <a:rPr lang="en-US" dirty="0"/>
                         <a:t>Run</a:t>
                       </a:r>
                       <a:r>
-                        <a:rPr lang="en-US" baseline="0" dirty="0" smtClean="0"/>
+                        <a:rPr lang="en-US" baseline="0" dirty="0"/>
                         <a:t> </a:t>
                       </a:r>
                       <a:r>
-                        <a:rPr lang="en-US" baseline="0" dirty="0" err="1" smtClean="0"/>
+                        <a:rPr lang="en-US" baseline="0" dirty="0" err="1"/>
                         <a:t>hw.out</a:t>
                       </a:r>
                       <a:endParaRPr lang="en-US" dirty="0"/>
@@ -4427,21 +4519,21 @@
                         <a:defRPr/>
                       </a:pPr>
                       <a:r>
-                        <a:rPr lang="en-US" dirty="0" smtClean="0"/>
+                        <a:rPr lang="en-US" dirty="0"/>
                         <a:t>./</a:t>
                       </a:r>
                       <a:r>
-                        <a:rPr lang="en-US" dirty="0" err="1" smtClean="0"/>
+                        <a:rPr lang="en-US" dirty="0" err="1"/>
                         <a:t>hw.out</a:t>
                       </a:r>
-                      <a:endParaRPr lang="en-US" dirty="0" smtClean="0"/>
+                      <a:endParaRPr lang="en-US" dirty="0"/>
                     </a:p>
                   </a:txBody>
                   <a:tcPr/>
                 </a:tc>
                 <a:extLst>
                   <a:ext uri="{0D108BD9-81ED-4DB2-BD59-A6C34878D82A}">
-                    <a16:rowId xmlns:a16="http://schemas.microsoft.com/office/drawing/2014/main" xmlns="" val="10005"/>
+                    <a16:rowId xmlns:a16="http://schemas.microsoft.com/office/drawing/2014/main" val="10005"/>
                   </a:ext>
                 </a:extLst>
               </a:tr>
@@ -4462,7 +4554,7 @@
 </p:sld>
 </file>
 
-<file path=ppt/slides/slide12.xml><?xml version="1.0" encoding="utf-8"?>
+<file path=ppt/slides/slide13.xml><?xml version="1.0" encoding="utf-8"?>
 <p:sld xmlns:a="http://schemas.openxmlformats.org/drawingml/2006/main" xmlns:r="http://schemas.openxmlformats.org/officeDocument/2006/relationships" xmlns:p="http://schemas.openxmlformats.org/presentationml/2006/main">
   <p:cSld>
     <p:spTree>
@@ -4500,10 +4592,9 @@
           <a:lstStyle/>
           <a:p>
             <a:r>
-              <a:rPr lang="en-US" dirty="0" smtClean="0"/>
+              <a:rPr lang="en-US" dirty="0"/>
               <a:t>2d. New C keyword</a:t>
             </a:r>
-            <a:endParaRPr lang="en-US" dirty="0"/>
           </a:p>
         </p:txBody>
       </p:sp>
@@ -4530,15 +4621,15 @@
           <a:lstStyle/>
           <a:p>
             <a:r>
-              <a:rPr lang="en-US" dirty="0" smtClean="0"/>
+              <a:rPr lang="en-US" dirty="0"/>
               <a:t>The “uint1” </a:t>
             </a:r>
             <a:r>
-              <a:rPr lang="en-US" dirty="0" err="1" smtClean="0"/>
+              <a:rPr lang="en-US" dirty="0" err="1"/>
               <a:t>datatype</a:t>
             </a:r>
             <a:r>
-              <a:rPr lang="en-US" dirty="0" smtClean="0"/>
+              <a:rPr lang="en-US" dirty="0"/>
               <a:t>, same as “char”</a:t>
             </a:r>
           </a:p>
@@ -4546,17 +4637,17 @@
             <a:endParaRPr lang="en-US" dirty="0"/>
           </a:p>
           <a:p>
-            <a:endParaRPr lang="en-US" dirty="0" smtClean="0"/>
-          </a:p>
-          <a:p>
-            <a:endParaRPr lang="en-US" dirty="0" smtClean="0"/>
+            <a:endParaRPr lang="en-US" dirty="0"/>
+          </a:p>
+          <a:p>
+            <a:endParaRPr lang="en-US" dirty="0"/>
           </a:p>
           <a:p>
             <a:pPr lvl="1"/>
             <a:endParaRPr lang="en-US" dirty="0"/>
           </a:p>
           <a:p>
-            <a:endParaRPr lang="en-US" dirty="0" smtClean="0"/>
+            <a:endParaRPr lang="en-US" dirty="0"/>
           </a:p>
         </p:txBody>
       </p:sp>
@@ -4577,7 +4668,7 @@
           <a:p>
             <a:fld id="{9705DC4D-6496-4D9B-AA35-AB22DFE8A2F2}" type="slidenum">
               <a:rPr lang="en-SG" smtClean="0"/>
-              <a:t>12</a:t>
+              <a:t>13</a:t>
             </a:fld>
             <a:endParaRPr lang="en-SG"/>
           </a:p>
@@ -4608,8 +4699,20 @@
                 <a:tableStyleId>{5C22544A-7EE6-4342-B048-85BDC9FD1C3A}</a:tableStyleId>
               </a:tblPr>
               <a:tblGrid>
-                <a:gridCol w="4080222"/>
-                <a:gridCol w="4910098"/>
+                <a:gridCol w="4080222">
+                  <a:extLst>
+                    <a:ext uri="{9D8B030D-6E8A-4147-A177-3AD203B41FA5}">
+                      <a16:colId xmlns:a16="http://schemas.microsoft.com/office/drawing/2014/main" val="20000"/>
+                    </a:ext>
+                  </a:extLst>
+                </a:gridCol>
+                <a:gridCol w="4910098">
+                  <a:extLst>
+                    <a:ext uri="{9D8B030D-6E8A-4147-A177-3AD203B41FA5}">
+                      <a16:colId xmlns:a16="http://schemas.microsoft.com/office/drawing/2014/main" val="20001"/>
+                    </a:ext>
+                  </a:extLst>
+                </a:gridCol>
               </a:tblGrid>
               <a:tr h="539389">
                 <a:tc>
@@ -4618,8 +4721,45 @@
                     <a:lstStyle/>
                     <a:p>
                       <a:r>
-                        <a:rPr lang="en-US" sz="1400" dirty="0" smtClean="0"/>
+                        <a:rPr lang="en-US" sz="1400" dirty="0"/>
                         <a:t>Step</a:t>
+                      </a:r>
+                    </a:p>
+                  </a:txBody>
+                  <a:tcPr/>
+                </a:tc>
+                <a:tc>
+                  <a:txBody>
+                    <a:bodyPr/>
+                    <a:lstStyle/>
+                    <a:p>
+                      <a:r>
+                        <a:rPr lang="en-US" sz="1400" dirty="0"/>
+                        <a:t>Command</a:t>
+                      </a:r>
+                    </a:p>
+                  </a:txBody>
+                  <a:tcPr/>
+                </a:tc>
+                <a:extLst>
+                  <a:ext uri="{0D108BD9-81ED-4DB2-BD59-A6C34878D82A}">
+                    <a16:rowId xmlns:a16="http://schemas.microsoft.com/office/drawing/2014/main" val="10000"/>
+                  </a:ext>
+                </a:extLst>
+              </a:tr>
+              <a:tr h="437861">
+                <a:tc>
+                  <a:txBody>
+                    <a:bodyPr/>
+                    <a:lstStyle/>
+                    <a:p>
+                      <a:r>
+                        <a:rPr lang="en-US" sz="1400" dirty="0"/>
+                        <a:t>Open </a:t>
+                      </a:r>
+                      <a:r>
+                        <a:rPr lang="en-US" sz="1400" dirty="0" err="1"/>
+                        <a:t>hw-new.c</a:t>
                       </a:r>
                       <a:endParaRPr lang="en-US" sz="1400" dirty="0"/>
                     </a:p>
@@ -4632,56 +4772,27 @@
                     <a:lstStyle/>
                     <a:p>
                       <a:r>
-                        <a:rPr lang="en-US" sz="1400" dirty="0" smtClean="0"/>
-                        <a:t>Command</a:t>
+                        <a:rPr lang="en-US" sz="1400" dirty="0"/>
+                        <a:t>open</a:t>
+                      </a:r>
+                      <a:r>
+                        <a:rPr lang="en-US" sz="1400" baseline="0" dirty="0"/>
+                        <a:t> </a:t>
+                      </a:r>
+                      <a:r>
+                        <a:rPr lang="en-US" sz="1400" baseline="0" dirty="0" err="1"/>
+                        <a:t>hw-new.c</a:t>
                       </a:r>
                       <a:endParaRPr lang="en-US" sz="1400" dirty="0"/>
                     </a:p>
                   </a:txBody>
                   <a:tcPr/>
                 </a:tc>
-              </a:tr>
-              <a:tr h="437861">
-                <a:tc>
-                  <a:txBody>
-                    <a:bodyPr/>
-                    <a:lstStyle/>
-                    <a:p>
-                      <a:r>
-                        <a:rPr lang="en-US" sz="1400" dirty="0" smtClean="0"/>
-                        <a:t>Open </a:t>
-                      </a:r>
-                      <a:r>
-                        <a:rPr lang="en-US" sz="1400" dirty="0" err="1" smtClean="0"/>
-                        <a:t>hw-new.c</a:t>
-                      </a:r>
-                      <a:endParaRPr lang="en-US" sz="1400" dirty="0" smtClean="0"/>
-                    </a:p>
-                  </a:txBody>
-                  <a:tcPr/>
-                </a:tc>
-                <a:tc>
-                  <a:txBody>
-                    <a:bodyPr/>
-                    <a:lstStyle/>
-                    <a:p>
-                      <a:r>
-                        <a:rPr lang="en-US" sz="1400" dirty="0" smtClean="0"/>
-                        <a:t>open</a:t>
-                      </a:r>
-                      <a:r>
-                        <a:rPr lang="en-US" sz="1400" baseline="0" dirty="0" smtClean="0"/>
-                        <a:t> </a:t>
-                      </a:r>
-                      <a:r>
-                        <a:rPr lang="en-US" sz="1400" baseline="0" dirty="0" err="1" smtClean="0"/>
-                        <a:t>hw-new.c</a:t>
-                      </a:r>
-                      <a:endParaRPr lang="en-US" sz="1400" dirty="0" smtClean="0"/>
-                    </a:p>
-                  </a:txBody>
-                  <a:tcPr/>
-                </a:tc>
+                <a:extLst>
+                  <a:ext uri="{0D108BD9-81ED-4DB2-BD59-A6C34878D82A}">
+                    <a16:rowId xmlns:a16="http://schemas.microsoft.com/office/drawing/2014/main" val="10001"/>
+                  </a:ext>
+                </a:extLst>
               </a:tr>
               <a:tr h="625025">
                 <a:tc>
@@ -4690,7 +4801,7 @@
                     <a:lstStyle/>
                     <a:p>
                       <a:r>
-                        <a:rPr lang="en-US" sz="1400" dirty="0" smtClean="0"/>
+                        <a:rPr lang="en-US" sz="1400" dirty="0"/>
                         <a:t>Compile with existing compiler</a:t>
                       </a:r>
                     </a:p>
@@ -4713,15 +4824,15 @@
                         <a:defRPr/>
                       </a:pPr>
                       <a:r>
-                        <a:rPr lang="en-US" sz="1400" dirty="0" smtClean="0"/>
+                        <a:rPr lang="en-US" sz="1400" dirty="0"/>
                         <a:t>(Existing compiler does not </a:t>
                       </a:r>
                       <a:r>
-                        <a:rPr lang="en-US" sz="1400" dirty="0" err="1" smtClean="0"/>
+                        <a:rPr lang="en-US" sz="1400" dirty="0" err="1"/>
                         <a:t>recognise</a:t>
                       </a:r>
                       <a:r>
-                        <a:rPr lang="en-US" sz="1400" dirty="0" smtClean="0"/>
+                        <a:rPr lang="en-US" sz="1400" dirty="0"/>
                         <a:t> ”uint1”)</a:t>
                       </a:r>
                     </a:p>
@@ -4734,34 +4845,39 @@
                     <a:lstStyle/>
                     <a:p>
                       <a:r>
-                        <a:rPr lang="en-US" sz="1400" dirty="0" smtClean="0"/>
+                        <a:rPr lang="en-US" sz="1400" dirty="0"/>
                         <a:t>../clean-</a:t>
                       </a:r>
                       <a:r>
-                        <a:rPr lang="en-US" sz="1400" dirty="0" err="1" smtClean="0"/>
+                        <a:rPr lang="en-US" sz="1400" dirty="0" err="1"/>
                         <a:t>compiler.out</a:t>
                       </a:r>
                       <a:r>
-                        <a:rPr lang="en-US" sz="1400" dirty="0" smtClean="0"/>
+                        <a:rPr lang="en-US" sz="1400" dirty="0"/>
                         <a:t>  </a:t>
                       </a:r>
                       <a:r>
-                        <a:rPr lang="en-US" sz="1400" dirty="0" err="1" smtClean="0"/>
+                        <a:rPr lang="en-US" sz="1400" dirty="0" err="1"/>
                         <a:t>hw-new.c</a:t>
                       </a:r>
                       <a:r>
-                        <a:rPr lang="en-US" sz="1400" dirty="0" smtClean="0"/>
+                        <a:rPr lang="en-US" sz="1400" dirty="0"/>
                         <a:t> -o </a:t>
                       </a:r>
                       <a:r>
-                        <a:rPr lang="en-US" sz="1400" dirty="0" err="1" smtClean="0"/>
+                        <a:rPr lang="en-US" sz="1400" dirty="0" err="1"/>
                         <a:t>hw-new.out</a:t>
                       </a:r>
-                      <a:endParaRPr lang="en-US" sz="1400" dirty="0" smtClean="0"/>
+                      <a:endParaRPr lang="en-US" sz="1400" dirty="0"/>
                     </a:p>
                   </a:txBody>
                   <a:tcPr/>
                 </a:tc>
+                <a:extLst>
+                  <a:ext uri="{0D108BD9-81ED-4DB2-BD59-A6C34878D82A}">
+                    <a16:rowId xmlns:a16="http://schemas.microsoft.com/office/drawing/2014/main" val="10002"/>
+                  </a:ext>
+                </a:extLst>
               </a:tr>
               <a:tr h="1527861">
                 <a:tc>
@@ -4770,14 +4886,14 @@
                     <a:lstStyle/>
                     <a:p>
                       <a:r>
-                        <a:rPr lang="en-US" sz="1400" dirty="0" smtClean="0"/>
+                        <a:rPr lang="en-US" sz="1400" dirty="0"/>
                         <a:t>Open training-</a:t>
                       </a:r>
                       <a:r>
-                        <a:rPr lang="en-US" sz="1400" dirty="0" err="1" smtClean="0"/>
+                        <a:rPr lang="en-US" sz="1400" dirty="0" err="1"/>
                         <a:t>compiler.c</a:t>
                       </a:r>
-                      <a:endParaRPr lang="en-US" sz="1400" dirty="0" smtClean="0"/>
+                      <a:endParaRPr lang="en-US" sz="1400" dirty="0"/>
                     </a:p>
                   </a:txBody>
                   <a:tcPr/>
@@ -4788,18 +4904,23 @@
                     <a:lstStyle/>
                     <a:p>
                       <a:r>
-                        <a:rPr lang="en-US" sz="1400" dirty="0" smtClean="0"/>
+                        <a:rPr lang="en-US" sz="1400" dirty="0"/>
                         <a:t>open training-</a:t>
                       </a:r>
                       <a:r>
-                        <a:rPr lang="en-US" sz="1400" dirty="0" err="1" smtClean="0"/>
+                        <a:rPr lang="en-US" sz="1400" dirty="0" err="1"/>
                         <a:t>compiler.c</a:t>
                       </a:r>
-                      <a:endParaRPr lang="en-US" sz="1400" dirty="0" smtClean="0"/>
+                      <a:endParaRPr lang="en-US" sz="1400" dirty="0"/>
                     </a:p>
                   </a:txBody>
                   <a:tcPr/>
                 </a:tc>
+                <a:extLst>
+                  <a:ext uri="{0D108BD9-81ED-4DB2-BD59-A6C34878D82A}">
+                    <a16:rowId xmlns:a16="http://schemas.microsoft.com/office/drawing/2014/main" val="10003"/>
+                  </a:ext>
+                </a:extLst>
               </a:tr>
               <a:tr h="404126">
                 <a:tc>
@@ -4808,15 +4929,15 @@
                     <a:lstStyle/>
                     <a:p>
                       <a:r>
-                        <a:rPr lang="en-US" sz="1400" dirty="0" smtClean="0"/>
+                        <a:rPr lang="en-US" sz="1400" dirty="0"/>
                         <a:t>Use existing compiler to compile “training-</a:t>
                       </a:r>
                       <a:r>
-                        <a:rPr lang="en-US" sz="1400" dirty="0" err="1" smtClean="0"/>
+                        <a:rPr lang="en-US" sz="1400" dirty="0" err="1"/>
                         <a:t>compiler.c</a:t>
                       </a:r>
                       <a:r>
-                        <a:rPr lang="en-US" sz="1400" dirty="0" smtClean="0"/>
+                        <a:rPr lang="en-US" sz="1400" dirty="0"/>
                         <a:t>”</a:t>
                       </a:r>
                     </a:p>
@@ -4829,42 +4950,39 @@
                     <a:lstStyle/>
                     <a:p>
                       <a:r>
-                        <a:rPr lang="en-US" sz="1400" dirty="0" smtClean="0"/>
-                        <a:t>../</a:t>
+                        <a:rPr lang="en-US" sz="1400" dirty="0"/>
+                        <a:t>../clean-</a:t>
                       </a:r>
                       <a:r>
-                        <a:rPr lang="en-US" sz="1400" dirty="0" smtClean="0"/>
-                        <a:t>clean-</a:t>
-                      </a:r>
-                      <a:r>
-                        <a:rPr lang="en-US" sz="1400" dirty="0" err="1" smtClean="0"/>
+                        <a:rPr lang="en-US" sz="1400" dirty="0" err="1"/>
                         <a:t>compiler.out</a:t>
                       </a:r>
                       <a:r>
-                        <a:rPr lang="en-US" sz="1400" dirty="0" smtClean="0"/>
-                        <a:t> </a:t>
+                        <a:rPr lang="en-US" sz="1400" dirty="0"/>
+                        <a:t> training-</a:t>
                       </a:r>
                       <a:r>
-                        <a:rPr lang="en-US" sz="1400" dirty="0" smtClean="0"/>
-                        <a:t>training-</a:t>
-                      </a:r>
-                      <a:r>
-                        <a:rPr lang="en-US" sz="1400" dirty="0" err="1" smtClean="0"/>
+                        <a:rPr lang="en-US" sz="1400" dirty="0" err="1"/>
                         <a:t>compiler.c</a:t>
                       </a:r>
                       <a:r>
-                        <a:rPr lang="en-US" sz="1400" dirty="0" smtClean="0"/>
+                        <a:rPr lang="en-US" sz="1400" dirty="0"/>
                         <a:t> –o training-</a:t>
                       </a:r>
                       <a:r>
-                        <a:rPr lang="en-US" sz="1400" dirty="0" err="1" smtClean="0"/>
+                        <a:rPr lang="en-US" sz="1400" dirty="0" err="1"/>
                         <a:t>compiler.out</a:t>
                       </a:r>
-                      <a:endParaRPr lang="en-US" sz="1400" dirty="0" smtClean="0"/>
+                      <a:endParaRPr lang="en-US" sz="1400" dirty="0"/>
                     </a:p>
                   </a:txBody>
                   <a:tcPr/>
                 </a:tc>
+                <a:extLst>
+                  <a:ext uri="{0D108BD9-81ED-4DB2-BD59-A6C34878D82A}">
+                    <a16:rowId xmlns:a16="http://schemas.microsoft.com/office/drawing/2014/main" val="10004"/>
+                  </a:ext>
+                </a:extLst>
               </a:tr>
               <a:tr h="360038">
                 <a:tc>
@@ -4873,15 +4991,15 @@
                     <a:lstStyle/>
                     <a:p>
                       <a:r>
-                        <a:rPr lang="en-US" sz="1400" dirty="0" smtClean="0"/>
+                        <a:rPr lang="en-US" sz="1400" dirty="0"/>
                         <a:t>Use training compiler to compile</a:t>
                       </a:r>
                       <a:r>
-                        <a:rPr lang="en-US" sz="1400" baseline="0" dirty="0" smtClean="0"/>
+                        <a:rPr lang="en-US" sz="1400" baseline="0" dirty="0"/>
                         <a:t> </a:t>
                       </a:r>
                       <a:r>
-                        <a:rPr lang="en-US" sz="1400" baseline="0" dirty="0" err="1" smtClean="0"/>
+                        <a:rPr lang="en-US" sz="1400" baseline="0" dirty="0" err="1"/>
                         <a:t>hw-new.c</a:t>
                       </a:r>
                       <a:endParaRPr lang="en-US" sz="1400" dirty="0"/>
@@ -4895,34 +5013,39 @@
                     <a:lstStyle/>
                     <a:p>
                       <a:r>
-                        <a:rPr lang="en-US" sz="1400" dirty="0" smtClean="0"/>
+                        <a:rPr lang="en-US" sz="1400" dirty="0"/>
                         <a:t>./training-</a:t>
                       </a:r>
                       <a:r>
-                        <a:rPr lang="en-US" sz="1400" dirty="0" err="1" smtClean="0"/>
+                        <a:rPr lang="en-US" sz="1400" dirty="0" err="1"/>
                         <a:t>compiler.out</a:t>
                       </a:r>
                       <a:r>
-                        <a:rPr lang="en-US" sz="1400" dirty="0" smtClean="0"/>
+                        <a:rPr lang="en-US" sz="1400" dirty="0"/>
                         <a:t> </a:t>
                       </a:r>
                       <a:r>
-                        <a:rPr lang="en-US" sz="1400" dirty="0" err="1" smtClean="0"/>
+                        <a:rPr lang="en-US" sz="1400" dirty="0" err="1"/>
                         <a:t>hw-new.c</a:t>
                       </a:r>
                       <a:r>
-                        <a:rPr lang="en-US" sz="1400" dirty="0" smtClean="0"/>
+                        <a:rPr lang="en-US" sz="1400" dirty="0"/>
                         <a:t> -o </a:t>
                       </a:r>
                       <a:r>
-                        <a:rPr lang="en-US" sz="1400" dirty="0" err="1" smtClean="0"/>
+                        <a:rPr lang="en-US" sz="1400" dirty="0" err="1"/>
                         <a:t>hw-new.out</a:t>
                       </a:r>
-                      <a:endParaRPr lang="en-US" sz="1400" dirty="0" smtClean="0"/>
+                      <a:endParaRPr lang="en-US" sz="1400" dirty="0"/>
                     </a:p>
                   </a:txBody>
                   <a:tcPr/>
                 </a:tc>
+                <a:extLst>
+                  <a:ext uri="{0D108BD9-81ED-4DB2-BD59-A6C34878D82A}">
+                    <a16:rowId xmlns:a16="http://schemas.microsoft.com/office/drawing/2014/main" val="10005"/>
+                  </a:ext>
+                </a:extLst>
               </a:tr>
               <a:tr h="539389">
                 <a:tc>
@@ -4931,18 +5054,17 @@
                     <a:lstStyle/>
                     <a:p>
                       <a:r>
-                        <a:rPr lang="en-US" sz="1400" dirty="0" smtClean="0"/>
+                        <a:rPr lang="en-US" sz="1400" dirty="0"/>
                         <a:t>Run </a:t>
                       </a:r>
                       <a:r>
-                        <a:rPr lang="en-US" sz="1400" dirty="0" err="1" smtClean="0"/>
+                        <a:rPr lang="en-US" sz="1400" dirty="0" err="1"/>
                         <a:t>hw</a:t>
                       </a:r>
                       <a:r>
-                        <a:rPr lang="en-US" sz="1400" dirty="0" smtClean="0"/>
+                        <a:rPr lang="en-US" sz="1400" dirty="0"/>
                         <a:t>-new</a:t>
                       </a:r>
-                      <a:endParaRPr lang="en-US" sz="1400" dirty="0"/>
                     </a:p>
                   </a:txBody>
                   <a:tcPr/>
@@ -4953,11 +5075,11 @@
                     <a:lstStyle/>
                     <a:p>
                       <a:r>
-                        <a:rPr lang="en-US" sz="1400" dirty="0" smtClean="0"/>
+                        <a:rPr lang="en-US" sz="1400" dirty="0"/>
                         <a:t>./</a:t>
                       </a:r>
                       <a:r>
-                        <a:rPr lang="en-US" sz="1400" dirty="0" err="1" smtClean="0"/>
+                        <a:rPr lang="en-US" sz="1400" dirty="0" err="1"/>
                         <a:t>hw-new.out</a:t>
                       </a:r>
                       <a:endParaRPr lang="en-US" sz="1400" dirty="0"/>
@@ -4965,6 +5087,11 @@
                   </a:txBody>
                   <a:tcPr/>
                 </a:tc>
+                <a:extLst>
+                  <a:ext uri="{0D108BD9-81ED-4DB2-BD59-A6C34878D82A}">
+                    <a16:rowId xmlns:a16="http://schemas.microsoft.com/office/drawing/2014/main" val="10006"/>
+                  </a:ext>
+                </a:extLst>
               </a:tr>
             </a:tbl>
           </a:graphicData>
@@ -5013,205 +5140,6 @@
 </p:sld>
 </file>
 
-<file path=ppt/slides/slide13.xml><?xml version="1.0" encoding="utf-8"?>
-<p:sld xmlns:a="http://schemas.openxmlformats.org/drawingml/2006/main" xmlns:r="http://schemas.openxmlformats.org/officeDocument/2006/relationships" xmlns:p="http://schemas.openxmlformats.org/presentationml/2006/main">
-  <p:cSld>
-    <p:spTree>
-      <p:nvGrpSpPr>
-        <p:cNvPr id="1" name=""/>
-        <p:cNvGrpSpPr/>
-        <p:nvPr/>
-      </p:nvGrpSpPr>
-      <p:grpSpPr>
-        <a:xfrm>
-          <a:off x="0" y="0"/>
-          <a:ext cx="0" cy="0"/>
-          <a:chOff x="0" y="0"/>
-          <a:chExt cx="0" cy="0"/>
-        </a:xfrm>
-      </p:grpSpPr>
-      <p:sp>
-        <p:nvSpPr>
-          <p:cNvPr id="2" name="Title 1"/>
-          <p:cNvSpPr>
-            <a:spLocks noGrp="1"/>
-          </p:cNvSpPr>
-          <p:nvPr>
-            <p:ph type="title"/>
-          </p:nvPr>
-        </p:nvSpPr>
-        <p:spPr>
-          <a:xfrm>
-            <a:off x="0" y="0"/>
-            <a:ext cx="9144000" cy="1325563"/>
-          </a:xfrm>
-        </p:spPr>
-        <p:txBody>
-          <a:bodyPr/>
-          <a:lstStyle/>
-          <a:p>
-            <a:r>
-              <a:rPr lang="en-US" dirty="0" smtClean="0"/>
-              <a:t>2e. Compiler source uses new keyword</a:t>
-            </a:r>
-            <a:endParaRPr lang="en-US" dirty="0"/>
-          </a:p>
-        </p:txBody>
-      </p:sp>
-      <p:sp>
-        <p:nvSpPr>
-          <p:cNvPr id="3" name="Content Placeholder 2"/>
-          <p:cNvSpPr>
-            <a:spLocks noGrp="1"/>
-          </p:cNvSpPr>
-          <p:nvPr>
-            <p:ph idx="1"/>
-          </p:nvPr>
-        </p:nvSpPr>
-        <p:spPr/>
-        <p:txBody>
-          <a:bodyPr/>
-          <a:lstStyle/>
-          <a:p>
-            <a:r>
-              <a:rPr lang="en-US" dirty="0" smtClean="0"/>
-              <a:t>Compiler source code adopts “uint1”</a:t>
-            </a:r>
-          </a:p>
-          <a:p>
-            <a:r>
-              <a:rPr lang="en-US" dirty="0" smtClean="0"/>
-              <a:t>Use </a:t>
-            </a:r>
-            <a:r>
-              <a:rPr lang="en-US" dirty="0" smtClean="0"/>
-              <a:t>training compiler to compile trained compiler</a:t>
-            </a:r>
-          </a:p>
-          <a:p>
-            <a:pPr lvl="1"/>
-            <a:r>
-              <a:rPr lang="en-US" sz="2000" dirty="0"/>
-              <a:t>./training-</a:t>
-            </a:r>
-            <a:r>
-              <a:rPr lang="en-US" sz="2000" dirty="0" err="1"/>
-              <a:t>compiler.out</a:t>
-            </a:r>
-            <a:r>
-              <a:rPr lang="en-US" sz="2000" dirty="0"/>
-              <a:t> trained-</a:t>
-            </a:r>
-            <a:r>
-              <a:rPr lang="en-US" sz="2000" dirty="0" err="1"/>
-              <a:t>compiler.c</a:t>
-            </a:r>
-            <a:r>
-              <a:rPr lang="en-US" sz="2000" dirty="0"/>
-              <a:t> -o </a:t>
-            </a:r>
-            <a:r>
-              <a:rPr lang="en-US" sz="2000" dirty="0" smtClean="0"/>
-              <a:t>trained-</a:t>
-            </a:r>
-            <a:r>
-              <a:rPr lang="en-US" sz="2000" dirty="0" err="1" smtClean="0"/>
-              <a:t>compiler.out</a:t>
-            </a:r>
-            <a:endParaRPr lang="en-US" sz="2000" dirty="0" smtClean="0"/>
-          </a:p>
-          <a:p>
-            <a:r>
-              <a:rPr lang="en-US" dirty="0" smtClean="0"/>
-              <a:t>Final compiler is now trained</a:t>
-            </a:r>
-          </a:p>
-          <a:p>
-            <a:pPr lvl="1"/>
-            <a:r>
-              <a:rPr lang="en-US" sz="2000" dirty="0"/>
-              <a:t>./</a:t>
-            </a:r>
-            <a:r>
-              <a:rPr lang="en-US" sz="2000" dirty="0" smtClean="0"/>
-              <a:t>trained-</a:t>
-            </a:r>
-            <a:r>
-              <a:rPr lang="en-US" sz="2000" dirty="0" err="1" smtClean="0"/>
-              <a:t>compiler.out</a:t>
-            </a:r>
-            <a:r>
-              <a:rPr lang="en-US" sz="2000" dirty="0" smtClean="0"/>
-              <a:t> </a:t>
-            </a:r>
-            <a:r>
-              <a:rPr lang="en-US" sz="2000" dirty="0" err="1"/>
-              <a:t>hw-new.c</a:t>
-            </a:r>
-            <a:r>
-              <a:rPr lang="en-US" sz="2000" dirty="0"/>
-              <a:t> -o </a:t>
-            </a:r>
-            <a:r>
-              <a:rPr lang="en-US" sz="2000" dirty="0" err="1"/>
-              <a:t>hw-new.out</a:t>
-            </a:r>
-            <a:endParaRPr lang="en-US" sz="2000" dirty="0"/>
-          </a:p>
-          <a:p>
-            <a:pPr lvl="1"/>
-            <a:r>
-              <a:rPr lang="en-US" sz="2000" dirty="0"/>
-              <a:t>./</a:t>
-            </a:r>
-            <a:r>
-              <a:rPr lang="en-US" sz="2000" dirty="0" err="1"/>
-              <a:t>hw-new.out</a:t>
-            </a:r>
-            <a:endParaRPr lang="en-US" sz="2000" dirty="0"/>
-          </a:p>
-          <a:p>
-            <a:pPr lvl="1"/>
-            <a:endParaRPr lang="en-US" dirty="0"/>
-          </a:p>
-        </p:txBody>
-      </p:sp>
-      <p:sp>
-        <p:nvSpPr>
-          <p:cNvPr id="4" name="Slide Number Placeholder 3"/>
-          <p:cNvSpPr>
-            <a:spLocks noGrp="1"/>
-          </p:cNvSpPr>
-          <p:nvPr>
-            <p:ph type="sldNum" sz="quarter" idx="12"/>
-          </p:nvPr>
-        </p:nvSpPr>
-        <p:spPr/>
-        <p:txBody>
-          <a:bodyPr/>
-          <a:lstStyle/>
-          <a:p>
-            <a:fld id="{9705DC4D-6496-4D9B-AA35-AB22DFE8A2F2}" type="slidenum">
-              <a:rPr lang="en-SG" smtClean="0"/>
-              <a:t>13</a:t>
-            </a:fld>
-            <a:endParaRPr lang="en-SG"/>
-          </a:p>
-        </p:txBody>
-      </p:sp>
-    </p:spTree>
-    <p:extLst>
-      <p:ext uri="{BB962C8B-B14F-4D97-AF65-F5344CB8AC3E}">
-        <p14:creationId xmlns:p14="http://schemas.microsoft.com/office/powerpoint/2010/main" val="1166735218"/>
-      </p:ext>
-    </p:extLst>
-  </p:cSld>
-  <p:clrMapOvr>
-    <a:masterClrMapping/>
-  </p:clrMapOvr>
-</p:sld>
-</file>
-
 <file path=ppt/slides/slide14.xml><?xml version="1.0" encoding="utf-8"?>
 <p:sld xmlns:a="http://schemas.openxmlformats.org/drawingml/2006/main" xmlns:r="http://schemas.openxmlformats.org/officeDocument/2006/relationships" xmlns:p="http://schemas.openxmlformats.org/presentationml/2006/main">
   <p:cSld>
@@ -5239,16 +5167,20 @@
             <p:ph type="title"/>
           </p:nvPr>
         </p:nvSpPr>
-        <p:spPr/>
+        <p:spPr>
+          <a:xfrm>
+            <a:off x="0" y="0"/>
+            <a:ext cx="9144000" cy="1325563"/>
+          </a:xfrm>
+        </p:spPr>
         <p:txBody>
           <a:bodyPr/>
           <a:lstStyle/>
           <a:p>
             <a:r>
-              <a:rPr lang="en-US" dirty="0" smtClean="0"/>
-              <a:t>What we have learned so far?</a:t>
-            </a:r>
-            <a:endParaRPr lang="en-US" dirty="0"/>
+              <a:rPr lang="en-US" dirty="0"/>
+              <a:t>2e. Compiler source uses new keyword</a:t>
+            </a:r>
           </a:p>
         </p:txBody>
       </p:sp>
@@ -5262,44 +5194,98 @@
             <p:ph idx="1"/>
           </p:nvPr>
         </p:nvSpPr>
-        <p:spPr>
-          <a:xfrm>
-            <a:off x="348343" y="1825625"/>
-            <a:ext cx="8167007" cy="4351338"/>
-          </a:xfrm>
-        </p:spPr>
+        <p:spPr/>
         <p:txBody>
           <a:bodyPr/>
           <a:lstStyle/>
           <a:p>
-            <a:pPr marL="514350" indent="-514350">
-              <a:buFont typeface="+mj-lt"/>
-              <a:buAutoNum type="arabicPeriod"/>
-            </a:pPr>
-            <a:r>
-              <a:rPr lang="en-US" dirty="0" smtClean="0"/>
-              <a:t>A program can output another program even itself.</a:t>
-            </a:r>
-          </a:p>
-          <a:p>
-            <a:pPr marL="514350" indent="-514350">
-              <a:buFont typeface="+mj-lt"/>
-              <a:buAutoNum type="arabicPeriod"/>
-            </a:pPr>
-            <a:r>
-              <a:rPr lang="en-US" dirty="0" smtClean="0"/>
-              <a:t>A program can output extra text not relevant to printing itself.</a:t>
-            </a:r>
-          </a:p>
-          <a:p>
-            <a:pPr marL="514350" indent="-514350">
-              <a:buFont typeface="+mj-lt"/>
-              <a:buAutoNum type="arabicPeriod"/>
-            </a:pPr>
-            <a:r>
-              <a:rPr lang="en-US" dirty="0" smtClean="0"/>
-              <a:t>A compiler can propagate knowledge to the next generation of itself. </a:t>
-            </a:r>
+            <a:r>
+              <a:rPr lang="en-US" dirty="0"/>
+              <a:t>Compiler source code adopts “uint1”</a:t>
+            </a:r>
+          </a:p>
+          <a:p>
+            <a:r>
+              <a:rPr lang="en-US" dirty="0"/>
+              <a:t>Use training compiler to compile trained compiler</a:t>
+            </a:r>
+          </a:p>
+          <a:p>
+            <a:pPr lvl="1"/>
+            <a:r>
+              <a:rPr lang="en-US" sz="2000" dirty="0"/>
+              <a:t>./training-</a:t>
+            </a:r>
+            <a:r>
+              <a:rPr lang="en-US" sz="2000" dirty="0" err="1"/>
+              <a:t>compiler.out</a:t>
+            </a:r>
+            <a:r>
+              <a:rPr lang="en-US" sz="2000" dirty="0"/>
+              <a:t> trained-</a:t>
+            </a:r>
+            <a:r>
+              <a:rPr lang="en-US" sz="2000" dirty="0" err="1"/>
+              <a:t>compiler.c</a:t>
+            </a:r>
+            <a:r>
+              <a:rPr lang="en-US" sz="2000" dirty="0"/>
+              <a:t> -o trained-</a:t>
+            </a:r>
+            <a:r>
+              <a:rPr lang="en-US" sz="2000" dirty="0" err="1"/>
+              <a:t>compiler.out</a:t>
+            </a:r>
+            <a:endParaRPr lang="en-US" sz="2000" dirty="0"/>
+          </a:p>
+          <a:p>
+            <a:r>
+              <a:rPr lang="en-US" dirty="0"/>
+              <a:t>Final compiler is now trained</a:t>
+            </a:r>
+          </a:p>
+          <a:p>
+            <a:pPr lvl="1"/>
+            <a:r>
+              <a:rPr lang="en-US" sz="2000" dirty="0"/>
+              <a:t>./trained-</a:t>
+            </a:r>
+            <a:r>
+              <a:rPr lang="en-US" sz="2000" dirty="0" err="1"/>
+              <a:t>compiler.out</a:t>
+            </a:r>
+            <a:r>
+              <a:rPr lang="en-US" sz="2000" dirty="0"/>
+              <a:t> </a:t>
+            </a:r>
+            <a:r>
+              <a:rPr lang="en-US" sz="2000" dirty="0" err="1"/>
+              <a:t>hw-new.c</a:t>
+            </a:r>
+            <a:r>
+              <a:rPr lang="en-US" sz="2000" dirty="0"/>
+              <a:t> -o </a:t>
+            </a:r>
+            <a:r>
+              <a:rPr lang="en-US" sz="2000" dirty="0" err="1"/>
+              <a:t>hw-new.out</a:t>
+            </a:r>
+            <a:endParaRPr lang="en-US" sz="2000" dirty="0"/>
+          </a:p>
+          <a:p>
+            <a:pPr lvl="1"/>
+            <a:r>
+              <a:rPr lang="en-US" sz="2000" dirty="0"/>
+              <a:t>./</a:t>
+            </a:r>
+            <a:r>
+              <a:rPr lang="en-US" sz="2000" dirty="0" err="1"/>
+              <a:t>hw-new.out</a:t>
+            </a:r>
+            <a:endParaRPr lang="en-US" sz="2000" dirty="0"/>
+          </a:p>
+          <a:p>
+            <a:pPr lvl="1"/>
             <a:endParaRPr lang="en-US" dirty="0"/>
           </a:p>
         </p:txBody>
@@ -5322,6 +5308,132 @@
             <a:fld id="{9705DC4D-6496-4D9B-AA35-AB22DFE8A2F2}" type="slidenum">
               <a:rPr lang="en-SG" smtClean="0"/>
               <a:t>14</a:t>
+            </a:fld>
+            <a:endParaRPr lang="en-SG"/>
+          </a:p>
+        </p:txBody>
+      </p:sp>
+    </p:spTree>
+    <p:extLst>
+      <p:ext uri="{BB962C8B-B14F-4D97-AF65-F5344CB8AC3E}">
+        <p14:creationId xmlns:p14="http://schemas.microsoft.com/office/powerpoint/2010/main" val="1166735218"/>
+      </p:ext>
+    </p:extLst>
+  </p:cSld>
+  <p:clrMapOvr>
+    <a:masterClrMapping/>
+  </p:clrMapOvr>
+</p:sld>
+</file>
+
+<file path=ppt/slides/slide15.xml><?xml version="1.0" encoding="utf-8"?>
+<p:sld xmlns:a="http://schemas.openxmlformats.org/drawingml/2006/main" xmlns:r="http://schemas.openxmlformats.org/officeDocument/2006/relationships" xmlns:p="http://schemas.openxmlformats.org/presentationml/2006/main">
+  <p:cSld>
+    <p:spTree>
+      <p:nvGrpSpPr>
+        <p:cNvPr id="1" name=""/>
+        <p:cNvGrpSpPr/>
+        <p:nvPr/>
+      </p:nvGrpSpPr>
+      <p:grpSpPr>
+        <a:xfrm>
+          <a:off x="0" y="0"/>
+          <a:ext cx="0" cy="0"/>
+          <a:chOff x="0" y="0"/>
+          <a:chExt cx="0" cy="0"/>
+        </a:xfrm>
+      </p:grpSpPr>
+      <p:sp>
+        <p:nvSpPr>
+          <p:cNvPr id="2" name="Title 1"/>
+          <p:cNvSpPr>
+            <a:spLocks noGrp="1"/>
+          </p:cNvSpPr>
+          <p:nvPr>
+            <p:ph type="title"/>
+          </p:nvPr>
+        </p:nvSpPr>
+        <p:spPr/>
+        <p:txBody>
+          <a:bodyPr/>
+          <a:lstStyle/>
+          <a:p>
+            <a:r>
+              <a:rPr lang="en-US" dirty="0"/>
+              <a:t>What we have learned so far?</a:t>
+            </a:r>
+          </a:p>
+        </p:txBody>
+      </p:sp>
+      <p:sp>
+        <p:nvSpPr>
+          <p:cNvPr id="3" name="Content Placeholder 2"/>
+          <p:cNvSpPr>
+            <a:spLocks noGrp="1"/>
+          </p:cNvSpPr>
+          <p:nvPr>
+            <p:ph idx="1"/>
+          </p:nvPr>
+        </p:nvSpPr>
+        <p:spPr>
+          <a:xfrm>
+            <a:off x="348343" y="1825625"/>
+            <a:ext cx="8167007" cy="4351338"/>
+          </a:xfrm>
+        </p:spPr>
+        <p:txBody>
+          <a:bodyPr/>
+          <a:lstStyle/>
+          <a:p>
+            <a:pPr marL="514350" indent="-514350">
+              <a:buFont typeface="+mj-lt"/>
+              <a:buAutoNum type="arabicPeriod"/>
+            </a:pPr>
+            <a:r>
+              <a:rPr lang="en-US" dirty="0"/>
+              <a:t>A program can output another program even itself.</a:t>
+            </a:r>
+          </a:p>
+          <a:p>
+            <a:pPr marL="514350" indent="-514350">
+              <a:buFont typeface="+mj-lt"/>
+              <a:buAutoNum type="arabicPeriod"/>
+            </a:pPr>
+            <a:r>
+              <a:rPr lang="en-US" dirty="0"/>
+              <a:t>A program can output extra text not relevant to printing itself.</a:t>
+            </a:r>
+          </a:p>
+          <a:p>
+            <a:pPr marL="514350" indent="-514350">
+              <a:buFont typeface="+mj-lt"/>
+              <a:buAutoNum type="arabicPeriod"/>
+            </a:pPr>
+            <a:r>
+              <a:rPr lang="en-US" dirty="0"/>
+              <a:t>A compiler can propagate knowledge to the next generation of itself. </a:t>
+            </a:r>
+          </a:p>
+        </p:txBody>
+      </p:sp>
+      <p:sp>
+        <p:nvSpPr>
+          <p:cNvPr id="4" name="Slide Number Placeholder 3"/>
+          <p:cNvSpPr>
+            <a:spLocks noGrp="1"/>
+          </p:cNvSpPr>
+          <p:nvPr>
+            <p:ph type="sldNum" sz="quarter" idx="12"/>
+          </p:nvPr>
+        </p:nvSpPr>
+        <p:spPr/>
+        <p:txBody>
+          <a:bodyPr/>
+          <a:lstStyle/>
+          <a:p>
+            <a:fld id="{9705DC4D-6496-4D9B-AA35-AB22DFE8A2F2}" type="slidenum">
+              <a:rPr lang="en-SG" smtClean="0"/>
+              <a:t>15</a:t>
             </a:fld>
             <a:endParaRPr lang="en-SG"/>
           </a:p>
@@ -5553,140 +5665,6 @@
 </p:sld>
 </file>
 
-<file path=ppt/slides/slide15.xml><?xml version="1.0" encoding="utf-8"?>
-<p:sld xmlns:a="http://schemas.openxmlformats.org/drawingml/2006/main" xmlns:r="http://schemas.openxmlformats.org/officeDocument/2006/relationships" xmlns:p="http://schemas.openxmlformats.org/presentationml/2006/main">
-  <p:cSld>
-    <p:spTree>
-      <p:nvGrpSpPr>
-        <p:cNvPr id="1" name=""/>
-        <p:cNvGrpSpPr/>
-        <p:nvPr/>
-      </p:nvGrpSpPr>
-      <p:grpSpPr>
-        <a:xfrm>
-          <a:off x="0" y="0"/>
-          <a:ext cx="0" cy="0"/>
-          <a:chOff x="0" y="0"/>
-          <a:chExt cx="0" cy="0"/>
-        </a:xfrm>
-      </p:grpSpPr>
-      <p:sp>
-        <p:nvSpPr>
-          <p:cNvPr id="2" name="Title 1"/>
-          <p:cNvSpPr>
-            <a:spLocks noGrp="1"/>
-          </p:cNvSpPr>
-          <p:nvPr>
-            <p:ph type="title"/>
-          </p:nvPr>
-        </p:nvSpPr>
-        <p:spPr/>
-        <p:txBody>
-          <a:bodyPr/>
-          <a:lstStyle/>
-          <a:p>
-            <a:r>
-              <a:rPr lang="en-US" dirty="0" smtClean="0"/>
-              <a:t>3a. The attack</a:t>
-            </a:r>
-            <a:endParaRPr lang="en-US" dirty="0"/>
-          </a:p>
-        </p:txBody>
-      </p:sp>
-      <p:sp>
-        <p:nvSpPr>
-          <p:cNvPr id="3" name="Content Placeholder 2"/>
-          <p:cNvSpPr>
-            <a:spLocks noGrp="1"/>
-          </p:cNvSpPr>
-          <p:nvPr>
-            <p:ph idx="1"/>
-          </p:nvPr>
-        </p:nvSpPr>
-        <p:spPr>
-          <a:xfrm>
-            <a:off x="888546" y="2634095"/>
-            <a:ext cx="7366907" cy="874032"/>
-          </a:xfrm>
-        </p:spPr>
-        <p:txBody>
-          <a:bodyPr>
-            <a:normAutofit fontScale="92500" lnSpcReduction="20000"/>
-          </a:bodyPr>
-          <a:lstStyle/>
-          <a:p>
-            <a:pPr marL="0" indent="0">
-              <a:buNone/>
-            </a:pPr>
-            <a:r>
-              <a:rPr lang="en-US" sz="3200" dirty="0" smtClean="0"/>
-              <a:t>If </a:t>
-            </a:r>
-            <a:r>
-              <a:rPr lang="en-US" sz="3200" dirty="0" err="1" smtClean="0"/>
-              <a:t>login.c</a:t>
-            </a:r>
-            <a:r>
-              <a:rPr lang="en-US" sz="3200" dirty="0" smtClean="0"/>
-              <a:t> is a program responsible for logins,</a:t>
-            </a:r>
-          </a:p>
-          <a:p>
-            <a:pPr marL="0" indent="0">
-              <a:buNone/>
-            </a:pPr>
-            <a:r>
-              <a:rPr lang="en-US" sz="3200" dirty="0"/>
-              <a:t>a</a:t>
-            </a:r>
-            <a:r>
-              <a:rPr lang="en-US" sz="3200" dirty="0" smtClean="0"/>
-              <a:t>dd an undetectable backdoor to </a:t>
-            </a:r>
-            <a:r>
-              <a:rPr lang="en-US" sz="3200" dirty="0" err="1" smtClean="0"/>
-              <a:t>login.c</a:t>
-            </a:r>
-            <a:endParaRPr lang="en-US" sz="3200" dirty="0" smtClean="0"/>
-          </a:p>
-        </p:txBody>
-      </p:sp>
-      <p:sp>
-        <p:nvSpPr>
-          <p:cNvPr id="4" name="Slide Number Placeholder 3"/>
-          <p:cNvSpPr>
-            <a:spLocks noGrp="1"/>
-          </p:cNvSpPr>
-          <p:nvPr>
-            <p:ph type="sldNum" sz="quarter" idx="12"/>
-          </p:nvPr>
-        </p:nvSpPr>
-        <p:spPr/>
-        <p:txBody>
-          <a:bodyPr/>
-          <a:lstStyle/>
-          <a:p>
-            <a:fld id="{9705DC4D-6496-4D9B-AA35-AB22DFE8A2F2}" type="slidenum">
-              <a:rPr lang="en-SG" smtClean="0"/>
-              <a:t>15</a:t>
-            </a:fld>
-            <a:endParaRPr lang="en-SG"/>
-          </a:p>
-        </p:txBody>
-      </p:sp>
-    </p:spTree>
-    <p:extLst>
-      <p:ext uri="{BB962C8B-B14F-4D97-AF65-F5344CB8AC3E}">
-        <p14:creationId xmlns:p14="http://schemas.microsoft.com/office/powerpoint/2010/main" val="710425226"/>
-      </p:ext>
-    </p:extLst>
-  </p:cSld>
-  <p:clrMapOvr>
-    <a:masterClrMapping/>
-  </p:clrMapOvr>
-</p:sld>
-</file>
-
 <file path=ppt/slides/slide16.xml><?xml version="1.0" encoding="utf-8"?>
 <p:sld xmlns:a="http://schemas.openxmlformats.org/drawingml/2006/main" xmlns:r="http://schemas.openxmlformats.org/officeDocument/2006/relationships" xmlns:p="http://schemas.openxmlformats.org/presentationml/2006/main">
   <p:cSld>
@@ -5714,29 +5692,69 @@
             <p:ph type="title"/>
           </p:nvPr>
         </p:nvSpPr>
+        <p:spPr/>
+        <p:txBody>
+          <a:bodyPr/>
+          <a:lstStyle/>
+          <a:p>
+            <a:r>
+              <a:rPr lang="en-US" dirty="0"/>
+              <a:t>3a. The attack</a:t>
+            </a:r>
+          </a:p>
+        </p:txBody>
+      </p:sp>
+      <p:sp>
+        <p:nvSpPr>
+          <p:cNvPr id="3" name="Content Placeholder 2"/>
+          <p:cNvSpPr>
+            <a:spLocks noGrp="1"/>
+          </p:cNvSpPr>
+          <p:nvPr>
+            <p:ph idx="1"/>
+          </p:nvPr>
+        </p:nvSpPr>
         <p:spPr>
           <a:xfrm>
-            <a:off x="628650" y="0"/>
-            <a:ext cx="7886700" cy="715344"/>
+            <a:off x="888546" y="2634095"/>
+            <a:ext cx="7366907" cy="874032"/>
           </a:xfrm>
         </p:spPr>
         <p:txBody>
-          <a:bodyPr/>
-          <a:lstStyle/>
-          <a:p>
-            <a:r>
-              <a:rPr lang="en-US" dirty="0" smtClean="0"/>
-              <a:t>3b. </a:t>
-            </a:r>
-            <a:r>
-              <a:rPr lang="en-US" dirty="0" err="1"/>
-              <a:t>l</a:t>
-            </a:r>
-            <a:r>
-              <a:rPr lang="en-US" dirty="0" err="1" smtClean="0"/>
-              <a:t>ogin.c</a:t>
-            </a:r>
-            <a:endParaRPr lang="en-US" dirty="0"/>
+          <a:bodyPr>
+            <a:normAutofit fontScale="92500" lnSpcReduction="20000"/>
+          </a:bodyPr>
+          <a:lstStyle/>
+          <a:p>
+            <a:pPr marL="0" indent="0">
+              <a:buNone/>
+            </a:pPr>
+            <a:r>
+              <a:rPr lang="en-US" sz="3200" dirty="0"/>
+              <a:t>If </a:t>
+            </a:r>
+            <a:r>
+              <a:rPr lang="en-US" sz="3200" dirty="0" err="1"/>
+              <a:t>login.c</a:t>
+            </a:r>
+            <a:r>
+              <a:rPr lang="en-US" sz="3200" dirty="0"/>
+              <a:t> is a program responsible for logins,</a:t>
+            </a:r>
+          </a:p>
+          <a:p>
+            <a:pPr marL="0" indent="0">
+              <a:buNone/>
+            </a:pPr>
+            <a:r>
+              <a:rPr lang="en-US" sz="3200" dirty="0"/>
+              <a:t>add an undetectable backdoor to </a:t>
+            </a:r>
+            <a:r>
+              <a:rPr lang="en-US" sz="3200" dirty="0" err="1"/>
+              <a:t>login.c</a:t>
+            </a:r>
+            <a:endParaRPr lang="en-US" sz="3200" dirty="0"/>
           </a:p>
         </p:txBody>
       </p:sp>
@@ -5758,6 +5776,91 @@
             <a:fld id="{9705DC4D-6496-4D9B-AA35-AB22DFE8A2F2}" type="slidenum">
               <a:rPr lang="en-SG" smtClean="0"/>
               <a:t>16</a:t>
+            </a:fld>
+            <a:endParaRPr lang="en-SG"/>
+          </a:p>
+        </p:txBody>
+      </p:sp>
+    </p:spTree>
+    <p:extLst>
+      <p:ext uri="{BB962C8B-B14F-4D97-AF65-F5344CB8AC3E}">
+        <p14:creationId xmlns:p14="http://schemas.microsoft.com/office/powerpoint/2010/main" val="710425226"/>
+      </p:ext>
+    </p:extLst>
+  </p:cSld>
+  <p:clrMapOvr>
+    <a:masterClrMapping/>
+  </p:clrMapOvr>
+</p:sld>
+</file>
+
+<file path=ppt/slides/slide17.xml><?xml version="1.0" encoding="utf-8"?>
+<p:sld xmlns:a="http://schemas.openxmlformats.org/drawingml/2006/main" xmlns:r="http://schemas.openxmlformats.org/officeDocument/2006/relationships" xmlns:p="http://schemas.openxmlformats.org/presentationml/2006/main">
+  <p:cSld>
+    <p:spTree>
+      <p:nvGrpSpPr>
+        <p:cNvPr id="1" name=""/>
+        <p:cNvGrpSpPr/>
+        <p:nvPr/>
+      </p:nvGrpSpPr>
+      <p:grpSpPr>
+        <a:xfrm>
+          <a:off x="0" y="0"/>
+          <a:ext cx="0" cy="0"/>
+          <a:chOff x="0" y="0"/>
+          <a:chExt cx="0" cy="0"/>
+        </a:xfrm>
+      </p:grpSpPr>
+      <p:sp>
+        <p:nvSpPr>
+          <p:cNvPr id="2" name="Title 1"/>
+          <p:cNvSpPr>
+            <a:spLocks noGrp="1"/>
+          </p:cNvSpPr>
+          <p:nvPr>
+            <p:ph type="title"/>
+          </p:nvPr>
+        </p:nvSpPr>
+        <p:spPr>
+          <a:xfrm>
+            <a:off x="628650" y="0"/>
+            <a:ext cx="7886700" cy="715344"/>
+          </a:xfrm>
+        </p:spPr>
+        <p:txBody>
+          <a:bodyPr/>
+          <a:lstStyle/>
+          <a:p>
+            <a:r>
+              <a:rPr lang="en-US" dirty="0"/>
+              <a:t>3b. </a:t>
+            </a:r>
+            <a:r>
+              <a:rPr lang="en-US" dirty="0" err="1"/>
+              <a:t>login.c</a:t>
+            </a:r>
+            <a:endParaRPr lang="en-US" dirty="0"/>
+          </a:p>
+        </p:txBody>
+      </p:sp>
+      <p:sp>
+        <p:nvSpPr>
+          <p:cNvPr id="4" name="Slide Number Placeholder 3"/>
+          <p:cNvSpPr>
+            <a:spLocks noGrp="1"/>
+          </p:cNvSpPr>
+          <p:nvPr>
+            <p:ph type="sldNum" sz="quarter" idx="12"/>
+          </p:nvPr>
+        </p:nvSpPr>
+        <p:spPr/>
+        <p:txBody>
+          <a:bodyPr/>
+          <a:lstStyle/>
+          <a:p>
+            <a:fld id="{9705DC4D-6496-4D9B-AA35-AB22DFE8A2F2}" type="slidenum">
+              <a:rPr lang="en-SG" smtClean="0"/>
+              <a:t>17</a:t>
             </a:fld>
             <a:endParaRPr lang="en-SG"/>
           </a:p>
@@ -5816,20 +5919,20 @@
           <a:lstStyle/>
           <a:p>
             <a:r>
-              <a:rPr lang="en-US" sz="2000" dirty="0" smtClean="0"/>
+              <a:rPr lang="en-US" sz="2000" dirty="0"/>
               <a:t>Checks username/password combination via command-line arguments</a:t>
             </a:r>
           </a:p>
           <a:p>
             <a:r>
-              <a:rPr lang="en-US" sz="2000" dirty="0" smtClean="0"/>
+              <a:rPr lang="en-US" sz="2000" dirty="0"/>
               <a:t>Commands:</a:t>
             </a:r>
           </a:p>
           <a:p>
             <a:pPr lvl="1"/>
             <a:r>
-              <a:rPr lang="en-US" sz="1600" dirty="0" smtClean="0"/>
+              <a:rPr lang="en-US" sz="1600" dirty="0"/>
               <a:t>cd stage3</a:t>
             </a:r>
           </a:p>
@@ -5856,10 +5959,10 @@
               <a:t> -o </a:t>
             </a:r>
             <a:r>
-              <a:rPr lang="en-US" sz="1600" dirty="0" err="1" smtClean="0"/>
+              <a:rPr lang="en-US" sz="1600" dirty="0" err="1"/>
               <a:t>login.out</a:t>
             </a:r>
-            <a:endParaRPr lang="en-US" sz="1600" dirty="0" smtClean="0"/>
+            <a:endParaRPr lang="en-US" sz="1600" dirty="0"/>
           </a:p>
           <a:p>
             <a:pPr lvl="1"/>
@@ -5879,14 +5982,14 @@
               <a:rPr lang="en-US" sz="1600" dirty="0" err="1"/>
               <a:t>passsword</a:t>
             </a:r>
-            <a:endParaRPr lang="en-US" sz="1600" dirty="0" smtClean="0"/>
+            <a:endParaRPr lang="en-US" sz="1600" dirty="0"/>
           </a:p>
           <a:p>
             <a:pPr lvl="1"/>
             <a:endParaRPr lang="en-US" sz="1600" dirty="0"/>
           </a:p>
           <a:p>
-            <a:endParaRPr lang="en-US" sz="2000" dirty="0" smtClean="0"/>
+            <a:endParaRPr lang="en-US" sz="2000" dirty="0"/>
           </a:p>
         </p:txBody>
       </p:sp>
@@ -5903,7 +6006,7 @@
 </p:sld>
 </file>
 
-<file path=ppt/slides/slide17.xml><?xml version="1.0" encoding="utf-8"?>
+<file path=ppt/slides/slide18.xml><?xml version="1.0" encoding="utf-8"?>
 <p:sld xmlns:a="http://schemas.openxmlformats.org/drawingml/2006/main" xmlns:r="http://schemas.openxmlformats.org/officeDocument/2006/relationships" xmlns:p="http://schemas.openxmlformats.org/presentationml/2006/main">
   <p:cSld>
     <p:spTree>
@@ -5941,11 +6044,11 @@
           <a:lstStyle/>
           <a:p>
             <a:r>
-              <a:rPr lang="en-US" dirty="0" smtClean="0"/>
+              <a:rPr lang="en-US" dirty="0"/>
               <a:t>3c. login-</a:t>
             </a:r>
             <a:r>
-              <a:rPr lang="en-US" dirty="0" err="1" smtClean="0"/>
+              <a:rPr lang="en-US" dirty="0" err="1"/>
               <a:t>hacked.c</a:t>
             </a:r>
             <a:endParaRPr lang="en-US" dirty="0"/>
@@ -5969,7 +6072,7 @@
           <a:p>
             <a:fld id="{9705DC4D-6496-4D9B-AA35-AB22DFE8A2F2}" type="slidenum">
               <a:rPr lang="en-SG" smtClean="0"/>
-              <a:t>17</a:t>
+              <a:t>18</a:t>
             </a:fld>
             <a:endParaRPr lang="en-SG"/>
           </a:p>
@@ -5998,25 +6101,21 @@
           <a:lstStyle/>
           <a:p>
             <a:r>
-              <a:rPr lang="en-US" sz="2000" dirty="0" smtClean="0"/>
+              <a:rPr lang="en-US" sz="2000" dirty="0"/>
               <a:t>Adds backdoor account</a:t>
             </a:r>
           </a:p>
           <a:p>
             <a:r>
-              <a:rPr lang="en-US" sz="2000" dirty="0" smtClean="0"/>
+              <a:rPr lang="en-US" sz="2000" dirty="0"/>
               <a:t>Commands:</a:t>
             </a:r>
           </a:p>
           <a:p>
             <a:pPr lvl="1"/>
             <a:r>
-              <a:rPr lang="en-US" sz="1600" dirty="0" smtClean="0"/>
-              <a:t>../</a:t>
-            </a:r>
-            <a:r>
               <a:rPr lang="en-US" sz="1600" dirty="0"/>
-              <a:t>clean-</a:t>
+              <a:t>../clean-</a:t>
             </a:r>
             <a:r>
               <a:rPr lang="en-US" sz="1600" dirty="0" err="1"/>
@@ -6024,58 +6123,42 @@
             </a:r>
             <a:r>
               <a:rPr lang="en-US" sz="1600" dirty="0"/>
-              <a:t> </a:t>
-            </a:r>
-            <a:r>
-              <a:rPr lang="en-US" sz="1600" dirty="0" smtClean="0"/>
-              <a:t>login-</a:t>
-            </a:r>
-            <a:r>
-              <a:rPr lang="en-US" sz="1600" dirty="0" err="1" smtClean="0"/>
+              <a:t> login-</a:t>
+            </a:r>
+            <a:r>
+              <a:rPr lang="en-US" sz="1600" dirty="0" err="1"/>
               <a:t>hacked.c</a:t>
             </a:r>
             <a:r>
-              <a:rPr lang="en-US" sz="1600" dirty="0" smtClean="0"/>
-              <a:t> </a:t>
-            </a:r>
-            <a:r>
               <a:rPr lang="en-US" sz="1600" dirty="0"/>
-              <a:t>-o </a:t>
-            </a:r>
-            <a:r>
-              <a:rPr lang="en-US" sz="1600" dirty="0" smtClean="0"/>
-              <a:t>login-</a:t>
-            </a:r>
-            <a:r>
-              <a:rPr lang="en-US" sz="1600" dirty="0" err="1" smtClean="0"/>
+              <a:t> -o login-</a:t>
+            </a:r>
+            <a:r>
+              <a:rPr lang="en-US" sz="1600" dirty="0" err="1"/>
               <a:t>hacked.out</a:t>
             </a:r>
-            <a:endParaRPr lang="en-US" sz="1600" dirty="0" smtClean="0"/>
+            <a:endParaRPr lang="en-US" sz="1600" dirty="0"/>
           </a:p>
           <a:p>
             <a:pPr lvl="1"/>
             <a:r>
               <a:rPr lang="en-US" sz="1600" dirty="0"/>
-              <a:t>./</a:t>
-            </a:r>
-            <a:r>
-              <a:rPr lang="en-US" sz="1600" dirty="0" smtClean="0"/>
-              <a:t>login-</a:t>
-            </a:r>
-            <a:r>
-              <a:rPr lang="en-US" sz="1600" dirty="0" err="1" smtClean="0"/>
+              <a:t>./login-</a:t>
+            </a:r>
+            <a:r>
+              <a:rPr lang="en-US" sz="1600" dirty="0" err="1"/>
               <a:t>hacked.out</a:t>
             </a:r>
             <a:r>
-              <a:rPr lang="en-US" sz="1600" dirty="0" smtClean="0"/>
+              <a:rPr lang="en-US" sz="1600" dirty="0"/>
               <a:t> hacker </a:t>
             </a:r>
             <a:r>
-              <a:rPr lang="en-US" sz="1600" dirty="0" err="1" smtClean="0"/>
+              <a:rPr lang="en-US" sz="1600" dirty="0" err="1"/>
               <a:t>i</a:t>
             </a:r>
             <a:r>
-              <a:rPr lang="en-US" sz="1600" dirty="0" smtClean="0"/>
+              <a:rPr lang="en-US" sz="1600" dirty="0"/>
               <a:t>-hate-numbers</a:t>
             </a:r>
           </a:p>
@@ -6084,7 +6167,7 @@
             <a:endParaRPr lang="en-US" sz="1600" dirty="0"/>
           </a:p>
           <a:p>
-            <a:endParaRPr lang="en-US" sz="2000" dirty="0" smtClean="0"/>
+            <a:endParaRPr lang="en-US" sz="2000" dirty="0"/>
           </a:p>
         </p:txBody>
       </p:sp>
@@ -6131,7 +6214,7 @@
 </p:sld>
 </file>
 
-<file path=ppt/slides/slide18.xml><?xml version="1.0" encoding="utf-8"?>
+<file path=ppt/slides/slide19.xml><?xml version="1.0" encoding="utf-8"?>
 <p:sld xmlns:a="http://schemas.openxmlformats.org/drawingml/2006/main" xmlns:r="http://schemas.openxmlformats.org/officeDocument/2006/relationships" xmlns:p="http://schemas.openxmlformats.org/presentationml/2006/main">
   <p:cSld>
     <p:spTree>
@@ -6169,11 +6252,11 @@
           <a:lstStyle/>
           <a:p>
             <a:r>
-              <a:rPr lang="en-US" dirty="0" smtClean="0"/>
+              <a:rPr lang="en-US" dirty="0"/>
               <a:t>3d. compiler-hack-</a:t>
             </a:r>
             <a:r>
-              <a:rPr lang="en-US" dirty="0" err="1" smtClean="0"/>
+              <a:rPr lang="en-US" dirty="0" err="1"/>
               <a:t>login.c</a:t>
             </a:r>
             <a:endParaRPr lang="en-US" dirty="0"/>
@@ -6197,7 +6280,7 @@
           <a:p>
             <a:fld id="{9705DC4D-6496-4D9B-AA35-AB22DFE8A2F2}" type="slidenum">
               <a:rPr lang="en-SG" smtClean="0"/>
-              <a:t>18</a:t>
+              <a:t>19</a:t>
             </a:fld>
             <a:endParaRPr lang="en-SG"/>
           </a:p>
@@ -6226,18 +6309,18 @@
           <a:lstStyle/>
           <a:p>
             <a:r>
-              <a:rPr lang="en-US" sz="2000" dirty="0" smtClean="0"/>
+              <a:rPr lang="en-US" sz="2000" dirty="0"/>
               <a:t>Compiler adds backdoor code when it sees </a:t>
             </a:r>
             <a:r>
-              <a:rPr lang="en-US" sz="2000" dirty="0" err="1" smtClean="0"/>
+              <a:rPr lang="en-US" sz="2000" dirty="0" err="1"/>
               <a:t>login.c</a:t>
             </a:r>
-            <a:endParaRPr lang="en-US" sz="2000" dirty="0" smtClean="0"/>
-          </a:p>
-          <a:p>
-            <a:r>
-              <a:rPr lang="en-US" sz="2000" dirty="0" smtClean="0"/>
+            <a:endParaRPr lang="en-US" sz="2000" dirty="0"/>
+          </a:p>
+          <a:p>
+            <a:r>
+              <a:rPr lang="en-US" sz="2000" dirty="0"/>
               <a:t>Commands:</a:t>
             </a:r>
           </a:p>
@@ -6261,32 +6344,24 @@
             </a:r>
             <a:r>
               <a:rPr lang="en-US" sz="1600" dirty="0"/>
-              <a:t> -o </a:t>
-            </a:r>
-            <a:r>
-              <a:rPr lang="en-US" sz="1600" dirty="0" smtClean="0"/>
-              <a:t>compiler-hack-</a:t>
-            </a:r>
-            <a:r>
-              <a:rPr lang="en-US" sz="1600" dirty="0" err="1" smtClean="0"/>
-              <a:t>login.out</a:t>
-            </a:r>
-            <a:endParaRPr lang="en-US" sz="1600" dirty="0" smtClean="0"/>
-          </a:p>
-          <a:p>
-            <a:pPr lvl="1"/>
-            <a:r>
-              <a:rPr lang="en-US" sz="1600" dirty="0" smtClean="0"/>
-              <a:t>./</a:t>
-            </a:r>
-            <a:r>
-              <a:rPr lang="en-US" sz="1600" dirty="0"/>
-              <a:t>compiler-hack-</a:t>
+              <a:t> -o compiler-hack-</a:t>
             </a:r>
             <a:r>
               <a:rPr lang="en-US" sz="1600" dirty="0" err="1"/>
               <a:t>login.out</a:t>
             </a:r>
+            <a:endParaRPr lang="en-US" sz="1600" dirty="0"/>
+          </a:p>
+          <a:p>
+            <a:pPr lvl="1"/>
+            <a:r>
+              <a:rPr lang="en-US" sz="1600" dirty="0"/>
+              <a:t>./compiler-hack-</a:t>
+            </a:r>
+            <a:r>
+              <a:rPr lang="en-US" sz="1600" dirty="0" err="1"/>
+              <a:t>login.out</a:t>
+            </a:r>
             <a:r>
               <a:rPr lang="en-US" sz="1600" dirty="0"/>
               <a:t> </a:t>
@@ -6297,35 +6372,27 @@
             </a:r>
             <a:r>
               <a:rPr lang="en-US" sz="1600" dirty="0"/>
-              <a:t> -o </a:t>
-            </a:r>
-            <a:r>
-              <a:rPr lang="en-US" sz="1600" dirty="0" smtClean="0"/>
-              <a:t>bad-</a:t>
-            </a:r>
-            <a:r>
-              <a:rPr lang="en-US" sz="1600" dirty="0" err="1" smtClean="0"/>
+              <a:t> -o bad-</a:t>
+            </a:r>
+            <a:r>
+              <a:rPr lang="en-US" sz="1600" dirty="0" err="1"/>
               <a:t>login.out</a:t>
             </a:r>
-            <a:endParaRPr lang="en-US" sz="1600" dirty="0" smtClean="0"/>
+            <a:endParaRPr lang="en-US" sz="1600" dirty="0"/>
           </a:p>
           <a:p>
             <a:pPr lvl="1"/>
             <a:r>
-              <a:rPr lang="en-US" sz="1600" dirty="0" smtClean="0"/>
+              <a:rPr lang="en-US" sz="1600" dirty="0"/>
               <a:t>./bad-</a:t>
             </a:r>
             <a:r>
-              <a:rPr lang="en-US" sz="1600" dirty="0" err="1" smtClean="0"/>
+              <a:rPr lang="en-US" sz="1600" dirty="0" err="1"/>
               <a:t>login.out</a:t>
             </a:r>
             <a:r>
-              <a:rPr lang="en-US" sz="1600" dirty="0" smtClean="0"/>
-              <a:t> </a:t>
-            </a:r>
-            <a:r>
               <a:rPr lang="en-US" sz="1600" dirty="0"/>
-              <a:t>hacker </a:t>
+              <a:t> hacker </a:t>
             </a:r>
             <a:r>
               <a:rPr lang="en-US" sz="1600" dirty="0" err="1"/>
@@ -6335,14 +6402,13 @@
               <a:rPr lang="en-US" sz="1600" dirty="0"/>
               <a:t>-hate-numbers</a:t>
             </a:r>
-            <a:endParaRPr lang="en-US" sz="1600" dirty="0" smtClean="0"/>
           </a:p>
           <a:p>
             <a:pPr lvl="1"/>
             <a:endParaRPr lang="en-US" sz="1600" dirty="0"/>
           </a:p>
           <a:p>
-            <a:endParaRPr lang="en-US" sz="2000" dirty="0" smtClean="0"/>
+            <a:endParaRPr lang="en-US" sz="2000" dirty="0"/>
           </a:p>
         </p:txBody>
       </p:sp>
@@ -6421,10 +6487,9 @@
           <a:p>
             <a:pPr algn="ctr"/>
             <a:r>
-              <a:rPr lang="en-SG" sz="1200" dirty="0" smtClean="0"/>
+              <a:rPr lang="en-SG" sz="1200" dirty="0"/>
               <a:t>Code…</a:t>
             </a:r>
-            <a:endParaRPr lang="en-SG" sz="1200" dirty="0"/>
           </a:p>
         </p:txBody>
       </p:sp>
@@ -6473,10 +6538,9 @@
           <a:p>
             <a:pPr algn="ctr"/>
             <a:r>
-              <a:rPr lang="en-SG" sz="1200" dirty="0" smtClean="0"/>
+              <a:rPr lang="en-SG" sz="1200" dirty="0"/>
               <a:t>Code…</a:t>
             </a:r>
-            <a:endParaRPr lang="en-SG" sz="1200" dirty="0"/>
           </a:p>
         </p:txBody>
       </p:sp>
@@ -6536,24 +6600,23 @@
           <a:lstStyle/>
           <a:p>
             <a:r>
-              <a:rPr lang="en-SG" dirty="0" smtClean="0"/>
+              <a:rPr lang="en-SG" dirty="0"/>
               <a:t>Position to inject code:</a:t>
             </a:r>
           </a:p>
           <a:p>
             <a:r>
-              <a:rPr lang="en-SG" sz="1200" dirty="0" smtClean="0"/>
+              <a:rPr lang="en-SG" sz="1200" dirty="0"/>
               <a:t>“</a:t>
             </a:r>
             <a:r>
-              <a:rPr lang="en-SG" sz="1200" dirty="0" err="1" smtClean="0"/>
+              <a:rPr lang="en-SG" sz="1200" dirty="0" err="1"/>
               <a:t>printf</a:t>
             </a:r>
             <a:r>
-              <a:rPr lang="en-SG" sz="1200" dirty="0" smtClean="0"/>
+              <a:rPr lang="en-SG" sz="1200" dirty="0"/>
               <a:t>(TEXT_UNAUTHORISED)”</a:t>
             </a:r>
-            <a:endParaRPr lang="en-SG" sz="1200" dirty="0"/>
           </a:p>
         </p:txBody>
       </p:sp>
@@ -6704,18 +6767,13 @@
           <a:p>
             <a:pPr algn="ctr"/>
             <a:r>
-              <a:rPr lang="en-SG" sz="1400" dirty="0" smtClean="0">
+              <a:rPr lang="en-SG" sz="1400" dirty="0">
                 <a:solidFill>
                   <a:schemeClr val="bg1"/>
                 </a:solidFill>
               </a:rPr>
               <a:t>Injected code</a:t>
             </a:r>
-            <a:endParaRPr lang="en-SG" sz="1400" dirty="0">
-              <a:solidFill>
-                <a:schemeClr val="bg1"/>
-              </a:solidFill>
-            </a:endParaRPr>
           </a:p>
         </p:txBody>
       </p:sp>
@@ -7603,400 +7661,6 @@
 </p:sld>
 </file>
 
-<file path=ppt/slides/slide19.xml><?xml version="1.0" encoding="utf-8"?>
-<p:sld xmlns:a="http://schemas.openxmlformats.org/drawingml/2006/main" xmlns:r="http://schemas.openxmlformats.org/officeDocument/2006/relationships" xmlns:p="http://schemas.openxmlformats.org/presentationml/2006/main">
-  <p:cSld>
-    <p:spTree>
-      <p:nvGrpSpPr>
-        <p:cNvPr id="1" name=""/>
-        <p:cNvGrpSpPr/>
-        <p:nvPr/>
-      </p:nvGrpSpPr>
-      <p:grpSpPr>
-        <a:xfrm>
-          <a:off x="0" y="0"/>
-          <a:ext cx="0" cy="0"/>
-          <a:chOff x="0" y="0"/>
-          <a:chExt cx="0" cy="0"/>
-        </a:xfrm>
-      </p:grpSpPr>
-      <p:sp>
-        <p:nvSpPr>
-          <p:cNvPr id="2" name="Title 1"/>
-          <p:cNvSpPr>
-            <a:spLocks noGrp="1"/>
-          </p:cNvSpPr>
-          <p:nvPr>
-            <p:ph type="title"/>
-          </p:nvPr>
-        </p:nvSpPr>
-        <p:spPr>
-          <a:xfrm>
-            <a:off x="628650" y="0"/>
-            <a:ext cx="7886700" cy="715344"/>
-          </a:xfrm>
-        </p:spPr>
-        <p:txBody>
-          <a:bodyPr/>
-          <a:lstStyle/>
-          <a:p>
-            <a:r>
-              <a:rPr lang="en-US" dirty="0" smtClean="0"/>
-              <a:t>3e. compiler-hack-</a:t>
-            </a:r>
-            <a:r>
-              <a:rPr lang="en-US" dirty="0" err="1" smtClean="0"/>
-              <a:t>itself.c</a:t>
-            </a:r>
-            <a:endParaRPr lang="en-US" dirty="0"/>
-          </a:p>
-        </p:txBody>
-      </p:sp>
-      <p:sp>
-        <p:nvSpPr>
-          <p:cNvPr id="4" name="Slide Number Placeholder 3"/>
-          <p:cNvSpPr>
-            <a:spLocks noGrp="1"/>
-          </p:cNvSpPr>
-          <p:nvPr>
-            <p:ph type="sldNum" sz="quarter" idx="12"/>
-          </p:nvPr>
-        </p:nvSpPr>
-        <p:spPr/>
-        <p:txBody>
-          <a:bodyPr/>
-          <a:lstStyle/>
-          <a:p>
-            <a:fld id="{9705DC4D-6496-4D9B-AA35-AB22DFE8A2F2}" type="slidenum">
-              <a:rPr lang="en-SG" smtClean="0"/>
-              <a:t>19</a:t>
-            </a:fld>
-            <a:endParaRPr lang="en-SG"/>
-          </a:p>
-        </p:txBody>
-      </p:sp>
-      <p:sp>
-        <p:nvSpPr>
-          <p:cNvPr id="6" name="Content Placeholder 2"/>
-          <p:cNvSpPr>
-            <a:spLocks noGrp="1"/>
-          </p:cNvSpPr>
-          <p:nvPr>
-            <p:ph idx="1"/>
-          </p:nvPr>
-        </p:nvSpPr>
-        <p:spPr>
-          <a:xfrm>
-            <a:off x="119743" y="867742"/>
-            <a:ext cx="9024257" cy="5260915"/>
-          </a:xfrm>
-        </p:spPr>
-        <p:txBody>
-          <a:bodyPr>
-            <a:normAutofit/>
-          </a:bodyPr>
-          <a:lstStyle/>
-          <a:p>
-            <a:r>
-              <a:rPr lang="en-US" sz="2000" dirty="0" smtClean="0"/>
-              <a:t>Evil </a:t>
-            </a:r>
-            <a:r>
-              <a:rPr lang="en-US" sz="2000" dirty="0"/>
-              <a:t>c</a:t>
-            </a:r>
-            <a:r>
-              <a:rPr lang="en-US" sz="2000" dirty="0" smtClean="0"/>
-              <a:t>ompiler adds malicious code to itself when it sees </a:t>
-            </a:r>
-            <a:r>
-              <a:rPr lang="en-US" sz="2000" dirty="0" err="1" smtClean="0"/>
-              <a:t>compiler.c</a:t>
-            </a:r>
-            <a:r>
-              <a:rPr lang="en-US" sz="2000" dirty="0" smtClean="0"/>
-              <a:t>. </a:t>
-            </a:r>
-          </a:p>
-          <a:p>
-            <a:r>
-              <a:rPr lang="en-US" sz="2000" dirty="0" smtClean="0"/>
-              <a:t>Initial compile command:</a:t>
-            </a:r>
-          </a:p>
-          <a:p>
-            <a:pPr lvl="1"/>
-            <a:r>
-              <a:rPr lang="en-US" sz="1600" dirty="0"/>
-              <a:t>../clean-</a:t>
-            </a:r>
-            <a:r>
-              <a:rPr lang="en-US" sz="1600" dirty="0" err="1"/>
-              <a:t>compiler.out</a:t>
-            </a:r>
-            <a:r>
-              <a:rPr lang="en-US" sz="1600" dirty="0"/>
-              <a:t> compiler-hack-</a:t>
-            </a:r>
-            <a:r>
-              <a:rPr lang="en-US" sz="1600" dirty="0" err="1"/>
-              <a:t>itself.c</a:t>
-            </a:r>
-            <a:r>
-              <a:rPr lang="en-US" sz="1600" dirty="0"/>
-              <a:t> -o </a:t>
-            </a:r>
-            <a:r>
-              <a:rPr lang="en-US" sz="1600" dirty="0" smtClean="0"/>
-              <a:t>compiler-hack-</a:t>
-            </a:r>
-            <a:r>
-              <a:rPr lang="en-US" sz="1600" dirty="0" err="1" smtClean="0"/>
-              <a:t>itself.out</a:t>
-            </a:r>
-            <a:endParaRPr lang="en-US" sz="1600" dirty="0" smtClean="0"/>
-          </a:p>
-          <a:p>
-            <a:pPr lvl="1"/>
-            <a:r>
-              <a:rPr lang="en-US" sz="1600" dirty="0"/>
-              <a:t>We can now discard </a:t>
-            </a:r>
-            <a:r>
-              <a:rPr lang="en-US" sz="1600" dirty="0" smtClean="0"/>
-              <a:t>compiler-hack-</a:t>
-            </a:r>
-            <a:r>
-              <a:rPr lang="en-US" sz="1600" dirty="0" err="1" smtClean="0"/>
-              <a:t>itself.c</a:t>
-            </a:r>
-            <a:endParaRPr lang="en-US" sz="1600" dirty="0" smtClean="0"/>
-          </a:p>
-          <a:p>
-            <a:r>
-              <a:rPr lang="en-US" sz="2000" dirty="0" smtClean="0"/>
-              <a:t>Evil compiler hacking login</a:t>
-            </a:r>
-          </a:p>
-          <a:p>
-            <a:pPr lvl="1"/>
-            <a:r>
-              <a:rPr lang="en-US" sz="1600" dirty="0" smtClean="0"/>
-              <a:t>./compiler-hack-</a:t>
-            </a:r>
-            <a:r>
-              <a:rPr lang="en-US" sz="1600" dirty="0" err="1" smtClean="0"/>
-              <a:t>itself.out</a:t>
-            </a:r>
-            <a:r>
-              <a:rPr lang="en-US" sz="1600" dirty="0" smtClean="0"/>
-              <a:t> </a:t>
-            </a:r>
-            <a:r>
-              <a:rPr lang="en-US" sz="1600" dirty="0" err="1" smtClean="0"/>
-              <a:t>login.c</a:t>
-            </a:r>
-            <a:r>
-              <a:rPr lang="en-US" sz="1600" dirty="0" smtClean="0"/>
-              <a:t> -o evil-</a:t>
-            </a:r>
-            <a:r>
-              <a:rPr lang="en-US" sz="1600" dirty="0" err="1" smtClean="0"/>
-              <a:t>login.out</a:t>
-            </a:r>
-            <a:endParaRPr lang="en-US" sz="1600" dirty="0" smtClean="0"/>
-          </a:p>
-          <a:p>
-            <a:pPr lvl="1"/>
-            <a:r>
-              <a:rPr lang="en-US" sz="1600" dirty="0" smtClean="0"/>
-              <a:t>./evil-</a:t>
-            </a:r>
-            <a:r>
-              <a:rPr lang="en-US" sz="1600" dirty="0" err="1" smtClean="0"/>
-              <a:t>login.out</a:t>
-            </a:r>
-            <a:r>
-              <a:rPr lang="en-US" sz="1600" dirty="0" smtClean="0"/>
-              <a:t> hacker </a:t>
-            </a:r>
-            <a:r>
-              <a:rPr lang="en-US" sz="1600" dirty="0" err="1" smtClean="0"/>
-              <a:t>i</a:t>
-            </a:r>
-            <a:r>
-              <a:rPr lang="en-US" sz="1600" dirty="0" smtClean="0"/>
-              <a:t>-hate-numbers</a:t>
-            </a:r>
-          </a:p>
-          <a:p>
-            <a:r>
-              <a:rPr lang="en-US" sz="2000" dirty="0" smtClean="0"/>
-              <a:t>Evil compiler hacking its clean compiler source</a:t>
-            </a:r>
-          </a:p>
-          <a:p>
-            <a:pPr lvl="1"/>
-            <a:r>
-              <a:rPr lang="en-US" sz="1600" dirty="0" smtClean="0"/>
-              <a:t>./compiler-hack-</a:t>
-            </a:r>
-            <a:r>
-              <a:rPr lang="en-US" sz="1600" dirty="0" err="1" smtClean="0"/>
-              <a:t>itself.out</a:t>
-            </a:r>
-            <a:r>
-              <a:rPr lang="en-US" sz="1600" dirty="0" smtClean="0"/>
-              <a:t> ../</a:t>
-            </a:r>
-            <a:r>
-              <a:rPr lang="en-US" sz="1600" dirty="0" err="1" smtClean="0"/>
-              <a:t>compiler.c</a:t>
-            </a:r>
-            <a:r>
-              <a:rPr lang="en-US" sz="1600" dirty="0" smtClean="0"/>
-              <a:t> -o evil-child-</a:t>
-            </a:r>
-            <a:r>
-              <a:rPr lang="en-US" sz="1600" dirty="0" err="1" smtClean="0"/>
-              <a:t>compiler.out</a:t>
-            </a:r>
-            <a:endParaRPr lang="en-US" sz="1600" dirty="0" smtClean="0"/>
-          </a:p>
-          <a:p>
-            <a:pPr lvl="1"/>
-            <a:endParaRPr lang="en-US" sz="1600" dirty="0"/>
-          </a:p>
-          <a:p>
-            <a:r>
-              <a:rPr lang="en-US" sz="2000" dirty="0" smtClean="0"/>
-              <a:t>Evil child compiler hacking login</a:t>
-            </a:r>
-          </a:p>
-          <a:p>
-            <a:pPr lvl="1"/>
-            <a:r>
-              <a:rPr lang="en-US" sz="1600" dirty="0" smtClean="0"/>
-              <a:t>./evil-child-</a:t>
-            </a:r>
-            <a:r>
-              <a:rPr lang="en-US" sz="1600" dirty="0" err="1" smtClean="0"/>
-              <a:t>compiler.out</a:t>
-            </a:r>
-            <a:r>
-              <a:rPr lang="en-US" sz="1600" dirty="0" smtClean="0"/>
-              <a:t> </a:t>
-            </a:r>
-            <a:r>
-              <a:rPr lang="en-US" sz="1600" dirty="0" err="1"/>
-              <a:t>login.c</a:t>
-            </a:r>
-            <a:r>
-              <a:rPr lang="en-US" sz="1600" dirty="0"/>
-              <a:t> -o </a:t>
-            </a:r>
-            <a:r>
-              <a:rPr lang="en-US" sz="1600" dirty="0" smtClean="0"/>
-              <a:t>still-evil-</a:t>
-            </a:r>
-            <a:r>
-              <a:rPr lang="en-US" sz="1600" dirty="0" err="1" smtClean="0"/>
-              <a:t>login.out</a:t>
-            </a:r>
-            <a:endParaRPr lang="en-US" sz="1600" dirty="0" smtClean="0"/>
-          </a:p>
-          <a:p>
-            <a:pPr lvl="1"/>
-            <a:r>
-              <a:rPr lang="en-US" sz="1600" dirty="0"/>
-              <a:t>./still-evil-</a:t>
-            </a:r>
-            <a:r>
-              <a:rPr lang="en-US" sz="1600" dirty="0" err="1"/>
-              <a:t>login.out</a:t>
-            </a:r>
-            <a:r>
-              <a:rPr lang="en-US" sz="1600" dirty="0"/>
-              <a:t> hacker </a:t>
-            </a:r>
-            <a:r>
-              <a:rPr lang="en-US" sz="1600" dirty="0" err="1" smtClean="0"/>
-              <a:t>i</a:t>
-            </a:r>
-            <a:r>
-              <a:rPr lang="en-US" sz="1600" dirty="0" smtClean="0"/>
-              <a:t>-hate-numbers</a:t>
-            </a:r>
-          </a:p>
-          <a:p>
-            <a:r>
-              <a:rPr lang="en-US" sz="2000" dirty="0" smtClean="0"/>
-              <a:t>Evil child compiler still hacks compiler source code</a:t>
-            </a:r>
-          </a:p>
-          <a:p>
-            <a:pPr lvl="1"/>
-            <a:r>
-              <a:rPr lang="en-US" sz="1600" dirty="0" smtClean="0"/>
-              <a:t>./</a:t>
-            </a:r>
-            <a:r>
-              <a:rPr lang="en-US" sz="1600" dirty="0"/>
-              <a:t>evil-child-</a:t>
-            </a:r>
-            <a:r>
-              <a:rPr lang="en-US" sz="1600" dirty="0" err="1"/>
-              <a:t>compiler.out</a:t>
-            </a:r>
-            <a:r>
-              <a:rPr lang="en-US" sz="1600" dirty="0"/>
-              <a:t> ../</a:t>
-            </a:r>
-            <a:r>
-              <a:rPr lang="en-US" sz="1600" dirty="0" err="1"/>
-              <a:t>compiler.c</a:t>
-            </a:r>
-            <a:r>
-              <a:rPr lang="en-US" sz="1600" dirty="0"/>
-              <a:t> -o evil-child-compiler2.out</a:t>
-            </a:r>
-          </a:p>
-          <a:p>
-            <a:pPr lvl="1"/>
-            <a:endParaRPr lang="en-US" sz="1600" dirty="0" smtClean="0"/>
-          </a:p>
-          <a:p>
-            <a:endParaRPr lang="en-US" sz="2000" dirty="0"/>
-          </a:p>
-          <a:p>
-            <a:endParaRPr lang="en-US" sz="2000" dirty="0" smtClean="0"/>
-          </a:p>
-          <a:p>
-            <a:pPr lvl="1"/>
-            <a:endParaRPr lang="en-US" sz="1600" dirty="0" smtClean="0"/>
-          </a:p>
-        </p:txBody>
-      </p:sp>
-    </p:spTree>
-    <p:extLst>
-      <p:ext uri="{BB962C8B-B14F-4D97-AF65-F5344CB8AC3E}">
-        <p14:creationId xmlns:p14="http://schemas.microsoft.com/office/powerpoint/2010/main" val="11682275"/>
-      </p:ext>
-    </p:extLst>
-  </p:cSld>
-  <p:clrMapOvr>
-    <a:masterClrMapping/>
-  </p:clrMapOvr>
-  <p:timing>
-    <p:tnLst>
-      <p:par>
-        <p:cTn id="1" dur="indefinite" restart="never" nodeType="tmRoot"/>
-      </p:par>
-    </p:tnLst>
-  </p:timing>
-</p:sld>
-</file>
-
 <file path=ppt/slides/slide2.xml><?xml version="1.0" encoding="utf-8"?>
 <p:sld xmlns:a="http://schemas.openxmlformats.org/drawingml/2006/main" xmlns:r="http://schemas.openxmlformats.org/officeDocument/2006/relationships" xmlns:p="http://schemas.openxmlformats.org/presentationml/2006/main">
   <p:cSld>
@@ -8036,22 +7700,18 @@
           <a:p>
             <a:r>
               <a:rPr lang="en-US" dirty="0"/>
-              <a:t>Ken Thompson (left) and Dennis </a:t>
-            </a:r>
-            <a:r>
-              <a:rPr lang="en-US" dirty="0" smtClean="0"/>
-              <a:t>Ritchie</a:t>
-            </a:r>
-          </a:p>
-          <a:p>
-            <a:r>
-              <a:rPr lang="en-US" dirty="0" smtClean="0"/>
+              <a:t>Ken Thompson (left) and Dennis Ritchie</a:t>
+            </a:r>
+          </a:p>
+          <a:p>
+            <a:r>
+              <a:rPr lang="en-US" dirty="0"/>
               <a:t>1983 Turing award for their work on Unix</a:t>
             </a:r>
           </a:p>
           <a:p>
             <a:r>
-              <a:rPr lang="en-US" dirty="0" smtClean="0"/>
+              <a:rPr lang="en-US" dirty="0"/>
               <a:t>Thompson chose to present “Reflections on Trusting Trust” in his acceptance speech</a:t>
             </a:r>
           </a:p>
@@ -8146,8 +7806,8 @@
         </p:nvSpPr>
         <p:spPr>
           <a:xfrm>
-            <a:off x="628650" y="52840"/>
-            <a:ext cx="7886700" cy="1325563"/>
+            <a:off x="628650" y="0"/>
+            <a:ext cx="7886700" cy="715344"/>
           </a:xfrm>
         </p:spPr>
         <p:txBody>
@@ -8155,10 +7815,14 @@
           <a:lstStyle/>
           <a:p>
             <a:r>
-              <a:rPr lang="en-SG" dirty="0" smtClean="0"/>
-              <a:t>Summary of stage 3</a:t>
-            </a:r>
-            <a:endParaRPr lang="en-SG" dirty="0"/>
+              <a:rPr lang="en-US" dirty="0"/>
+              <a:t>3e. compiler-hack-</a:t>
+            </a:r>
+            <a:r>
+              <a:rPr lang="en-US" dirty="0" err="1"/>
+              <a:t>itself.c</a:t>
+            </a:r>
+            <a:endParaRPr lang="en-US" dirty="0"/>
           </a:p>
         </p:txBody>
       </p:sp>
@@ -8180,6 +7844,364 @@
             <a:fld id="{9705DC4D-6496-4D9B-AA35-AB22DFE8A2F2}" type="slidenum">
               <a:rPr lang="en-SG" smtClean="0"/>
               <a:t>20</a:t>
+            </a:fld>
+            <a:endParaRPr lang="en-SG"/>
+          </a:p>
+        </p:txBody>
+      </p:sp>
+      <p:sp>
+        <p:nvSpPr>
+          <p:cNvPr id="6" name="Content Placeholder 2"/>
+          <p:cNvSpPr>
+            <a:spLocks noGrp="1"/>
+          </p:cNvSpPr>
+          <p:nvPr>
+            <p:ph idx="1"/>
+          </p:nvPr>
+        </p:nvSpPr>
+        <p:spPr>
+          <a:xfrm>
+            <a:off x="119743" y="867742"/>
+            <a:ext cx="9024257" cy="5260915"/>
+          </a:xfrm>
+        </p:spPr>
+        <p:txBody>
+          <a:bodyPr>
+            <a:normAutofit/>
+          </a:bodyPr>
+          <a:lstStyle/>
+          <a:p>
+            <a:r>
+              <a:rPr lang="en-US" sz="2000" dirty="0"/>
+              <a:t>Evil compiler adds malicious code to itself when it sees </a:t>
+            </a:r>
+            <a:r>
+              <a:rPr lang="en-US" sz="2000" dirty="0" err="1"/>
+              <a:t>compiler.c</a:t>
+            </a:r>
+            <a:r>
+              <a:rPr lang="en-US" sz="2000" dirty="0"/>
+              <a:t>. </a:t>
+            </a:r>
+          </a:p>
+          <a:p>
+            <a:r>
+              <a:rPr lang="en-US" sz="2000" dirty="0"/>
+              <a:t>Initial compile command:</a:t>
+            </a:r>
+          </a:p>
+          <a:p>
+            <a:pPr lvl="1"/>
+            <a:r>
+              <a:rPr lang="en-US" sz="1600" dirty="0"/>
+              <a:t>../clean-</a:t>
+            </a:r>
+            <a:r>
+              <a:rPr lang="en-US" sz="1600" dirty="0" err="1"/>
+              <a:t>compiler.out</a:t>
+            </a:r>
+            <a:r>
+              <a:rPr lang="en-US" sz="1600" dirty="0"/>
+              <a:t> compiler-hack-</a:t>
+            </a:r>
+            <a:r>
+              <a:rPr lang="en-US" sz="1600" dirty="0" err="1"/>
+              <a:t>itself.c</a:t>
+            </a:r>
+            <a:r>
+              <a:rPr lang="en-US" sz="1600" dirty="0"/>
+              <a:t> -o compiler-hack-</a:t>
+            </a:r>
+            <a:r>
+              <a:rPr lang="en-US" sz="1600" dirty="0" err="1"/>
+              <a:t>itself.out</a:t>
+            </a:r>
+            <a:endParaRPr lang="en-US" sz="1600" dirty="0"/>
+          </a:p>
+          <a:p>
+            <a:pPr lvl="1"/>
+            <a:r>
+              <a:rPr lang="en-US" sz="1600" dirty="0"/>
+              <a:t>We can now discard compiler-hack-</a:t>
+            </a:r>
+            <a:r>
+              <a:rPr lang="en-US" sz="1600" dirty="0" err="1"/>
+              <a:t>itself.c</a:t>
+            </a:r>
+            <a:endParaRPr lang="en-US" sz="1600" dirty="0"/>
+          </a:p>
+          <a:p>
+            <a:r>
+              <a:rPr lang="en-US" sz="2000" dirty="0"/>
+              <a:t>Evil compiler hacking login</a:t>
+            </a:r>
+          </a:p>
+          <a:p>
+            <a:pPr lvl="1"/>
+            <a:r>
+              <a:rPr lang="en-US" sz="1600" dirty="0"/>
+              <a:t>./compiler-hack-</a:t>
+            </a:r>
+            <a:r>
+              <a:rPr lang="en-US" sz="1600" dirty="0" err="1"/>
+              <a:t>itself.out</a:t>
+            </a:r>
+            <a:r>
+              <a:rPr lang="en-US" sz="1600" dirty="0"/>
+              <a:t> </a:t>
+            </a:r>
+            <a:r>
+              <a:rPr lang="en-US" sz="1600" dirty="0" err="1"/>
+              <a:t>login.c</a:t>
+            </a:r>
+            <a:r>
+              <a:rPr lang="en-US" sz="1600" dirty="0"/>
+              <a:t> -o evil-</a:t>
+            </a:r>
+            <a:r>
+              <a:rPr lang="en-US" sz="1600" dirty="0" err="1"/>
+              <a:t>login.out</a:t>
+            </a:r>
+            <a:endParaRPr lang="en-US" sz="1600" dirty="0"/>
+          </a:p>
+          <a:p>
+            <a:pPr lvl="1"/>
+            <a:r>
+              <a:rPr lang="en-US" sz="1600" dirty="0"/>
+              <a:t>./evil-</a:t>
+            </a:r>
+            <a:r>
+              <a:rPr lang="en-US" sz="1600" dirty="0" err="1"/>
+              <a:t>login.out</a:t>
+            </a:r>
+            <a:r>
+              <a:rPr lang="en-US" sz="1600" dirty="0"/>
+              <a:t> hacker </a:t>
+            </a:r>
+            <a:r>
+              <a:rPr lang="en-US" sz="1600" dirty="0" err="1"/>
+              <a:t>i</a:t>
+            </a:r>
+            <a:r>
+              <a:rPr lang="en-US" sz="1600" dirty="0"/>
+              <a:t>-hate-numbers</a:t>
+            </a:r>
+          </a:p>
+          <a:p>
+            <a:r>
+              <a:rPr lang="en-US" sz="2000" dirty="0"/>
+              <a:t>Evil compiler hacking its clean compiler source</a:t>
+            </a:r>
+          </a:p>
+          <a:p>
+            <a:pPr lvl="1"/>
+            <a:r>
+              <a:rPr lang="en-US" sz="1600" dirty="0"/>
+              <a:t>./compiler-hack-</a:t>
+            </a:r>
+            <a:r>
+              <a:rPr lang="en-US" sz="1600" dirty="0" err="1"/>
+              <a:t>itself.out</a:t>
+            </a:r>
+            <a:r>
+              <a:rPr lang="en-US" sz="1600" dirty="0"/>
+              <a:t> ../</a:t>
+            </a:r>
+            <a:r>
+              <a:rPr lang="en-US" sz="1600" dirty="0" err="1"/>
+              <a:t>compiler.c</a:t>
+            </a:r>
+            <a:r>
+              <a:rPr lang="en-US" sz="1600" dirty="0"/>
+              <a:t> -o evil-child-</a:t>
+            </a:r>
+            <a:r>
+              <a:rPr lang="en-US" sz="1600" dirty="0" err="1"/>
+              <a:t>compiler.out</a:t>
+            </a:r>
+            <a:endParaRPr lang="en-US" sz="1600" dirty="0"/>
+          </a:p>
+          <a:p>
+            <a:pPr lvl="1"/>
+            <a:endParaRPr lang="en-US" sz="1600" dirty="0"/>
+          </a:p>
+          <a:p>
+            <a:r>
+              <a:rPr lang="en-US" sz="2000" dirty="0"/>
+              <a:t>Evil child compiler hacking login</a:t>
+            </a:r>
+          </a:p>
+          <a:p>
+            <a:pPr lvl="1"/>
+            <a:r>
+              <a:rPr lang="en-US" sz="1600" dirty="0"/>
+              <a:t>./evil-child-</a:t>
+            </a:r>
+            <a:r>
+              <a:rPr lang="en-US" sz="1600" dirty="0" err="1"/>
+              <a:t>compiler.out</a:t>
+            </a:r>
+            <a:r>
+              <a:rPr lang="en-US" sz="1600" dirty="0"/>
+              <a:t> </a:t>
+            </a:r>
+            <a:r>
+              <a:rPr lang="en-US" sz="1600" dirty="0" err="1"/>
+              <a:t>login.c</a:t>
+            </a:r>
+            <a:r>
+              <a:rPr lang="en-US" sz="1600" dirty="0"/>
+              <a:t> -o still-evil-</a:t>
+            </a:r>
+            <a:r>
+              <a:rPr lang="en-US" sz="1600" dirty="0" err="1"/>
+              <a:t>login.out</a:t>
+            </a:r>
+            <a:endParaRPr lang="en-US" sz="1600" dirty="0"/>
+          </a:p>
+          <a:p>
+            <a:pPr lvl="1"/>
+            <a:r>
+              <a:rPr lang="en-US" sz="1600" dirty="0"/>
+              <a:t>./still-evil-</a:t>
+            </a:r>
+            <a:r>
+              <a:rPr lang="en-US" sz="1600" dirty="0" err="1"/>
+              <a:t>login.out</a:t>
+            </a:r>
+            <a:r>
+              <a:rPr lang="en-US" sz="1600" dirty="0"/>
+              <a:t> hacker </a:t>
+            </a:r>
+            <a:r>
+              <a:rPr lang="en-US" sz="1600" dirty="0" err="1"/>
+              <a:t>i</a:t>
+            </a:r>
+            <a:r>
+              <a:rPr lang="en-US" sz="1600" dirty="0"/>
+              <a:t>-hate-numbers</a:t>
+            </a:r>
+          </a:p>
+          <a:p>
+            <a:r>
+              <a:rPr lang="en-US" sz="2000" dirty="0"/>
+              <a:t>Evil child compiler still hacks compiler source code</a:t>
+            </a:r>
+          </a:p>
+          <a:p>
+            <a:pPr lvl="1"/>
+            <a:r>
+              <a:rPr lang="en-US" sz="1600" dirty="0"/>
+              <a:t>./evil-child-</a:t>
+            </a:r>
+            <a:r>
+              <a:rPr lang="en-US" sz="1600" dirty="0" err="1"/>
+              <a:t>compiler.out</a:t>
+            </a:r>
+            <a:r>
+              <a:rPr lang="en-US" sz="1600" dirty="0"/>
+              <a:t> ../</a:t>
+            </a:r>
+            <a:r>
+              <a:rPr lang="en-US" sz="1600" dirty="0" err="1"/>
+              <a:t>compiler.c</a:t>
+            </a:r>
+            <a:r>
+              <a:rPr lang="en-US" sz="1600" dirty="0"/>
+              <a:t> -o evil-child-compiler2.out</a:t>
+            </a:r>
+          </a:p>
+          <a:p>
+            <a:pPr lvl="1"/>
+            <a:endParaRPr lang="en-US" sz="1600" dirty="0"/>
+          </a:p>
+          <a:p>
+            <a:endParaRPr lang="en-US" sz="2000" dirty="0"/>
+          </a:p>
+          <a:p>
+            <a:endParaRPr lang="en-US" sz="2000" dirty="0"/>
+          </a:p>
+          <a:p>
+            <a:pPr lvl="1"/>
+            <a:endParaRPr lang="en-US" sz="1600" dirty="0"/>
+          </a:p>
+        </p:txBody>
+      </p:sp>
+    </p:spTree>
+    <p:extLst>
+      <p:ext uri="{BB962C8B-B14F-4D97-AF65-F5344CB8AC3E}">
+        <p14:creationId xmlns:p14="http://schemas.microsoft.com/office/powerpoint/2010/main" val="11682275"/>
+      </p:ext>
+    </p:extLst>
+  </p:cSld>
+  <p:clrMapOvr>
+    <a:masterClrMapping/>
+  </p:clrMapOvr>
+</p:sld>
+</file>
+
+<file path=ppt/slides/slide21.xml><?xml version="1.0" encoding="utf-8"?>
+<p:sld xmlns:a="http://schemas.openxmlformats.org/drawingml/2006/main" xmlns:r="http://schemas.openxmlformats.org/officeDocument/2006/relationships" xmlns:p="http://schemas.openxmlformats.org/presentationml/2006/main">
+  <p:cSld>
+    <p:spTree>
+      <p:nvGrpSpPr>
+        <p:cNvPr id="1" name=""/>
+        <p:cNvGrpSpPr/>
+        <p:nvPr/>
+      </p:nvGrpSpPr>
+      <p:grpSpPr>
+        <a:xfrm>
+          <a:off x="0" y="0"/>
+          <a:ext cx="0" cy="0"/>
+          <a:chOff x="0" y="0"/>
+          <a:chExt cx="0" cy="0"/>
+        </a:xfrm>
+      </p:grpSpPr>
+      <p:sp>
+        <p:nvSpPr>
+          <p:cNvPr id="2" name="Title 1"/>
+          <p:cNvSpPr>
+            <a:spLocks noGrp="1"/>
+          </p:cNvSpPr>
+          <p:nvPr>
+            <p:ph type="title"/>
+          </p:nvPr>
+        </p:nvSpPr>
+        <p:spPr>
+          <a:xfrm>
+            <a:off x="628650" y="52840"/>
+            <a:ext cx="7886700" cy="1325563"/>
+          </a:xfrm>
+        </p:spPr>
+        <p:txBody>
+          <a:bodyPr/>
+          <a:lstStyle/>
+          <a:p>
+            <a:r>
+              <a:rPr lang="en-SG" dirty="0"/>
+              <a:t>Summary of stage 3</a:t>
+            </a:r>
+          </a:p>
+        </p:txBody>
+      </p:sp>
+      <p:sp>
+        <p:nvSpPr>
+          <p:cNvPr id="4" name="Slide Number Placeholder 3"/>
+          <p:cNvSpPr>
+            <a:spLocks noGrp="1"/>
+          </p:cNvSpPr>
+          <p:nvPr>
+            <p:ph type="sldNum" sz="quarter" idx="12"/>
+          </p:nvPr>
+        </p:nvSpPr>
+        <p:spPr/>
+        <p:txBody>
+          <a:bodyPr/>
+          <a:lstStyle/>
+          <a:p>
+            <a:fld id="{9705DC4D-6496-4D9B-AA35-AB22DFE8A2F2}" type="slidenum">
+              <a:rPr lang="en-SG" smtClean="0"/>
+              <a:t>21</a:t>
             </a:fld>
             <a:endParaRPr lang="en-SG"/>
           </a:p>
@@ -8230,17 +8252,16 @@
           <a:p>
             <a:pPr algn="ctr"/>
             <a:r>
-              <a:rPr lang="en-SG" sz="1400" dirty="0" smtClean="0"/>
+              <a:rPr lang="en-SG" sz="1400" dirty="0"/>
               <a:t>C-Compiler</a:t>
             </a:r>
           </a:p>
           <a:p>
             <a:pPr algn="ctr"/>
             <a:r>
-              <a:rPr lang="en-SG" sz="1400" dirty="0" smtClean="0"/>
+              <a:rPr lang="en-SG" sz="1400" dirty="0"/>
               <a:t>binary</a:t>
             </a:r>
-            <a:endParaRPr lang="en-SG" sz="1400" dirty="0"/>
           </a:p>
         </p:txBody>
       </p:sp>
@@ -8286,10 +8307,9 @@
           <a:p>
             <a:pPr algn="ctr"/>
             <a:r>
-              <a:rPr lang="en-SG" sz="1400" dirty="0" smtClean="0"/>
+              <a:rPr lang="en-SG" sz="1400" dirty="0"/>
               <a:t>C-Compiler</a:t>
             </a:r>
-            <a:endParaRPr lang="en-SG" sz="1400" dirty="0"/>
           </a:p>
         </p:txBody>
       </p:sp>
@@ -8335,10 +8355,9 @@
           <a:p>
             <a:pPr algn="ctr"/>
             <a:r>
-              <a:rPr lang="en-SG" sz="1400" dirty="0" smtClean="0"/>
+              <a:rPr lang="en-SG" sz="1400" dirty="0"/>
               <a:t>C-compiler source</a:t>
             </a:r>
-            <a:endParaRPr lang="en-SG" sz="1400" dirty="0"/>
           </a:p>
         </p:txBody>
       </p:sp>
@@ -8387,18 +8406,9 @@
           <a:p>
             <a:pPr algn="ctr"/>
             <a:r>
-              <a:rPr lang="en-SG" sz="1400" dirty="0" smtClean="0"/>
-              <a:t>C-Compiler </a:t>
-            </a:r>
-            <a:r>
               <a:rPr lang="en-SG" sz="1400" dirty="0"/>
-              <a:t>b</a:t>
-            </a:r>
-            <a:r>
-              <a:rPr lang="en-SG" sz="1400" dirty="0" smtClean="0"/>
-              <a:t>ackdoor binary</a:t>
-            </a:r>
-            <a:endParaRPr lang="en-SG" sz="1400" dirty="0"/>
+              <a:t>C-Compiler backdoor binary</a:t>
+            </a:r>
           </a:p>
         </p:txBody>
       </p:sp>
@@ -8447,10 +8457,9 @@
           <a:p>
             <a:pPr algn="ctr"/>
             <a:r>
-              <a:rPr lang="en-SG" sz="1400" dirty="0" smtClean="0"/>
+              <a:rPr lang="en-SG" sz="1400" dirty="0"/>
               <a:t>Login source</a:t>
             </a:r>
-            <a:endParaRPr lang="en-SG" sz="1400" dirty="0"/>
           </a:p>
         </p:txBody>
       </p:sp>
@@ -8499,17 +8508,16 @@
           <a:p>
             <a:pPr algn="ctr"/>
             <a:r>
-              <a:rPr lang="en-SG" sz="1400" dirty="0" smtClean="0"/>
+              <a:rPr lang="en-SG" sz="1400" dirty="0"/>
               <a:t>C-compiler</a:t>
             </a:r>
           </a:p>
           <a:p>
             <a:pPr algn="ctr"/>
             <a:r>
-              <a:rPr lang="en-SG" sz="1400" dirty="0" smtClean="0"/>
+              <a:rPr lang="en-SG" sz="1400" dirty="0"/>
               <a:t>backdoor source</a:t>
             </a:r>
-            <a:endParaRPr lang="en-SG" sz="1400" dirty="0"/>
           </a:p>
         </p:txBody>
       </p:sp>
@@ -8536,20 +8544,14 @@
           <a:lstStyle/>
           <a:p>
             <a:r>
-              <a:rPr lang="en-SG" sz="1400" dirty="0" smtClean="0"/>
+              <a:rPr lang="en-SG" sz="1400" dirty="0"/>
               <a:t>Reference:  </a:t>
             </a:r>
             <a:r>
               <a:rPr lang="en-SG" sz="1400" dirty="0">
                 <a:hlinkClick r:id="rId2"/>
               </a:rPr>
-              <a:t>http://scienceblogs.com/goodmath/2007/04/15/strange-loops-dennis-ritchie-a</a:t>
-            </a:r>
-            <a:r>
-              <a:rPr lang="en-SG" sz="1400" dirty="0" smtClean="0">
-                <a:hlinkClick r:id="rId2"/>
-              </a:rPr>
-              <a:t>/</a:t>
+              <a:t>http://scienceblogs.com/goodmath/2007/04/15/strange-loops-dennis-ritchie-a/</a:t>
             </a:r>
             <a:endParaRPr lang="en-SG" sz="1400" dirty="0"/>
           </a:p>
@@ -8600,10 +8602,9 @@
           <a:p>
             <a:pPr algn="ctr"/>
             <a:r>
-              <a:rPr lang="en-SG" sz="1400" dirty="0" smtClean="0"/>
+              <a:rPr lang="en-SG" sz="1400" dirty="0"/>
               <a:t>Login binary</a:t>
             </a:r>
-            <a:endParaRPr lang="en-SG" sz="1400" dirty="0"/>
           </a:p>
         </p:txBody>
       </p:sp>
@@ -8652,7 +8653,7 @@
           <a:p>
             <a:pPr algn="ctr"/>
             <a:r>
-              <a:rPr lang="en-SG" sz="1400" dirty="0" smtClean="0"/>
+              <a:rPr lang="en-SG" sz="1400" dirty="0"/>
               <a:t>C-Compiler</a:t>
             </a:r>
           </a:p>
@@ -8660,13 +8661,8 @@
             <a:pPr algn="ctr"/>
             <a:r>
               <a:rPr lang="en-SG" sz="1400" dirty="0"/>
-              <a:t>b</a:t>
-            </a:r>
-            <a:r>
-              <a:rPr lang="en-SG" sz="1400" dirty="0" smtClean="0"/>
-              <a:t>ackdoor binary</a:t>
-            </a:r>
-            <a:endParaRPr lang="en-SG" sz="1400" dirty="0"/>
+              <a:t>backdoor binary</a:t>
+            </a:r>
           </a:p>
         </p:txBody>
       </p:sp>
@@ -8715,10 +8711,9 @@
           <a:p>
             <a:pPr algn="ctr"/>
             <a:r>
-              <a:rPr lang="en-SG" sz="1400" dirty="0" smtClean="0"/>
+              <a:rPr lang="en-SG" sz="1400" dirty="0"/>
               <a:t>Login backdoor binary</a:t>
             </a:r>
-            <a:endParaRPr lang="en-SG" sz="1400" dirty="0"/>
           </a:p>
         </p:txBody>
       </p:sp>
@@ -10090,7 +10085,7 @@
 </p:sld>
 </file>
 
-<file path=ppt/slides/slide21.xml><?xml version="1.0" encoding="utf-8"?>
+<file path=ppt/slides/slide22.xml><?xml version="1.0" encoding="utf-8"?>
 <p:sld xmlns:a="http://schemas.openxmlformats.org/drawingml/2006/main" xmlns:r="http://schemas.openxmlformats.org/officeDocument/2006/relationships" xmlns:p="http://schemas.openxmlformats.org/presentationml/2006/main">
   <p:cSld>
     <p:spTree>
@@ -10128,10 +10123,9 @@
           <a:lstStyle/>
           <a:p>
             <a:r>
-              <a:rPr lang="en-US" dirty="0" smtClean="0"/>
+              <a:rPr lang="en-US" dirty="0"/>
               <a:t>Verifying the compiler binary</a:t>
             </a:r>
-            <a:endParaRPr lang="en-US" dirty="0"/>
           </a:p>
         </p:txBody>
       </p:sp>
@@ -10156,64 +10150,56 @@
           <a:lstStyle/>
           <a:p>
             <a:r>
-              <a:rPr lang="en-US" dirty="0" smtClean="0"/>
+              <a:rPr lang="en-US" dirty="0"/>
               <a:t>Compare SHA256 hash with expected value</a:t>
             </a:r>
           </a:p>
           <a:p>
-            <a:endParaRPr lang="en-US" dirty="0" smtClean="0"/>
-          </a:p>
-          <a:p>
-            <a:r>
-              <a:rPr lang="en-US" dirty="0" smtClean="0"/>
+            <a:endParaRPr lang="en-US" dirty="0"/>
+          </a:p>
+          <a:p>
+            <a:r>
+              <a:rPr lang="en-US" dirty="0"/>
               <a:t>Expected SHA-256 hash</a:t>
             </a:r>
           </a:p>
           <a:p>
             <a:pPr lvl="1"/>
             <a:r>
-              <a:rPr lang="en-US" sz="2000" dirty="0" err="1" smtClean="0"/>
+              <a:rPr lang="en-US" sz="2000" dirty="0" err="1"/>
               <a:t>shasum</a:t>
             </a:r>
             <a:r>
-              <a:rPr lang="en-US" sz="2000" dirty="0" smtClean="0"/>
-              <a:t> </a:t>
-            </a:r>
-            <a:r>
               <a:rPr lang="en-US" sz="2000" dirty="0"/>
-              <a:t>-a 256 ../</a:t>
-            </a:r>
-            <a:r>
-              <a:rPr lang="en-US" sz="2000" dirty="0" smtClean="0"/>
-              <a:t>clean-</a:t>
-            </a:r>
-            <a:r>
-              <a:rPr lang="en-US" sz="2000" dirty="0" err="1" smtClean="0"/>
+              <a:t> -a 256 ../clean-</a:t>
+            </a:r>
+            <a:r>
+              <a:rPr lang="en-US" sz="2000" dirty="0" err="1"/>
               <a:t>compiler.out</a:t>
             </a:r>
-            <a:endParaRPr lang="en-US" sz="2000" dirty="0" smtClean="0"/>
+            <a:endParaRPr lang="en-US" sz="2000" dirty="0"/>
           </a:p>
           <a:p>
             <a:pPr lvl="1"/>
             <a:r>
-              <a:rPr lang="nl-NL" sz="1800" dirty="0" smtClean="0"/>
+              <a:rPr lang="nl-NL" sz="1800" dirty="0"/>
               <a:t>7c76e4144fd9f550e2a846dbdfc7b03ee65c3eeb760b74dbbc9f5f1ae336e4dc</a:t>
             </a:r>
           </a:p>
           <a:p>
             <a:r>
-              <a:rPr lang="nl-NL" dirty="0" err="1" smtClean="0"/>
+              <a:rPr lang="nl-NL" dirty="0" err="1"/>
               <a:t>Obtained</a:t>
             </a:r>
             <a:r>
-              <a:rPr lang="nl-NL" dirty="0" smtClean="0"/>
+              <a:rPr lang="nl-NL" dirty="0"/>
               <a:t> SHA-256 </a:t>
             </a:r>
             <a:r>
-              <a:rPr lang="nl-NL" dirty="0" err="1" smtClean="0"/>
+              <a:rPr lang="nl-NL" dirty="0" err="1"/>
               <a:t>hash</a:t>
             </a:r>
-            <a:endParaRPr lang="nl-NL" dirty="0" smtClean="0"/>
+            <a:endParaRPr lang="nl-NL" dirty="0"/>
           </a:p>
           <a:p>
             <a:pPr lvl="1"/>
@@ -10223,17 +10209,13 @@
             </a:r>
             <a:r>
               <a:rPr lang="nl-NL" sz="1800" dirty="0"/>
-              <a:t> -a 256 </a:t>
-            </a:r>
-            <a:r>
-              <a:rPr lang="nl-NL" sz="1800" dirty="0" smtClean="0"/>
-              <a:t>compiler-hack-</a:t>
-            </a:r>
-            <a:r>
-              <a:rPr lang="nl-NL" sz="1800" dirty="0" err="1" smtClean="0"/>
+              <a:t> -a 256 compiler-hack-</a:t>
+            </a:r>
+            <a:r>
+              <a:rPr lang="nl-NL" sz="1800" dirty="0" err="1"/>
               <a:t>itself.out</a:t>
             </a:r>
-            <a:endParaRPr lang="nl-NL" sz="1800" dirty="0" smtClean="0"/>
+            <a:endParaRPr lang="nl-NL" sz="1800" dirty="0"/>
           </a:p>
           <a:p>
             <a:pPr lvl="1"/>
@@ -10241,7 +10223,7 @@
               <a:rPr lang="is-IS" sz="1800" dirty="0"/>
               <a:t>be8a5f9c22c28b9f2a822fa7eefb126766307ae50db1b3919322462261cf470e</a:t>
             </a:r>
-            <a:endParaRPr lang="nl-NL" sz="1800" dirty="0" smtClean="0"/>
+            <a:endParaRPr lang="nl-NL" sz="1800" dirty="0"/>
           </a:p>
           <a:p>
             <a:pPr lvl="1"/>
@@ -10253,7 +10235,7 @@
           </a:p>
           <a:p>
             <a:pPr lvl="1"/>
-            <a:endParaRPr lang="en-US" dirty="0" smtClean="0"/>
+            <a:endParaRPr lang="en-US" dirty="0"/>
           </a:p>
           <a:p>
             <a:pPr lvl="1"/>
@@ -10278,7 +10260,7 @@
           <a:p>
             <a:fld id="{9705DC4D-6496-4D9B-AA35-AB22DFE8A2F2}" type="slidenum">
               <a:rPr lang="en-SG" smtClean="0"/>
-              <a:t>21</a:t>
+              <a:t>22</a:t>
             </a:fld>
             <a:endParaRPr lang="en-SG"/>
           </a:p>
@@ -10342,128 +10324,6 @@
   <p:clrMapOvr>
     <a:masterClrMapping/>
   </p:clrMapOvr>
-  <p:timing>
-    <p:tnLst>
-      <p:par>
-        <p:cTn id="1" dur="indefinite" restart="never" nodeType="tmRoot"/>
-      </p:par>
-    </p:tnLst>
-  </p:timing>
-</p:sld>
-</file>
-
-<file path=ppt/slides/slide22.xml><?xml version="1.0" encoding="utf-8"?>
-<p:sld xmlns:a="http://schemas.openxmlformats.org/drawingml/2006/main" xmlns:r="http://schemas.openxmlformats.org/officeDocument/2006/relationships" xmlns:p="http://schemas.openxmlformats.org/presentationml/2006/main">
-  <p:cSld>
-    <p:spTree>
-      <p:nvGrpSpPr>
-        <p:cNvPr id="1" name=""/>
-        <p:cNvGrpSpPr/>
-        <p:nvPr/>
-      </p:nvGrpSpPr>
-      <p:grpSpPr>
-        <a:xfrm>
-          <a:off x="0" y="0"/>
-          <a:ext cx="0" cy="0"/>
-          <a:chOff x="0" y="0"/>
-          <a:chExt cx="0" cy="0"/>
-        </a:xfrm>
-      </p:grpSpPr>
-      <p:sp>
-        <p:nvSpPr>
-          <p:cNvPr id="2" name="Title 1"/>
-          <p:cNvSpPr>
-            <a:spLocks noGrp="1"/>
-          </p:cNvSpPr>
-          <p:nvPr>
-            <p:ph type="title"/>
-          </p:nvPr>
-        </p:nvSpPr>
-        <p:spPr/>
-        <p:txBody>
-          <a:bodyPr/>
-          <a:lstStyle/>
-          <a:p>
-            <a:r>
-              <a:rPr lang="en-US" dirty="0" smtClean="0"/>
-              <a:t>4a. Subverting verification</a:t>
-            </a:r>
-            <a:endParaRPr lang="en-US" dirty="0"/>
-          </a:p>
-        </p:txBody>
-      </p:sp>
-      <p:sp>
-        <p:nvSpPr>
-          <p:cNvPr id="3" name="Content Placeholder 2"/>
-          <p:cNvSpPr>
-            <a:spLocks noGrp="1"/>
-          </p:cNvSpPr>
-          <p:nvPr>
-            <p:ph idx="1"/>
-          </p:nvPr>
-        </p:nvSpPr>
-        <p:spPr/>
-        <p:txBody>
-          <a:bodyPr/>
-          <a:lstStyle/>
-          <a:p>
-            <a:r>
-              <a:rPr lang="en-US" dirty="0" smtClean="0"/>
-              <a:t>Can we prevent the user from detecting the bugged compiler?</a:t>
-            </a:r>
-          </a:p>
-          <a:p>
-            <a:endParaRPr lang="en-US" dirty="0"/>
-          </a:p>
-          <a:p>
-            <a:r>
-              <a:rPr lang="en-US" dirty="0" smtClean="0"/>
-              <a:t>We can subvert the SHA256 program</a:t>
-            </a:r>
-            <a:endParaRPr lang="en-US" dirty="0"/>
-          </a:p>
-        </p:txBody>
-      </p:sp>
-      <p:sp>
-        <p:nvSpPr>
-          <p:cNvPr id="4" name="Slide Number Placeholder 3"/>
-          <p:cNvSpPr>
-            <a:spLocks noGrp="1"/>
-          </p:cNvSpPr>
-          <p:nvPr>
-            <p:ph type="sldNum" sz="quarter" idx="12"/>
-          </p:nvPr>
-        </p:nvSpPr>
-        <p:spPr/>
-        <p:txBody>
-          <a:bodyPr/>
-          <a:lstStyle/>
-          <a:p>
-            <a:fld id="{9705DC4D-6496-4D9B-AA35-AB22DFE8A2F2}" type="slidenum">
-              <a:rPr lang="en-SG" smtClean="0"/>
-              <a:t>22</a:t>
-            </a:fld>
-            <a:endParaRPr lang="en-SG"/>
-          </a:p>
-        </p:txBody>
-      </p:sp>
-    </p:spTree>
-    <p:extLst>
-      <p:ext uri="{BB962C8B-B14F-4D97-AF65-F5344CB8AC3E}">
-        <p14:creationId xmlns:p14="http://schemas.microsoft.com/office/powerpoint/2010/main" val="146969169"/>
-      </p:ext>
-    </p:extLst>
-  </p:cSld>
-  <p:clrMapOvr>
-    <a:masterClrMapping/>
-  </p:clrMapOvr>
-  <p:timing>
-    <p:tnLst>
-      <p:par>
-        <p:cTn id="1" dur="indefinite" restart="never" nodeType="tmRoot"/>
-      </p:par>
-    </p:tnLst>
-  </p:timing>
 </p:sld>
 </file>
 
@@ -10494,21 +10354,46 @@
             <p:ph type="title"/>
           </p:nvPr>
         </p:nvSpPr>
-        <p:spPr>
-          <a:xfrm>
-            <a:off x="628650" y="0"/>
-            <a:ext cx="7886700" cy="1325563"/>
-          </a:xfrm>
-        </p:spPr>
+        <p:spPr/>
         <p:txBody>
           <a:bodyPr/>
           <a:lstStyle/>
           <a:p>
             <a:r>
-              <a:rPr lang="en-US" dirty="0" smtClean="0"/>
-              <a:t>4b. mysha256.c</a:t>
-            </a:r>
+              <a:rPr lang="en-US" dirty="0"/>
+              <a:t>4a. Subverting verification</a:t>
+            </a:r>
+          </a:p>
+        </p:txBody>
+      </p:sp>
+      <p:sp>
+        <p:nvSpPr>
+          <p:cNvPr id="3" name="Content Placeholder 2"/>
+          <p:cNvSpPr>
+            <a:spLocks noGrp="1"/>
+          </p:cNvSpPr>
+          <p:nvPr>
+            <p:ph idx="1"/>
+          </p:nvPr>
+        </p:nvSpPr>
+        <p:spPr/>
+        <p:txBody>
+          <a:bodyPr/>
+          <a:lstStyle/>
+          <a:p>
+            <a:r>
+              <a:rPr lang="en-US" dirty="0"/>
+              <a:t>Can we prevent the user from detecting the bugged compiler?</a:t>
+            </a:r>
+          </a:p>
+          <a:p>
             <a:endParaRPr lang="en-US" dirty="0"/>
+          </a:p>
+          <a:p>
+            <a:r>
+              <a:rPr lang="en-US" dirty="0"/>
+              <a:t>We can subvert the SHA256 program</a:t>
+            </a:r>
           </a:p>
         </p:txBody>
       </p:sp>
@@ -10535,6 +10420,86 @@
           </a:p>
         </p:txBody>
       </p:sp>
+    </p:spTree>
+    <p:extLst>
+      <p:ext uri="{BB962C8B-B14F-4D97-AF65-F5344CB8AC3E}">
+        <p14:creationId xmlns:p14="http://schemas.microsoft.com/office/powerpoint/2010/main" val="146969169"/>
+      </p:ext>
+    </p:extLst>
+  </p:cSld>
+  <p:clrMapOvr>
+    <a:masterClrMapping/>
+  </p:clrMapOvr>
+</p:sld>
+</file>
+
+<file path=ppt/slides/slide24.xml><?xml version="1.0" encoding="utf-8"?>
+<p:sld xmlns:a="http://schemas.openxmlformats.org/drawingml/2006/main" xmlns:r="http://schemas.openxmlformats.org/officeDocument/2006/relationships" xmlns:p="http://schemas.openxmlformats.org/presentationml/2006/main">
+  <p:cSld>
+    <p:spTree>
+      <p:nvGrpSpPr>
+        <p:cNvPr id="1" name=""/>
+        <p:cNvGrpSpPr/>
+        <p:nvPr/>
+      </p:nvGrpSpPr>
+      <p:grpSpPr>
+        <a:xfrm>
+          <a:off x="0" y="0"/>
+          <a:ext cx="0" cy="0"/>
+          <a:chOff x="0" y="0"/>
+          <a:chExt cx="0" cy="0"/>
+        </a:xfrm>
+      </p:grpSpPr>
+      <p:sp>
+        <p:nvSpPr>
+          <p:cNvPr id="2" name="Title 1"/>
+          <p:cNvSpPr>
+            <a:spLocks noGrp="1"/>
+          </p:cNvSpPr>
+          <p:nvPr>
+            <p:ph type="title"/>
+          </p:nvPr>
+        </p:nvSpPr>
+        <p:spPr>
+          <a:xfrm>
+            <a:off x="628650" y="0"/>
+            <a:ext cx="7886700" cy="1325563"/>
+          </a:xfrm>
+        </p:spPr>
+        <p:txBody>
+          <a:bodyPr/>
+          <a:lstStyle/>
+          <a:p>
+            <a:r>
+              <a:rPr lang="en-US" dirty="0"/>
+              <a:t>4b. mysha256.c</a:t>
+            </a:r>
+          </a:p>
+        </p:txBody>
+      </p:sp>
+      <p:sp>
+        <p:nvSpPr>
+          <p:cNvPr id="4" name="Slide Number Placeholder 3"/>
+          <p:cNvSpPr>
+            <a:spLocks noGrp="1"/>
+          </p:cNvSpPr>
+          <p:nvPr>
+            <p:ph type="sldNum" sz="quarter" idx="12"/>
+          </p:nvPr>
+        </p:nvSpPr>
+        <p:spPr/>
+        <p:txBody>
+          <a:bodyPr/>
+          <a:lstStyle/>
+          <a:p>
+            <a:fld id="{9705DC4D-6496-4D9B-AA35-AB22DFE8A2F2}" type="slidenum">
+              <a:rPr lang="en-SG" smtClean="0"/>
+              <a:t>24</a:t>
+            </a:fld>
+            <a:endParaRPr lang="en-SG"/>
+          </a:p>
+        </p:txBody>
+      </p:sp>
       <p:sp>
         <p:nvSpPr>
           <p:cNvPr id="5" name="Content Placeholder 2"/>
@@ -10558,20 +10523,20 @@
           <a:lstStyle/>
           <a:p>
             <a:r>
-              <a:rPr lang="en-US" sz="2400" dirty="0" smtClean="0"/>
+              <a:rPr lang="en-US" sz="2400" dirty="0"/>
               <a:t>Calculates SHA-256 hash of target file</a:t>
             </a:r>
           </a:p>
           <a:p>
             <a:r>
-              <a:rPr lang="en-US" sz="2400" dirty="0" smtClean="0"/>
+              <a:rPr lang="en-US" sz="2400" dirty="0"/>
               <a:t>Commands:</a:t>
             </a:r>
           </a:p>
           <a:p>
             <a:pPr lvl="1"/>
             <a:r>
-              <a:rPr lang="en-US" sz="1800" dirty="0" smtClean="0"/>
+              <a:rPr lang="en-US" sz="1800" dirty="0"/>
               <a:t>cd stage4</a:t>
             </a:r>
           </a:p>
@@ -10587,24 +10552,20 @@
             </a:r>
             <a:r>
               <a:rPr lang="en-US" sz="1800" dirty="0"/>
-              <a:t> mysha256.c -o </a:t>
-            </a:r>
-            <a:r>
-              <a:rPr lang="en-US" sz="1800" dirty="0" smtClean="0"/>
-              <a:t>mysha256.out</a:t>
+              <a:t> mysha256.c -o mysha256.out</a:t>
             </a:r>
           </a:p>
           <a:p>
             <a:pPr lvl="1"/>
             <a:r>
-              <a:rPr lang="en-US" sz="1800" dirty="0" smtClean="0"/>
+              <a:rPr lang="en-US" sz="1800" dirty="0"/>
               <a:t>./mysha256.out ../clean-</a:t>
             </a:r>
             <a:r>
-              <a:rPr lang="en-US" sz="1800" dirty="0" err="1" smtClean="0"/>
+              <a:rPr lang="en-US" sz="1800" dirty="0" err="1"/>
               <a:t>compiler.out</a:t>
             </a:r>
-            <a:endParaRPr lang="en-US" sz="1800" dirty="0" smtClean="0"/>
+            <a:endParaRPr lang="en-US" sz="1800" dirty="0"/>
           </a:p>
           <a:p>
             <a:pPr lvl="1"/>
@@ -10747,7 +10708,7 @@
 </p:sld>
 </file>
 
-<file path=ppt/slides/slide24.xml><?xml version="1.0" encoding="utf-8"?>
+<file path=ppt/slides/slide25.xml><?xml version="1.0" encoding="utf-8"?>
 <p:sld xmlns:a="http://schemas.openxmlformats.org/drawingml/2006/main" xmlns:r="http://schemas.openxmlformats.org/officeDocument/2006/relationships" xmlns:p="http://schemas.openxmlformats.org/presentationml/2006/main">
   <p:cSld>
     <p:spTree>
@@ -10780,10 +10741,9 @@
           <a:lstStyle/>
           <a:p>
             <a:r>
-              <a:rPr lang="en-US" dirty="0" smtClean="0"/>
+              <a:rPr lang="en-US" dirty="0"/>
               <a:t>4c. mysha256-hacked.c</a:t>
             </a:r>
-            <a:endParaRPr lang="en-US" dirty="0"/>
           </a:p>
         </p:txBody>
       </p:sp>
@@ -10804,7 +10764,7 @@
           <a:p>
             <a:fld id="{9705DC4D-6496-4D9B-AA35-AB22DFE8A2F2}" type="slidenum">
               <a:rPr lang="en-SG" smtClean="0"/>
-              <a:t>24</a:t>
+              <a:t>25</a:t>
             </a:fld>
             <a:endParaRPr lang="en-SG"/>
           </a:p>
@@ -10833,25 +10793,21 @@
           <a:lstStyle/>
           <a:p>
             <a:r>
-              <a:rPr lang="en-US" sz="2400" dirty="0" smtClean="0"/>
+              <a:rPr lang="en-US" sz="2400" dirty="0"/>
               <a:t>Returns expected hash if compiler is detected</a:t>
             </a:r>
           </a:p>
           <a:p>
             <a:r>
-              <a:rPr lang="en-US" sz="2400" dirty="0" smtClean="0"/>
+              <a:rPr lang="en-US" sz="2400" dirty="0"/>
               <a:t>Commands:</a:t>
             </a:r>
           </a:p>
           <a:p>
             <a:pPr lvl="1"/>
             <a:r>
-              <a:rPr lang="en-US" sz="1800" dirty="0" smtClean="0"/>
-              <a:t>../</a:t>
-            </a:r>
-            <a:r>
               <a:rPr lang="en-US" sz="1800" dirty="0"/>
-              <a:t>clean-</a:t>
+              <a:t>../clean-</a:t>
             </a:r>
             <a:r>
               <a:rPr lang="en-US" sz="1800" dirty="0" err="1"/>
@@ -10859,56 +10815,32 @@
             </a:r>
             <a:r>
               <a:rPr lang="en-US" sz="1800" dirty="0"/>
-              <a:t> </a:t>
-            </a:r>
-            <a:r>
-              <a:rPr lang="en-US" sz="1800" dirty="0" smtClean="0"/>
-              <a:t>mysha256-hacked.c </a:t>
-            </a:r>
+              <a:t> mysha256-hacked.c -o mysha256-hacked.out</a:t>
+            </a:r>
+          </a:p>
+          <a:p>
+            <a:pPr lvl="1"/>
             <a:r>
               <a:rPr lang="en-US" sz="1800" dirty="0"/>
-              <a:t>-o </a:t>
-            </a:r>
-            <a:r>
-              <a:rPr lang="en-US" sz="1800" dirty="0" smtClean="0"/>
-              <a:t>mysha256-hacked.out</a:t>
-            </a:r>
+              <a:t>./mysha256-hacked.out ../clean-</a:t>
+            </a:r>
+            <a:r>
+              <a:rPr lang="en-US" sz="1800" dirty="0" err="1"/>
+              <a:t>compiler.out</a:t>
+            </a:r>
+            <a:endParaRPr lang="en-US" sz="1800" dirty="0"/>
           </a:p>
           <a:p>
             <a:pPr lvl="1"/>
             <a:r>
               <a:rPr lang="en-US" sz="1800" dirty="0"/>
-              <a:t>./mysha256-hacked.out </a:t>
-            </a:r>
-            <a:r>
-              <a:rPr lang="en-US" sz="1800" dirty="0" smtClean="0"/>
-              <a:t>../clean-</a:t>
-            </a:r>
-            <a:r>
-              <a:rPr lang="en-US" sz="1800" dirty="0" err="1" smtClean="0"/>
-              <a:t>compiler.out</a:t>
-            </a:r>
-            <a:endParaRPr lang="en-US" sz="1800" dirty="0" smtClean="0"/>
-          </a:p>
-          <a:p>
-            <a:pPr lvl="1"/>
-            <a:r>
-              <a:rPr lang="en-US" sz="1800" dirty="0" smtClean="0"/>
-              <a:t>./</a:t>
-            </a:r>
-            <a:r>
-              <a:rPr lang="en-US" sz="1800" dirty="0"/>
-              <a:t>mysha256-hacked.out ../</a:t>
-            </a:r>
-            <a:r>
-              <a:rPr lang="en-US" sz="1800" dirty="0" smtClean="0"/>
-              <a:t>stage3/compiler-hack-</a:t>
-            </a:r>
-            <a:r>
-              <a:rPr lang="en-US" sz="1800" dirty="0" err="1" smtClean="0"/>
+              <a:t>./mysha256-hacked.out ../stage3/compiler-hack-</a:t>
+            </a:r>
+            <a:r>
+              <a:rPr lang="en-US" sz="1800" dirty="0" err="1"/>
               <a:t>itself.out</a:t>
             </a:r>
-            <a:endParaRPr lang="en-US" sz="1800" dirty="0" smtClean="0"/>
+            <a:endParaRPr lang="en-US" sz="1800" dirty="0"/>
           </a:p>
           <a:p>
             <a:pPr lvl="1"/>
@@ -10918,14 +10850,10 @@
             </a:r>
             <a:r>
               <a:rPr lang="nl-NL" sz="1800" dirty="0"/>
-              <a:t> -a 256 </a:t>
-            </a:r>
-            <a:r>
-              <a:rPr lang="nl-NL" sz="1800" dirty="0" smtClean="0"/>
-              <a:t>../stage3/compiler-hack-</a:t>
-            </a:r>
-            <a:r>
-              <a:rPr lang="nl-NL" sz="1800" dirty="0" err="1" smtClean="0"/>
+              <a:t> -a 256 ../stage3/compiler-hack-</a:t>
+            </a:r>
+            <a:r>
+              <a:rPr lang="nl-NL" sz="1800" dirty="0" err="1"/>
               <a:t>itself.out</a:t>
             </a:r>
             <a:endParaRPr lang="nl-NL" sz="1800" dirty="0"/>
@@ -11023,7 +10951,7 @@
 </p:sld>
 </file>
 
-<file path=ppt/slides/slide25.xml><?xml version="1.0" encoding="utf-8"?>
+<file path=ppt/slides/slide26.xml><?xml version="1.0" encoding="utf-8"?>
 <p:sld xmlns:a="http://schemas.openxmlformats.org/drawingml/2006/main" xmlns:r="http://schemas.openxmlformats.org/officeDocument/2006/relationships" xmlns:p="http://schemas.openxmlformats.org/presentationml/2006/main">
   <p:cSld>
     <p:spTree>
@@ -11061,11 +10989,11 @@
           <a:lstStyle/>
           <a:p>
             <a:r>
-              <a:rPr lang="en-US" dirty="0" smtClean="0"/>
+              <a:rPr lang="en-US" dirty="0"/>
               <a:t>4d. compiler-hack-</a:t>
             </a:r>
             <a:r>
-              <a:rPr lang="en-US" dirty="0" err="1" smtClean="0"/>
+              <a:rPr lang="en-US" dirty="0" err="1"/>
               <a:t>ultimate.c</a:t>
             </a:r>
             <a:endParaRPr lang="en-US" dirty="0"/>
@@ -11089,7 +11017,7 @@
           <a:p>
             <a:fld id="{9705DC4D-6496-4D9B-AA35-AB22DFE8A2F2}" type="slidenum">
               <a:rPr lang="en-SG" smtClean="0"/>
-              <a:t>25</a:t>
+              <a:t>26</a:t>
             </a:fld>
             <a:endParaRPr lang="en-SG"/>
           </a:p>
@@ -11118,12 +11046,8 @@
           <a:lstStyle/>
           <a:p>
             <a:r>
-              <a:rPr lang="en-US" sz="2000" dirty="0" smtClean="0"/>
-              <a:t>Ultimate compiler </a:t>
-            </a:r>
-            <a:r>
               <a:rPr lang="en-US" sz="2000" dirty="0"/>
-              <a:t>adds malicious code to itself when it sees </a:t>
+              <a:t>Ultimate compiler adds malicious code to itself when it sees </a:t>
             </a:r>
             <a:r>
               <a:rPr lang="en-US" sz="2000" dirty="0" err="1"/>
@@ -11143,12 +11067,8 @@
           <a:p>
             <a:pPr lvl="1"/>
             <a:r>
-              <a:rPr lang="en-US" sz="1600" dirty="0" smtClean="0"/>
-              <a:t>../</a:t>
-            </a:r>
-            <a:r>
               <a:rPr lang="en-US" sz="1600" dirty="0"/>
-              <a:t>clean-</a:t>
+              <a:t>../clean-</a:t>
             </a:r>
             <a:r>
               <a:rPr lang="en-US" sz="1600" dirty="0" err="1"/>
@@ -11176,32 +11096,19 @@
             <a:pPr lvl="1"/>
             <a:r>
               <a:rPr lang="en-US" sz="1600" dirty="0"/>
-              <a:t>We can now discard </a:t>
-            </a:r>
-            <a:r>
-              <a:rPr lang="en-US" sz="1600" dirty="0" smtClean="0"/>
-              <a:t>compiler-hack-</a:t>
-            </a:r>
-            <a:r>
-              <a:rPr lang="en-US" sz="1600" dirty="0" err="1" smtClean="0"/>
+              <a:t>We can now discard compiler-hack-</a:t>
+            </a:r>
+            <a:r>
+              <a:rPr lang="en-US" sz="1600" dirty="0" err="1"/>
               <a:t>ultimate.c</a:t>
             </a:r>
             <a:endParaRPr lang="en-US" sz="1600" dirty="0"/>
           </a:p>
           <a:p>
             <a:r>
-              <a:rPr lang="en-US" sz="2000" dirty="0" smtClean="0"/>
-              <a:t>Ultimate </a:t>
-            </a:r>
-            <a:r>
               <a:rPr lang="en-US" sz="2000" dirty="0"/>
-              <a:t>compiler </a:t>
-            </a:r>
-            <a:r>
-              <a:rPr lang="en-US" sz="2000" dirty="0" smtClean="0"/>
-              <a:t>hacking mysha256</a:t>
-            </a:r>
-            <a:endParaRPr lang="en-US" sz="2000" dirty="0"/>
+              <a:t>Ultimate compiler hacking mysha256</a:t>
+            </a:r>
           </a:p>
           <a:p>
             <a:pPr lvl="1"/>
@@ -11215,28 +11122,20 @@
             </a:r>
             <a:r>
               <a:rPr lang="en-US" sz="1600" dirty="0"/>
-              <a:t> mysha256.c -o </a:t>
-            </a:r>
-            <a:r>
-              <a:rPr lang="en-US" sz="1600" dirty="0" smtClean="0"/>
-              <a:t>evil-mysha256.out</a:t>
+              <a:t> mysha256.c -o evil-mysha256.out</a:t>
             </a:r>
           </a:p>
           <a:p>
             <a:pPr lvl="1"/>
             <a:r>
               <a:rPr lang="en-US" sz="1600" dirty="0"/>
-              <a:t>./evil-mysha256.out </a:t>
-            </a:r>
-            <a:r>
-              <a:rPr lang="en-US" sz="1600" dirty="0" smtClean="0"/>
-              <a:t>compiler-hack-</a:t>
-            </a:r>
-            <a:r>
-              <a:rPr lang="en-US" sz="1600" dirty="0" err="1" smtClean="0"/>
+              <a:t>./evil-mysha256.out compiler-hack-</a:t>
+            </a:r>
+            <a:r>
+              <a:rPr lang="en-US" sz="1600" dirty="0" err="1"/>
               <a:t>ultimate.out</a:t>
             </a:r>
-            <a:endParaRPr lang="en-US" sz="1600" dirty="0" smtClean="0"/>
+            <a:endParaRPr lang="en-US" sz="1600" dirty="0"/>
           </a:p>
           <a:p>
             <a:pPr lvl="1"/>
@@ -11246,45 +11145,33 @@
             </a:r>
             <a:r>
               <a:rPr lang="en-US" sz="1600" dirty="0"/>
-              <a:t> -a 256 </a:t>
-            </a:r>
-            <a:r>
-              <a:rPr lang="en-US" sz="1600" dirty="0" smtClean="0"/>
-              <a:t>compiler-hack-</a:t>
-            </a:r>
-            <a:r>
-              <a:rPr lang="en-US" sz="1600" dirty="0" err="1" smtClean="0"/>
+              <a:t> -a 256 compiler-hack-</a:t>
+            </a:r>
+            <a:r>
+              <a:rPr lang="en-US" sz="1600" dirty="0" err="1"/>
               <a:t>ultimate.out</a:t>
             </a:r>
-            <a:endParaRPr lang="en-US" sz="1600" dirty="0" smtClean="0"/>
-          </a:p>
-          <a:p>
-            <a:r>
-              <a:rPr lang="en-US" sz="2000" dirty="0" smtClean="0"/>
-              <a:t>Ultimate compiler </a:t>
-            </a:r>
+            <a:endParaRPr lang="en-US" sz="1600" dirty="0"/>
+          </a:p>
+          <a:p>
             <a:r>
               <a:rPr lang="en-US" sz="2000" dirty="0"/>
-              <a:t>hacking its clean compiler source</a:t>
+              <a:t>Ultimate compiler hacking its clean compiler source</a:t>
             </a:r>
           </a:p>
           <a:p>
             <a:pPr lvl="1"/>
             <a:r>
-              <a:rPr lang="en-US" sz="1600" dirty="0" smtClean="0"/>
+              <a:rPr lang="en-US" sz="1600" dirty="0"/>
               <a:t>./compiler-hack-</a:t>
             </a:r>
             <a:r>
-              <a:rPr lang="en-US" sz="1600" dirty="0" err="1" smtClean="0"/>
+              <a:rPr lang="en-US" sz="1600" dirty="0" err="1"/>
               <a:t>ultimate.out</a:t>
             </a:r>
             <a:r>
-              <a:rPr lang="en-US" sz="1600" dirty="0" smtClean="0"/>
-              <a:t> </a:t>
-            </a:r>
-            <a:r>
               <a:rPr lang="en-US" sz="1600" dirty="0"/>
-              <a:t>../</a:t>
+              <a:t> ../</a:t>
             </a:r>
             <a:r>
               <a:rPr lang="en-US" sz="1600" dirty="0" err="1"/>
@@ -11292,14 +11179,10 @@
             </a:r>
             <a:r>
               <a:rPr lang="en-US" sz="1600" dirty="0"/>
-              <a:t> -o </a:t>
-            </a:r>
-            <a:r>
-              <a:rPr lang="en-US" sz="1600" dirty="0" smtClean="0"/>
-              <a:t>ultimate-child-</a:t>
-            </a:r>
-            <a:r>
-              <a:rPr lang="en-US" sz="1600" dirty="0" err="1" smtClean="0"/>
+              <a:t> -o ultimate-child-</a:t>
+            </a:r>
+            <a:r>
+              <a:rPr lang="en-US" sz="1600" dirty="0" err="1"/>
               <a:t>compiler.out</a:t>
             </a:r>
             <a:endParaRPr lang="en-US" sz="1600" dirty="0"/>
@@ -11310,26 +11193,9 @@
           </a:p>
           <a:p>
             <a:r>
-              <a:rPr lang="en-US" sz="2000" dirty="0" smtClean="0"/>
-              <a:t>Ultimate </a:t>
-            </a:r>
-            <a:r>
               <a:rPr lang="en-US" sz="2000" dirty="0"/>
-              <a:t>c</a:t>
-            </a:r>
-            <a:r>
-              <a:rPr lang="en-US" sz="2000" dirty="0" smtClean="0"/>
-              <a:t>hild </a:t>
-            </a:r>
-            <a:r>
-              <a:rPr lang="en-US" sz="2000" dirty="0"/>
-              <a:t>compiler hacking </a:t>
-            </a:r>
-            <a:r>
-              <a:rPr lang="en-US" sz="2000" dirty="0" smtClean="0"/>
-              <a:t>mysha256</a:t>
-            </a:r>
-            <a:endParaRPr lang="en-US" sz="2000" dirty="0"/>
+              <a:t>Ultimate child compiler hacking mysha256</a:t>
+            </a:r>
           </a:p>
           <a:p>
             <a:pPr lvl="1"/>
@@ -11343,37 +11209,25 @@
             </a:r>
             <a:r>
               <a:rPr lang="en-US" sz="1600" dirty="0"/>
-              <a:t> mysha256.c -o </a:t>
-            </a:r>
-            <a:r>
-              <a:rPr lang="en-US" sz="1600" dirty="0" smtClean="0"/>
-              <a:t>evil-mysha256.out</a:t>
+              <a:t> mysha256.c -o evil-mysha256.out</a:t>
             </a:r>
           </a:p>
           <a:p>
             <a:pPr lvl="1"/>
             <a:r>
               <a:rPr lang="en-US" sz="1600" dirty="0"/>
-              <a:t>./evil-mysha256.out </a:t>
-            </a:r>
-            <a:r>
-              <a:rPr lang="en-US" sz="1600" dirty="0" smtClean="0"/>
-              <a:t>ultimate-child-</a:t>
-            </a:r>
-            <a:r>
-              <a:rPr lang="en-US" sz="1600" dirty="0" err="1" smtClean="0"/>
+              <a:t>./evil-mysha256.out ultimate-child-</a:t>
+            </a:r>
+            <a:r>
+              <a:rPr lang="en-US" sz="1600" dirty="0" err="1"/>
               <a:t>compiler.out</a:t>
             </a:r>
-            <a:endParaRPr lang="en-US" sz="1600" dirty="0" smtClean="0"/>
-          </a:p>
-          <a:p>
-            <a:r>
-              <a:rPr lang="en-US" sz="1800" dirty="0" smtClean="0"/>
-              <a:t>Ultimate child </a:t>
-            </a:r>
+            <a:endParaRPr lang="en-US" sz="1600" dirty="0"/>
+          </a:p>
+          <a:p>
             <a:r>
               <a:rPr lang="en-US" sz="1800" dirty="0"/>
-              <a:t>compiler still hacks compiler source code</a:t>
+              <a:t>Ultimate child compiler still hacks compiler source code</a:t>
             </a:r>
           </a:p>
           <a:p>
@@ -11472,7 +11326,7 @@
 </p:sld>
 </file>
 
-<file path=ppt/slides/slide26.xml><?xml version="1.0" encoding="utf-8"?>
+<file path=ppt/slides/slide27.xml><?xml version="1.0" encoding="utf-8"?>
 <p:sld xmlns:a="http://schemas.openxmlformats.org/drawingml/2006/main" xmlns:r="http://schemas.openxmlformats.org/officeDocument/2006/relationships" xmlns:p="http://schemas.openxmlformats.org/presentationml/2006/main">
   <p:cSld>
     <p:spTree>
@@ -11505,10 +11359,9 @@
           <a:lstStyle/>
           <a:p>
             <a:r>
-              <a:rPr lang="en-US" dirty="0" smtClean="0"/>
+              <a:rPr lang="en-US" dirty="0"/>
               <a:t>Thompson’s conclusion</a:t>
             </a:r>
-            <a:endParaRPr lang="en-US" dirty="0"/>
           </a:p>
         </p:txBody>
       </p:sp>
@@ -11530,7 +11383,7 @@
           <a:lstStyle/>
           <a:p>
             <a:r>
-              <a:rPr lang="en-US" dirty="0" smtClean="0"/>
+              <a:rPr lang="en-US" dirty="0"/>
               <a:t>“You can’t trust code that you did not totally create yourself”</a:t>
             </a:r>
           </a:p>
@@ -11539,32 +11392,21 @@
           </a:p>
           <a:p>
             <a:r>
-              <a:rPr lang="en-US" dirty="0" smtClean="0"/>
+              <a:rPr lang="en-US" dirty="0"/>
               <a:t>“</a:t>
             </a:r>
             <a:r>
               <a:rPr lang="en-SG" dirty="0"/>
-              <a:t>No amount </a:t>
-            </a:r>
-            <a:r>
-              <a:rPr lang="en-SG" dirty="0" smtClean="0"/>
-              <a:t>of source-level </a:t>
-            </a:r>
+              <a:t>No amount of source-level verification or scrutiny will protect you from using untrusted code.”</a:t>
+            </a:r>
+          </a:p>
+          <a:p>
+            <a:endParaRPr lang="en-SG" dirty="0"/>
+          </a:p>
+          <a:p>
             <a:r>
               <a:rPr lang="en-SG" dirty="0"/>
-              <a:t>verification or scrutiny will </a:t>
-            </a:r>
-            <a:r>
-              <a:rPr lang="en-SG" dirty="0" smtClean="0"/>
-              <a:t>protect you from </a:t>
-            </a:r>
-            <a:r>
-              <a:rPr lang="en-SG" dirty="0"/>
-              <a:t>using untrusted code</a:t>
-            </a:r>
-            <a:r>
-              <a:rPr lang="en-SG" dirty="0" smtClean="0"/>
-              <a:t>.”</a:t>
+              <a:t>“We can go lower to avoid detection like assembler, loader or microcode”</a:t>
             </a:r>
           </a:p>
           <a:p>
@@ -11572,16 +11414,7 @@
           </a:p>
           <a:p>
             <a:r>
-              <a:rPr lang="en-SG" dirty="0" smtClean="0"/>
-              <a:t>“We can go lower to avoid detection like assembler, loader or microcode”</a:t>
-            </a:r>
-          </a:p>
-          <a:p>
-            <a:endParaRPr lang="en-SG" dirty="0"/>
-          </a:p>
-          <a:p>
-            <a:r>
-              <a:rPr lang="en-SG" b="1" dirty="0" smtClean="0"/>
+              <a:rPr lang="en-SG" b="1" dirty="0"/>
               <a:t>-&gt; You always have to trust somebody</a:t>
             </a:r>
             <a:endParaRPr lang="en-US" b="1" dirty="0"/>
@@ -11605,7 +11438,7 @@
           <a:p>
             <a:fld id="{9705DC4D-6496-4D9B-AA35-AB22DFE8A2F2}" type="slidenum">
               <a:rPr lang="en-SG" smtClean="0"/>
-              <a:t>26</a:t>
+              <a:t>27</a:t>
             </a:fld>
             <a:endParaRPr lang="en-SG"/>
           </a:p>
@@ -11898,166 +11731,6 @@
 </p:sld>
 </file>
 
-<file path=ppt/slides/slide27.xml><?xml version="1.0" encoding="utf-8"?>
-<p:sld xmlns:a="http://schemas.openxmlformats.org/drawingml/2006/main" xmlns:r="http://schemas.openxmlformats.org/officeDocument/2006/relationships" xmlns:p="http://schemas.openxmlformats.org/presentationml/2006/main">
-  <p:cSld>
-    <p:spTree>
-      <p:nvGrpSpPr>
-        <p:cNvPr id="1" name=""/>
-        <p:cNvGrpSpPr/>
-        <p:nvPr/>
-      </p:nvGrpSpPr>
-      <p:grpSpPr>
-        <a:xfrm>
-          <a:off x="0" y="0"/>
-          <a:ext cx="0" cy="0"/>
-          <a:chOff x="0" y="0"/>
-          <a:chExt cx="0" cy="0"/>
-        </a:xfrm>
-      </p:grpSpPr>
-      <p:sp>
-        <p:nvSpPr>
-          <p:cNvPr id="2" name="Title 1"/>
-          <p:cNvSpPr>
-            <a:spLocks noGrp="1"/>
-          </p:cNvSpPr>
-          <p:nvPr>
-            <p:ph type="title"/>
-          </p:nvPr>
-        </p:nvSpPr>
-        <p:spPr/>
-        <p:txBody>
-          <a:bodyPr/>
-          <a:lstStyle/>
-          <a:p>
-            <a:r>
-              <a:rPr lang="en-SG" dirty="0" smtClean="0"/>
-              <a:t>Possible </a:t>
-            </a:r>
-            <a:r>
-              <a:rPr lang="en-SG" dirty="0" err="1" smtClean="0"/>
-              <a:t>defense</a:t>
-            </a:r>
-            <a:r>
-              <a:rPr lang="en-SG" dirty="0" smtClean="0"/>
-              <a:t>?</a:t>
-            </a:r>
-            <a:endParaRPr lang="en-SG" dirty="0"/>
-          </a:p>
-        </p:txBody>
-      </p:sp>
-      <p:sp>
-        <p:nvSpPr>
-          <p:cNvPr id="3" name="Content Placeholder 2"/>
-          <p:cNvSpPr>
-            <a:spLocks noGrp="1"/>
-          </p:cNvSpPr>
-          <p:nvPr>
-            <p:ph idx="1"/>
-          </p:nvPr>
-        </p:nvSpPr>
-        <p:spPr/>
-        <p:txBody>
-          <a:bodyPr/>
-          <a:lstStyle/>
-          <a:p>
-            <a:r>
-              <a:rPr lang="en-SG" i="1" dirty="0" smtClean="0"/>
-              <a:t>“Fully </a:t>
-            </a:r>
-            <a:r>
-              <a:rPr lang="en-SG" i="1" dirty="0"/>
-              <a:t>Countering Trusting Trust through Diverse Double-Compiling (DDC) - Countering Trojan Horse attacks on </a:t>
-            </a:r>
-            <a:r>
-              <a:rPr lang="en-SG" i="1" dirty="0" smtClean="0"/>
-              <a:t>Compilers”</a:t>
-            </a:r>
-          </a:p>
-          <a:p>
-            <a:endParaRPr lang="en-SG" dirty="0" smtClean="0"/>
-          </a:p>
-          <a:p>
-            <a:r>
-              <a:rPr lang="en-SG" dirty="0" smtClean="0"/>
-              <a:t>2009 </a:t>
-            </a:r>
-            <a:r>
-              <a:rPr lang="en-SG" dirty="0"/>
-              <a:t>PhD </a:t>
-            </a:r>
-            <a:r>
-              <a:rPr lang="en-SG" dirty="0" smtClean="0"/>
-              <a:t>dissertation of </a:t>
-            </a:r>
-            <a:r>
-              <a:rPr lang="en-SG" dirty="0"/>
-              <a:t>David A. Wheeler </a:t>
-            </a:r>
-            <a:endParaRPr lang="en-SG" dirty="0" smtClean="0"/>
-          </a:p>
-          <a:p>
-            <a:r>
-              <a:rPr lang="en-SG" dirty="0" smtClean="0"/>
-              <a:t>George Mason University</a:t>
-            </a:r>
-          </a:p>
-          <a:p>
-            <a:r>
-              <a:rPr lang="en-SG" sz="1600" dirty="0">
-                <a:hlinkClick r:id="rId2"/>
-              </a:rPr>
-              <a:t>http://</a:t>
-            </a:r>
-            <a:r>
-              <a:rPr lang="en-SG" sz="1600" dirty="0" smtClean="0">
-                <a:hlinkClick r:id="rId2"/>
-              </a:rPr>
-              <a:t>www.dwheeler.com/trusting-trust/dissertation/wheeler-trusting-trust-ddc.pdf</a:t>
-            </a:r>
-            <a:endParaRPr lang="en-SG" sz="1600" dirty="0" smtClean="0"/>
-          </a:p>
-          <a:p>
-            <a:endParaRPr lang="en-SG" dirty="0"/>
-          </a:p>
-        </p:txBody>
-      </p:sp>
-      <p:sp>
-        <p:nvSpPr>
-          <p:cNvPr id="4" name="Slide Number Placeholder 3"/>
-          <p:cNvSpPr>
-            <a:spLocks noGrp="1"/>
-          </p:cNvSpPr>
-          <p:nvPr>
-            <p:ph type="sldNum" sz="quarter" idx="12"/>
-          </p:nvPr>
-        </p:nvSpPr>
-        <p:spPr/>
-        <p:txBody>
-          <a:bodyPr/>
-          <a:lstStyle/>
-          <a:p>
-            <a:fld id="{9705DC4D-6496-4D9B-AA35-AB22DFE8A2F2}" type="slidenum">
-              <a:rPr lang="en-SG" smtClean="0"/>
-              <a:t>27</a:t>
-            </a:fld>
-            <a:endParaRPr lang="en-SG"/>
-          </a:p>
-        </p:txBody>
-      </p:sp>
-    </p:spTree>
-    <p:extLst>
-      <p:ext uri="{BB962C8B-B14F-4D97-AF65-F5344CB8AC3E}">
-        <p14:creationId xmlns:p14="http://schemas.microsoft.com/office/powerpoint/2010/main" val="1179978648"/>
-      </p:ext>
-    </p:extLst>
-  </p:cSld>
-  <p:clrMapOvr>
-    <a:masterClrMapping/>
-  </p:clrMapOvr>
-</p:sld>
-</file>
-
 <file path=ppt/slides/slide28.xml><?xml version="1.0" encoding="utf-8"?>
 <p:sld xmlns:a="http://schemas.openxmlformats.org/drawingml/2006/main" xmlns:r="http://schemas.openxmlformats.org/officeDocument/2006/relationships" xmlns:p="http://schemas.openxmlformats.org/presentationml/2006/main">
   <p:cSld>
@@ -12085,21 +11758,23 @@
             <p:ph type="title"/>
           </p:nvPr>
         </p:nvSpPr>
-        <p:spPr>
-          <a:xfrm>
-            <a:off x="533399" y="320674"/>
-            <a:ext cx="8373836" cy="1325563"/>
-          </a:xfrm>
-        </p:spPr>
+        <p:spPr/>
         <p:txBody>
           <a:bodyPr/>
           <a:lstStyle/>
           <a:p>
             <a:r>
-              <a:rPr lang="en-SG" dirty="0" smtClean="0"/>
-              <a:t>5a. Diverse Double Compiling (DDC)</a:t>
-            </a:r>
-            <a:endParaRPr lang="en-SG" dirty="0"/>
+              <a:rPr lang="en-SG" dirty="0"/>
+              <a:t>Possible </a:t>
+            </a:r>
+            <a:r>
+              <a:rPr lang="en-SG" dirty="0" err="1"/>
+              <a:t>defense</a:t>
+            </a:r>
+            <a:r>
+              <a:rPr lang="en-SG" dirty="0"/>
+              <a:t>?</a:t>
+            </a:r>
           </a:p>
         </p:txBody>
       </p:sp>
@@ -12113,70 +11788,42 @@
             <p:ph idx="1"/>
           </p:nvPr>
         </p:nvSpPr>
-        <p:spPr>
-          <a:xfrm>
-            <a:off x="141514" y="1825625"/>
-            <a:ext cx="8373836" cy="4351338"/>
-          </a:xfrm>
-        </p:spPr>
+        <p:spPr/>
         <p:txBody>
           <a:bodyPr/>
           <a:lstStyle/>
           <a:p>
             <a:r>
-              <a:rPr lang="en-SG" sz="2400" dirty="0" smtClean="0"/>
-              <a:t>Objective</a:t>
-            </a:r>
-          </a:p>
-          <a:p>
-            <a:pPr lvl="1"/>
-            <a:r>
-              <a:rPr lang="en-SG" sz="2000" dirty="0" smtClean="0"/>
-              <a:t>To detect the trusting-trust attack</a:t>
-            </a:r>
-          </a:p>
-          <a:p>
-            <a:pPr marL="0" indent="0">
-              <a:buNone/>
-            </a:pPr>
-            <a:endParaRPr lang="en-SG" sz="2400" dirty="0"/>
-          </a:p>
-          <a:p>
-            <a:r>
-              <a:rPr lang="en-SG" sz="2400" dirty="0" smtClean="0"/>
-              <a:t>Requirements</a:t>
-            </a:r>
-          </a:p>
-          <a:p>
-            <a:pPr lvl="1"/>
-            <a:r>
-              <a:rPr lang="en-SG" sz="2000" dirty="0"/>
-              <a:t>Use another compiler in the verification </a:t>
-            </a:r>
-            <a:r>
-              <a:rPr lang="en-SG" sz="2000" dirty="0" smtClean="0"/>
-              <a:t>process</a:t>
-            </a:r>
-          </a:p>
-          <a:p>
-            <a:pPr lvl="1"/>
-            <a:r>
-              <a:rPr lang="en-SG" sz="2000" dirty="0" smtClean="0"/>
-              <a:t>≥2 compilers, one of which is under test</a:t>
-            </a:r>
-          </a:p>
-          <a:p>
-            <a:pPr lvl="1"/>
-            <a:r>
-              <a:rPr lang="en-SG" sz="2000" dirty="0" smtClean="0"/>
-              <a:t>Source code of compiler under test needs to be available</a:t>
-            </a:r>
-          </a:p>
-          <a:p>
-            <a:pPr marL="0" indent="0">
-              <a:buNone/>
-            </a:pPr>
-            <a:endParaRPr lang="en-SG" dirty="0" smtClean="0"/>
+              <a:rPr lang="en-SG" i="1" dirty="0"/>
+              <a:t>“Fully Countering Trusting Trust through Diverse Double-Compiling (DDC) - Countering Trojan Horse attacks on Compilers”</a:t>
+            </a:r>
+          </a:p>
+          <a:p>
+            <a:endParaRPr lang="en-SG" dirty="0"/>
+          </a:p>
+          <a:p>
+            <a:r>
+              <a:rPr lang="en-SG" dirty="0"/>
+              <a:t>2009 PhD dissertation of David A. Wheeler </a:t>
+            </a:r>
+          </a:p>
+          <a:p>
+            <a:r>
+              <a:rPr lang="en-SG" dirty="0"/>
+              <a:t>George Mason University</a:t>
+            </a:r>
+          </a:p>
+          <a:p>
+            <a:r>
+              <a:rPr lang="en-SG" sz="1600" dirty="0">
+                <a:hlinkClick r:id="rId2"/>
+              </a:rPr>
+              <a:t>http://www.dwheeler.com/trusting-trust/dissertation/wheeler-trusting-trust-ddc.pdf</a:t>
+            </a:r>
+            <a:endParaRPr lang="en-SG" sz="1600" dirty="0"/>
+          </a:p>
+          <a:p>
+            <a:endParaRPr lang="en-SG" dirty="0"/>
           </a:p>
         </p:txBody>
       </p:sp>
@@ -12198,6 +11845,159 @@
             <a:fld id="{9705DC4D-6496-4D9B-AA35-AB22DFE8A2F2}" type="slidenum">
               <a:rPr lang="en-SG" smtClean="0"/>
               <a:t>28</a:t>
+            </a:fld>
+            <a:endParaRPr lang="en-SG"/>
+          </a:p>
+        </p:txBody>
+      </p:sp>
+    </p:spTree>
+    <p:extLst>
+      <p:ext uri="{BB962C8B-B14F-4D97-AF65-F5344CB8AC3E}">
+        <p14:creationId xmlns:p14="http://schemas.microsoft.com/office/powerpoint/2010/main" val="1179978648"/>
+      </p:ext>
+    </p:extLst>
+  </p:cSld>
+  <p:clrMapOvr>
+    <a:masterClrMapping/>
+  </p:clrMapOvr>
+</p:sld>
+</file>
+
+<file path=ppt/slides/slide29.xml><?xml version="1.0" encoding="utf-8"?>
+<p:sld xmlns:a="http://schemas.openxmlformats.org/drawingml/2006/main" xmlns:r="http://schemas.openxmlformats.org/officeDocument/2006/relationships" xmlns:p="http://schemas.openxmlformats.org/presentationml/2006/main">
+  <p:cSld>
+    <p:spTree>
+      <p:nvGrpSpPr>
+        <p:cNvPr id="1" name=""/>
+        <p:cNvGrpSpPr/>
+        <p:nvPr/>
+      </p:nvGrpSpPr>
+      <p:grpSpPr>
+        <a:xfrm>
+          <a:off x="0" y="0"/>
+          <a:ext cx="0" cy="0"/>
+          <a:chOff x="0" y="0"/>
+          <a:chExt cx="0" cy="0"/>
+        </a:xfrm>
+      </p:grpSpPr>
+      <p:sp>
+        <p:nvSpPr>
+          <p:cNvPr id="2" name="Title 1"/>
+          <p:cNvSpPr>
+            <a:spLocks noGrp="1"/>
+          </p:cNvSpPr>
+          <p:nvPr>
+            <p:ph type="title"/>
+          </p:nvPr>
+        </p:nvSpPr>
+        <p:spPr>
+          <a:xfrm>
+            <a:off x="533399" y="320674"/>
+            <a:ext cx="8373836" cy="1325563"/>
+          </a:xfrm>
+        </p:spPr>
+        <p:txBody>
+          <a:bodyPr/>
+          <a:lstStyle/>
+          <a:p>
+            <a:r>
+              <a:rPr lang="en-SG" dirty="0"/>
+              <a:t>5a. Diverse Double Compiling (DDC)</a:t>
+            </a:r>
+          </a:p>
+        </p:txBody>
+      </p:sp>
+      <p:sp>
+        <p:nvSpPr>
+          <p:cNvPr id="3" name="Content Placeholder 2"/>
+          <p:cNvSpPr>
+            <a:spLocks noGrp="1"/>
+          </p:cNvSpPr>
+          <p:nvPr>
+            <p:ph idx="1"/>
+          </p:nvPr>
+        </p:nvSpPr>
+        <p:spPr>
+          <a:xfrm>
+            <a:off x="141514" y="1825625"/>
+            <a:ext cx="8373836" cy="4351338"/>
+          </a:xfrm>
+        </p:spPr>
+        <p:txBody>
+          <a:bodyPr/>
+          <a:lstStyle/>
+          <a:p>
+            <a:r>
+              <a:rPr lang="en-SG" sz="2400" dirty="0"/>
+              <a:t>Objective</a:t>
+            </a:r>
+          </a:p>
+          <a:p>
+            <a:pPr lvl="1"/>
+            <a:r>
+              <a:rPr lang="en-SG" sz="2000" dirty="0"/>
+              <a:t>To detect the trusting-trust attack</a:t>
+            </a:r>
+          </a:p>
+          <a:p>
+            <a:pPr marL="0" indent="0">
+              <a:buNone/>
+            </a:pPr>
+            <a:endParaRPr lang="en-SG" sz="2400" dirty="0"/>
+          </a:p>
+          <a:p>
+            <a:r>
+              <a:rPr lang="en-SG" sz="2400" dirty="0"/>
+              <a:t>Requirements</a:t>
+            </a:r>
+          </a:p>
+          <a:p>
+            <a:pPr lvl="1"/>
+            <a:r>
+              <a:rPr lang="en-SG" sz="2000" dirty="0"/>
+              <a:t>Use another compiler in the verification process</a:t>
+            </a:r>
+          </a:p>
+          <a:p>
+            <a:pPr lvl="1"/>
+            <a:r>
+              <a:rPr lang="en-SG" sz="2000" dirty="0"/>
+              <a:t>≥2 compilers, one of which is under test</a:t>
+            </a:r>
+          </a:p>
+          <a:p>
+            <a:pPr lvl="1"/>
+            <a:r>
+              <a:rPr lang="en-SG" sz="2000" dirty="0"/>
+              <a:t>Source code of compiler under test needs to be available</a:t>
+            </a:r>
+          </a:p>
+          <a:p>
+            <a:pPr marL="0" indent="0">
+              <a:buNone/>
+            </a:pPr>
+            <a:endParaRPr lang="en-SG" dirty="0"/>
+          </a:p>
+        </p:txBody>
+      </p:sp>
+      <p:sp>
+        <p:nvSpPr>
+          <p:cNvPr id="4" name="Slide Number Placeholder 3"/>
+          <p:cNvSpPr>
+            <a:spLocks noGrp="1"/>
+          </p:cNvSpPr>
+          <p:nvPr>
+            <p:ph type="sldNum" sz="quarter" idx="12"/>
+          </p:nvPr>
+        </p:nvSpPr>
+        <p:spPr/>
+        <p:txBody>
+          <a:bodyPr/>
+          <a:lstStyle/>
+          <a:p>
+            <a:fld id="{9705DC4D-6496-4D9B-AA35-AB22DFE8A2F2}" type="slidenum">
+              <a:rPr lang="en-SG" smtClean="0"/>
+              <a:t>29</a:t>
             </a:fld>
             <a:endParaRPr lang="en-SG"/>
           </a:p>
@@ -12540,7 +12340,7 @@
 </p:sld>
 </file>
 
-<file path=ppt/slides/slide29.xml><?xml version="1.0" encoding="utf-8"?>
+<file path=ppt/slides/slide3.xml><?xml version="1.0" encoding="utf-8"?>
 <p:sld xmlns:a="http://schemas.openxmlformats.org/drawingml/2006/main" xmlns:r="http://schemas.openxmlformats.org/officeDocument/2006/relationships" xmlns:p="http://schemas.openxmlformats.org/presentationml/2006/main">
   <p:cSld>
     <p:spTree>
@@ -12559,6 +12359,133 @@
       </p:grpSpPr>
       <p:sp>
         <p:nvSpPr>
+          <p:cNvPr id="3" name="Content Placeholder 2"/>
+          <p:cNvSpPr>
+            <a:spLocks noGrp="1"/>
+          </p:cNvSpPr>
+          <p:nvPr>
+            <p:ph idx="1"/>
+          </p:nvPr>
+        </p:nvSpPr>
+        <p:spPr>
+          <a:xfrm>
+            <a:off x="628650" y="950414"/>
+            <a:ext cx="7886700" cy="3935095"/>
+          </a:xfrm>
+        </p:spPr>
+        <p:txBody>
+          <a:bodyPr>
+            <a:normAutofit/>
+          </a:bodyPr>
+          <a:lstStyle/>
+          <a:p>
+            <a:pPr marL="0" indent="0">
+              <a:buNone/>
+            </a:pPr>
+            <a:r>
+              <a:rPr lang="en-US" u="sng" dirty="0"/>
+              <a:t>Opening Statement</a:t>
+            </a:r>
+          </a:p>
+          <a:p>
+            <a:pPr marL="0" indent="0">
+              <a:buNone/>
+            </a:pPr>
+            <a:endParaRPr lang="en-US" sz="2000" i="1" dirty="0"/>
+          </a:p>
+          <a:p>
+            <a:pPr marL="0" indent="0">
+              <a:buNone/>
+            </a:pPr>
+            <a:r>
+              <a:rPr lang="en-US" sz="2000" i="1" dirty="0"/>
+              <a:t>“To what extent should one trust a statement that a program is free of Trojan horses? </a:t>
+            </a:r>
+          </a:p>
+          <a:p>
+            <a:pPr marL="0" indent="0">
+              <a:buNone/>
+            </a:pPr>
+            <a:endParaRPr lang="en-US" sz="2000" i="1" dirty="0"/>
+          </a:p>
+          <a:p>
+            <a:pPr marL="0" indent="0">
+              <a:buNone/>
+            </a:pPr>
+            <a:r>
+              <a:rPr lang="en-US" sz="2000" i="1" dirty="0"/>
+              <a:t>Perhaps it is more important to trust the people who wrote the software.”</a:t>
+            </a:r>
+          </a:p>
+          <a:p>
+            <a:pPr marL="0" indent="0">
+              <a:buNone/>
+            </a:pPr>
+            <a:endParaRPr lang="en-US" i="1" dirty="0"/>
+          </a:p>
+          <a:p>
+            <a:endParaRPr lang="en-US" dirty="0"/>
+          </a:p>
+          <a:p>
+            <a:endParaRPr lang="en-US" dirty="0"/>
+          </a:p>
+        </p:txBody>
+      </p:sp>
+      <p:sp>
+        <p:nvSpPr>
+          <p:cNvPr id="4" name="Slide Number Placeholder 3"/>
+          <p:cNvSpPr>
+            <a:spLocks noGrp="1"/>
+          </p:cNvSpPr>
+          <p:nvPr>
+            <p:ph type="sldNum" sz="quarter" idx="12"/>
+          </p:nvPr>
+        </p:nvSpPr>
+        <p:spPr/>
+        <p:txBody>
+          <a:bodyPr/>
+          <a:lstStyle/>
+          <a:p>
+            <a:fld id="{9705DC4D-6496-4D9B-AA35-AB22DFE8A2F2}" type="slidenum">
+              <a:rPr lang="en-SG" smtClean="0"/>
+              <a:t>3</a:t>
+            </a:fld>
+            <a:endParaRPr lang="en-SG"/>
+          </a:p>
+        </p:txBody>
+      </p:sp>
+    </p:spTree>
+    <p:extLst>
+      <p:ext uri="{BB962C8B-B14F-4D97-AF65-F5344CB8AC3E}">
+        <p14:creationId xmlns:p14="http://schemas.microsoft.com/office/powerpoint/2010/main" val="1596953689"/>
+      </p:ext>
+    </p:extLst>
+  </p:cSld>
+  <p:clrMapOvr>
+    <a:masterClrMapping/>
+  </p:clrMapOvr>
+</p:sld>
+</file>
+
+<file path=ppt/slides/slide30.xml><?xml version="1.0" encoding="utf-8"?>
+<p:sld xmlns:a="http://schemas.openxmlformats.org/drawingml/2006/main" xmlns:r="http://schemas.openxmlformats.org/officeDocument/2006/relationships" xmlns:p="http://schemas.openxmlformats.org/presentationml/2006/main">
+  <p:cSld>
+    <p:spTree>
+      <p:nvGrpSpPr>
+        <p:cNvPr id="1" name=""/>
+        <p:cNvGrpSpPr/>
+        <p:nvPr/>
+      </p:nvGrpSpPr>
+      <p:grpSpPr>
+        <a:xfrm>
+          <a:off x="0" y="0"/>
+          <a:ext cx="0" cy="0"/>
+          <a:chOff x="0" y="0"/>
+          <a:chExt cx="0" cy="0"/>
+        </a:xfrm>
+      </p:grpSpPr>
+      <p:sp>
+        <p:nvSpPr>
           <p:cNvPr id="2" name="Title 1"/>
           <p:cNvSpPr>
             <a:spLocks noGrp="1"/>
@@ -12573,10 +12500,9 @@
           <a:lstStyle/>
           <a:p>
             <a:r>
-              <a:rPr lang="en-SG" dirty="0" smtClean="0"/>
+              <a:rPr lang="en-SG" dirty="0"/>
               <a:t>5b. DDC Process</a:t>
             </a:r>
-            <a:endParaRPr lang="en-SG" dirty="0"/>
           </a:p>
         </p:txBody>
       </p:sp>
@@ -12603,21 +12529,21 @@
           <a:lstStyle/>
           <a:p>
             <a:r>
-              <a:rPr lang="en-SG" dirty="0" smtClean="0"/>
+              <a:rPr lang="en-SG" dirty="0"/>
               <a:t>Assume we are using GCC and Tiny C (</a:t>
             </a:r>
             <a:r>
-              <a:rPr lang="en-SG" dirty="0" err="1" smtClean="0"/>
+              <a:rPr lang="en-SG" dirty="0" err="1"/>
               <a:t>tcc</a:t>
             </a:r>
             <a:r>
-              <a:rPr lang="en-SG" dirty="0" smtClean="0"/>
+              <a:rPr lang="en-SG" dirty="0"/>
               <a:t>) compilers</a:t>
             </a:r>
           </a:p>
           <a:p>
             <a:r>
-              <a:rPr lang="en-SG" dirty="0" smtClean="0"/>
+              <a:rPr lang="en-SG" dirty="0"/>
               <a:t>We suspect GCC is malicious and want to test it</a:t>
             </a:r>
           </a:p>
@@ -12626,13 +12552,13 @@
           </a:p>
           <a:p>
             <a:r>
-              <a:rPr lang="en-SG" dirty="0" smtClean="0"/>
+              <a:rPr lang="en-SG" dirty="0"/>
               <a:t>Compiler-under-test : GCC</a:t>
             </a:r>
           </a:p>
           <a:p>
             <a:r>
-              <a:rPr lang="en-SG" dirty="0" smtClean="0"/>
+              <a:rPr lang="en-SG" dirty="0"/>
               <a:t>Independent-compiler: TCC</a:t>
             </a:r>
           </a:p>
@@ -12642,29 +12568,20 @@
           <a:p>
             <a:r>
               <a:rPr lang="en-SG" dirty="0"/>
-              <a:t>Independent-compiler </a:t>
-            </a:r>
-            <a:r>
-              <a:rPr lang="en-SG" dirty="0" smtClean="0"/>
-              <a:t>can be:</a:t>
+              <a:t>Independent-compiler can be:</a:t>
             </a:r>
           </a:p>
           <a:p>
             <a:pPr lvl="1"/>
             <a:r>
-              <a:rPr lang="en-SG" dirty="0" smtClean="0"/>
-              <a:t>Small: just </a:t>
-            </a:r>
-            <a:r>
               <a:rPr lang="en-SG" dirty="0"/>
-              <a:t>enough code to compile compiler-under-test</a:t>
-            </a:r>
-            <a:endParaRPr lang="en-SG" dirty="0" smtClean="0"/>
+              <a:t>Small: just enough code to compile compiler-under-test</a:t>
+            </a:r>
           </a:p>
           <a:p>
             <a:pPr lvl="1"/>
             <a:r>
-              <a:rPr lang="en-SG" dirty="0" smtClean="0"/>
+              <a:rPr lang="en-SG" dirty="0"/>
               <a:t>Inefficient</a:t>
             </a:r>
           </a:p>
@@ -12691,7 +12608,7 @@
           <a:p>
             <a:fld id="{9705DC4D-6496-4D9B-AA35-AB22DFE8A2F2}" type="slidenum">
               <a:rPr lang="en-SG" smtClean="0"/>
-              <a:t>29</a:t>
+              <a:t>30</a:t>
             </a:fld>
             <a:endParaRPr lang="en-SG"/>
           </a:p>
@@ -13095,7 +13012,7 @@
 </p:sld>
 </file>
 
-<file path=ppt/slides/slide3.xml><?xml version="1.0" encoding="utf-8"?>
+<file path=ppt/slides/slide31.xml><?xml version="1.0" encoding="utf-8"?>
 <p:sld xmlns:a="http://schemas.openxmlformats.org/drawingml/2006/main" xmlns:r="http://schemas.openxmlformats.org/officeDocument/2006/relationships" xmlns:p="http://schemas.openxmlformats.org/presentationml/2006/main">
   <p:cSld>
     <p:spTree>
@@ -13114,95 +13031,30 @@
       </p:grpSpPr>
       <p:sp>
         <p:nvSpPr>
-          <p:cNvPr id="3" name="Content Placeholder 2"/>
+          <p:cNvPr id="2" name="Title 1"/>
           <p:cNvSpPr>
             <a:spLocks noGrp="1"/>
           </p:cNvSpPr>
           <p:nvPr>
-            <p:ph idx="1"/>
+            <p:ph type="title"/>
           </p:nvPr>
         </p:nvSpPr>
         <p:spPr>
           <a:xfrm>
-            <a:off x="628650" y="950414"/>
-            <a:ext cx="7886700" cy="3935095"/>
+            <a:off x="567690" y="124595"/>
+            <a:ext cx="7886700" cy="667886"/>
           </a:xfrm>
         </p:spPr>
         <p:txBody>
           <a:bodyPr>
-            <a:normAutofit/>
+            <a:normAutofit fontScale="90000"/>
           </a:bodyPr>
           <a:lstStyle/>
           <a:p>
-            <a:pPr marL="0" indent="0">
-              <a:buNone/>
-            </a:pPr>
-            <a:r>
-              <a:rPr lang="en-US" u="sng" dirty="0" smtClean="0"/>
-              <a:t>Opening Statement</a:t>
-            </a:r>
-          </a:p>
-          <a:p>
-            <a:pPr marL="0" indent="0">
-              <a:buNone/>
-            </a:pPr>
-            <a:endParaRPr lang="en-US" sz="2000" i="1" dirty="0" smtClean="0"/>
-          </a:p>
-          <a:p>
-            <a:pPr marL="0" indent="0">
-              <a:buNone/>
-            </a:pPr>
-            <a:r>
-              <a:rPr lang="en-US" sz="2000" i="1" dirty="0" smtClean="0"/>
-              <a:t>“To </a:t>
-            </a:r>
-            <a:r>
-              <a:rPr lang="en-US" sz="2000" i="1" dirty="0"/>
-              <a:t>what extent should one trust a statement that a program is free of </a:t>
-            </a:r>
-            <a:r>
-              <a:rPr lang="en-US" sz="2000" i="1" dirty="0" smtClean="0"/>
-              <a:t>Trojan horses</a:t>
-            </a:r>
-            <a:r>
-              <a:rPr lang="en-US" sz="2000" i="1" dirty="0"/>
-              <a:t>? </a:t>
-            </a:r>
-          </a:p>
-          <a:p>
-            <a:pPr marL="0" indent="0">
-              <a:buNone/>
-            </a:pPr>
-            <a:endParaRPr lang="en-US" sz="2000" i="1" dirty="0"/>
-          </a:p>
-          <a:p>
-            <a:pPr marL="0" indent="0">
-              <a:buNone/>
-            </a:pPr>
-            <a:r>
-              <a:rPr lang="en-US" sz="2000" i="1" dirty="0" smtClean="0"/>
-              <a:t>Perhaps </a:t>
-            </a:r>
-            <a:r>
-              <a:rPr lang="en-US" sz="2000" i="1" dirty="0"/>
-              <a:t>it is more important to trust the people who wrote </a:t>
-            </a:r>
-            <a:r>
-              <a:rPr lang="en-US" sz="2000" i="1" dirty="0" smtClean="0"/>
-              <a:t>the software.”</a:t>
-            </a:r>
-          </a:p>
-          <a:p>
-            <a:pPr marL="0" indent="0">
-              <a:buNone/>
-            </a:pPr>
-            <a:endParaRPr lang="en-US" i="1" dirty="0"/>
-          </a:p>
-          <a:p>
-            <a:endParaRPr lang="en-US" dirty="0" smtClean="0"/>
-          </a:p>
-          <a:p>
-            <a:endParaRPr lang="en-US" dirty="0"/>
+            <a:r>
+              <a:rPr lang="en-SG" dirty="0"/>
+              <a:t>5c. DDC Process</a:t>
+            </a:r>
           </a:p>
         </p:txBody>
       </p:sp>
@@ -13223,90 +13075,7 @@
           <a:p>
             <a:fld id="{9705DC4D-6496-4D9B-AA35-AB22DFE8A2F2}" type="slidenum">
               <a:rPr lang="en-SG" smtClean="0"/>
-              <a:t>3</a:t>
-            </a:fld>
-            <a:endParaRPr lang="en-SG"/>
-          </a:p>
-        </p:txBody>
-      </p:sp>
-    </p:spTree>
-    <p:extLst>
-      <p:ext uri="{BB962C8B-B14F-4D97-AF65-F5344CB8AC3E}">
-        <p14:creationId xmlns:p14="http://schemas.microsoft.com/office/powerpoint/2010/main" val="1596953689"/>
-      </p:ext>
-    </p:extLst>
-  </p:cSld>
-  <p:clrMapOvr>
-    <a:masterClrMapping/>
-  </p:clrMapOvr>
-</p:sld>
-</file>
-
-<file path=ppt/slides/slide30.xml><?xml version="1.0" encoding="utf-8"?>
-<p:sld xmlns:a="http://schemas.openxmlformats.org/drawingml/2006/main" xmlns:r="http://schemas.openxmlformats.org/officeDocument/2006/relationships" xmlns:p="http://schemas.openxmlformats.org/presentationml/2006/main">
-  <p:cSld>
-    <p:spTree>
-      <p:nvGrpSpPr>
-        <p:cNvPr id="1" name=""/>
-        <p:cNvGrpSpPr/>
-        <p:nvPr/>
-      </p:nvGrpSpPr>
-      <p:grpSpPr>
-        <a:xfrm>
-          <a:off x="0" y="0"/>
-          <a:ext cx="0" cy="0"/>
-          <a:chOff x="0" y="0"/>
-          <a:chExt cx="0" cy="0"/>
-        </a:xfrm>
-      </p:grpSpPr>
-      <p:sp>
-        <p:nvSpPr>
-          <p:cNvPr id="2" name="Title 1"/>
-          <p:cNvSpPr>
-            <a:spLocks noGrp="1"/>
-          </p:cNvSpPr>
-          <p:nvPr>
-            <p:ph type="title"/>
-          </p:nvPr>
-        </p:nvSpPr>
-        <p:spPr>
-          <a:xfrm>
-            <a:off x="567690" y="124595"/>
-            <a:ext cx="7886700" cy="667886"/>
-          </a:xfrm>
-        </p:spPr>
-        <p:txBody>
-          <a:bodyPr>
-            <a:normAutofit fontScale="90000"/>
-          </a:bodyPr>
-          <a:lstStyle/>
-          <a:p>
-            <a:r>
-              <a:rPr lang="en-SG" dirty="0" smtClean="0"/>
-              <a:t>5c. DDC Process</a:t>
-            </a:r>
-            <a:endParaRPr lang="en-SG" dirty="0"/>
-          </a:p>
-        </p:txBody>
-      </p:sp>
-      <p:sp>
-        <p:nvSpPr>
-          <p:cNvPr id="4" name="Slide Number Placeholder 3"/>
-          <p:cNvSpPr>
-            <a:spLocks noGrp="1"/>
-          </p:cNvSpPr>
-          <p:nvPr>
-            <p:ph type="sldNum" sz="quarter" idx="12"/>
-          </p:nvPr>
-        </p:nvSpPr>
-        <p:spPr/>
-        <p:txBody>
-          <a:bodyPr/>
-          <a:lstStyle/>
-          <a:p>
-            <a:fld id="{9705DC4D-6496-4D9B-AA35-AB22DFE8A2F2}" type="slidenum">
-              <a:rPr lang="en-SG" smtClean="0"/>
-              <a:t>30</a:t>
+              <a:t>31</a:t>
             </a:fld>
             <a:endParaRPr lang="en-SG"/>
           </a:p>
@@ -13352,10 +13121,9 @@
           <a:p>
             <a:pPr algn="ctr"/>
             <a:r>
-              <a:rPr lang="en-SG" dirty="0" smtClean="0"/>
+              <a:rPr lang="en-SG" dirty="0"/>
               <a:t>GCC</a:t>
             </a:r>
-            <a:endParaRPr lang="en-SG" dirty="0"/>
           </a:p>
         </p:txBody>
       </p:sp>
@@ -13400,13 +13168,8 @@
             <a:pPr algn="ctr"/>
             <a:r>
               <a:rPr lang="en-SG" dirty="0"/>
-              <a:t>T</a:t>
-            </a:r>
-            <a:r>
-              <a:rPr lang="en-SG" dirty="0" smtClean="0"/>
-              <a:t>CC</a:t>
-            </a:r>
-            <a:endParaRPr lang="en-SG" dirty="0"/>
+              <a:t>TCC</a:t>
+            </a:r>
           </a:p>
         </p:txBody>
       </p:sp>
@@ -13473,11 +13236,11 @@
           <a:lstStyle/>
           <a:p>
             <a:r>
-              <a:rPr lang="en-SG" dirty="0" err="1" smtClean="0"/>
+              <a:rPr lang="en-SG" dirty="0" err="1"/>
               <a:t>Source</a:t>
             </a:r>
             <a:r>
-              <a:rPr lang="en-SG" baseline="-25000" dirty="0" err="1" smtClean="0"/>
+              <a:rPr lang="en-SG" baseline="-25000" dirty="0" err="1"/>
               <a:t>GCC</a:t>
             </a:r>
             <a:endParaRPr lang="en-SG" baseline="-25000" dirty="0"/>
@@ -13547,11 +13310,11 @@
           <a:lstStyle/>
           <a:p>
             <a:r>
-              <a:rPr lang="en-SG" dirty="0" err="1" smtClean="0"/>
+              <a:rPr lang="en-SG" dirty="0" err="1"/>
               <a:t>Source</a:t>
             </a:r>
             <a:r>
-              <a:rPr lang="en-SG" baseline="-25000" dirty="0" err="1" smtClean="0"/>
+              <a:rPr lang="en-SG" baseline="-25000" dirty="0" err="1"/>
               <a:t>GCC</a:t>
             </a:r>
             <a:endParaRPr lang="en-SG" baseline="-25000" dirty="0"/>
@@ -13678,10 +13441,9 @@
           <a:p>
             <a:pPr algn="ctr"/>
             <a:r>
-              <a:rPr lang="en-SG" dirty="0" smtClean="0"/>
+              <a:rPr lang="en-SG" dirty="0"/>
               <a:t>GCC (c. GCC)</a:t>
             </a:r>
-            <a:endParaRPr lang="en-SG" dirty="0"/>
           </a:p>
         </p:txBody>
       </p:sp>
@@ -13725,10 +13487,9 @@
           <a:p>
             <a:pPr algn="ctr"/>
             <a:r>
-              <a:rPr lang="en-SG" dirty="0" smtClean="0"/>
+              <a:rPr lang="en-SG" dirty="0"/>
               <a:t>GCC (c. TCC)</a:t>
             </a:r>
-            <a:endParaRPr lang="en-SG" dirty="0"/>
           </a:p>
         </p:txBody>
       </p:sp>
@@ -13772,10 +13533,9 @@
           <a:p>
             <a:pPr algn="ctr"/>
             <a:r>
-              <a:rPr lang="en-SG" sz="1200" dirty="0" smtClean="0"/>
+              <a:rPr lang="en-SG" sz="1200" dirty="0"/>
               <a:t>GCC (c. GCC,  c. GCC)</a:t>
             </a:r>
-            <a:endParaRPr lang="en-SG" sz="1200" dirty="0"/>
           </a:p>
         </p:txBody>
       </p:sp>
@@ -13842,11 +13602,11 @@
           <a:lstStyle/>
           <a:p>
             <a:r>
-              <a:rPr lang="en-SG" dirty="0" err="1" smtClean="0"/>
+              <a:rPr lang="en-SG" dirty="0" err="1"/>
               <a:t>Source</a:t>
             </a:r>
             <a:r>
-              <a:rPr lang="en-SG" baseline="-25000" dirty="0" err="1" smtClean="0"/>
+              <a:rPr lang="en-SG" baseline="-25000" dirty="0" err="1"/>
               <a:t>GCC</a:t>
             </a:r>
             <a:endParaRPr lang="en-SG" baseline="-25000" dirty="0"/>
@@ -13930,10 +13690,9 @@
           <a:p>
             <a:pPr algn="ctr"/>
             <a:r>
-              <a:rPr lang="en-SG" sz="1200" dirty="0" smtClean="0"/>
+              <a:rPr lang="en-SG" sz="1200" dirty="0"/>
               <a:t>Self-regeneration test (Control)</a:t>
             </a:r>
-            <a:endParaRPr lang="en-SG" sz="1200" dirty="0"/>
           </a:p>
         </p:txBody>
       </p:sp>
@@ -14043,10 +13802,9 @@
           <a:p>
             <a:pPr algn="ctr"/>
             <a:r>
-              <a:rPr lang="en-SG" sz="1200" dirty="0" smtClean="0"/>
+              <a:rPr lang="en-SG" sz="1200" dirty="0"/>
               <a:t>GCC (c. GCC, c. TCC)</a:t>
             </a:r>
-            <a:endParaRPr lang="en-SG" sz="1200" dirty="0"/>
           </a:p>
         </p:txBody>
       </p:sp>
@@ -14153,11 +13911,11 @@
           <a:lstStyle/>
           <a:p>
             <a:r>
-              <a:rPr lang="en-SG" dirty="0" err="1" smtClean="0"/>
+              <a:rPr lang="en-SG" dirty="0" err="1"/>
               <a:t>Source</a:t>
             </a:r>
             <a:r>
-              <a:rPr lang="en-SG" baseline="-25000" dirty="0" err="1" smtClean="0"/>
+              <a:rPr lang="en-SG" baseline="-25000" dirty="0" err="1"/>
               <a:t>GCC</a:t>
             </a:r>
             <a:endParaRPr lang="en-SG" baseline="-25000" dirty="0"/>
@@ -14202,18 +13960,13 @@
           <a:p>
             <a:pPr algn="ctr"/>
             <a:r>
-              <a:rPr lang="en-SG" dirty="0" smtClean="0">
+              <a:rPr lang="en-SG" dirty="0">
                 <a:solidFill>
                   <a:schemeClr val="tx1"/>
                 </a:solidFill>
               </a:rPr>
               <a:t>Should be identical</a:t>
             </a:r>
-            <a:endParaRPr lang="en-SG" dirty="0">
-              <a:solidFill>
-                <a:schemeClr val="tx1"/>
-              </a:solidFill>
-            </a:endParaRPr>
           </a:p>
         </p:txBody>
       </p:sp>
@@ -14319,17 +14072,15 @@
           <a:lstStyle/>
           <a:p>
             <a:r>
-              <a:rPr lang="en-SG" dirty="0" smtClean="0"/>
+              <a:rPr lang="en-SG" dirty="0"/>
               <a:t>Compiler-under-test:     GCC</a:t>
             </a:r>
-            <a:endParaRPr lang="en-SG" dirty="0"/>
-          </a:p>
-          <a:p>
-            <a:r>
-              <a:rPr lang="en-SG" dirty="0" smtClean="0"/>
+          </a:p>
+          <a:p>
+            <a:r>
+              <a:rPr lang="en-SG" dirty="0"/>
               <a:t>Independent-compiler: TCC</a:t>
             </a:r>
-            <a:endParaRPr lang="en-SG" dirty="0"/>
           </a:p>
         </p:txBody>
       </p:sp>
@@ -15456,132 +15207,6 @@
 </p:sld>
 </file>
 
-<file path=ppt/slides/slide31.xml><?xml version="1.0" encoding="utf-8"?>
-<p:sld xmlns:a="http://schemas.openxmlformats.org/drawingml/2006/main" xmlns:r="http://schemas.openxmlformats.org/officeDocument/2006/relationships" xmlns:p="http://schemas.openxmlformats.org/presentationml/2006/main">
-  <p:cSld>
-    <p:spTree>
-      <p:nvGrpSpPr>
-        <p:cNvPr id="1" name=""/>
-        <p:cNvGrpSpPr/>
-        <p:nvPr/>
-      </p:nvGrpSpPr>
-      <p:grpSpPr>
-        <a:xfrm>
-          <a:off x="0" y="0"/>
-          <a:ext cx="0" cy="0"/>
-          <a:chOff x="0" y="0"/>
-          <a:chExt cx="0" cy="0"/>
-        </a:xfrm>
-      </p:grpSpPr>
-      <p:sp>
-        <p:nvSpPr>
-          <p:cNvPr id="2" name="Title 1"/>
-          <p:cNvSpPr>
-            <a:spLocks noGrp="1"/>
-          </p:cNvSpPr>
-          <p:nvPr>
-            <p:ph type="title"/>
-          </p:nvPr>
-        </p:nvSpPr>
-        <p:spPr/>
-        <p:txBody>
-          <a:bodyPr/>
-          <a:lstStyle/>
-          <a:p>
-            <a:r>
-              <a:rPr lang="en-SG" dirty="0" smtClean="0"/>
-              <a:t>5c. Why this works?</a:t>
-            </a:r>
-            <a:endParaRPr lang="en-SG" dirty="0"/>
-          </a:p>
-        </p:txBody>
-      </p:sp>
-      <p:sp>
-        <p:nvSpPr>
-          <p:cNvPr id="3" name="Content Placeholder 2"/>
-          <p:cNvSpPr>
-            <a:spLocks noGrp="1"/>
-          </p:cNvSpPr>
-          <p:nvPr>
-            <p:ph idx="1"/>
-          </p:nvPr>
-        </p:nvSpPr>
-        <p:spPr>
-          <a:xfrm>
-            <a:off x="373380" y="1825625"/>
-            <a:ext cx="8141970" cy="4351338"/>
-          </a:xfrm>
-        </p:spPr>
-        <p:txBody>
-          <a:bodyPr>
-            <a:normAutofit/>
-          </a:bodyPr>
-          <a:lstStyle/>
-          <a:p>
-            <a:r>
-              <a:rPr lang="en-SG" sz="2000" dirty="0"/>
-              <a:t>TCC can be malicious but </a:t>
-            </a:r>
-            <a:r>
-              <a:rPr lang="en-SG" sz="2000" dirty="0" smtClean="0"/>
-              <a:t>unlikely to be malicious </a:t>
-            </a:r>
-            <a:r>
-              <a:rPr lang="en-SG" sz="2000" dirty="0"/>
-              <a:t>in a way that affects GCC</a:t>
-            </a:r>
-          </a:p>
-          <a:p>
-            <a:r>
-              <a:rPr lang="en-SG" sz="2000" dirty="0" smtClean="0"/>
-              <a:t>Hacker must compromise both GCC and TCC in the same way.</a:t>
-            </a:r>
-          </a:p>
-          <a:p>
-            <a:r>
-              <a:rPr lang="en-SG" sz="2000" dirty="0" smtClean="0"/>
-              <a:t>Easier to review smaller verifying-compiler source code</a:t>
-            </a:r>
-            <a:endParaRPr lang="en-SG" sz="2000" dirty="0"/>
-          </a:p>
-        </p:txBody>
-      </p:sp>
-      <p:sp>
-        <p:nvSpPr>
-          <p:cNvPr id="4" name="Slide Number Placeholder 3"/>
-          <p:cNvSpPr>
-            <a:spLocks noGrp="1"/>
-          </p:cNvSpPr>
-          <p:nvPr>
-            <p:ph type="sldNum" sz="quarter" idx="12"/>
-          </p:nvPr>
-        </p:nvSpPr>
-        <p:spPr/>
-        <p:txBody>
-          <a:bodyPr/>
-          <a:lstStyle/>
-          <a:p>
-            <a:fld id="{9705DC4D-6496-4D9B-AA35-AB22DFE8A2F2}" type="slidenum">
-              <a:rPr lang="en-SG" smtClean="0"/>
-              <a:t>31</a:t>
-            </a:fld>
-            <a:endParaRPr lang="en-SG"/>
-          </a:p>
-        </p:txBody>
-      </p:sp>
-    </p:spTree>
-    <p:extLst>
-      <p:ext uri="{BB962C8B-B14F-4D97-AF65-F5344CB8AC3E}">
-        <p14:creationId xmlns:p14="http://schemas.microsoft.com/office/powerpoint/2010/main" val="1753056077"/>
-      </p:ext>
-    </p:extLst>
-  </p:cSld>
-  <p:clrMapOvr>
-    <a:masterClrMapping/>
-  </p:clrMapOvr>
-</p:sld>
-</file>
-
 <file path=ppt/slides/slide32.xml><?xml version="1.0" encoding="utf-8"?>
 <p:sld xmlns:a="http://schemas.openxmlformats.org/drawingml/2006/main" xmlns:r="http://schemas.openxmlformats.org/officeDocument/2006/relationships" xmlns:p="http://schemas.openxmlformats.org/presentationml/2006/main">
   <p:cSld>
@@ -15609,23 +15234,56 @@
             <p:ph type="title"/>
           </p:nvPr>
         </p:nvSpPr>
+        <p:spPr/>
+        <p:txBody>
+          <a:bodyPr/>
+          <a:lstStyle/>
+          <a:p>
+            <a:r>
+              <a:rPr lang="en-SG" dirty="0"/>
+              <a:t>5c. Why this works?</a:t>
+            </a:r>
+          </a:p>
+        </p:txBody>
+      </p:sp>
+      <p:sp>
+        <p:nvSpPr>
+          <p:cNvPr id="3" name="Content Placeholder 2"/>
+          <p:cNvSpPr>
+            <a:spLocks noGrp="1"/>
+          </p:cNvSpPr>
+          <p:nvPr>
+            <p:ph idx="1"/>
+          </p:nvPr>
+        </p:nvSpPr>
         <p:spPr>
           <a:xfrm>
-            <a:off x="567690" y="124595"/>
-            <a:ext cx="7886700" cy="667886"/>
+            <a:off x="373380" y="1825625"/>
+            <a:ext cx="8141970" cy="4351338"/>
           </a:xfrm>
         </p:spPr>
         <p:txBody>
           <a:bodyPr>
-            <a:normAutofit fontScale="90000"/>
+            <a:normAutofit/>
           </a:bodyPr>
           <a:lstStyle/>
           <a:p>
             <a:r>
-              <a:rPr lang="en-SG" dirty="0" smtClean="0"/>
-              <a:t>5d. DDC Scaling</a:t>
-            </a:r>
-            <a:endParaRPr lang="en-SG" dirty="0"/>
+              <a:rPr lang="en-SG" sz="2000" dirty="0"/>
+              <a:t>TCC can be malicious but unlikely to be malicious in a way that affects GCC</a:t>
+            </a:r>
+          </a:p>
+          <a:p>
+            <a:r>
+              <a:rPr lang="en-SG" sz="2000" dirty="0"/>
+              <a:t>Hacker must compromise both GCC and TCC in the same way.</a:t>
+            </a:r>
+          </a:p>
+          <a:p>
+            <a:r>
+              <a:rPr lang="en-SG" sz="2000" dirty="0"/>
+              <a:t>Easier to review smaller verifying-compiler source code</a:t>
+            </a:r>
           </a:p>
         </p:txBody>
       </p:sp>
@@ -15647,6 +15305,88 @@
             <a:fld id="{9705DC4D-6496-4D9B-AA35-AB22DFE8A2F2}" type="slidenum">
               <a:rPr lang="en-SG" smtClean="0"/>
               <a:t>32</a:t>
+            </a:fld>
+            <a:endParaRPr lang="en-SG"/>
+          </a:p>
+        </p:txBody>
+      </p:sp>
+    </p:spTree>
+    <p:extLst>
+      <p:ext uri="{BB962C8B-B14F-4D97-AF65-F5344CB8AC3E}">
+        <p14:creationId xmlns:p14="http://schemas.microsoft.com/office/powerpoint/2010/main" val="1753056077"/>
+      </p:ext>
+    </p:extLst>
+  </p:cSld>
+  <p:clrMapOvr>
+    <a:masterClrMapping/>
+  </p:clrMapOvr>
+</p:sld>
+</file>
+
+<file path=ppt/slides/slide33.xml><?xml version="1.0" encoding="utf-8"?>
+<p:sld xmlns:a="http://schemas.openxmlformats.org/drawingml/2006/main" xmlns:r="http://schemas.openxmlformats.org/officeDocument/2006/relationships" xmlns:p="http://schemas.openxmlformats.org/presentationml/2006/main">
+  <p:cSld>
+    <p:spTree>
+      <p:nvGrpSpPr>
+        <p:cNvPr id="1" name=""/>
+        <p:cNvGrpSpPr/>
+        <p:nvPr/>
+      </p:nvGrpSpPr>
+      <p:grpSpPr>
+        <a:xfrm>
+          <a:off x="0" y="0"/>
+          <a:ext cx="0" cy="0"/>
+          <a:chOff x="0" y="0"/>
+          <a:chExt cx="0" cy="0"/>
+        </a:xfrm>
+      </p:grpSpPr>
+      <p:sp>
+        <p:nvSpPr>
+          <p:cNvPr id="2" name="Title 1"/>
+          <p:cNvSpPr>
+            <a:spLocks noGrp="1"/>
+          </p:cNvSpPr>
+          <p:nvPr>
+            <p:ph type="title"/>
+          </p:nvPr>
+        </p:nvSpPr>
+        <p:spPr>
+          <a:xfrm>
+            <a:off x="567690" y="124595"/>
+            <a:ext cx="7886700" cy="667886"/>
+          </a:xfrm>
+        </p:spPr>
+        <p:txBody>
+          <a:bodyPr>
+            <a:normAutofit fontScale="90000"/>
+          </a:bodyPr>
+          <a:lstStyle/>
+          <a:p>
+            <a:r>
+              <a:rPr lang="en-SG" dirty="0"/>
+              <a:t>5d. DDC Scaling</a:t>
+            </a:r>
+          </a:p>
+        </p:txBody>
+      </p:sp>
+      <p:sp>
+        <p:nvSpPr>
+          <p:cNvPr id="4" name="Slide Number Placeholder 3"/>
+          <p:cNvSpPr>
+            <a:spLocks noGrp="1"/>
+          </p:cNvSpPr>
+          <p:nvPr>
+            <p:ph type="sldNum" sz="quarter" idx="12"/>
+          </p:nvPr>
+        </p:nvSpPr>
+        <p:spPr/>
+        <p:txBody>
+          <a:bodyPr/>
+          <a:lstStyle/>
+          <a:p>
+            <a:fld id="{9705DC4D-6496-4D9B-AA35-AB22DFE8A2F2}" type="slidenum">
+              <a:rPr lang="en-SG" smtClean="0"/>
+              <a:t>33</a:t>
             </a:fld>
             <a:endParaRPr lang="en-SG"/>
           </a:p>
@@ -15692,10 +15432,9 @@
           <a:p>
             <a:pPr algn="ctr"/>
             <a:r>
-              <a:rPr lang="en-SG" dirty="0" smtClean="0"/>
+              <a:rPr lang="en-SG" dirty="0"/>
               <a:t>GCC</a:t>
             </a:r>
-            <a:endParaRPr lang="en-SG" dirty="0"/>
           </a:p>
         </p:txBody>
       </p:sp>
@@ -15739,10 +15478,9 @@
           <a:p>
             <a:pPr algn="ctr"/>
             <a:r>
-              <a:rPr lang="en-SG" dirty="0" smtClean="0"/>
+              <a:rPr lang="en-SG" dirty="0"/>
               <a:t>Intel</a:t>
             </a:r>
-            <a:endParaRPr lang="en-SG" dirty="0"/>
           </a:p>
         </p:txBody>
       </p:sp>
@@ -15809,11 +15547,11 @@
           <a:lstStyle/>
           <a:p>
             <a:r>
-              <a:rPr lang="en-SG" dirty="0" err="1" smtClean="0"/>
+              <a:rPr lang="en-SG" dirty="0" err="1"/>
               <a:t>Source</a:t>
             </a:r>
             <a:r>
-              <a:rPr lang="en-SG" baseline="-25000" dirty="0" err="1" smtClean="0"/>
+              <a:rPr lang="en-SG" baseline="-25000" dirty="0" err="1"/>
               <a:t>GCC</a:t>
             </a:r>
             <a:endParaRPr lang="en-SG" baseline="-25000" dirty="0"/>
@@ -15940,10 +15678,9 @@
           <a:p>
             <a:pPr algn="ctr"/>
             <a:r>
-              <a:rPr lang="en-SG" dirty="0" smtClean="0"/>
+              <a:rPr lang="en-SG" dirty="0"/>
               <a:t>GCC (c. GCC)</a:t>
             </a:r>
-            <a:endParaRPr lang="en-SG" dirty="0"/>
           </a:p>
         </p:txBody>
       </p:sp>
@@ -15987,10 +15724,9 @@
           <a:p>
             <a:pPr algn="ctr"/>
             <a:r>
-              <a:rPr lang="en-SG" dirty="0" smtClean="0"/>
+              <a:rPr lang="en-SG" dirty="0"/>
               <a:t>GCC (c. Intel)</a:t>
             </a:r>
-            <a:endParaRPr lang="en-SG" dirty="0"/>
           </a:p>
         </p:txBody>
       </p:sp>
@@ -16034,10 +15770,9 @@
           <a:p>
             <a:pPr algn="ctr"/>
             <a:r>
-              <a:rPr lang="en-SG" sz="1200" dirty="0" smtClean="0"/>
+              <a:rPr lang="en-SG" sz="1200" dirty="0"/>
               <a:t>GCC (c. GCC,  c. GCC)</a:t>
             </a:r>
-            <a:endParaRPr lang="en-SG" sz="1200" dirty="0"/>
           </a:p>
         </p:txBody>
       </p:sp>
@@ -16104,11 +15839,11 @@
           <a:lstStyle/>
           <a:p>
             <a:r>
-              <a:rPr lang="en-SG" dirty="0" err="1" smtClean="0"/>
+              <a:rPr lang="en-SG" dirty="0" err="1"/>
               <a:t>Source</a:t>
             </a:r>
             <a:r>
-              <a:rPr lang="en-SG" baseline="-25000" dirty="0" err="1" smtClean="0"/>
+              <a:rPr lang="en-SG" baseline="-25000" dirty="0" err="1"/>
               <a:t>GCC</a:t>
             </a:r>
             <a:endParaRPr lang="en-SG" baseline="-25000" dirty="0"/>
@@ -16192,10 +15927,9 @@
           <a:p>
             <a:pPr algn="ctr"/>
             <a:r>
-              <a:rPr lang="en-SG" sz="1200" dirty="0" smtClean="0"/>
+              <a:rPr lang="en-SG" sz="1200" dirty="0"/>
               <a:t>Self-regeneration test (Control)</a:t>
             </a:r>
-            <a:endParaRPr lang="en-SG" sz="1200" dirty="0"/>
           </a:p>
         </p:txBody>
       </p:sp>
@@ -16305,18 +16039,17 @@
           <a:p>
             <a:pPr algn="ctr"/>
             <a:r>
-              <a:rPr lang="en-SG" sz="1200" dirty="0" smtClean="0"/>
+              <a:rPr lang="en-SG" sz="1200" dirty="0"/>
               <a:t>GCC (c. GCC, </a:t>
             </a:r>
             <a:r>
-              <a:rPr lang="en-SG" sz="1200" dirty="0" err="1" smtClean="0"/>
+              <a:rPr lang="en-SG" sz="1200" dirty="0" err="1"/>
               <a:t>c.Intel</a:t>
             </a:r>
             <a:r>
-              <a:rPr lang="en-SG" sz="1200" dirty="0" smtClean="0"/>
+              <a:rPr lang="en-SG" sz="1200" dirty="0"/>
               <a:t>)</a:t>
             </a:r>
-            <a:endParaRPr lang="en-SG" sz="1200" dirty="0"/>
           </a:p>
         </p:txBody>
       </p:sp>
@@ -16398,18 +16131,13 @@
           <a:p>
             <a:pPr algn="ctr"/>
             <a:r>
-              <a:rPr lang="en-SG" dirty="0" smtClean="0">
+              <a:rPr lang="en-SG" dirty="0">
                 <a:solidFill>
                   <a:schemeClr val="tx1"/>
                 </a:solidFill>
               </a:rPr>
               <a:t>Should all be identical</a:t>
             </a:r>
-            <a:endParaRPr lang="en-SG" dirty="0">
-              <a:solidFill>
-                <a:schemeClr val="tx1"/>
-              </a:solidFill>
-            </a:endParaRPr>
           </a:p>
         </p:txBody>
       </p:sp>
@@ -16521,10 +16249,9 @@
           </a:p>
           <a:p>
             <a:r>
-              <a:rPr lang="en-SG" dirty="0" smtClean="0"/>
+              <a:rPr lang="en-SG" dirty="0"/>
               <a:t>Independent-compilers: TCC, Intel</a:t>
             </a:r>
-            <a:endParaRPr lang="en-SG" dirty="0"/>
           </a:p>
         </p:txBody>
       </p:sp>
@@ -16551,21 +16278,21 @@
           <a:lstStyle/>
           <a:p>
             <a:r>
-              <a:rPr lang="en-SG" sz="2000" dirty="0" smtClean="0"/>
+              <a:rPr lang="en-SG" sz="2000" dirty="0"/>
               <a:t>Hacker must compromise GCC, TCC and Intel to be successful</a:t>
             </a:r>
           </a:p>
           <a:p>
             <a:r>
-              <a:rPr lang="en-SG" sz="2000" dirty="0" smtClean="0"/>
+              <a:rPr lang="en-SG" sz="2000" dirty="0"/>
               <a:t>O(n</a:t>
             </a:r>
             <a:r>
-              <a:rPr lang="en-SG" sz="2000" baseline="30000" dirty="0" smtClean="0"/>
+              <a:rPr lang="en-SG" sz="2000" baseline="30000" dirty="0"/>
               <a:t>2</a:t>
             </a:r>
             <a:r>
-              <a:rPr lang="en-SG" sz="2000" dirty="0" smtClean="0"/>
+              <a:rPr lang="en-SG" sz="2000" dirty="0"/>
               <a:t>) problem for hackers, O(n) for defenders</a:t>
             </a:r>
           </a:p>
@@ -16612,13 +16339,8 @@
             <a:pPr algn="ctr"/>
             <a:r>
               <a:rPr lang="en-SG" dirty="0"/>
-              <a:t>T</a:t>
-            </a:r>
-            <a:r>
-              <a:rPr lang="en-SG" dirty="0" smtClean="0"/>
-              <a:t>CC</a:t>
-            </a:r>
-            <a:endParaRPr lang="en-SG" dirty="0"/>
+              <a:t>TCC</a:t>
+            </a:r>
           </a:p>
         </p:txBody>
       </p:sp>
@@ -16702,10 +16424,9 @@
           <a:p>
             <a:pPr algn="ctr"/>
             <a:r>
-              <a:rPr lang="en-SG" dirty="0" smtClean="0"/>
+              <a:rPr lang="en-SG" dirty="0"/>
               <a:t>GCC (c. TCC)</a:t>
             </a:r>
-            <a:endParaRPr lang="en-SG" dirty="0"/>
           </a:p>
         </p:txBody>
       </p:sp>
@@ -16749,10 +16470,9 @@
           <a:p>
             <a:pPr algn="ctr"/>
             <a:r>
-              <a:rPr lang="en-SG" sz="1200" dirty="0" smtClean="0"/>
+              <a:rPr lang="en-SG" sz="1200" dirty="0"/>
               <a:t>GCC (c. GCC, c. TCC)</a:t>
             </a:r>
-            <a:endParaRPr lang="en-SG" sz="1200" dirty="0"/>
           </a:p>
         </p:txBody>
       </p:sp>
@@ -16840,147 +16560,6 @@
     <p:extLst>
       <p:ext uri="{BB962C8B-B14F-4D97-AF65-F5344CB8AC3E}">
         <p14:creationId xmlns:p14="http://schemas.microsoft.com/office/powerpoint/2010/main" val="339429141"/>
-      </p:ext>
-    </p:extLst>
-  </p:cSld>
-  <p:clrMapOvr>
-    <a:masterClrMapping/>
-  </p:clrMapOvr>
-</p:sld>
-</file>
-
-<file path=ppt/slides/slide33.xml><?xml version="1.0" encoding="utf-8"?>
-<p:sld xmlns:a="http://schemas.openxmlformats.org/drawingml/2006/main" xmlns:r="http://schemas.openxmlformats.org/officeDocument/2006/relationships" xmlns:p="http://schemas.openxmlformats.org/presentationml/2006/main">
-  <p:cSld>
-    <p:spTree>
-      <p:nvGrpSpPr>
-        <p:cNvPr id="1" name=""/>
-        <p:cNvGrpSpPr/>
-        <p:nvPr/>
-      </p:nvGrpSpPr>
-      <p:grpSpPr>
-        <a:xfrm>
-          <a:off x="0" y="0"/>
-          <a:ext cx="0" cy="0"/>
-          <a:chOff x="0" y="0"/>
-          <a:chExt cx="0" cy="0"/>
-        </a:xfrm>
-      </p:grpSpPr>
-      <p:sp>
-        <p:nvSpPr>
-          <p:cNvPr id="2" name="Title 1"/>
-          <p:cNvSpPr>
-            <a:spLocks noGrp="1"/>
-          </p:cNvSpPr>
-          <p:nvPr>
-            <p:ph type="title"/>
-          </p:nvPr>
-        </p:nvSpPr>
-        <p:spPr/>
-        <p:txBody>
-          <a:bodyPr/>
-          <a:lstStyle/>
-          <a:p>
-            <a:r>
-              <a:rPr lang="en-SG" dirty="0" smtClean="0"/>
-              <a:t>Critique of DDC</a:t>
-            </a:r>
-            <a:endParaRPr lang="en-SG" dirty="0"/>
-          </a:p>
-        </p:txBody>
-      </p:sp>
-      <p:sp>
-        <p:nvSpPr>
-          <p:cNvPr id="3" name="Content Placeholder 2"/>
-          <p:cNvSpPr>
-            <a:spLocks noGrp="1"/>
-          </p:cNvSpPr>
-          <p:nvPr>
-            <p:ph idx="1"/>
-          </p:nvPr>
-        </p:nvSpPr>
-        <p:spPr/>
-        <p:txBody>
-          <a:bodyPr/>
-          <a:lstStyle/>
-          <a:p>
-            <a:r>
-              <a:rPr lang="en-SG" i="1" dirty="0" smtClean="0"/>
-              <a:t>Critique of Diverse Double-Compiling</a:t>
-            </a:r>
-          </a:p>
-          <a:p>
-            <a:r>
-              <a:rPr lang="en-SG" dirty="0"/>
-              <a:t>20 September 2010</a:t>
-            </a:r>
-          </a:p>
-          <a:p>
-            <a:endParaRPr lang="en-SG" dirty="0" smtClean="0"/>
-          </a:p>
-          <a:p>
-            <a:r>
-              <a:rPr lang="en-SG" dirty="0" smtClean="0"/>
-              <a:t>By: Paul </a:t>
-            </a:r>
-            <a:r>
-              <a:rPr lang="en-SG" dirty="0" err="1" smtClean="0"/>
-              <a:t>Jakma</a:t>
-            </a:r>
-            <a:endParaRPr lang="en-SG" dirty="0" smtClean="0"/>
-          </a:p>
-          <a:p>
-            <a:pPr lvl="1"/>
-            <a:r>
-              <a:rPr lang="en-SG" dirty="0" smtClean="0"/>
-              <a:t>PhD student, University of Glasgow</a:t>
-            </a:r>
-          </a:p>
-          <a:p>
-            <a:endParaRPr lang="en-SG" dirty="0">
-              <a:hlinkClick r:id="rId2"/>
-            </a:endParaRPr>
-          </a:p>
-          <a:p>
-            <a:r>
-              <a:rPr lang="en-SG" sz="2000" dirty="0">
-                <a:hlinkClick r:id="rId2"/>
-              </a:rPr>
-              <a:t>https://pjakma.files.wordpress.com/2010/09/critique-ddc.pdf</a:t>
-            </a:r>
-            <a:endParaRPr lang="en-SG" sz="2000" dirty="0" smtClean="0">
-              <a:hlinkClick r:id="rId3"/>
-            </a:endParaRPr>
-          </a:p>
-        </p:txBody>
-      </p:sp>
-      <p:sp>
-        <p:nvSpPr>
-          <p:cNvPr id="4" name="Slide Number Placeholder 3"/>
-          <p:cNvSpPr>
-            <a:spLocks noGrp="1"/>
-          </p:cNvSpPr>
-          <p:nvPr>
-            <p:ph type="sldNum" sz="quarter" idx="12"/>
-          </p:nvPr>
-        </p:nvSpPr>
-        <p:spPr/>
-        <p:txBody>
-          <a:bodyPr/>
-          <a:lstStyle/>
-          <a:p>
-            <a:fld id="{9705DC4D-6496-4D9B-AA35-AB22DFE8A2F2}" type="slidenum">
-              <a:rPr lang="en-SG" smtClean="0"/>
-              <a:t>33</a:t>
-            </a:fld>
-            <a:endParaRPr lang="en-SG"/>
-          </a:p>
-        </p:txBody>
-      </p:sp>
-    </p:spTree>
-    <p:extLst>
-      <p:ext uri="{BB962C8B-B14F-4D97-AF65-F5344CB8AC3E}">
-        <p14:creationId xmlns:p14="http://schemas.microsoft.com/office/powerpoint/2010/main" val="3604249004"/>
       </p:ext>
     </p:extLst>
   </p:cSld>
@@ -17017,21 +16596,15 @@
             <p:ph type="title"/>
           </p:nvPr>
         </p:nvSpPr>
-        <p:spPr>
-          <a:xfrm>
-            <a:off x="468087" y="223612"/>
-            <a:ext cx="8479970" cy="1325563"/>
-          </a:xfrm>
-        </p:spPr>
+        <p:spPr/>
         <p:txBody>
           <a:bodyPr/>
           <a:lstStyle/>
           <a:p>
             <a:r>
-              <a:rPr lang="en-US" dirty="0" smtClean="0"/>
-              <a:t>6a. Must trust independent compiler</a:t>
-            </a:r>
-            <a:endParaRPr lang="en-US" dirty="0"/>
+              <a:rPr lang="en-SG" dirty="0"/>
+              <a:t>Critique of DDC</a:t>
+            </a:r>
           </a:p>
         </p:txBody>
       </p:sp>
@@ -17047,52 +16620,56 @@
         </p:nvSpPr>
         <p:spPr/>
         <p:txBody>
-          <a:bodyPr>
-            <a:normAutofit fontScale="92500" lnSpcReduction="10000"/>
-          </a:bodyPr>
-          <a:lstStyle/>
-          <a:p>
-            <a:r>
-              <a:rPr lang="en-US" dirty="0"/>
-              <a:t>We just ignore the untrusted compiler </a:t>
-            </a:r>
-            <a:r>
-              <a:rPr lang="en-US" dirty="0" smtClean="0"/>
-              <a:t>binary</a:t>
-            </a:r>
-          </a:p>
-          <a:p>
-            <a:endParaRPr lang="en-US" dirty="0" smtClean="0"/>
-          </a:p>
-          <a:p>
-            <a:endParaRPr lang="en-US" dirty="0"/>
-          </a:p>
-          <a:p>
-            <a:endParaRPr lang="en-US" dirty="0" smtClean="0"/>
-          </a:p>
-          <a:p>
-            <a:r>
-              <a:rPr lang="en-US" dirty="0" smtClean="0"/>
-              <a:t>Just bootstrap compiler-under-test with independent compiler</a:t>
-            </a:r>
-          </a:p>
-          <a:p>
-            <a:endParaRPr lang="en-US" dirty="0"/>
-          </a:p>
-          <a:p>
-            <a:endParaRPr lang="en-US" dirty="0"/>
-          </a:p>
-          <a:p>
-            <a:r>
-              <a:rPr lang="en-US" dirty="0" smtClean="0"/>
-              <a:t>-&gt; Still have to trust independent compiler</a:t>
-            </a:r>
-          </a:p>
-          <a:p>
-            <a:r>
-              <a:rPr lang="en-US" dirty="0" smtClean="0"/>
-              <a:t>-&gt; Thompson is still correct</a:t>
-            </a:r>
+          <a:bodyPr/>
+          <a:lstStyle/>
+          <a:p>
+            <a:r>
+              <a:rPr lang="en-SG" i="1" dirty="0"/>
+              <a:t>Critique of Diverse Double-Compiling</a:t>
+            </a:r>
+          </a:p>
+          <a:p>
+            <a:r>
+              <a:rPr lang="en-SG" dirty="0"/>
+              <a:t>20 September 2010</a:t>
+            </a:r>
+          </a:p>
+          <a:p>
+            <a:endParaRPr lang="en-SG" dirty="0"/>
+          </a:p>
+          <a:p>
+            <a:r>
+              <a:rPr lang="en-SG" dirty="0"/>
+              <a:t>By: Paul </a:t>
+            </a:r>
+            <a:r>
+              <a:rPr lang="en-SG" dirty="0" err="1"/>
+              <a:t>Jakma</a:t>
+            </a:r>
+            <a:endParaRPr lang="en-SG" dirty="0"/>
+          </a:p>
+          <a:p>
+            <a:pPr lvl="1"/>
+            <a:r>
+              <a:rPr lang="en-SG" dirty="0"/>
+              <a:t>PhD student, University of Glasgow</a:t>
+            </a:r>
+          </a:p>
+          <a:p>
+            <a:endParaRPr lang="en-SG" dirty="0">
+              <a:hlinkClick r:id="rId2"/>
+            </a:endParaRPr>
+          </a:p>
+          <a:p>
+            <a:r>
+              <a:rPr lang="en-SG" sz="2000" dirty="0">
+                <a:hlinkClick r:id="rId2"/>
+              </a:rPr>
+              <a:t>https://pjakma.files.wordpress.com/2010/09/critique-ddc.pdf</a:t>
+            </a:r>
+            <a:endParaRPr lang="en-SG" sz="2000" dirty="0">
+              <a:hlinkClick r:id="rId3"/>
+            </a:endParaRPr>
           </a:p>
         </p:txBody>
       </p:sp>
@@ -17114,6 +16691,143 @@
             <a:fld id="{9705DC4D-6496-4D9B-AA35-AB22DFE8A2F2}" type="slidenum">
               <a:rPr lang="en-SG" smtClean="0"/>
               <a:t>34</a:t>
+            </a:fld>
+            <a:endParaRPr lang="en-SG"/>
+          </a:p>
+        </p:txBody>
+      </p:sp>
+    </p:spTree>
+    <p:extLst>
+      <p:ext uri="{BB962C8B-B14F-4D97-AF65-F5344CB8AC3E}">
+        <p14:creationId xmlns:p14="http://schemas.microsoft.com/office/powerpoint/2010/main" val="3604249004"/>
+      </p:ext>
+    </p:extLst>
+  </p:cSld>
+  <p:clrMapOvr>
+    <a:masterClrMapping/>
+  </p:clrMapOvr>
+</p:sld>
+</file>
+
+<file path=ppt/slides/slide35.xml><?xml version="1.0" encoding="utf-8"?>
+<p:sld xmlns:a="http://schemas.openxmlformats.org/drawingml/2006/main" xmlns:r="http://schemas.openxmlformats.org/officeDocument/2006/relationships" xmlns:p="http://schemas.openxmlformats.org/presentationml/2006/main">
+  <p:cSld>
+    <p:spTree>
+      <p:nvGrpSpPr>
+        <p:cNvPr id="1" name=""/>
+        <p:cNvGrpSpPr/>
+        <p:nvPr/>
+      </p:nvGrpSpPr>
+      <p:grpSpPr>
+        <a:xfrm>
+          <a:off x="0" y="0"/>
+          <a:ext cx="0" cy="0"/>
+          <a:chOff x="0" y="0"/>
+          <a:chExt cx="0" cy="0"/>
+        </a:xfrm>
+      </p:grpSpPr>
+      <p:sp>
+        <p:nvSpPr>
+          <p:cNvPr id="2" name="Title 1"/>
+          <p:cNvSpPr>
+            <a:spLocks noGrp="1"/>
+          </p:cNvSpPr>
+          <p:nvPr>
+            <p:ph type="title"/>
+          </p:nvPr>
+        </p:nvSpPr>
+        <p:spPr>
+          <a:xfrm>
+            <a:off x="468087" y="223612"/>
+            <a:ext cx="8479970" cy="1325563"/>
+          </a:xfrm>
+        </p:spPr>
+        <p:txBody>
+          <a:bodyPr/>
+          <a:lstStyle/>
+          <a:p>
+            <a:r>
+              <a:rPr lang="en-US" dirty="0"/>
+              <a:t>6a. Must trust independent compiler</a:t>
+            </a:r>
+          </a:p>
+        </p:txBody>
+      </p:sp>
+      <p:sp>
+        <p:nvSpPr>
+          <p:cNvPr id="3" name="Content Placeholder 2"/>
+          <p:cNvSpPr>
+            <a:spLocks noGrp="1"/>
+          </p:cNvSpPr>
+          <p:nvPr>
+            <p:ph idx="1"/>
+          </p:nvPr>
+        </p:nvSpPr>
+        <p:spPr/>
+        <p:txBody>
+          <a:bodyPr>
+            <a:normAutofit fontScale="92500" lnSpcReduction="10000"/>
+          </a:bodyPr>
+          <a:lstStyle/>
+          <a:p>
+            <a:r>
+              <a:rPr lang="en-US" dirty="0"/>
+              <a:t>We just ignore the untrusted compiler binary</a:t>
+            </a:r>
+          </a:p>
+          <a:p>
+            <a:endParaRPr lang="en-US" dirty="0"/>
+          </a:p>
+          <a:p>
+            <a:endParaRPr lang="en-US" dirty="0"/>
+          </a:p>
+          <a:p>
+            <a:endParaRPr lang="en-US" dirty="0"/>
+          </a:p>
+          <a:p>
+            <a:r>
+              <a:rPr lang="en-US" dirty="0"/>
+              <a:t>Just bootstrap compiler-under-test with independent compiler</a:t>
+            </a:r>
+          </a:p>
+          <a:p>
+            <a:endParaRPr lang="en-US" dirty="0"/>
+          </a:p>
+          <a:p>
+            <a:endParaRPr lang="en-US" dirty="0"/>
+          </a:p>
+          <a:p>
+            <a:r>
+              <a:rPr lang="en-US" dirty="0"/>
+              <a:t>-&gt; Still have to trust independent compiler</a:t>
+            </a:r>
+          </a:p>
+          <a:p>
+            <a:r>
+              <a:rPr lang="en-US" dirty="0"/>
+              <a:t>-&gt; Thompson is still correct</a:t>
+            </a:r>
+          </a:p>
+        </p:txBody>
+      </p:sp>
+      <p:sp>
+        <p:nvSpPr>
+          <p:cNvPr id="4" name="Slide Number Placeholder 3"/>
+          <p:cNvSpPr>
+            <a:spLocks noGrp="1"/>
+          </p:cNvSpPr>
+          <p:nvPr>
+            <p:ph type="sldNum" sz="quarter" idx="12"/>
+          </p:nvPr>
+        </p:nvSpPr>
+        <p:spPr/>
+        <p:txBody>
+          <a:bodyPr/>
+          <a:lstStyle/>
+          <a:p>
+            <a:fld id="{9705DC4D-6496-4D9B-AA35-AB22DFE8A2F2}" type="slidenum">
+              <a:rPr lang="en-SG" smtClean="0"/>
+              <a:t>35</a:t>
             </a:fld>
             <a:endParaRPr lang="en-SG"/>
           </a:p>
@@ -17164,7 +16878,7 @@
           <a:p>
             <a:pPr algn="ctr"/>
             <a:r>
-              <a:rPr lang="en-SG" sz="1400" dirty="0" smtClean="0"/>
+              <a:rPr lang="en-SG" sz="1400" dirty="0"/>
               <a:t>C-Compiler</a:t>
             </a:r>
           </a:p>
@@ -17172,13 +16886,8 @@
             <a:pPr algn="ctr"/>
             <a:r>
               <a:rPr lang="en-SG" sz="1400" dirty="0"/>
-              <a:t>b</a:t>
-            </a:r>
-            <a:r>
-              <a:rPr lang="en-SG" sz="1400" dirty="0" smtClean="0"/>
-              <a:t>ackdoor binary</a:t>
-            </a:r>
-            <a:endParaRPr lang="en-SG" sz="1400" dirty="0"/>
+              <a:t>backdoor binary</a:t>
+            </a:r>
           </a:p>
         </p:txBody>
       </p:sp>
@@ -17604,7 +17313,7 @@
 </p:sld>
 </file>
 
-<file path=ppt/slides/slide35.xml><?xml version="1.0" encoding="utf-8"?>
+<file path=ppt/slides/slide36.xml><?xml version="1.0" encoding="utf-8"?>
 <p:sld xmlns:a="http://schemas.openxmlformats.org/drawingml/2006/main" xmlns:r="http://schemas.openxmlformats.org/officeDocument/2006/relationships" xmlns:p="http://schemas.openxmlformats.org/presentationml/2006/main">
   <p:cSld>
     <p:spTree>
@@ -17642,10 +17351,9 @@
           <a:lstStyle/>
           <a:p>
             <a:r>
-              <a:rPr lang="en-SG" dirty="0" smtClean="0"/>
+              <a:rPr lang="en-SG" dirty="0"/>
               <a:t>6b. Multiple DDC infeasible</a:t>
             </a:r>
-            <a:endParaRPr lang="en-SG" dirty="0"/>
           </a:p>
         </p:txBody>
       </p:sp>
@@ -17672,7 +17380,7 @@
           <a:lstStyle/>
           <a:p>
             <a:r>
-              <a:rPr lang="en-SG" sz="1800" u="sng" dirty="0" smtClean="0"/>
+              <a:rPr lang="en-SG" sz="1800" u="sng" dirty="0"/>
               <a:t>DDC scaling infeasible in practice</a:t>
             </a:r>
           </a:p>
@@ -17687,45 +17395,41 @@
             </a:r>
             <a:r>
               <a:rPr lang="en-SG" sz="1800" dirty="0"/>
-              <a:t> by </a:t>
-            </a:r>
-            <a:r>
-              <a:rPr lang="en-SG" sz="1800" dirty="0" smtClean="0"/>
-              <a:t>others</a:t>
-            </a:r>
-          </a:p>
-          <a:p>
-            <a:r>
-              <a:rPr lang="en-SG" sz="1800" dirty="0" smtClean="0"/>
+              <a:t> by others</a:t>
+            </a:r>
+          </a:p>
+          <a:p>
+            <a:r>
+              <a:rPr lang="en-SG" sz="1800" dirty="0"/>
               <a:t>Time consuming (</a:t>
             </a:r>
             <a:r>
-              <a:rPr lang="en-SG" sz="1800" dirty="0" err="1" smtClean="0"/>
+              <a:rPr lang="en-SG" sz="1800" dirty="0" err="1"/>
               <a:t>eg</a:t>
             </a:r>
             <a:r>
-              <a:rPr lang="en-SG" sz="1800" dirty="0" smtClean="0"/>
+              <a:rPr lang="en-SG" sz="1800" dirty="0"/>
               <a:t>. GCC takes ~2 hours to compile GCC)</a:t>
             </a:r>
           </a:p>
           <a:p>
             <a:r>
-              <a:rPr lang="en-SG" sz="1800" dirty="0" smtClean="0"/>
+              <a:rPr lang="en-SG" sz="1800" dirty="0"/>
               <a:t>O(n) vs O(n</a:t>
             </a:r>
             <a:r>
-              <a:rPr lang="en-SG" sz="1800" baseline="30000" dirty="0" smtClean="0"/>
+              <a:rPr lang="en-SG" sz="1800" baseline="30000" dirty="0"/>
               <a:t>2</a:t>
             </a:r>
             <a:r>
-              <a:rPr lang="en-SG" sz="1800" dirty="0" smtClean="0"/>
+              <a:rPr lang="en-SG" sz="1800" dirty="0"/>
               <a:t>), ”n” is still small. </a:t>
             </a:r>
           </a:p>
           <a:p>
             <a:pPr lvl="1"/>
             <a:r>
-              <a:rPr lang="en-SG" sz="1600" dirty="0" smtClean="0"/>
+              <a:rPr lang="en-SG" sz="1600" dirty="0"/>
               <a:t>Not many C compilers in existence, organisation/nation with large resources can subvert common compilers.</a:t>
             </a:r>
           </a:p>
@@ -17748,7 +17452,7 @@
           <a:p>
             <a:fld id="{9705DC4D-6496-4D9B-AA35-AB22DFE8A2F2}" type="slidenum">
               <a:rPr lang="en-SG" smtClean="0"/>
-              <a:t>35</a:t>
+              <a:t>36</a:t>
             </a:fld>
             <a:endParaRPr lang="en-SG" dirty="0"/>
           </a:p>
@@ -17794,10 +17498,9 @@
           <a:p>
             <a:pPr algn="ctr"/>
             <a:r>
-              <a:rPr lang="en-SG" dirty="0" smtClean="0"/>
+              <a:rPr lang="en-SG" dirty="0"/>
               <a:t>GCC</a:t>
             </a:r>
-            <a:endParaRPr lang="en-SG" dirty="0"/>
           </a:p>
         </p:txBody>
       </p:sp>
@@ -17841,10 +17544,9 @@
           <a:p>
             <a:pPr algn="ctr"/>
             <a:r>
-              <a:rPr lang="en-SG" dirty="0" smtClean="0"/>
+              <a:rPr lang="en-SG" dirty="0"/>
               <a:t>Intel</a:t>
             </a:r>
-            <a:endParaRPr lang="en-SG" dirty="0"/>
           </a:p>
         </p:txBody>
       </p:sp>
@@ -17911,11 +17613,11 @@
           <a:lstStyle/>
           <a:p>
             <a:r>
-              <a:rPr lang="en-SG" dirty="0" err="1" smtClean="0"/>
+              <a:rPr lang="en-SG" dirty="0" err="1"/>
               <a:t>Source</a:t>
             </a:r>
             <a:r>
-              <a:rPr lang="en-SG" baseline="-25000" dirty="0" err="1" smtClean="0"/>
+              <a:rPr lang="en-SG" baseline="-25000" dirty="0" err="1"/>
               <a:t>GCC</a:t>
             </a:r>
             <a:endParaRPr lang="en-SG" baseline="-25000" dirty="0"/>
@@ -18042,10 +17744,9 @@
           <a:p>
             <a:pPr algn="ctr"/>
             <a:r>
-              <a:rPr lang="en-SG" dirty="0" smtClean="0"/>
+              <a:rPr lang="en-SG" dirty="0"/>
               <a:t>GCC (c. GCC)</a:t>
             </a:r>
-            <a:endParaRPr lang="en-SG" dirty="0"/>
           </a:p>
         </p:txBody>
       </p:sp>
@@ -18089,10 +17790,9 @@
           <a:p>
             <a:pPr algn="ctr"/>
             <a:r>
-              <a:rPr lang="en-SG" dirty="0" smtClean="0"/>
+              <a:rPr lang="en-SG" dirty="0"/>
               <a:t>GCC (c. Intel)</a:t>
             </a:r>
-            <a:endParaRPr lang="en-SG" dirty="0"/>
           </a:p>
         </p:txBody>
       </p:sp>
@@ -18136,10 +17836,9 @@
           <a:p>
             <a:pPr algn="ctr"/>
             <a:r>
-              <a:rPr lang="en-SG" sz="1200" dirty="0" smtClean="0"/>
+              <a:rPr lang="en-SG" sz="1200" dirty="0"/>
               <a:t>GCC (c. GCC,  c. GCC)</a:t>
             </a:r>
-            <a:endParaRPr lang="en-SG" sz="1200" dirty="0"/>
           </a:p>
         </p:txBody>
       </p:sp>
@@ -18206,11 +17905,11 @@
           <a:lstStyle/>
           <a:p>
             <a:r>
-              <a:rPr lang="en-SG" dirty="0" err="1" smtClean="0"/>
+              <a:rPr lang="en-SG" dirty="0" err="1"/>
               <a:t>Source</a:t>
             </a:r>
             <a:r>
-              <a:rPr lang="en-SG" baseline="-25000" dirty="0" err="1" smtClean="0"/>
+              <a:rPr lang="en-SG" baseline="-25000" dirty="0" err="1"/>
               <a:t>GCC</a:t>
             </a:r>
             <a:endParaRPr lang="en-SG" baseline="-25000" dirty="0"/>
@@ -18294,10 +17993,9 @@
           <a:p>
             <a:pPr algn="ctr"/>
             <a:r>
-              <a:rPr lang="en-SG" sz="1200" dirty="0" smtClean="0"/>
+              <a:rPr lang="en-SG" sz="1200" dirty="0"/>
               <a:t>Self-regeneration test (Control)</a:t>
             </a:r>
-            <a:endParaRPr lang="en-SG" sz="1200" dirty="0"/>
           </a:p>
         </p:txBody>
       </p:sp>
@@ -18407,18 +18105,17 @@
           <a:p>
             <a:pPr algn="ctr"/>
             <a:r>
-              <a:rPr lang="en-SG" sz="1200" dirty="0" smtClean="0"/>
+              <a:rPr lang="en-SG" sz="1200" dirty="0"/>
               <a:t>GCC (c. GCC, </a:t>
             </a:r>
             <a:r>
-              <a:rPr lang="en-SG" sz="1200" dirty="0" err="1" smtClean="0"/>
+              <a:rPr lang="en-SG" sz="1200" dirty="0" err="1"/>
               <a:t>c.Intel</a:t>
             </a:r>
             <a:r>
-              <a:rPr lang="en-SG" sz="1200" dirty="0" smtClean="0"/>
+              <a:rPr lang="en-SG" sz="1200" dirty="0"/>
               <a:t>)</a:t>
             </a:r>
-            <a:endParaRPr lang="en-SG" sz="1200" dirty="0"/>
           </a:p>
         </p:txBody>
       </p:sp>
@@ -18503,13 +18200,8 @@
             <a:pPr algn="ctr"/>
             <a:r>
               <a:rPr lang="en-SG" dirty="0"/>
-              <a:t>T</a:t>
-            </a:r>
-            <a:r>
-              <a:rPr lang="en-SG" dirty="0" smtClean="0"/>
-              <a:t>CC</a:t>
-            </a:r>
-            <a:endParaRPr lang="en-SG" dirty="0"/>
+              <a:t>TCC</a:t>
+            </a:r>
           </a:p>
         </p:txBody>
       </p:sp>
@@ -18593,10 +18285,9 @@
           <a:p>
             <a:pPr algn="ctr"/>
             <a:r>
-              <a:rPr lang="en-SG" dirty="0" smtClean="0"/>
+              <a:rPr lang="en-SG" dirty="0"/>
               <a:t>GCC (c. TCC)</a:t>
             </a:r>
-            <a:endParaRPr lang="en-SG" dirty="0"/>
           </a:p>
         </p:txBody>
       </p:sp>
@@ -18640,10 +18331,9 @@
           <a:p>
             <a:pPr algn="ctr"/>
             <a:r>
-              <a:rPr lang="en-SG" sz="1200" dirty="0" smtClean="0"/>
+              <a:rPr lang="en-SG" sz="1200" dirty="0"/>
               <a:t>GCC (c. GCC, c. TCC)</a:t>
             </a:r>
-            <a:endParaRPr lang="en-SG" sz="1200" dirty="0"/>
           </a:p>
         </p:txBody>
       </p:sp>
@@ -18895,120 +18585,6 @@
 </p:sld>
 </file>
 
-<file path=ppt/slides/slide36.xml><?xml version="1.0" encoding="utf-8"?>
-<p:sld xmlns:a="http://schemas.openxmlformats.org/drawingml/2006/main" xmlns:r="http://schemas.openxmlformats.org/officeDocument/2006/relationships" xmlns:p="http://schemas.openxmlformats.org/presentationml/2006/main">
-  <p:cSld>
-    <p:spTree>
-      <p:nvGrpSpPr>
-        <p:cNvPr id="1" name=""/>
-        <p:cNvGrpSpPr/>
-        <p:nvPr/>
-      </p:nvGrpSpPr>
-      <p:grpSpPr>
-        <a:xfrm>
-          <a:off x="0" y="0"/>
-          <a:ext cx="0" cy="0"/>
-          <a:chOff x="0" y="0"/>
-          <a:chExt cx="0" cy="0"/>
-        </a:xfrm>
-      </p:grpSpPr>
-      <p:sp>
-        <p:nvSpPr>
-          <p:cNvPr id="2" name="Title 1"/>
-          <p:cNvSpPr>
-            <a:spLocks noGrp="1"/>
-          </p:cNvSpPr>
-          <p:nvPr>
-            <p:ph type="title"/>
-          </p:nvPr>
-        </p:nvSpPr>
-        <p:spPr/>
-        <p:txBody>
-          <a:bodyPr/>
-          <a:lstStyle/>
-          <a:p>
-            <a:r>
-              <a:rPr lang="en-US" dirty="0" smtClean="0"/>
-              <a:t>6c. Attacks not restricted to compiler level</a:t>
-            </a:r>
-            <a:endParaRPr lang="en-US" dirty="0"/>
-          </a:p>
-        </p:txBody>
-      </p:sp>
-      <p:sp>
-        <p:nvSpPr>
-          <p:cNvPr id="3" name="Content Placeholder 2"/>
-          <p:cNvSpPr>
-            <a:spLocks noGrp="1"/>
-          </p:cNvSpPr>
-          <p:nvPr>
-            <p:ph idx="1"/>
-          </p:nvPr>
-        </p:nvSpPr>
-        <p:spPr/>
-        <p:txBody>
-          <a:bodyPr/>
-          <a:lstStyle/>
-          <a:p>
-            <a:r>
-              <a:rPr lang="en-US" dirty="0" smtClean="0"/>
-              <a:t>Wheeler assumes attacks occur on compile-time</a:t>
-            </a:r>
-          </a:p>
-          <a:p>
-            <a:endParaRPr lang="en-US" dirty="0"/>
-          </a:p>
-          <a:p>
-            <a:r>
-              <a:rPr lang="en-US" dirty="0" smtClean="0"/>
-              <a:t>An external virus can get the job done equally</a:t>
-            </a:r>
-          </a:p>
-          <a:p>
-            <a:r>
-              <a:rPr lang="en-US" dirty="0" smtClean="0"/>
-              <a:t>Can affect both compiler-under-test and independent compiler</a:t>
-            </a:r>
-            <a:endParaRPr lang="en-US" dirty="0"/>
-          </a:p>
-        </p:txBody>
-      </p:sp>
-      <p:sp>
-        <p:nvSpPr>
-          <p:cNvPr id="4" name="Slide Number Placeholder 3"/>
-          <p:cNvSpPr>
-            <a:spLocks noGrp="1"/>
-          </p:cNvSpPr>
-          <p:nvPr>
-            <p:ph type="sldNum" sz="quarter" idx="12"/>
-          </p:nvPr>
-        </p:nvSpPr>
-        <p:spPr/>
-        <p:txBody>
-          <a:bodyPr/>
-          <a:lstStyle/>
-          <a:p>
-            <a:fld id="{9705DC4D-6496-4D9B-AA35-AB22DFE8A2F2}" type="slidenum">
-              <a:rPr lang="en-SG" smtClean="0"/>
-              <a:t>36</a:t>
-            </a:fld>
-            <a:endParaRPr lang="en-SG"/>
-          </a:p>
-        </p:txBody>
-      </p:sp>
-    </p:spTree>
-    <p:extLst>
-      <p:ext uri="{BB962C8B-B14F-4D97-AF65-F5344CB8AC3E}">
-        <p14:creationId xmlns:p14="http://schemas.microsoft.com/office/powerpoint/2010/main" val="724310971"/>
-      </p:ext>
-    </p:extLst>
-  </p:cSld>
-  <p:clrMapOvr>
-    <a:masterClrMapping/>
-  </p:clrMapOvr>
-</p:sld>
-</file>
-
 <file path=ppt/slides/slide37.xml><?xml version="1.0" encoding="utf-8"?>
 <p:sld xmlns:a="http://schemas.openxmlformats.org/drawingml/2006/main" xmlns:r="http://schemas.openxmlformats.org/officeDocument/2006/relationships" xmlns:p="http://schemas.openxmlformats.org/presentationml/2006/main">
   <p:cSld>
@@ -19042,14 +18618,9 @@
           <a:lstStyle/>
           <a:p>
             <a:r>
-              <a:rPr lang="en-SG" dirty="0" err="1" smtClean="0"/>
-              <a:t>Jakma’s</a:t>
-            </a:r>
-            <a:r>
-              <a:rPr lang="en-SG" dirty="0" smtClean="0"/>
-              <a:t> conclusion</a:t>
-            </a:r>
-            <a:endParaRPr lang="en-SG" dirty="0"/>
+              <a:rPr lang="en-US" dirty="0"/>
+              <a:t>6c. Attacks not restricted to compiler level</a:t>
+            </a:r>
           </a:p>
         </p:txBody>
       </p:sp>
@@ -19063,32 +18634,30 @@
             <p:ph idx="1"/>
           </p:nvPr>
         </p:nvSpPr>
-        <p:spPr>
-          <a:xfrm>
-            <a:off x="342900" y="1847851"/>
-            <a:ext cx="8458200" cy="4351338"/>
-          </a:xfrm>
-        </p:spPr>
+        <p:spPr/>
         <p:txBody>
           <a:bodyPr/>
           <a:lstStyle/>
           <a:p>
             <a:r>
-              <a:rPr lang="en-SG" dirty="0" smtClean="0"/>
-              <a:t>DDC is not </a:t>
-            </a:r>
-            <a:r>
-              <a:rPr lang="en-SG" dirty="0" err="1" smtClean="0"/>
-              <a:t>foolproof</a:t>
-            </a:r>
-            <a:endParaRPr lang="en-SG" dirty="0" smtClean="0"/>
-          </a:p>
-          <a:p>
-            <a:r>
-              <a:rPr lang="en-SG" dirty="0" smtClean="0"/>
-              <a:t>Still useful to flag discrepancies for further examination</a:t>
-            </a:r>
-            <a:endParaRPr lang="en-SG" dirty="0"/>
+              <a:rPr lang="en-US" dirty="0"/>
+              <a:t>Wheeler assumes attacks occur on compile-time</a:t>
+            </a:r>
+          </a:p>
+          <a:p>
+            <a:endParaRPr lang="en-US" dirty="0"/>
+          </a:p>
+          <a:p>
+            <a:r>
+              <a:rPr lang="en-US" dirty="0"/>
+              <a:t>An external virus can get the job done equally</a:t>
+            </a:r>
+          </a:p>
+          <a:p>
+            <a:r>
+              <a:rPr lang="en-US" dirty="0"/>
+              <a:t>Can affect both compiler-under-test and independent compiler</a:t>
+            </a:r>
           </a:p>
         </p:txBody>
       </p:sp>
@@ -19110,6 +18679,123 @@
             <a:fld id="{9705DC4D-6496-4D9B-AA35-AB22DFE8A2F2}" type="slidenum">
               <a:rPr lang="en-SG" smtClean="0"/>
               <a:t>37</a:t>
+            </a:fld>
+            <a:endParaRPr lang="en-SG"/>
+          </a:p>
+        </p:txBody>
+      </p:sp>
+    </p:spTree>
+    <p:extLst>
+      <p:ext uri="{BB962C8B-B14F-4D97-AF65-F5344CB8AC3E}">
+        <p14:creationId xmlns:p14="http://schemas.microsoft.com/office/powerpoint/2010/main" val="724310971"/>
+      </p:ext>
+    </p:extLst>
+  </p:cSld>
+  <p:clrMapOvr>
+    <a:masterClrMapping/>
+  </p:clrMapOvr>
+</p:sld>
+</file>
+
+<file path=ppt/slides/slide38.xml><?xml version="1.0" encoding="utf-8"?>
+<p:sld xmlns:a="http://schemas.openxmlformats.org/drawingml/2006/main" xmlns:r="http://schemas.openxmlformats.org/officeDocument/2006/relationships" xmlns:p="http://schemas.openxmlformats.org/presentationml/2006/main">
+  <p:cSld>
+    <p:spTree>
+      <p:nvGrpSpPr>
+        <p:cNvPr id="1" name=""/>
+        <p:cNvGrpSpPr/>
+        <p:nvPr/>
+      </p:nvGrpSpPr>
+      <p:grpSpPr>
+        <a:xfrm>
+          <a:off x="0" y="0"/>
+          <a:ext cx="0" cy="0"/>
+          <a:chOff x="0" y="0"/>
+          <a:chExt cx="0" cy="0"/>
+        </a:xfrm>
+      </p:grpSpPr>
+      <p:sp>
+        <p:nvSpPr>
+          <p:cNvPr id="2" name="Title 1"/>
+          <p:cNvSpPr>
+            <a:spLocks noGrp="1"/>
+          </p:cNvSpPr>
+          <p:nvPr>
+            <p:ph type="title"/>
+          </p:nvPr>
+        </p:nvSpPr>
+        <p:spPr/>
+        <p:txBody>
+          <a:bodyPr/>
+          <a:lstStyle/>
+          <a:p>
+            <a:r>
+              <a:rPr lang="en-SG" dirty="0" err="1"/>
+              <a:t>Jakma’s</a:t>
+            </a:r>
+            <a:r>
+              <a:rPr lang="en-SG" dirty="0"/>
+              <a:t> conclusion</a:t>
+            </a:r>
+          </a:p>
+        </p:txBody>
+      </p:sp>
+      <p:sp>
+        <p:nvSpPr>
+          <p:cNvPr id="3" name="Content Placeholder 2"/>
+          <p:cNvSpPr>
+            <a:spLocks noGrp="1"/>
+          </p:cNvSpPr>
+          <p:nvPr>
+            <p:ph idx="1"/>
+          </p:nvPr>
+        </p:nvSpPr>
+        <p:spPr>
+          <a:xfrm>
+            <a:off x="342900" y="1847851"/>
+            <a:ext cx="8458200" cy="4351338"/>
+          </a:xfrm>
+        </p:spPr>
+        <p:txBody>
+          <a:bodyPr/>
+          <a:lstStyle/>
+          <a:p>
+            <a:r>
+              <a:rPr lang="en-SG" dirty="0"/>
+              <a:t>DDC is not </a:t>
+            </a:r>
+            <a:r>
+              <a:rPr lang="en-SG" dirty="0" err="1"/>
+              <a:t>foolproof</a:t>
+            </a:r>
+            <a:endParaRPr lang="en-SG" dirty="0"/>
+          </a:p>
+          <a:p>
+            <a:r>
+              <a:rPr lang="en-SG" dirty="0"/>
+              <a:t>Still useful to flag discrepancies for further examination</a:t>
+            </a:r>
+          </a:p>
+        </p:txBody>
+      </p:sp>
+      <p:sp>
+        <p:nvSpPr>
+          <p:cNvPr id="4" name="Slide Number Placeholder 3"/>
+          <p:cNvSpPr>
+            <a:spLocks noGrp="1"/>
+          </p:cNvSpPr>
+          <p:nvPr>
+            <p:ph type="sldNum" sz="quarter" idx="12"/>
+          </p:nvPr>
+        </p:nvSpPr>
+        <p:spPr/>
+        <p:txBody>
+          <a:bodyPr/>
+          <a:lstStyle/>
+          <a:p>
+            <a:fld id="{9705DC4D-6496-4D9B-AA35-AB22DFE8A2F2}" type="slidenum">
+              <a:rPr lang="en-SG" smtClean="0"/>
+              <a:t>38</a:t>
             </a:fld>
             <a:endParaRPr lang="en-SG"/>
           </a:p>
@@ -19140,7 +18826,7 @@
 </p:sld>
 </file>
 
-<file path=ppt/slides/slide38.xml><?xml version="1.0" encoding="utf-8"?>
+<file path=ppt/slides/slide39.xml><?xml version="1.0" encoding="utf-8"?>
 <p:sld xmlns:a="http://schemas.openxmlformats.org/drawingml/2006/main" xmlns:r="http://schemas.openxmlformats.org/officeDocument/2006/relationships" xmlns:p="http://schemas.openxmlformats.org/presentationml/2006/main">
   <p:cSld>
     <p:spTree>
@@ -19179,14 +18865,9 @@
           <a:p>
             <a:pPr algn="ctr"/>
             <a:r>
-              <a:rPr lang="en-US" dirty="0" smtClean="0"/>
-              <a:t>The </a:t>
-            </a:r>
-            <a:r>
-              <a:rPr lang="en-US" dirty="0" smtClean="0"/>
-              <a:t>End / Questions?</a:t>
-            </a:r>
-            <a:endParaRPr lang="en-US" dirty="0"/>
+              <a:rPr lang="en-US" dirty="0"/>
+              <a:t>The End / Questions?</a:t>
+            </a:r>
           </a:p>
         </p:txBody>
       </p:sp>
@@ -19207,7 +18888,7 @@
           <a:p>
             <a:fld id="{9705DC4D-6496-4D9B-AA35-AB22DFE8A2F2}" type="slidenum">
               <a:rPr lang="en-SG" smtClean="0"/>
-              <a:t>38</a:t>
+              <a:t>39</a:t>
             </a:fld>
             <a:endParaRPr lang="en-SG"/>
           </a:p>
@@ -19236,31 +18917,25 @@
           <a:lstStyle/>
           <a:p>
             <a:r>
-              <a:rPr lang="en-SG" dirty="0" smtClean="0"/>
+              <a:rPr lang="en-SG" dirty="0"/>
               <a:t>By: Yeo Kheng Meng (</a:t>
             </a:r>
             <a:r>
-              <a:rPr lang="en-SG" dirty="0" smtClean="0">
+              <a:rPr lang="en-SG" dirty="0">
                 <a:hlinkClick r:id="rId2"/>
               </a:rPr>
               <a:t>yeokm1@gmail.com)</a:t>
             </a:r>
-            <a:endParaRPr lang="en-SG" dirty="0" smtClean="0"/>
+            <a:endParaRPr lang="en-SG" dirty="0"/>
           </a:p>
           <a:p>
             <a:r>
               <a:rPr lang="en-SG" sz="1600" dirty="0">
                 <a:hlinkClick r:id="rId3"/>
               </a:rPr>
-              <a:t>https://</a:t>
-            </a:r>
-            <a:r>
-              <a:rPr lang="en-SG" sz="1600" dirty="0" smtClean="0">
-                <a:hlinkClick r:id="rId3"/>
-              </a:rPr>
-              <a:t>github.com/yeokm1/reflections-of-trusting-trust</a:t>
-            </a:r>
-            <a:endParaRPr lang="en-SG" sz="1600" dirty="0" smtClean="0"/>
+              <a:t>https://github.com/yeokm1/reflections-of-trusting-trust</a:t>
+            </a:r>
+            <a:endParaRPr lang="en-SG" sz="1600" dirty="0"/>
           </a:p>
         </p:txBody>
       </p:sp>
@@ -19310,10 +18985,9 @@
           <a:lstStyle/>
           <a:p>
             <a:r>
-              <a:rPr lang="en-US" dirty="0" smtClean="0"/>
+              <a:rPr lang="en-US" dirty="0"/>
               <a:t>The problem</a:t>
             </a:r>
-            <a:endParaRPr lang="en-US" dirty="0"/>
           </a:p>
         </p:txBody>
       </p:sp>
@@ -19335,91 +19009,82 @@
           <a:lstStyle/>
           <a:p>
             <a:r>
-              <a:rPr lang="en-US" dirty="0" smtClean="0"/>
+              <a:rPr lang="en-US" dirty="0"/>
               <a:t>How do we know a program is safe?</a:t>
             </a:r>
           </a:p>
           <a:p>
             <a:pPr lvl="1"/>
             <a:r>
-              <a:rPr lang="en-US" dirty="0" smtClean="0"/>
+              <a:rPr lang="en-US" dirty="0"/>
               <a:t>Inspect the program’s source code.</a:t>
             </a:r>
           </a:p>
           <a:p>
-            <a:endParaRPr lang="en-US" dirty="0" smtClean="0"/>
-          </a:p>
-          <a:p>
-            <a:r>
-              <a:rPr lang="en-US" dirty="0" smtClean="0"/>
+            <a:endParaRPr lang="en-US" dirty="0"/>
+          </a:p>
+          <a:p>
+            <a:r>
+              <a:rPr lang="en-US" dirty="0"/>
               <a:t>But isn’t the program source code compiled by a compiler?</a:t>
             </a:r>
           </a:p>
           <a:p>
             <a:pPr lvl="1"/>
             <a:r>
-              <a:rPr lang="en-US" dirty="0" smtClean="0"/>
+              <a:rPr lang="en-US" dirty="0"/>
               <a:t>Inspect the compiler’s source code, </a:t>
             </a:r>
             <a:r>
-              <a:rPr lang="en-US" dirty="0" err="1" smtClean="0"/>
+              <a:rPr lang="en-US" dirty="0" err="1"/>
               <a:t>eg</a:t>
             </a:r>
             <a:r>
-              <a:rPr lang="en-US" dirty="0" smtClean="0"/>
+              <a:rPr lang="en-US" dirty="0"/>
               <a:t>. GCC</a:t>
             </a:r>
           </a:p>
           <a:p>
-            <a:endParaRPr lang="en-US" dirty="0" smtClean="0"/>
-          </a:p>
-          <a:p>
-            <a:r>
-              <a:rPr lang="en-US" dirty="0" smtClean="0"/>
+            <a:endParaRPr lang="en-US" dirty="0"/>
+          </a:p>
+          <a:p>
+            <a:r>
+              <a:rPr lang="en-US" dirty="0"/>
               <a:t>But isn’t the compiler compiled by another compiler?</a:t>
             </a:r>
           </a:p>
           <a:p>
             <a:pPr lvl="1"/>
             <a:r>
-              <a:rPr lang="en-US" dirty="0" smtClean="0"/>
+              <a:rPr lang="en-US" dirty="0"/>
               <a:t>Self-hosting compilers compile themselves</a:t>
             </a:r>
+          </a:p>
+          <a:p>
+            <a:pPr lvl="1"/>
+            <a:r>
+              <a:rPr lang="en-US" dirty="0"/>
+              <a:t>-&gt; </a:t>
+            </a:r>
+            <a:r>
+              <a:rPr lang="en-US" dirty="0" err="1"/>
+              <a:t>Eg</a:t>
+            </a:r>
+            <a:r>
+              <a:rPr lang="en-US" dirty="0"/>
+              <a:t>. GCC compiles GCC</a:t>
+            </a:r>
+          </a:p>
+          <a:p>
             <a:endParaRPr lang="en-US" dirty="0"/>
           </a:p>
           <a:p>
-            <a:pPr lvl="1"/>
-            <a:r>
-              <a:rPr lang="en-US" dirty="0" smtClean="0"/>
-              <a:t>-&gt; </a:t>
-            </a:r>
-            <a:r>
-              <a:rPr lang="en-US" dirty="0" err="1" smtClean="0"/>
-              <a:t>Eg</a:t>
-            </a:r>
-            <a:r>
-              <a:rPr lang="en-US" dirty="0" smtClean="0"/>
-              <a:t>. GCC compiles GCC</a:t>
-            </a:r>
-          </a:p>
-          <a:p>
-            <a:endParaRPr lang="en-US" dirty="0" smtClean="0"/>
-          </a:p>
-          <a:p>
             <a:endParaRPr lang="en-US" dirty="0"/>
           </a:p>
           <a:p>
             <a:r>
-              <a:rPr lang="en-US" dirty="0" smtClean="0"/>
-              <a:t>Is this even a problem</a:t>
-            </a:r>
-            <a:r>
               <a:rPr lang="en-US" dirty="0"/>
-              <a:t>? So how? How </a:t>
-            </a:r>
-            <a:r>
-              <a:rPr lang="en-US" dirty="0" smtClean="0"/>
-              <a:t>deep do we go down the rabbit hole?</a:t>
+              <a:t>Is this even a problem? So how? How deep do we go down the rabbit hole?</a:t>
             </a:r>
           </a:p>
           <a:p>
@@ -20001,10 +19666,9 @@
           <a:lstStyle/>
           <a:p>
             <a:r>
-              <a:rPr lang="en-US" dirty="0" smtClean="0"/>
+              <a:rPr lang="en-US" dirty="0"/>
               <a:t>Real-life compiler attacks</a:t>
             </a:r>
-            <a:endParaRPr lang="en-US" dirty="0"/>
           </a:p>
         </p:txBody>
       </p:sp>
@@ -20037,11 +19701,7 @@
             </a:pPr>
             <a:r>
               <a:rPr lang="en-US" sz="2800" dirty="0"/>
-              <a:t>Injects malicious code into compiled </a:t>
-            </a:r>
-            <a:r>
-              <a:rPr lang="en-US" sz="2800" dirty="0" smtClean="0"/>
-              <a:t>apps</a:t>
+              <a:t>Injects malicious code into compiled apps</a:t>
             </a:r>
           </a:p>
           <a:p>
@@ -20054,72 +19714,64 @@
           </a:p>
           <a:p>
             <a:r>
-              <a:rPr lang="en-US" dirty="0" err="1" smtClean="0"/>
+              <a:rPr lang="en-US" dirty="0" err="1"/>
               <a:t>Xcodeghost</a:t>
             </a:r>
             <a:r>
-              <a:rPr lang="en-US" dirty="0" smtClean="0"/>
+              <a:rPr lang="en-US" dirty="0"/>
               <a:t> (found Sept 2015)</a:t>
             </a:r>
           </a:p>
           <a:p>
             <a:pPr lvl="1"/>
             <a:r>
-              <a:rPr lang="en-US" dirty="0" smtClean="0"/>
+              <a:rPr lang="en-US" dirty="0"/>
               <a:t>Malicious </a:t>
             </a:r>
             <a:r>
-              <a:rPr lang="en-US" dirty="0" err="1" smtClean="0"/>
+              <a:rPr lang="en-US" dirty="0" err="1"/>
               <a:t>Xcode</a:t>
             </a:r>
             <a:r>
-              <a:rPr lang="en-US" dirty="0" smtClean="0"/>
-              <a:t> </a:t>
-            </a:r>
-            <a:r>
               <a:rPr lang="en-US" dirty="0"/>
-              <a:t>compiler </a:t>
-            </a:r>
-            <a:r>
-              <a:rPr lang="en-US" dirty="0" smtClean="0"/>
-              <a:t>hosted on Chinese websites</a:t>
+              <a:t> compiler hosted on Chinese websites</a:t>
             </a:r>
           </a:p>
           <a:p>
             <a:pPr lvl="1"/>
             <a:r>
-              <a:rPr lang="en-US" dirty="0" smtClean="0"/>
+              <a:rPr lang="en-US" dirty="0"/>
               <a:t>Injects spyware into output binary</a:t>
             </a:r>
           </a:p>
           <a:p>
-            <a:endParaRPr lang="en-US" dirty="0" smtClean="0"/>
-          </a:p>
-          <a:p>
-            <a:r>
-              <a:rPr lang="en-US" dirty="0" smtClean="0"/>
+            <a:endParaRPr lang="en-US" dirty="0"/>
+          </a:p>
+          <a:p>
+            <a:r>
+              <a:rPr lang="en-US" dirty="0"/>
               <a:t>Win32/</a:t>
             </a:r>
             <a:r>
-              <a:rPr lang="en-US" dirty="0" err="1" smtClean="0"/>
+              <a:rPr lang="en-US" dirty="0" err="1"/>
               <a:t>Induc.A</a:t>
             </a:r>
             <a:r>
-              <a:rPr lang="en-US" dirty="0" smtClean="0"/>
+              <a:rPr lang="en-US" dirty="0"/>
               <a:t> virus and its successors (found 2009)</a:t>
             </a:r>
           </a:p>
           <a:p>
             <a:pPr lvl="1"/>
             <a:r>
-              <a:rPr lang="en-US" dirty="0" smtClean="0"/>
+              <a:rPr lang="en-US" dirty="0"/>
               <a:t>Modifies Delphi Compiler</a:t>
             </a:r>
           </a:p>
           <a:p>
             <a:pPr lvl="1"/>
             <a:r>
-              <a:rPr lang="en-US" dirty="0" smtClean="0"/>
+              <a:rPr lang="en-US" dirty="0"/>
               <a:t>Injects malicious code into output binary </a:t>
             </a:r>
           </a:p>
@@ -20127,17 +19779,13 @@
             <a:pPr lvl="2"/>
             <a:r>
               <a:rPr lang="en-US" dirty="0"/>
-              <a:t>Create a </a:t>
-            </a:r>
-            <a:r>
-              <a:rPr lang="en-US" dirty="0" smtClean="0"/>
-              <a:t>botnet</a:t>
+              <a:t>Create a botnet</a:t>
             </a:r>
           </a:p>
           <a:p>
             <a:pPr lvl="2"/>
             <a:r>
-              <a:rPr lang="en-US" dirty="0" smtClean="0"/>
+              <a:rPr lang="en-US" dirty="0"/>
               <a:t>Further infects other Delphi compilers</a:t>
             </a:r>
           </a:p>
@@ -20223,35 +19871,23 @@
           <a:lstStyle/>
           <a:p>
             <a:r>
-              <a:rPr lang="en-SG" sz="1400" dirty="0" err="1" smtClean="0"/>
+              <a:rPr lang="en-SG" sz="1400" dirty="0" err="1"/>
               <a:t>Xcodeghost</a:t>
             </a:r>
             <a:r>
-              <a:rPr lang="en-SG" sz="1400" dirty="0" smtClean="0"/>
+              <a:rPr lang="en-SG" sz="1400" dirty="0"/>
               <a:t> image: </a:t>
-            </a:r>
-            <a:r>
-              <a:rPr lang="en-SG" sz="1400" dirty="0" smtClean="0">
-                <a:hlinkClick r:id="rId3"/>
-              </a:rPr>
-              <a:t>https</a:t>
             </a:r>
             <a:r>
               <a:rPr lang="en-SG" sz="1400" dirty="0">
                 <a:hlinkClick r:id="rId3"/>
               </a:rPr>
-              <a:t>://nakedsecurity.sophos.com/2015/11/09/apples-xcodeghost-malware-still-in-the-machine</a:t>
-            </a:r>
-            <a:r>
-              <a:rPr lang="en-SG" sz="1400" dirty="0" smtClean="0">
-                <a:hlinkClick r:id="rId3"/>
-              </a:rPr>
-              <a:t>/</a:t>
+              <a:t>https://nakedsecurity.sophos.com/2015/11/09/apples-xcodeghost-malware-still-in-the-machine/</a:t>
             </a:r>
             <a:endParaRPr lang="en-SG" sz="1400" dirty="0"/>
           </a:p>
           <a:p>
-            <a:endParaRPr lang="en-SG" sz="1400" dirty="0" smtClean="0"/>
+            <a:endParaRPr lang="en-SG" sz="1400" dirty="0"/>
           </a:p>
         </p:txBody>
       </p:sp>
@@ -20740,20 +20376,20 @@
             <p:ph type="title"/>
           </p:nvPr>
         </p:nvSpPr>
-        <p:spPr/>
+        <p:spPr>
+          <a:xfrm>
+            <a:off x="628650" y="342266"/>
+            <a:ext cx="7886700" cy="1325563"/>
+          </a:xfrm>
+        </p:spPr>
         <p:txBody>
           <a:bodyPr/>
           <a:lstStyle/>
           <a:p>
             <a:r>
               <a:rPr lang="en-US" dirty="0"/>
-              <a:t>4</a:t>
-            </a:r>
-            <a:r>
-              <a:rPr lang="en-US" dirty="0" smtClean="0"/>
-              <a:t> stages of ”proof”</a:t>
-            </a:r>
-            <a:endParaRPr lang="en-US" dirty="0"/>
+              <a:t>Our objective</a:t>
+            </a:r>
           </a:p>
         </p:txBody>
       </p:sp>
@@ -20767,74 +20403,56 @@
             <p:ph idx="1"/>
           </p:nvPr>
         </p:nvSpPr>
-        <p:spPr/>
-        <p:txBody>
-          <a:bodyPr/>
-          <a:lstStyle/>
-          <a:p>
-            <a:pPr marL="514350" indent="-514350">
-              <a:buFont typeface="+mj-lt"/>
-              <a:buAutoNum type="arabicPeriod"/>
-            </a:pPr>
-            <a:r>
-              <a:rPr lang="en-US" dirty="0" smtClean="0"/>
-              <a:t>Self-reproducing program (</a:t>
-            </a:r>
-            <a:r>
-              <a:rPr lang="en-US" dirty="0" err="1" smtClean="0"/>
-              <a:t>Quine</a:t>
-            </a:r>
-            <a:r>
-              <a:rPr lang="en-US" dirty="0" smtClean="0"/>
-              <a:t>)</a:t>
-            </a:r>
-          </a:p>
-          <a:p>
-            <a:pPr marL="514350" indent="-514350">
-              <a:buFont typeface="+mj-lt"/>
-              <a:buAutoNum type="arabicPeriod"/>
-            </a:pPr>
-            <a:r>
-              <a:rPr lang="en-US" dirty="0" smtClean="0"/>
-              <a:t>Knowledge perpetuation</a:t>
-            </a:r>
-          </a:p>
-          <a:p>
-            <a:pPr marL="514350" indent="-514350">
-              <a:buFont typeface="+mj-lt"/>
-              <a:buAutoNum type="arabicPeriod"/>
-            </a:pPr>
-            <a:r>
-              <a:rPr lang="en-US" dirty="0" smtClean="0"/>
-              <a:t>The attack</a:t>
-            </a:r>
-          </a:p>
-          <a:p>
-            <a:pPr marL="514350" indent="-514350">
-              <a:buFont typeface="+mj-lt"/>
-              <a:buAutoNum type="arabicPeriod"/>
-            </a:pPr>
-            <a:r>
-              <a:rPr lang="en-US" dirty="0" smtClean="0"/>
-              <a:t>Subverting verification*</a:t>
-            </a:r>
-          </a:p>
-          <a:p>
-            <a:pPr marL="514350" indent="-514350">
-              <a:buFont typeface="+mj-lt"/>
-              <a:buAutoNum type="arabicPeriod"/>
-            </a:pPr>
-            <a:endParaRPr lang="en-US" dirty="0" smtClean="0"/>
-          </a:p>
+        <p:spPr>
+          <a:xfrm>
+            <a:off x="289560" y="2417084"/>
+            <a:ext cx="8709660" cy="2566396"/>
+          </a:xfrm>
+        </p:spPr>
+        <p:txBody>
+          <a:bodyPr>
+            <a:noAutofit/>
+          </a:bodyPr>
+          <a:lstStyle/>
           <a:p>
             <a:pPr marL="0" indent="0">
               <a:buNone/>
             </a:pPr>
             <a:r>
-              <a:rPr lang="en-US" dirty="0" smtClean="0"/>
-              <a:t>Finally: The conclusion</a:t>
-            </a:r>
-            <a:endParaRPr lang="en-US" dirty="0"/>
+              <a:rPr lang="en-US" sz="2400" u="sng" dirty="0"/>
+              <a:t>Modify a compiler to:</a:t>
+            </a:r>
+          </a:p>
+          <a:p>
+            <a:r>
+              <a:rPr lang="en-US" sz="2400" dirty="0"/>
+              <a:t>Add malicious code to targeted compiled source </a:t>
+            </a:r>
+            <a:r>
+              <a:rPr lang="en-US" sz="2400" dirty="0" err="1"/>
+              <a:t>eg</a:t>
+            </a:r>
+            <a:r>
+              <a:rPr lang="en-US" sz="2400" dirty="0"/>
+              <a:t>, login program</a:t>
+            </a:r>
+          </a:p>
+          <a:p>
+            <a:r>
+              <a:rPr lang="en-US" sz="2400" dirty="0"/>
+              <a:t>Add malicious code to compiler binary to propagate </a:t>
+            </a:r>
+            <a:r>
+              <a:rPr lang="en-US" sz="2400" dirty="0" err="1"/>
+              <a:t>behaviour</a:t>
+            </a:r>
+            <a:endParaRPr lang="en-US" sz="2400" dirty="0"/>
+          </a:p>
+          <a:p>
+            <a:r>
+              <a:rPr lang="en-US" sz="2400" dirty="0"/>
+              <a:t>Not leave a trace in compiler source</a:t>
+            </a:r>
           </a:p>
         </p:txBody>
       </p:sp>
@@ -20861,46 +20479,290 @@
           </a:p>
         </p:txBody>
       </p:sp>
-      <p:sp>
-        <p:nvSpPr>
-          <p:cNvPr id="5" name="TextBox 4"/>
-          <p:cNvSpPr txBox="1"/>
-          <p:nvPr/>
-        </p:nvSpPr>
-        <p:spPr>
-          <a:xfrm>
-            <a:off x="628650" y="5987019"/>
-            <a:ext cx="2175596" cy="369332"/>
-          </a:xfrm>
-          <a:prstGeom prst="rect">
-            <a:avLst/>
-          </a:prstGeom>
-          <a:noFill/>
-        </p:spPr>
-        <p:txBody>
-          <a:bodyPr wrap="none" rtlCol="0">
-            <a:spAutoFit/>
-          </a:bodyPr>
-          <a:lstStyle/>
-          <a:p>
-            <a:r>
-              <a:rPr lang="en-SG" dirty="0" smtClean="0"/>
-              <a:t>*My custom addition</a:t>
-            </a:r>
-            <a:endParaRPr lang="en-SG" dirty="0"/>
-          </a:p>
-        </p:txBody>
-      </p:sp>
     </p:spTree>
     <p:extLst>
       <p:ext uri="{BB962C8B-B14F-4D97-AF65-F5344CB8AC3E}">
-        <p14:creationId xmlns:p14="http://schemas.microsoft.com/office/powerpoint/2010/main" val="42779500"/>
+        <p14:creationId xmlns:p14="http://schemas.microsoft.com/office/powerpoint/2010/main" val="3313089377"/>
       </p:ext>
     </p:extLst>
   </p:cSld>
   <p:clrMapOvr>
     <a:masterClrMapping/>
   </p:clrMapOvr>
+  <p:timing>
+    <p:tnLst>
+      <p:par>
+        <p:cTn id="1" dur="indefinite" restart="never" nodeType="tmRoot">
+          <p:childTnLst>
+            <p:seq concurrent="1" nextAc="seek">
+              <p:cTn id="2" dur="indefinite" nodeType="mainSeq">
+                <p:childTnLst>
+                  <p:par>
+                    <p:cTn id="3" fill="hold">
+                      <p:stCondLst>
+                        <p:cond delay="indefinite"/>
+                      </p:stCondLst>
+                      <p:childTnLst>
+                        <p:par>
+                          <p:cTn id="4" fill="hold">
+                            <p:stCondLst>
+                              <p:cond delay="0"/>
+                            </p:stCondLst>
+                            <p:childTnLst>
+                              <p:par>
+                                <p:cTn id="5" presetID="10" presetClass="entr" presetSubtype="0" fill="hold" nodeType="clickEffect">
+                                  <p:stCondLst>
+                                    <p:cond delay="0"/>
+                                  </p:stCondLst>
+                                  <p:childTnLst>
+                                    <p:set>
+                                      <p:cBhvr>
+                                        <p:cTn id="6" dur="1" fill="hold">
+                                          <p:stCondLst>
+                                            <p:cond delay="0"/>
+                                          </p:stCondLst>
+                                        </p:cTn>
+                                        <p:tgtEl>
+                                          <p:spTgt spid="3">
+                                            <p:txEl>
+                                              <p:pRg st="0" end="0"/>
+                                            </p:txEl>
+                                          </p:spTgt>
+                                        </p:tgtEl>
+                                        <p:attrNameLst>
+                                          <p:attrName>style.visibility</p:attrName>
+                                        </p:attrNameLst>
+                                      </p:cBhvr>
+                                      <p:to>
+                                        <p:strVal val="visible"/>
+                                      </p:to>
+                                    </p:set>
+                                    <p:animEffect transition="in" filter="fade">
+                                      <p:cBhvr>
+                                        <p:cTn id="7" dur="500"/>
+                                        <p:tgtEl>
+                                          <p:spTgt spid="3">
+                                            <p:txEl>
+                                              <p:pRg st="0" end="0"/>
+                                            </p:txEl>
+                                          </p:spTgt>
+                                        </p:tgtEl>
+                                      </p:cBhvr>
+                                    </p:animEffect>
+                                  </p:childTnLst>
+                                </p:cTn>
+                              </p:par>
+                            </p:childTnLst>
+                          </p:cTn>
+                        </p:par>
+                      </p:childTnLst>
+                    </p:cTn>
+                  </p:par>
+                  <p:par>
+                    <p:cTn id="8" fill="hold">
+                      <p:stCondLst>
+                        <p:cond delay="indefinite"/>
+                      </p:stCondLst>
+                      <p:childTnLst>
+                        <p:par>
+                          <p:cTn id="9" fill="hold">
+                            <p:stCondLst>
+                              <p:cond delay="0"/>
+                            </p:stCondLst>
+                            <p:childTnLst>
+                              <p:par>
+                                <p:cTn id="10" presetID="10" presetClass="entr" presetSubtype="0" fill="hold" nodeType="clickEffect">
+                                  <p:stCondLst>
+                                    <p:cond delay="0"/>
+                                  </p:stCondLst>
+                                  <p:childTnLst>
+                                    <p:set>
+                                      <p:cBhvr>
+                                        <p:cTn id="11" dur="1" fill="hold">
+                                          <p:stCondLst>
+                                            <p:cond delay="0"/>
+                                          </p:stCondLst>
+                                        </p:cTn>
+                                        <p:tgtEl>
+                                          <p:spTgt spid="3">
+                                            <p:txEl>
+                                              <p:pRg st="1" end="1"/>
+                                            </p:txEl>
+                                          </p:spTgt>
+                                        </p:tgtEl>
+                                        <p:attrNameLst>
+                                          <p:attrName>style.visibility</p:attrName>
+                                        </p:attrNameLst>
+                                      </p:cBhvr>
+                                      <p:to>
+                                        <p:strVal val="visible"/>
+                                      </p:to>
+                                    </p:set>
+                                    <p:animEffect transition="in" filter="fade">
+                                      <p:cBhvr>
+                                        <p:cTn id="12" dur="500"/>
+                                        <p:tgtEl>
+                                          <p:spTgt spid="3">
+                                            <p:txEl>
+                                              <p:pRg st="1" end="1"/>
+                                            </p:txEl>
+                                          </p:spTgt>
+                                        </p:tgtEl>
+                                      </p:cBhvr>
+                                    </p:animEffect>
+                                  </p:childTnLst>
+                                </p:cTn>
+                              </p:par>
+                            </p:childTnLst>
+                          </p:cTn>
+                        </p:par>
+                      </p:childTnLst>
+                    </p:cTn>
+                  </p:par>
+                  <p:par>
+                    <p:cTn id="13" fill="hold">
+                      <p:stCondLst>
+                        <p:cond delay="indefinite"/>
+                      </p:stCondLst>
+                      <p:childTnLst>
+                        <p:par>
+                          <p:cTn id="14" fill="hold">
+                            <p:stCondLst>
+                              <p:cond delay="0"/>
+                            </p:stCondLst>
+                            <p:childTnLst>
+                              <p:par>
+                                <p:cTn id="15" presetID="10" presetClass="entr" presetSubtype="0" fill="hold" nodeType="clickEffect">
+                                  <p:stCondLst>
+                                    <p:cond delay="0"/>
+                                  </p:stCondLst>
+                                  <p:childTnLst>
+                                    <p:set>
+                                      <p:cBhvr>
+                                        <p:cTn id="16" dur="1" fill="hold">
+                                          <p:stCondLst>
+                                            <p:cond delay="0"/>
+                                          </p:stCondLst>
+                                        </p:cTn>
+                                        <p:tgtEl>
+                                          <p:spTgt spid="3">
+                                            <p:txEl>
+                                              <p:pRg st="2" end="2"/>
+                                            </p:txEl>
+                                          </p:spTgt>
+                                        </p:tgtEl>
+                                        <p:attrNameLst>
+                                          <p:attrName>style.visibility</p:attrName>
+                                        </p:attrNameLst>
+                                      </p:cBhvr>
+                                      <p:to>
+                                        <p:strVal val="visible"/>
+                                      </p:to>
+                                    </p:set>
+                                    <p:animEffect transition="in" filter="fade">
+                                      <p:cBhvr>
+                                        <p:cTn id="17" dur="500"/>
+                                        <p:tgtEl>
+                                          <p:spTgt spid="3">
+                                            <p:txEl>
+                                              <p:pRg st="2" end="2"/>
+                                            </p:txEl>
+                                          </p:spTgt>
+                                        </p:tgtEl>
+                                      </p:cBhvr>
+                                    </p:animEffect>
+                                  </p:childTnLst>
+                                </p:cTn>
+                              </p:par>
+                            </p:childTnLst>
+                          </p:cTn>
+                        </p:par>
+                      </p:childTnLst>
+                    </p:cTn>
+                  </p:par>
+                  <p:par>
+                    <p:cTn id="18" fill="hold">
+                      <p:stCondLst>
+                        <p:cond delay="indefinite"/>
+                      </p:stCondLst>
+                      <p:childTnLst>
+                        <p:par>
+                          <p:cTn id="19" fill="hold">
+                            <p:stCondLst>
+                              <p:cond delay="0"/>
+                            </p:stCondLst>
+                            <p:childTnLst>
+                              <p:par>
+                                <p:cTn id="20" presetID="10" presetClass="entr" presetSubtype="0" fill="hold" nodeType="clickEffect">
+                                  <p:stCondLst>
+                                    <p:cond delay="0"/>
+                                  </p:stCondLst>
+                                  <p:childTnLst>
+                                    <p:set>
+                                      <p:cBhvr>
+                                        <p:cTn id="21" dur="1" fill="hold">
+                                          <p:stCondLst>
+                                            <p:cond delay="0"/>
+                                          </p:stCondLst>
+                                        </p:cTn>
+                                        <p:tgtEl>
+                                          <p:spTgt spid="3">
+                                            <p:txEl>
+                                              <p:pRg st="3" end="3"/>
+                                            </p:txEl>
+                                          </p:spTgt>
+                                        </p:tgtEl>
+                                        <p:attrNameLst>
+                                          <p:attrName>style.visibility</p:attrName>
+                                        </p:attrNameLst>
+                                      </p:cBhvr>
+                                      <p:to>
+                                        <p:strVal val="visible"/>
+                                      </p:to>
+                                    </p:set>
+                                    <p:animEffect transition="in" filter="fade">
+                                      <p:cBhvr>
+                                        <p:cTn id="22" dur="500"/>
+                                        <p:tgtEl>
+                                          <p:spTgt spid="3">
+                                            <p:txEl>
+                                              <p:pRg st="3" end="3"/>
+                                            </p:txEl>
+                                          </p:spTgt>
+                                        </p:tgtEl>
+                                      </p:cBhvr>
+                                    </p:animEffect>
+                                  </p:childTnLst>
+                                </p:cTn>
+                              </p:par>
+                            </p:childTnLst>
+                          </p:cTn>
+                        </p:par>
+                      </p:childTnLst>
+                    </p:cTn>
+                  </p:par>
+                </p:childTnLst>
+              </p:cTn>
+              <p:prevCondLst>
+                <p:cond evt="onPrev" delay="0">
+                  <p:tgtEl>
+                    <p:sldTgt/>
+                  </p:tgtEl>
+                </p:cond>
+              </p:prevCondLst>
+              <p:nextCondLst>
+                <p:cond evt="onNext" delay="0">
+                  <p:tgtEl>
+                    <p:sldTgt/>
+                  </p:tgtEl>
+                </p:cond>
+              </p:nextCondLst>
+            </p:seq>
+          </p:childTnLst>
+        </p:cTn>
+      </p:par>
+    </p:tnLst>
+  </p:timing>
 </p:sld>
 </file>
 
@@ -20931,29 +20793,15 @@
             <p:ph type="title"/>
           </p:nvPr>
         </p:nvSpPr>
-        <p:spPr>
-          <a:xfrm>
-            <a:off x="248194" y="365126"/>
-            <a:ext cx="8647612" cy="1325563"/>
-          </a:xfrm>
-        </p:spPr>
+        <p:spPr/>
         <p:txBody>
           <a:bodyPr/>
           <a:lstStyle/>
           <a:p>
             <a:r>
-              <a:rPr lang="en-US" dirty="0" smtClean="0"/>
-              <a:t>1a. Self-reproducing program (</a:t>
-            </a:r>
-            <a:r>
-              <a:rPr lang="en-US" dirty="0" err="1" smtClean="0"/>
-              <a:t>Quine</a:t>
-            </a:r>
-            <a:r>
-              <a:rPr lang="en-US" dirty="0" smtClean="0"/>
-              <a:t>)</a:t>
-            </a:r>
-            <a:endParaRPr lang="en-US" dirty="0"/>
+              <a:rPr lang="en-US" dirty="0"/>
+              <a:t>4 stages of ”proof”</a:t>
+            </a:r>
           </a:p>
         </p:txBody>
       </p:sp>
@@ -20972,55 +20820,67 @@
           <a:bodyPr/>
           <a:lstStyle/>
           <a:p>
-            <a:r>
-              <a:rPr lang="en-US" dirty="0" smtClean="0"/>
-              <a:t>A source </a:t>
-            </a:r>
-            <a:r>
-              <a:rPr lang="en-US" dirty="0"/>
-              <a:t>program that, when compiled and executed, </a:t>
-            </a:r>
-            <a:r>
-              <a:rPr lang="en-US" dirty="0" smtClean="0"/>
-              <a:t>will produce as </a:t>
-            </a:r>
-            <a:r>
-              <a:rPr lang="en-US" dirty="0"/>
-              <a:t>output an exact copy of its source</a:t>
-            </a:r>
-            <a:r>
-              <a:rPr lang="en-US" dirty="0" smtClean="0"/>
-              <a:t>. (Thompson)</a:t>
-            </a:r>
-          </a:p>
-          <a:p>
-            <a:r>
-              <a:rPr lang="en-US" dirty="0" smtClean="0"/>
-              <a:t>To show </a:t>
-            </a:r>
-          </a:p>
-          <a:p>
-            <a:pPr marL="914400" lvl="1" indent="-457200">
+            <a:pPr marL="514350" indent="-514350">
               <a:buFont typeface="+mj-lt"/>
               <a:buAutoNum type="arabicPeriod"/>
             </a:pPr>
             <a:r>
-              <a:rPr lang="en-US" dirty="0" smtClean="0"/>
-              <a:t>A program can be written by another program</a:t>
-            </a:r>
-          </a:p>
-          <a:p>
-            <a:pPr marL="914400" lvl="1" indent="-457200">
+              <a:rPr lang="en-US" dirty="0"/>
+              <a:t>Self-reproducing program (</a:t>
+            </a:r>
+            <a:r>
+              <a:rPr lang="en-US" dirty="0" err="1"/>
+              <a:t>Quine</a:t>
+            </a:r>
+            <a:r>
+              <a:rPr lang="en-US" dirty="0"/>
+              <a:t>)</a:t>
+            </a:r>
+          </a:p>
+          <a:p>
+            <a:pPr marL="514350" indent="-514350">
               <a:buFont typeface="+mj-lt"/>
               <a:buAutoNum type="arabicPeriod"/>
             </a:pPr>
             <a:r>
-              <a:rPr lang="en-US" dirty="0" smtClean="0"/>
-              <a:t>A </a:t>
-            </a:r>
-            <a:r>
               <a:rPr lang="en-US" dirty="0"/>
-              <a:t>program can output extra text not relevant to printing itself.</a:t>
+              <a:t>Knowledge perpetuation</a:t>
+            </a:r>
+          </a:p>
+          <a:p>
+            <a:pPr marL="514350" indent="-514350">
+              <a:buFont typeface="+mj-lt"/>
+              <a:buAutoNum type="arabicPeriod"/>
+            </a:pPr>
+            <a:r>
+              <a:rPr lang="en-US" dirty="0"/>
+              <a:t>The attack</a:t>
+            </a:r>
+          </a:p>
+          <a:p>
+            <a:pPr marL="514350" indent="-514350">
+              <a:buFont typeface="+mj-lt"/>
+              <a:buAutoNum type="arabicPeriod"/>
+            </a:pPr>
+            <a:r>
+              <a:rPr lang="en-US" dirty="0"/>
+              <a:t>Subverting verification*</a:t>
+            </a:r>
+          </a:p>
+          <a:p>
+            <a:pPr marL="514350" indent="-514350">
+              <a:buFont typeface="+mj-lt"/>
+              <a:buAutoNum type="arabicPeriod"/>
+            </a:pPr>
+            <a:endParaRPr lang="en-US" dirty="0"/>
+          </a:p>
+          <a:p>
+            <a:pPr marL="0" indent="0">
+              <a:buNone/>
+            </a:pPr>
+            <a:r>
+              <a:rPr lang="en-US" dirty="0"/>
+              <a:t>Finally: The conclusion</a:t>
             </a:r>
           </a:p>
         </p:txBody>
@@ -21043,6 +20903,171 @@
             <a:fld id="{9705DC4D-6496-4D9B-AA35-AB22DFE8A2F2}" type="slidenum">
               <a:rPr lang="en-SG" smtClean="0"/>
               <a:t>7</a:t>
+            </a:fld>
+            <a:endParaRPr lang="en-SG"/>
+          </a:p>
+        </p:txBody>
+      </p:sp>
+      <p:sp>
+        <p:nvSpPr>
+          <p:cNvPr id="5" name="TextBox 4"/>
+          <p:cNvSpPr txBox="1"/>
+          <p:nvPr/>
+        </p:nvSpPr>
+        <p:spPr>
+          <a:xfrm>
+            <a:off x="628650" y="5987019"/>
+            <a:ext cx="2175596" cy="369332"/>
+          </a:xfrm>
+          <a:prstGeom prst="rect">
+            <a:avLst/>
+          </a:prstGeom>
+          <a:noFill/>
+        </p:spPr>
+        <p:txBody>
+          <a:bodyPr wrap="none" rtlCol="0">
+            <a:spAutoFit/>
+          </a:bodyPr>
+          <a:lstStyle/>
+          <a:p>
+            <a:r>
+              <a:rPr lang="en-SG" dirty="0"/>
+              <a:t>*My custom addition</a:t>
+            </a:r>
+          </a:p>
+        </p:txBody>
+      </p:sp>
+    </p:spTree>
+    <p:extLst>
+      <p:ext uri="{BB962C8B-B14F-4D97-AF65-F5344CB8AC3E}">
+        <p14:creationId xmlns:p14="http://schemas.microsoft.com/office/powerpoint/2010/main" val="42779500"/>
+      </p:ext>
+    </p:extLst>
+  </p:cSld>
+  <p:clrMapOvr>
+    <a:masterClrMapping/>
+  </p:clrMapOvr>
+</p:sld>
+</file>
+
+<file path=ppt/slides/slide8.xml><?xml version="1.0" encoding="utf-8"?>
+<p:sld xmlns:a="http://schemas.openxmlformats.org/drawingml/2006/main" xmlns:r="http://schemas.openxmlformats.org/officeDocument/2006/relationships" xmlns:p="http://schemas.openxmlformats.org/presentationml/2006/main">
+  <p:cSld>
+    <p:spTree>
+      <p:nvGrpSpPr>
+        <p:cNvPr id="1" name=""/>
+        <p:cNvGrpSpPr/>
+        <p:nvPr/>
+      </p:nvGrpSpPr>
+      <p:grpSpPr>
+        <a:xfrm>
+          <a:off x="0" y="0"/>
+          <a:ext cx="0" cy="0"/>
+          <a:chOff x="0" y="0"/>
+          <a:chExt cx="0" cy="0"/>
+        </a:xfrm>
+      </p:grpSpPr>
+      <p:sp>
+        <p:nvSpPr>
+          <p:cNvPr id="2" name="Title 1"/>
+          <p:cNvSpPr>
+            <a:spLocks noGrp="1"/>
+          </p:cNvSpPr>
+          <p:nvPr>
+            <p:ph type="title"/>
+          </p:nvPr>
+        </p:nvSpPr>
+        <p:spPr>
+          <a:xfrm>
+            <a:off x="248194" y="365126"/>
+            <a:ext cx="8647612" cy="1325563"/>
+          </a:xfrm>
+        </p:spPr>
+        <p:txBody>
+          <a:bodyPr/>
+          <a:lstStyle/>
+          <a:p>
+            <a:r>
+              <a:rPr lang="en-US" dirty="0"/>
+              <a:t>1a. Self-reproducing program (</a:t>
+            </a:r>
+            <a:r>
+              <a:rPr lang="en-US" dirty="0" err="1"/>
+              <a:t>Quine</a:t>
+            </a:r>
+            <a:r>
+              <a:rPr lang="en-US" dirty="0"/>
+              <a:t>)</a:t>
+            </a:r>
+          </a:p>
+        </p:txBody>
+      </p:sp>
+      <p:sp>
+        <p:nvSpPr>
+          <p:cNvPr id="3" name="Content Placeholder 2"/>
+          <p:cNvSpPr>
+            <a:spLocks noGrp="1"/>
+          </p:cNvSpPr>
+          <p:nvPr>
+            <p:ph idx="1"/>
+          </p:nvPr>
+        </p:nvSpPr>
+        <p:spPr/>
+        <p:txBody>
+          <a:bodyPr/>
+          <a:lstStyle/>
+          <a:p>
+            <a:r>
+              <a:rPr lang="en-US" dirty="0"/>
+              <a:t>A source program that, when compiled and executed, will produce as output an exact copy of its source. (Thompson)</a:t>
+            </a:r>
+          </a:p>
+          <a:p>
+            <a:r>
+              <a:rPr lang="en-US" dirty="0"/>
+              <a:t>To show </a:t>
+            </a:r>
+          </a:p>
+          <a:p>
+            <a:pPr marL="914400" lvl="1" indent="-457200">
+              <a:buFont typeface="+mj-lt"/>
+              <a:buAutoNum type="arabicPeriod"/>
+            </a:pPr>
+            <a:r>
+              <a:rPr lang="en-US" dirty="0"/>
+              <a:t>A program can be written by another program</a:t>
+            </a:r>
+          </a:p>
+          <a:p>
+            <a:pPr marL="914400" lvl="1" indent="-457200">
+              <a:buFont typeface="+mj-lt"/>
+              <a:buAutoNum type="arabicPeriod"/>
+            </a:pPr>
+            <a:r>
+              <a:rPr lang="en-US" dirty="0"/>
+              <a:t>A program can output extra text not relevant to printing itself.</a:t>
+            </a:r>
+          </a:p>
+        </p:txBody>
+      </p:sp>
+      <p:sp>
+        <p:nvSpPr>
+          <p:cNvPr id="4" name="Slide Number Placeholder 3"/>
+          <p:cNvSpPr>
+            <a:spLocks noGrp="1"/>
+          </p:cNvSpPr>
+          <p:nvPr>
+            <p:ph type="sldNum" sz="quarter" idx="12"/>
+          </p:nvPr>
+        </p:nvSpPr>
+        <p:spPr/>
+        <p:txBody>
+          <a:bodyPr/>
+          <a:lstStyle/>
+          <a:p>
+            <a:fld id="{9705DC4D-6496-4D9B-AA35-AB22DFE8A2F2}" type="slidenum">
+              <a:rPr lang="en-SG" smtClean="0"/>
+              <a:t>8</a:t>
             </a:fld>
             <a:endParaRPr lang="en-SG"/>
           </a:p>
@@ -21299,7 +21324,7 @@
 </p:sld>
 </file>
 
-<file path=ppt/slides/slide8.xml><?xml version="1.0" encoding="utf-8"?>
+<file path=ppt/slides/slide9.xml><?xml version="1.0" encoding="utf-8"?>
 <p:sld xmlns:a="http://schemas.openxmlformats.org/drawingml/2006/main" xmlns:r="http://schemas.openxmlformats.org/officeDocument/2006/relationships" xmlns:p="http://schemas.openxmlformats.org/presentationml/2006/main">
   <p:cSld>
     <p:spTree>
@@ -21337,10 +21362,9 @@
           <a:lstStyle/>
           <a:p>
             <a:r>
-              <a:rPr lang="en-US" dirty="0" smtClean="0"/>
+              <a:rPr lang="en-US" dirty="0"/>
               <a:t>1b. Demo</a:t>
             </a:r>
-            <a:endParaRPr lang="en-US" dirty="0"/>
           </a:p>
         </p:txBody>
       </p:sp>
@@ -21361,7 +21385,7 @@
           <a:p>
             <a:fld id="{9705DC4D-6496-4D9B-AA35-AB22DFE8A2F2}" type="slidenum">
               <a:rPr lang="en-SG" smtClean="0"/>
-              <a:t>8</a:t>
+              <a:t>9</a:t>
             </a:fld>
             <a:endParaRPr lang="en-SG"/>
           </a:p>
@@ -21395,14 +21419,14 @@
                 <a:gridCol w="3048000">
                   <a:extLst>
                     <a:ext uri="{9D8B030D-6E8A-4147-A177-3AD203B41FA5}">
-                      <a16:colId xmlns:a16="http://schemas.microsoft.com/office/drawing/2014/main" xmlns="" val="20000"/>
+                      <a16:colId xmlns:a16="http://schemas.microsoft.com/office/drawing/2014/main" val="20000"/>
                     </a:ext>
                   </a:extLst>
                 </a:gridCol>
                 <a:gridCol w="3048000">
                   <a:extLst>
                     <a:ext uri="{9D8B030D-6E8A-4147-A177-3AD203B41FA5}">
-                      <a16:colId xmlns:a16="http://schemas.microsoft.com/office/drawing/2014/main" xmlns="" val="20001"/>
+                      <a16:colId xmlns:a16="http://schemas.microsoft.com/office/drawing/2014/main" val="20001"/>
                     </a:ext>
                   </a:extLst>
                 </a:gridCol>
@@ -21414,10 +21438,9 @@
                     <a:lstStyle/>
                     <a:p>
                       <a:r>
-                        <a:rPr lang="en-US" dirty="0" smtClean="0"/>
+                        <a:rPr lang="en-US" dirty="0"/>
                         <a:t>Step</a:t>
                       </a:r>
-                      <a:endParaRPr lang="en-US" dirty="0"/>
                     </a:p>
                   </a:txBody>
                   <a:tcPr/>
@@ -21428,17 +21451,16 @@
                     <a:lstStyle/>
                     <a:p>
                       <a:r>
-                        <a:rPr lang="en-US" dirty="0" smtClean="0"/>
+                        <a:rPr lang="en-US" dirty="0"/>
                         <a:t>Command</a:t>
                       </a:r>
-                      <a:endParaRPr lang="en-US" dirty="0"/>
                     </a:p>
                   </a:txBody>
                   <a:tcPr/>
                 </a:tc>
                 <a:extLst>
                   <a:ext uri="{0D108BD9-81ED-4DB2-BD59-A6C34878D82A}">
-                    <a16:rowId xmlns:a16="http://schemas.microsoft.com/office/drawing/2014/main" xmlns="" val="10000"/>
+                    <a16:rowId xmlns:a16="http://schemas.microsoft.com/office/drawing/2014/main" val="10000"/>
                   </a:ext>
                 </a:extLst>
               </a:tr>
@@ -21449,10 +21471,9 @@
                     <a:lstStyle/>
                     <a:p>
                       <a:r>
-                        <a:rPr lang="en-US" dirty="0" smtClean="0"/>
+                        <a:rPr lang="en-US" dirty="0"/>
                         <a:t>Compile</a:t>
                       </a:r>
-                      <a:endParaRPr lang="en-US" dirty="0"/>
                     </a:p>
                   </a:txBody>
                   <a:tcPr/>
@@ -21480,33 +21501,33 @@
                         <a:defRPr/>
                       </a:pPr>
                       <a:r>
-                        <a:rPr lang="en-US" dirty="0" err="1" smtClean="0"/>
+                        <a:rPr lang="en-US" dirty="0" err="1"/>
                         <a:t>gcc</a:t>
                       </a:r>
                       <a:r>
-                        <a:rPr lang="en-US" dirty="0" smtClean="0"/>
+                        <a:rPr lang="en-US" dirty="0"/>
                         <a:t> </a:t>
                       </a:r>
                       <a:r>
-                        <a:rPr lang="en-US" dirty="0" err="1" smtClean="0"/>
+                        <a:rPr lang="en-US" dirty="0" err="1"/>
                         <a:t>quine.c</a:t>
                       </a:r>
                       <a:r>
-                        <a:rPr lang="en-US" dirty="0" smtClean="0"/>
+                        <a:rPr lang="en-US" dirty="0"/>
                         <a:t> -o </a:t>
                       </a:r>
                       <a:r>
-                        <a:rPr lang="en-US" dirty="0" err="1" smtClean="0"/>
+                        <a:rPr lang="en-US" dirty="0" err="1"/>
                         <a:t>quine.out</a:t>
                       </a:r>
-                      <a:endParaRPr lang="en-US" dirty="0" smtClean="0"/>
+                      <a:endParaRPr lang="en-US" dirty="0"/>
                     </a:p>
                   </a:txBody>
                   <a:tcPr/>
                 </a:tc>
                 <a:extLst>
                   <a:ext uri="{0D108BD9-81ED-4DB2-BD59-A6C34878D82A}">
-                    <a16:rowId xmlns:a16="http://schemas.microsoft.com/office/drawing/2014/main" xmlns="" val="10001"/>
+                    <a16:rowId xmlns:a16="http://schemas.microsoft.com/office/drawing/2014/main" val="10001"/>
                   </a:ext>
                 </a:extLst>
               </a:tr>
@@ -21517,10 +21538,9 @@
                     <a:lstStyle/>
                     <a:p>
                       <a:r>
-                        <a:rPr lang="en-US" dirty="0" smtClean="0"/>
+                        <a:rPr lang="en-US" dirty="0"/>
                         <a:t>Run</a:t>
                       </a:r>
-                      <a:endParaRPr lang="en-US" dirty="0"/>
                     </a:p>
                   </a:txBody>
                   <a:tcPr/>
@@ -21531,11 +21551,11 @@
                     <a:lstStyle/>
                     <a:p>
                       <a:r>
-                        <a:rPr lang="en-US" dirty="0" smtClean="0"/>
+                        <a:rPr lang="en-US" dirty="0"/>
                         <a:t>./</a:t>
                       </a:r>
                       <a:r>
-                        <a:rPr lang="en-US" dirty="0" err="1" smtClean="0"/>
+                        <a:rPr lang="en-US" dirty="0" err="1"/>
                         <a:t>quine.out</a:t>
                       </a:r>
                       <a:endParaRPr lang="en-US" dirty="0"/>
@@ -21545,7 +21565,7 @@
                 </a:tc>
                 <a:extLst>
                   <a:ext uri="{0D108BD9-81ED-4DB2-BD59-A6C34878D82A}">
-                    <a16:rowId xmlns:a16="http://schemas.microsoft.com/office/drawing/2014/main" xmlns="" val="10002"/>
+                    <a16:rowId xmlns:a16="http://schemas.microsoft.com/office/drawing/2014/main" val="10002"/>
                   </a:ext>
                 </a:extLst>
               </a:tr>
@@ -21556,18 +21576,17 @@
                     <a:lstStyle/>
                     <a:p>
                       <a:r>
-                        <a:rPr lang="en-US" dirty="0" smtClean="0"/>
+                        <a:rPr lang="en-US" dirty="0"/>
                         <a:t>Redirect output</a:t>
                       </a:r>
                       <a:r>
-                        <a:rPr lang="en-US" baseline="0" dirty="0" smtClean="0"/>
+                        <a:rPr lang="en-US" baseline="0" dirty="0"/>
                         <a:t> </a:t>
                       </a:r>
                       <a:r>
-                        <a:rPr lang="en-US" dirty="0" smtClean="0"/>
+                        <a:rPr lang="en-US" dirty="0"/>
                         <a:t>to file</a:t>
                       </a:r>
-                      <a:endParaRPr lang="en-US" dirty="0"/>
                     </a:p>
                   </a:txBody>
                   <a:tcPr/>
@@ -21595,29 +21614,29 @@
                         <a:defRPr/>
                       </a:pPr>
                       <a:r>
-                        <a:rPr lang="en-US" dirty="0" smtClean="0"/>
+                        <a:rPr lang="en-US" dirty="0"/>
                         <a:t>./</a:t>
                       </a:r>
                       <a:r>
-                        <a:rPr lang="en-US" dirty="0" err="1" smtClean="0"/>
+                        <a:rPr lang="en-US" dirty="0" err="1"/>
                         <a:t>quine.out</a:t>
                       </a:r>
                       <a:r>
-                        <a:rPr lang="en-US" dirty="0" smtClean="0"/>
+                        <a:rPr lang="en-US" dirty="0"/>
                         <a:t> &gt; </a:t>
                       </a:r>
                       <a:r>
-                        <a:rPr lang="en-US" dirty="0" err="1" smtClean="0"/>
+                        <a:rPr lang="en-US" dirty="0" err="1"/>
                         <a:t>newquine.c</a:t>
                       </a:r>
-                      <a:endParaRPr lang="en-US" dirty="0" smtClean="0"/>
+                      <a:endParaRPr lang="en-US" dirty="0"/>
                     </a:p>
                   </a:txBody>
                   <a:tcPr/>
                 </a:tc>
                 <a:extLst>
                   <a:ext uri="{0D108BD9-81ED-4DB2-BD59-A6C34878D82A}">
-                    <a16:rowId xmlns:a16="http://schemas.microsoft.com/office/drawing/2014/main" xmlns="" val="10003"/>
+                    <a16:rowId xmlns:a16="http://schemas.microsoft.com/office/drawing/2014/main" val="10003"/>
                   </a:ext>
                 </a:extLst>
               </a:tr>
@@ -21628,10 +21647,9 @@
                     <a:lstStyle/>
                     <a:p>
                       <a:r>
-                        <a:rPr lang="en-US" dirty="0" smtClean="0"/>
+                        <a:rPr lang="en-US" dirty="0"/>
                         <a:t>Open with text editor</a:t>
                       </a:r>
-                      <a:endParaRPr lang="en-US" dirty="0"/>
                     </a:p>
                   </a:txBody>
                   <a:tcPr/>
@@ -21659,21 +21677,21 @@
                         <a:defRPr/>
                       </a:pPr>
                       <a:r>
-                        <a:rPr lang="en-US" dirty="0" smtClean="0"/>
+                        <a:rPr lang="en-US" dirty="0"/>
                         <a:t>Use</a:t>
                       </a:r>
                       <a:r>
-                        <a:rPr lang="en-US" baseline="0" dirty="0" smtClean="0"/>
+                        <a:rPr lang="en-US" baseline="0" dirty="0"/>
                         <a:t> sublime/notepad</a:t>
                       </a:r>
-                      <a:endParaRPr lang="en-US" dirty="0" smtClean="0"/>
+                      <a:endParaRPr lang="en-US" dirty="0"/>
                     </a:p>
                   </a:txBody>
                   <a:tcPr/>
                 </a:tc>
                 <a:extLst>
                   <a:ext uri="{0D108BD9-81ED-4DB2-BD59-A6C34878D82A}">
-                    <a16:rowId xmlns:a16="http://schemas.microsoft.com/office/drawing/2014/main" xmlns="" val="10004"/>
+                    <a16:rowId xmlns:a16="http://schemas.microsoft.com/office/drawing/2014/main" val="10004"/>
                   </a:ext>
                 </a:extLst>
               </a:tr>
@@ -21684,10 +21702,9 @@
                     <a:lstStyle/>
                     <a:p>
                       <a:r>
-                        <a:rPr lang="en-US" dirty="0" smtClean="0"/>
+                        <a:rPr lang="en-US" dirty="0"/>
                         <a:t>Show equivalence </a:t>
                       </a:r>
-                      <a:endParaRPr lang="en-US" dirty="0"/>
                     </a:p>
                   </a:txBody>
                   <a:tcPr/>
@@ -21715,29 +21732,29 @@
                         <a:defRPr/>
                       </a:pPr>
                       <a:r>
-                        <a:rPr lang="en-US" dirty="0" smtClean="0"/>
+                        <a:rPr lang="en-US" dirty="0"/>
                         <a:t>diff </a:t>
                       </a:r>
                       <a:r>
-                        <a:rPr lang="en-US" dirty="0" err="1" smtClean="0"/>
+                        <a:rPr lang="en-US" dirty="0" err="1"/>
                         <a:t>quine.c</a:t>
                       </a:r>
                       <a:r>
-                        <a:rPr lang="en-US" dirty="0" smtClean="0"/>
+                        <a:rPr lang="en-US" dirty="0"/>
                         <a:t> </a:t>
                       </a:r>
                       <a:r>
-                        <a:rPr lang="en-US" dirty="0" err="1" smtClean="0"/>
+                        <a:rPr lang="en-US" dirty="0" err="1"/>
                         <a:t>newquine.c</a:t>
                       </a:r>
-                      <a:endParaRPr lang="en-US" dirty="0" smtClean="0"/>
+                      <a:endParaRPr lang="en-US" dirty="0"/>
                     </a:p>
                   </a:txBody>
                   <a:tcPr/>
                 </a:tc>
                 <a:extLst>
                   <a:ext uri="{0D108BD9-81ED-4DB2-BD59-A6C34878D82A}">
-                    <a16:rowId xmlns:a16="http://schemas.microsoft.com/office/drawing/2014/main" xmlns="" val="10005"/>
+                    <a16:rowId xmlns:a16="http://schemas.microsoft.com/office/drawing/2014/main" val="10005"/>
                   </a:ext>
                 </a:extLst>
               </a:tr>
@@ -21798,10 +21815,9 @@
           <a:lstStyle/>
           <a:p>
             <a:r>
-              <a:rPr lang="en-US" dirty="0" smtClean="0"/>
+              <a:rPr lang="en-US" dirty="0"/>
               <a:t>Go to stage1 directory:</a:t>
             </a:r>
-            <a:endParaRPr lang="en-US" dirty="0"/>
           </a:p>
         </p:txBody>
       </p:sp>
@@ -21809,138 +21825,6 @@
     <p:extLst>
       <p:ext uri="{BB962C8B-B14F-4D97-AF65-F5344CB8AC3E}">
         <p14:creationId xmlns:p14="http://schemas.microsoft.com/office/powerpoint/2010/main" val="86875311"/>
-      </p:ext>
-    </p:extLst>
-  </p:cSld>
-  <p:clrMapOvr>
-    <a:masterClrMapping/>
-  </p:clrMapOvr>
-</p:sld>
-</file>
-
-<file path=ppt/slides/slide9.xml><?xml version="1.0" encoding="utf-8"?>
-<p:sld xmlns:a="http://schemas.openxmlformats.org/drawingml/2006/main" xmlns:r="http://schemas.openxmlformats.org/officeDocument/2006/relationships" xmlns:p="http://schemas.openxmlformats.org/presentationml/2006/main">
-  <p:cSld>
-    <p:spTree>
-      <p:nvGrpSpPr>
-        <p:cNvPr id="1" name=""/>
-        <p:cNvGrpSpPr/>
-        <p:nvPr/>
-      </p:nvGrpSpPr>
-      <p:grpSpPr>
-        <a:xfrm>
-          <a:off x="0" y="0"/>
-          <a:ext cx="0" cy="0"/>
-          <a:chOff x="0" y="0"/>
-          <a:chExt cx="0" cy="0"/>
-        </a:xfrm>
-      </p:grpSpPr>
-      <p:sp>
-        <p:nvSpPr>
-          <p:cNvPr id="2" name="Title 1"/>
-          <p:cNvSpPr>
-            <a:spLocks noGrp="1"/>
-          </p:cNvSpPr>
-          <p:nvPr>
-            <p:ph type="title"/>
-          </p:nvPr>
-        </p:nvSpPr>
-        <p:spPr>
-          <a:xfrm>
-            <a:off x="248194" y="365126"/>
-            <a:ext cx="8647612" cy="1325563"/>
-          </a:xfrm>
-        </p:spPr>
-        <p:txBody>
-          <a:bodyPr/>
-          <a:lstStyle/>
-          <a:p>
-            <a:r>
-              <a:rPr lang="en-US" dirty="0" smtClean="0"/>
-              <a:t>2a. Knowledge propagation</a:t>
-            </a:r>
-            <a:endParaRPr lang="en-US" dirty="0"/>
-          </a:p>
-        </p:txBody>
-      </p:sp>
-      <p:sp>
-        <p:nvSpPr>
-          <p:cNvPr id="3" name="Content Placeholder 2"/>
-          <p:cNvSpPr>
-            <a:spLocks noGrp="1"/>
-          </p:cNvSpPr>
-          <p:nvPr>
-            <p:ph idx="1"/>
-          </p:nvPr>
-        </p:nvSpPr>
-        <p:spPr/>
-        <p:txBody>
-          <a:bodyPr>
-            <a:normAutofit/>
-          </a:bodyPr>
-          <a:lstStyle/>
-          <a:p>
-            <a:r>
-              <a:rPr lang="en-US" dirty="0" smtClean="0"/>
-              <a:t>Knowledge gained in first iteration of compiler passed down to subsequent “generations”</a:t>
-            </a:r>
-          </a:p>
-          <a:p>
-            <a:r>
-              <a:rPr lang="en-US" dirty="0" smtClean="0"/>
-              <a:t>Compiler training</a:t>
-            </a:r>
-          </a:p>
-          <a:p>
-            <a:pPr lvl="1"/>
-            <a:r>
-              <a:rPr lang="en-US" dirty="0" err="1" smtClean="0"/>
-              <a:t>Recognising</a:t>
-            </a:r>
-            <a:r>
-              <a:rPr lang="en-US" dirty="0" smtClean="0"/>
-              <a:t> a new data type</a:t>
-            </a:r>
-          </a:p>
-          <a:p>
-            <a:endParaRPr lang="en-US" dirty="0"/>
-          </a:p>
-          <a:p>
-            <a:r>
-              <a:rPr lang="en-US" dirty="0" smtClean="0"/>
-              <a:t>Similar to bootstrapping the compiler</a:t>
-            </a:r>
-            <a:endParaRPr lang="en-US" dirty="0"/>
-          </a:p>
-        </p:txBody>
-      </p:sp>
-      <p:sp>
-        <p:nvSpPr>
-          <p:cNvPr id="4" name="Slide Number Placeholder 3"/>
-          <p:cNvSpPr>
-            <a:spLocks noGrp="1"/>
-          </p:cNvSpPr>
-          <p:nvPr>
-            <p:ph type="sldNum" sz="quarter" idx="12"/>
-          </p:nvPr>
-        </p:nvSpPr>
-        <p:spPr/>
-        <p:txBody>
-          <a:bodyPr/>
-          <a:lstStyle/>
-          <a:p>
-            <a:fld id="{9705DC4D-6496-4D9B-AA35-AB22DFE8A2F2}" type="slidenum">
-              <a:rPr lang="en-SG" smtClean="0"/>
-              <a:t>9</a:t>
-            </a:fld>
-            <a:endParaRPr lang="en-SG"/>
-          </a:p>
-        </p:txBody>
-      </p:sp>
-    </p:spTree>
-    <p:extLst>
-      <p:ext uri="{BB962C8B-B14F-4D97-AF65-F5344CB8AC3E}">
-        <p14:creationId xmlns:p14="http://schemas.microsoft.com/office/powerpoint/2010/main" val="3082612011"/>
       </p:ext>
     </p:extLst>
   </p:cSld>

--- a/reflections-on-trusting-trust-slides.pptx
+++ b/reflections-on-trusting-trust-slides.pptx
@@ -238,7 +238,7 @@
           <a:p>
             <a:fld id="{DBB36151-A010-D04C-8956-928746249808}" type="datetimeFigureOut">
               <a:rPr lang="en-US" smtClean="0"/>
-              <a:t>3/5/2016</a:t>
+              <a:t>3/3/17</a:t>
             </a:fld>
             <a:endParaRPr lang="en-US"/>
           </a:p>
@@ -403,7 +403,7 @@
           <a:p>
             <a:fld id="{A4C7C88C-CDFE-4350-B2C5-3C6CAEFDB07C}" type="datetimeFigureOut">
               <a:rPr lang="en-SG" smtClean="0"/>
-              <a:t>5/3/2016</a:t>
+              <a:t>3/3/17</a:t>
             </a:fld>
             <a:endParaRPr lang="en-SG"/>
           </a:p>
@@ -671,6 +671,174 @@
 </p:notesMaster>
 </file>
 
+<file path=ppt/notesSlides/notesSlide1.xml><?xml version="1.0" encoding="utf-8"?>
+<p:notes xmlns:a="http://schemas.openxmlformats.org/drawingml/2006/main" xmlns:r="http://schemas.openxmlformats.org/officeDocument/2006/relationships" xmlns:p="http://schemas.openxmlformats.org/presentationml/2006/main">
+  <p:cSld>
+    <p:spTree>
+      <p:nvGrpSpPr>
+        <p:cNvPr id="1" name=""/>
+        <p:cNvGrpSpPr/>
+        <p:nvPr/>
+      </p:nvGrpSpPr>
+      <p:grpSpPr>
+        <a:xfrm>
+          <a:off x="0" y="0"/>
+          <a:ext cx="0" cy="0"/>
+          <a:chOff x="0" y="0"/>
+          <a:chExt cx="0" cy="0"/>
+        </a:xfrm>
+      </p:grpSpPr>
+      <p:sp>
+        <p:nvSpPr>
+          <p:cNvPr id="2" name="Slide Image Placeholder 1"/>
+          <p:cNvSpPr>
+            <a:spLocks noGrp="1" noRot="1" noChangeAspect="1"/>
+          </p:cNvSpPr>
+          <p:nvPr>
+            <p:ph type="sldImg"/>
+          </p:nvPr>
+        </p:nvSpPr>
+        <p:spPr/>
+      </p:sp>
+      <p:sp>
+        <p:nvSpPr>
+          <p:cNvPr id="3" name="Notes Placeholder 2"/>
+          <p:cNvSpPr>
+            <a:spLocks noGrp="1"/>
+          </p:cNvSpPr>
+          <p:nvPr>
+            <p:ph type="body" idx="1"/>
+          </p:nvPr>
+        </p:nvSpPr>
+        <p:spPr/>
+        <p:txBody>
+          <a:bodyPr/>
+          <a:lstStyle/>
+          <a:p>
+            <a:endParaRPr lang="en-US" dirty="0"/>
+          </a:p>
+        </p:txBody>
+      </p:sp>
+      <p:sp>
+        <p:nvSpPr>
+          <p:cNvPr id="4" name="Slide Number Placeholder 3"/>
+          <p:cNvSpPr>
+            <a:spLocks noGrp="1"/>
+          </p:cNvSpPr>
+          <p:nvPr>
+            <p:ph type="sldNum" sz="quarter" idx="10"/>
+          </p:nvPr>
+        </p:nvSpPr>
+        <p:spPr/>
+        <p:txBody>
+          <a:bodyPr/>
+          <a:lstStyle/>
+          <a:p>
+            <a:fld id="{1B99F681-B4F0-403D-8E4F-41A314F04FC9}" type="slidenum">
+              <a:rPr lang="en-SG" smtClean="0"/>
+              <a:t>22</a:t>
+            </a:fld>
+            <a:endParaRPr lang="en-SG"/>
+          </a:p>
+        </p:txBody>
+      </p:sp>
+    </p:spTree>
+    <p:extLst>
+      <p:ext uri="{BB962C8B-B14F-4D97-AF65-F5344CB8AC3E}">
+        <p14:creationId xmlns:p14="http://schemas.microsoft.com/office/powerpoint/2010/main" val="1317213315"/>
+      </p:ext>
+    </p:extLst>
+  </p:cSld>
+  <p:clrMapOvr>
+    <a:masterClrMapping/>
+  </p:clrMapOvr>
+</p:notes>
+</file>
+
+<file path=ppt/notesSlides/notesSlide2.xml><?xml version="1.0" encoding="utf-8"?>
+<p:notes xmlns:a="http://schemas.openxmlformats.org/drawingml/2006/main" xmlns:r="http://schemas.openxmlformats.org/officeDocument/2006/relationships" xmlns:p="http://schemas.openxmlformats.org/presentationml/2006/main">
+  <p:cSld>
+    <p:spTree>
+      <p:nvGrpSpPr>
+        <p:cNvPr id="1" name=""/>
+        <p:cNvGrpSpPr/>
+        <p:nvPr/>
+      </p:nvGrpSpPr>
+      <p:grpSpPr>
+        <a:xfrm>
+          <a:off x="0" y="0"/>
+          <a:ext cx="0" cy="0"/>
+          <a:chOff x="0" y="0"/>
+          <a:chExt cx="0" cy="0"/>
+        </a:xfrm>
+      </p:grpSpPr>
+      <p:sp>
+        <p:nvSpPr>
+          <p:cNvPr id="2" name="Slide Image Placeholder 1"/>
+          <p:cNvSpPr>
+            <a:spLocks noGrp="1" noRot="1" noChangeAspect="1"/>
+          </p:cNvSpPr>
+          <p:nvPr>
+            <p:ph type="sldImg"/>
+          </p:nvPr>
+        </p:nvSpPr>
+        <p:spPr/>
+      </p:sp>
+      <p:sp>
+        <p:nvSpPr>
+          <p:cNvPr id="3" name="Notes Placeholder 2"/>
+          <p:cNvSpPr>
+            <a:spLocks noGrp="1"/>
+          </p:cNvSpPr>
+          <p:nvPr>
+            <p:ph type="body" idx="1"/>
+          </p:nvPr>
+        </p:nvSpPr>
+        <p:spPr/>
+        <p:txBody>
+          <a:bodyPr/>
+          <a:lstStyle/>
+          <a:p>
+            <a:endParaRPr lang="en-US" dirty="0"/>
+          </a:p>
+        </p:txBody>
+      </p:sp>
+      <p:sp>
+        <p:nvSpPr>
+          <p:cNvPr id="4" name="Slide Number Placeholder 3"/>
+          <p:cNvSpPr>
+            <a:spLocks noGrp="1"/>
+          </p:cNvSpPr>
+          <p:nvPr>
+            <p:ph type="sldNum" sz="quarter" idx="10"/>
+          </p:nvPr>
+        </p:nvSpPr>
+        <p:spPr/>
+        <p:txBody>
+          <a:bodyPr/>
+          <a:lstStyle/>
+          <a:p>
+            <a:fld id="{1B99F681-B4F0-403D-8E4F-41A314F04FC9}" type="slidenum">
+              <a:rPr lang="en-SG" smtClean="0"/>
+              <a:t>24</a:t>
+            </a:fld>
+            <a:endParaRPr lang="en-SG"/>
+          </a:p>
+        </p:txBody>
+      </p:sp>
+    </p:spTree>
+    <p:extLst>
+      <p:ext uri="{BB962C8B-B14F-4D97-AF65-F5344CB8AC3E}">
+        <p14:creationId xmlns:p14="http://schemas.microsoft.com/office/powerpoint/2010/main" val="1530627800"/>
+      </p:ext>
+    </p:extLst>
+  </p:cSld>
+  <p:clrMapOvr>
+    <a:masterClrMapping/>
+  </p:clrMapOvr>
+</p:notes>
+</file>
+
 <file path=ppt/slideLayouts/slideLayout1.xml><?xml version="1.0" encoding="utf-8"?>
 <p:sldLayout xmlns:a="http://schemas.openxmlformats.org/drawingml/2006/main" xmlns:r="http://schemas.openxmlformats.org/officeDocument/2006/relationships" xmlns:p="http://schemas.openxmlformats.org/presentationml/2006/main" type="title" preserve="1">
   <p:cSld name="Title Slide">
@@ -802,7 +970,7 @@
           <a:p>
             <a:fld id="{422F67E2-38E7-4A1D-97B7-1A3D76F52D34}" type="datetime1">
               <a:rPr lang="en-SG" smtClean="0"/>
-              <a:t>5/3/2016</a:t>
+              <a:t>3/3/17</a:t>
             </a:fld>
             <a:endParaRPr lang="en-SG"/>
           </a:p>
@@ -972,7 +1140,7 @@
           <a:p>
             <a:fld id="{571D26BE-CF29-49E8-90A9-693FA176DA2E}" type="datetime1">
               <a:rPr lang="en-SG" smtClean="0"/>
-              <a:t>5/3/2016</a:t>
+              <a:t>3/3/17</a:t>
             </a:fld>
             <a:endParaRPr lang="en-SG"/>
           </a:p>
@@ -1152,7 +1320,7 @@
           <a:p>
             <a:fld id="{9465F57D-487B-4FA9-9804-4E6B1445D87E}" type="datetime1">
               <a:rPr lang="en-SG" smtClean="0"/>
-              <a:t>5/3/2016</a:t>
+              <a:t>3/3/17</a:t>
             </a:fld>
             <a:endParaRPr lang="en-SG"/>
           </a:p>
@@ -1322,7 +1490,7 @@
           <a:p>
             <a:fld id="{FF100F33-09D9-4424-9CFF-3583AE8E001C}" type="datetime1">
               <a:rPr lang="en-SG" smtClean="0"/>
-              <a:t>5/3/2016</a:t>
+              <a:t>3/3/17</a:t>
             </a:fld>
             <a:endParaRPr lang="en-SG"/>
           </a:p>
@@ -1566,7 +1734,7 @@
           <a:p>
             <a:fld id="{FEDF4C57-AE9B-4009-AE25-E54332066983}" type="datetime1">
               <a:rPr lang="en-SG" smtClean="0"/>
-              <a:t>5/3/2016</a:t>
+              <a:t>3/3/17</a:t>
             </a:fld>
             <a:endParaRPr lang="en-SG"/>
           </a:p>
@@ -1798,7 +1966,7 @@
           <a:p>
             <a:fld id="{8804DBDF-77D8-4526-82F0-2FD9258F6F4E}" type="datetime1">
               <a:rPr lang="en-SG" smtClean="0"/>
-              <a:t>5/3/2016</a:t>
+              <a:t>3/3/17</a:t>
             </a:fld>
             <a:endParaRPr lang="en-SG"/>
           </a:p>
@@ -2165,7 +2333,7 @@
           <a:p>
             <a:fld id="{2EDDACF3-1137-43EC-8B9B-FFC39405A05F}" type="datetime1">
               <a:rPr lang="en-SG" smtClean="0"/>
-              <a:t>5/3/2016</a:t>
+              <a:t>3/3/17</a:t>
             </a:fld>
             <a:endParaRPr lang="en-SG"/>
           </a:p>
@@ -2283,7 +2451,7 @@
           <a:p>
             <a:fld id="{7EA35B8A-1AE7-4E07-AA62-B18CC233816A}" type="datetime1">
               <a:rPr lang="en-SG" smtClean="0"/>
-              <a:t>5/3/2016</a:t>
+              <a:t>3/3/17</a:t>
             </a:fld>
             <a:endParaRPr lang="en-SG"/>
           </a:p>
@@ -2378,7 +2546,7 @@
           <a:p>
             <a:fld id="{3E5DB0B1-4D46-4B8D-87D9-ED3A0D6268D9}" type="datetime1">
               <a:rPr lang="en-SG" smtClean="0"/>
-              <a:t>5/3/2016</a:t>
+              <a:t>3/3/17</a:t>
             </a:fld>
             <a:endParaRPr lang="en-SG"/>
           </a:p>
@@ -2655,7 +2823,7 @@
           <a:p>
             <a:fld id="{B5FAF827-52F0-4265-95B3-9B7BE33238A1}" type="datetime1">
               <a:rPr lang="en-SG" smtClean="0"/>
-              <a:t>5/3/2016</a:t>
+              <a:t>3/3/17</a:t>
             </a:fld>
             <a:endParaRPr lang="en-SG"/>
           </a:p>
@@ -2912,7 +3080,7 @@
           <a:p>
             <a:fld id="{FB910920-7330-4500-8EED-E7F9B59504DB}" type="datetime1">
               <a:rPr lang="en-SG" smtClean="0"/>
-              <a:t>5/3/2016</a:t>
+              <a:t>3/3/17</a:t>
             </a:fld>
             <a:endParaRPr lang="en-SG"/>
           </a:p>
@@ -3125,7 +3293,7 @@
           <a:p>
             <a:fld id="{049282E9-B576-43F6-B614-0FB8874DC925}" type="datetime1">
               <a:rPr lang="en-SG" smtClean="0"/>
-              <a:t>5/3/2016</a:t>
+              <a:t>3/3/17</a:t>
             </a:fld>
             <a:endParaRPr lang="en-SG"/>
           </a:p>
@@ -3687,7 +3855,7 @@
         <p:spPr>
           <a:xfrm>
             <a:off x="36933" y="6030199"/>
-            <a:ext cx="4810370" cy="584775"/>
+            <a:ext cx="4810370" cy="830997"/>
           </a:xfrm>
           <a:prstGeom prst="rect">
             <a:avLst/>
@@ -3701,8 +3869,18 @@
           <a:lstStyle/>
           <a:p>
             <a:r>
+              <a:rPr lang="en-SG" sz="1600" dirty="0" smtClean="0"/>
+              <a:t>SP Digital Tech Talk (9 Mar 2017)</a:t>
+            </a:r>
+          </a:p>
+          <a:p>
+            <a:r>
+              <a:rPr lang="en-SG" sz="1600" dirty="0" smtClean="0"/>
+              <a:t>Security </a:t>
+            </a:r>
+            <a:r>
               <a:rPr lang="en-SG" sz="1600" dirty="0"/>
-              <a:t>Security Wednesdays #8 @ NUS </a:t>
+              <a:t>Wednesdays #8 @ NUS </a:t>
             </a:r>
             <a:r>
               <a:rPr lang="en-SG" sz="1600" dirty="0" err="1"/>
@@ -3811,6 +3989,13 @@
       </p:transition>
     </mc:Fallback>
   </mc:AlternateContent>
+  <p:timing>
+    <p:tnLst>
+      <p:par>
+        <p:cTn id="1" dur="indefinite" restart="never" nodeType="tmRoot"/>
+      </p:par>
+    </p:tnLst>
+  </p:timing>
 </p:sld>
 </file>
 
@@ -3883,8 +4068,13 @@
           <a:p>
             <a:r>
               <a:rPr lang="en-US" dirty="0"/>
-              <a:t>Compiler training</a:t>
-            </a:r>
+              <a:t>Compiler </a:t>
+            </a:r>
+            <a:r>
+              <a:rPr lang="en-US" dirty="0" smtClean="0"/>
+              <a:t>bootstrapping</a:t>
+            </a:r>
+            <a:endParaRPr lang="en-US" dirty="0"/>
           </a:p>
           <a:p>
             <a:pPr lvl="1"/>
@@ -3894,17 +4084,34 @@
             </a:r>
             <a:r>
               <a:rPr lang="en-US" dirty="0"/>
-              <a:t> a new data type</a:t>
-            </a:r>
-          </a:p>
-          <a:p>
+              <a:t> a new data </a:t>
+            </a:r>
+            <a:r>
+              <a:rPr lang="en-US" dirty="0" smtClean="0"/>
+              <a:t>type</a:t>
+            </a:r>
+          </a:p>
+          <a:p>
+            <a:pPr lvl="1"/>
+            <a:r>
+              <a:rPr lang="en-US" dirty="0" smtClean="0"/>
+              <a:t>Child compilers can subsequently </a:t>
+            </a:r>
+            <a:r>
+              <a:rPr lang="en-US" dirty="0" err="1" smtClean="0"/>
+              <a:t>recognise</a:t>
+            </a:r>
+            <a:r>
+              <a:rPr lang="en-US" dirty="0" smtClean="0"/>
+              <a:t> it</a:t>
+            </a:r>
+          </a:p>
+          <a:p>
+            <a:pPr lvl="1"/>
             <a:endParaRPr lang="en-US" dirty="0"/>
           </a:p>
           <a:p>
-            <a:r>
-              <a:rPr lang="en-US" dirty="0"/>
-              <a:t>Similar to bootstrapping the compiler</a:t>
-            </a:r>
+            <a:endParaRPr lang="en-US" dirty="0"/>
           </a:p>
         </p:txBody>
       </p:sp>
@@ -3941,6 +4148,13 @@
   <p:clrMapOvr>
     <a:masterClrMapping/>
   </p:clrMapOvr>
+  <p:timing>
+    <p:tnLst>
+      <p:par>
+        <p:cTn id="1" dur="indefinite" restart="never" nodeType="tmRoot"/>
+      </p:par>
+    </p:tnLst>
+  </p:timing>
 </p:sld>
 </file>
 
@@ -4084,6 +4298,13 @@
   <p:clrMapOvr>
     <a:masterClrMapping/>
   </p:clrMapOvr>
+  <p:timing>
+    <p:tnLst>
+      <p:par>
+        <p:cTn id="1" dur="indefinite" restart="never" nodeType="tmRoot"/>
+      </p:par>
+    </p:tnLst>
+  </p:timing>
 </p:sld>
 </file>
 
@@ -4238,14 +4459,14 @@
                 <a:gridCol w="3744686">
                   <a:extLst>
                     <a:ext uri="{9D8B030D-6E8A-4147-A177-3AD203B41FA5}">
-                      <a16:colId xmlns:a16="http://schemas.microsoft.com/office/drawing/2014/main" val="20000"/>
+                      <a16:colId xmlns="" xmlns:a16="http://schemas.microsoft.com/office/drawing/2014/main" val="20000"/>
                     </a:ext>
                   </a:extLst>
                 </a:gridCol>
                 <a:gridCol w="3744686">
                   <a:extLst>
                     <a:ext uri="{9D8B030D-6E8A-4147-A177-3AD203B41FA5}">
-                      <a16:colId xmlns:a16="http://schemas.microsoft.com/office/drawing/2014/main" val="20001"/>
+                      <a16:colId xmlns="" xmlns:a16="http://schemas.microsoft.com/office/drawing/2014/main" val="20001"/>
                     </a:ext>
                   </a:extLst>
                 </a:gridCol>
@@ -4279,7 +4500,7 @@
                 </a:tc>
                 <a:extLst>
                   <a:ext uri="{0D108BD9-81ED-4DB2-BD59-A6C34878D82A}">
-                    <a16:rowId xmlns:a16="http://schemas.microsoft.com/office/drawing/2014/main" val="10000"/>
+                    <a16:rowId xmlns="" xmlns:a16="http://schemas.microsoft.com/office/drawing/2014/main" val="10000"/>
                   </a:ext>
                 </a:extLst>
               </a:tr>
@@ -4317,7 +4538,7 @@
                 </a:tc>
                 <a:extLst>
                   <a:ext uri="{0D108BD9-81ED-4DB2-BD59-A6C34878D82A}">
-                    <a16:rowId xmlns:a16="http://schemas.microsoft.com/office/drawing/2014/main" val="10001"/>
+                    <a16:rowId xmlns="" xmlns:a16="http://schemas.microsoft.com/office/drawing/2014/main" val="10001"/>
                   </a:ext>
                 </a:extLst>
               </a:tr>
@@ -4372,7 +4593,7 @@
                 </a:tc>
                 <a:extLst>
                   <a:ext uri="{0D108BD9-81ED-4DB2-BD59-A6C34878D82A}">
-                    <a16:rowId xmlns:a16="http://schemas.microsoft.com/office/drawing/2014/main" val="10002"/>
+                    <a16:rowId xmlns="" xmlns:a16="http://schemas.microsoft.com/office/drawing/2014/main" val="10002"/>
                   </a:ext>
                 </a:extLst>
               </a:tr>
@@ -4410,7 +4631,7 @@
                 </a:tc>
                 <a:extLst>
                   <a:ext uri="{0D108BD9-81ED-4DB2-BD59-A6C34878D82A}">
-                    <a16:rowId xmlns:a16="http://schemas.microsoft.com/office/drawing/2014/main" val="10003"/>
+                    <a16:rowId xmlns="" xmlns:a16="http://schemas.microsoft.com/office/drawing/2014/main" val="10003"/>
                   </a:ext>
                 </a:extLst>
               </a:tr>
@@ -4469,7 +4690,7 @@
                 </a:tc>
                 <a:extLst>
                   <a:ext uri="{0D108BD9-81ED-4DB2-BD59-A6C34878D82A}">
-                    <a16:rowId xmlns:a16="http://schemas.microsoft.com/office/drawing/2014/main" val="10004"/>
+                    <a16:rowId xmlns="" xmlns:a16="http://schemas.microsoft.com/office/drawing/2014/main" val="10004"/>
                   </a:ext>
                 </a:extLst>
               </a:tr>
@@ -4533,7 +4754,7 @@
                 </a:tc>
                 <a:extLst>
                   <a:ext uri="{0D108BD9-81ED-4DB2-BD59-A6C34878D82A}">
-                    <a16:rowId xmlns:a16="http://schemas.microsoft.com/office/drawing/2014/main" val="10005"/>
+                    <a16:rowId xmlns="" xmlns:a16="http://schemas.microsoft.com/office/drawing/2014/main" val="10005"/>
                   </a:ext>
                 </a:extLst>
               </a:tr>
@@ -4551,6 +4772,13 @@
   <p:clrMapOvr>
     <a:masterClrMapping/>
   </p:clrMapOvr>
+  <p:timing>
+    <p:tnLst>
+      <p:par>
+        <p:cTn id="1" dur="indefinite" restart="never" nodeType="tmRoot"/>
+      </p:par>
+    </p:tnLst>
+  </p:timing>
 </p:sld>
 </file>
 
@@ -4702,14 +4930,14 @@
                 <a:gridCol w="4080222">
                   <a:extLst>
                     <a:ext uri="{9D8B030D-6E8A-4147-A177-3AD203B41FA5}">
-                      <a16:colId xmlns:a16="http://schemas.microsoft.com/office/drawing/2014/main" val="20000"/>
+                      <a16:colId xmlns="" xmlns:a16="http://schemas.microsoft.com/office/drawing/2014/main" val="20000"/>
                     </a:ext>
                   </a:extLst>
                 </a:gridCol>
                 <a:gridCol w="4910098">
                   <a:extLst>
                     <a:ext uri="{9D8B030D-6E8A-4147-A177-3AD203B41FA5}">
-                      <a16:colId xmlns:a16="http://schemas.microsoft.com/office/drawing/2014/main" val="20001"/>
+                      <a16:colId xmlns="" xmlns:a16="http://schemas.microsoft.com/office/drawing/2014/main" val="20001"/>
                     </a:ext>
                   </a:extLst>
                 </a:gridCol>
@@ -4743,7 +4971,7 @@
                 </a:tc>
                 <a:extLst>
                   <a:ext uri="{0D108BD9-81ED-4DB2-BD59-A6C34878D82A}">
-                    <a16:rowId xmlns:a16="http://schemas.microsoft.com/office/drawing/2014/main" val="10000"/>
+                    <a16:rowId xmlns="" xmlns:a16="http://schemas.microsoft.com/office/drawing/2014/main" val="10000"/>
                   </a:ext>
                 </a:extLst>
               </a:tr>
@@ -4790,7 +5018,7 @@
                 </a:tc>
                 <a:extLst>
                   <a:ext uri="{0D108BD9-81ED-4DB2-BD59-A6C34878D82A}">
-                    <a16:rowId xmlns:a16="http://schemas.microsoft.com/office/drawing/2014/main" val="10001"/>
+                    <a16:rowId xmlns="" xmlns:a16="http://schemas.microsoft.com/office/drawing/2014/main" val="10001"/>
                   </a:ext>
                 </a:extLst>
               </a:tr>
@@ -4875,7 +5103,7 @@
                 </a:tc>
                 <a:extLst>
                   <a:ext uri="{0D108BD9-81ED-4DB2-BD59-A6C34878D82A}">
-                    <a16:rowId xmlns:a16="http://schemas.microsoft.com/office/drawing/2014/main" val="10002"/>
+                    <a16:rowId xmlns="" xmlns:a16="http://schemas.microsoft.com/office/drawing/2014/main" val="10002"/>
                   </a:ext>
                 </a:extLst>
               </a:tr>
@@ -4918,7 +5146,7 @@
                 </a:tc>
                 <a:extLst>
                   <a:ext uri="{0D108BD9-81ED-4DB2-BD59-A6C34878D82A}">
-                    <a16:rowId xmlns:a16="http://schemas.microsoft.com/office/drawing/2014/main" val="10003"/>
+                    <a16:rowId xmlns="" xmlns:a16="http://schemas.microsoft.com/office/drawing/2014/main" val="10003"/>
                   </a:ext>
                 </a:extLst>
               </a:tr>
@@ -4980,7 +5208,7 @@
                 </a:tc>
                 <a:extLst>
                   <a:ext uri="{0D108BD9-81ED-4DB2-BD59-A6C34878D82A}">
-                    <a16:rowId xmlns:a16="http://schemas.microsoft.com/office/drawing/2014/main" val="10004"/>
+                    <a16:rowId xmlns="" xmlns:a16="http://schemas.microsoft.com/office/drawing/2014/main" val="10004"/>
                   </a:ext>
                 </a:extLst>
               </a:tr>
@@ -5043,7 +5271,7 @@
                 </a:tc>
                 <a:extLst>
                   <a:ext uri="{0D108BD9-81ED-4DB2-BD59-A6C34878D82A}">
-                    <a16:rowId xmlns:a16="http://schemas.microsoft.com/office/drawing/2014/main" val="10005"/>
+                    <a16:rowId xmlns="" xmlns:a16="http://schemas.microsoft.com/office/drawing/2014/main" val="10005"/>
                   </a:ext>
                 </a:extLst>
               </a:tr>
@@ -5089,7 +5317,7 @@
                 </a:tc>
                 <a:extLst>
                   <a:ext uri="{0D108BD9-81ED-4DB2-BD59-A6C34878D82A}">
-                    <a16:rowId xmlns:a16="http://schemas.microsoft.com/office/drawing/2014/main" val="10006"/>
+                    <a16:rowId xmlns="" xmlns:a16="http://schemas.microsoft.com/office/drawing/2014/main" val="10006"/>
                   </a:ext>
                 </a:extLst>
               </a:tr>
@@ -5137,6 +5365,13 @@
   <p:clrMapOvr>
     <a:masterClrMapping/>
   </p:clrMapOvr>
+  <p:timing>
+    <p:tnLst>
+      <p:par>
+        <p:cTn id="1" dur="indefinite" restart="never" nodeType="tmRoot"/>
+      </p:par>
+    </p:tnLst>
+  </p:timing>
 </p:sld>
 </file>
 
@@ -5323,6 +5558,13 @@
   <p:clrMapOvr>
     <a:masterClrMapping/>
   </p:clrMapOvr>
+  <p:timing>
+    <p:tnLst>
+      <p:par>
+        <p:cTn id="1" dur="indefinite" restart="never" nodeType="tmRoot"/>
+      </p:par>
+    </p:tnLst>
+  </p:timing>
 </p:sld>
 </file>
 
@@ -5791,6 +6033,13 @@
   <p:clrMapOvr>
     <a:masterClrMapping/>
   </p:clrMapOvr>
+  <p:timing>
+    <p:tnLst>
+      <p:par>
+        <p:cTn id="1" dur="indefinite" restart="never" nodeType="tmRoot"/>
+      </p:par>
+    </p:tnLst>
+  </p:timing>
 </p:sld>
 </file>
 
@@ -6003,6 +6252,13 @@
   <p:clrMapOvr>
     <a:masterClrMapping/>
   </p:clrMapOvr>
+  <p:timing>
+    <p:tnLst>
+      <p:par>
+        <p:cTn id="1" dur="indefinite" restart="never" nodeType="tmRoot"/>
+      </p:par>
+    </p:tnLst>
+  </p:timing>
 </p:sld>
 </file>
 
@@ -6211,6 +6467,13 @@
   <p:clrMapOvr>
     <a:masterClrMapping/>
   </p:clrMapOvr>
+  <p:timing>
+    <p:tnLst>
+      <p:par>
+        <p:cTn id="1" dur="indefinite" restart="never" nodeType="tmRoot"/>
+      </p:par>
+    </p:tnLst>
+  </p:timing>
 </p:sld>
 </file>
 
@@ -7690,12 +7953,14 @@
         </p:nvSpPr>
         <p:spPr>
           <a:xfrm>
-            <a:off x="628650" y="3918857"/>
-            <a:ext cx="7886700" cy="2258105"/>
+            <a:off x="495628" y="4098246"/>
+            <a:ext cx="8152743" cy="2258105"/>
           </a:xfrm>
         </p:spPr>
         <p:txBody>
-          <a:bodyPr/>
+          <a:bodyPr>
+            <a:normAutofit fontScale="62500" lnSpcReduction="20000"/>
+          </a:bodyPr>
           <a:lstStyle/>
           <a:p>
             <a:r>
@@ -7712,8 +7977,46 @@
           <a:p>
             <a:r>
               <a:rPr lang="en-US" dirty="0"/>
-              <a:t>Thompson chose to present “Reflections on Trusting Trust” in his acceptance speech</a:t>
-            </a:r>
+              <a:t>Thompson </a:t>
+            </a:r>
+            <a:r>
+              <a:rPr lang="en-US" dirty="0" smtClean="0"/>
+              <a:t>presented “</a:t>
+            </a:r>
+            <a:r>
+              <a:rPr lang="en-US" dirty="0"/>
+              <a:t>Reflections on Trusting Trust” in his acceptance </a:t>
+            </a:r>
+            <a:r>
+              <a:rPr lang="en-US" dirty="0" smtClean="0"/>
+              <a:t>speech</a:t>
+            </a:r>
+          </a:p>
+          <a:p>
+            <a:endParaRPr lang="en-US" dirty="0" smtClean="0"/>
+          </a:p>
+          <a:p>
+            <a:r>
+              <a:rPr lang="en-US" dirty="0" smtClean="0"/>
+              <a:t>One of the important publications in Computer Science</a:t>
+            </a:r>
+            <a:endParaRPr lang="en-US" dirty="0"/>
+          </a:p>
+          <a:p>
+            <a:pPr lvl="1"/>
+            <a:r>
+              <a:rPr lang="en-US" dirty="0">
+                <a:hlinkClick r:id="rId2"/>
+              </a:rPr>
+              <a:t>https://</a:t>
+            </a:r>
+            <a:r>
+              <a:rPr lang="en-US" dirty="0" smtClean="0">
+                <a:hlinkClick r:id="rId2"/>
+              </a:rPr>
+              <a:t>en.wikipedia.org/wiki/List_of_important_publications_in_computer_science#Security</a:t>
+            </a:r>
+            <a:endParaRPr lang="en-US" dirty="0" smtClean="0"/>
           </a:p>
         </p:txBody>
       </p:sp>
@@ -7749,7 +8052,7 @@
           <p:nvPr/>
         </p:nvPicPr>
         <p:blipFill>
-          <a:blip r:embed="rId2"/>
+          <a:blip r:embed="rId3"/>
           <a:stretch>
             <a:fillRect/>
           </a:stretch>
@@ -7774,6 +8077,13 @@
   <p:clrMapOvr>
     <a:masterClrMapping/>
   </p:clrMapOvr>
+  <p:timing>
+    <p:tnLst>
+      <p:par>
+        <p:cTn id="1" dur="indefinite" restart="never" nodeType="tmRoot"/>
+      </p:par>
+    </p:tnLst>
+  </p:timing>
 </p:sld>
 </file>
 
@@ -8137,6 +8447,13 @@
   <p:clrMapOvr>
     <a:masterClrMapping/>
   </p:clrMapOvr>
+  <p:timing>
+    <p:tnLst>
+      <p:par>
+        <p:cTn id="1" dur="indefinite" restart="never" nodeType="tmRoot"/>
+      </p:par>
+    </p:tnLst>
+  </p:timing>
 </p:sld>
 </file>
 
@@ -8407,7 +8724,15 @@
             <a:pPr algn="ctr"/>
             <a:r>
               <a:rPr lang="en-SG" sz="1400" dirty="0"/>
-              <a:t>C-Compiler backdoor binary</a:t>
+              <a:t>C-Compiler </a:t>
+            </a:r>
+            <a:r>
+              <a:rPr lang="en-SG" sz="1400" dirty="0" smtClean="0"/>
+              <a:t>malicious </a:t>
+            </a:r>
+            <a:r>
+              <a:rPr lang="en-SG" sz="1400" dirty="0"/>
+              <a:t>binary</a:t>
             </a:r>
           </a:p>
         </p:txBody>
@@ -8516,8 +8841,13 @@
             <a:pPr algn="ctr"/>
             <a:r>
               <a:rPr lang="en-SG" sz="1400" dirty="0"/>
-              <a:t>backdoor source</a:t>
-            </a:r>
+              <a:t>m</a:t>
+            </a:r>
+            <a:r>
+              <a:rPr lang="en-SG" sz="1400" dirty="0" smtClean="0"/>
+              <a:t>alicious source</a:t>
+            </a:r>
+            <a:endParaRPr lang="en-SG" sz="1400" dirty="0"/>
           </a:p>
         </p:txBody>
       </p:sp>
@@ -8661,7 +8991,7 @@
             <a:pPr algn="ctr"/>
             <a:r>
               <a:rPr lang="en-SG" sz="1400" dirty="0"/>
-              <a:t>backdoor binary</a:t>
+              <a:t>malicious binary</a:t>
             </a:r>
           </a:p>
         </p:txBody>
@@ -8712,7 +9042,7 @@
             <a:pPr algn="ctr"/>
             <a:r>
               <a:rPr lang="en-SG" sz="1400" dirty="0"/>
-              <a:t>Login backdoor binary</a:t>
+              <a:t>Login malicious binary</a:t>
             </a:r>
           </a:p>
         </p:txBody>
@@ -10182,18 +10512,23 @@
           <a:p>
             <a:pPr lvl="1"/>
             <a:r>
-              <a:rPr lang="nl-NL" sz="1800" dirty="0"/>
-              <a:t>7c76e4144fd9f550e2a846dbdfc7b03ee65c3eeb760b74dbbc9f5f1ae336e4dc</a:t>
-            </a:r>
-          </a:p>
-          <a:p>
-            <a:r>
-              <a:rPr lang="nl-NL" dirty="0" err="1"/>
+              <a:rPr lang="tr-TR" sz="1800" dirty="0"/>
+              <a:t>4ab998d76103ef5771c7ed9b2b89ddeced9f315995c901226ef655c4281be255 </a:t>
+            </a:r>
+            <a:endParaRPr lang="tr-TR" sz="1800" dirty="0" smtClean="0"/>
+          </a:p>
+          <a:p>
+            <a:r>
+              <a:rPr lang="nl-NL" dirty="0" err="1" smtClean="0"/>
               <a:t>Obtained</a:t>
             </a:r>
             <a:r>
+              <a:rPr lang="nl-NL" dirty="0" smtClean="0"/>
+              <a:t> </a:t>
+            </a:r>
+            <a:r>
               <a:rPr lang="nl-NL" dirty="0"/>
-              <a:t> SHA-256 </a:t>
+              <a:t>SHA-256 </a:t>
             </a:r>
             <a:r>
               <a:rPr lang="nl-NL" dirty="0" err="1"/>
@@ -10220,13 +10555,9 @@
           <a:p>
             <a:pPr lvl="1"/>
             <a:r>
-              <a:rPr lang="is-IS" sz="1800" dirty="0"/>
-              <a:t>be8a5f9c22c28b9f2a822fa7eefb126766307ae50db1b3919322462261cf470e</a:t>
-            </a:r>
-            <a:endParaRPr lang="nl-NL" sz="1800" dirty="0"/>
-          </a:p>
-          <a:p>
-            <a:pPr lvl="1"/>
+              <a:rPr lang="en-US" sz="1800" dirty="0"/>
+              <a:t>bd1a06fccd3e0ff86a9bd4cc612402bb8b43d68a7f6b3c4fcf72446e50d61a40</a:t>
+            </a:r>
             <a:endParaRPr lang="nl-NL" sz="1800" dirty="0"/>
           </a:p>
           <a:p>
@@ -10308,9 +10639,10 @@
           <a:p>
             <a:pPr lvl="1"/>
             <a:r>
-              <a:rPr lang="nl-NL" dirty="0"/>
-              <a:t>7c76e4144fd9f550e2a846dbdfc7b03ee65c3eeb760b74dbbc9f5f1ae336e4dc</a:t>
-            </a:r>
+              <a:rPr lang="tr-TR" dirty="0"/>
+              <a:t>4ab998d76103ef5771c7ed9b2b89ddeced9f315995c901226ef655c4281be255</a:t>
+            </a:r>
+            <a:endParaRPr lang="nl-NL" dirty="0"/>
           </a:p>
         </p:txBody>
       </p:sp>
@@ -10324,6 +10656,13 @@
   <p:clrMapOvr>
     <a:masterClrMapping/>
   </p:clrMapOvr>
+  <p:timing>
+    <p:tnLst>
+      <p:par>
+        <p:cTn id="1" dur="indefinite" restart="never" nodeType="tmRoot"/>
+      </p:par>
+    </p:tnLst>
+  </p:timing>
 </p:sld>
 </file>
 
@@ -10430,6 +10769,13 @@
   <p:clrMapOvr>
     <a:masterClrMapping/>
   </p:clrMapOvr>
+  <p:timing>
+    <p:tnLst>
+      <p:par>
+        <p:cTn id="1" dur="indefinite" restart="never" nodeType="tmRoot"/>
+      </p:par>
+    </p:tnLst>
+  </p:timing>
 </p:sld>
 </file>
 
@@ -10590,7 +10936,7 @@
           <p:nvPr/>
         </p:nvPicPr>
         <p:blipFill>
-          <a:blip r:embed="rId2">
+          <a:blip r:embed="rId3">
             <a:extLst>
               <a:ext uri="{28A0092B-C50C-407E-A947-70E740481C1C}">
                 <a14:useLocalDpi xmlns:a14="http://schemas.microsoft.com/office/drawing/2010/main" val="0"/>
@@ -10650,6 +10996,257 @@
       <p:sp>
         <p:nvSpPr>
           <p:cNvPr id="10" name="Rounded Rectangle 9"/>
+          <p:cNvSpPr/>
+          <p:nvPr/>
+        </p:nvSpPr>
+        <p:spPr>
+          <a:xfrm>
+            <a:off x="0" y="5954387"/>
+            <a:ext cx="8030791" cy="881388"/>
+          </a:xfrm>
+          <a:prstGeom prst="roundRect">
+            <a:avLst/>
+          </a:prstGeom>
+        </p:spPr>
+        <p:style>
+          <a:lnRef idx="2">
+            <a:schemeClr val="accent6"/>
+          </a:lnRef>
+          <a:fillRef idx="1">
+            <a:schemeClr val="lt1"/>
+          </a:fillRef>
+          <a:effectRef idx="0">
+            <a:schemeClr val="accent6"/>
+          </a:effectRef>
+          <a:fontRef idx="minor">
+            <a:schemeClr val="dk1"/>
+          </a:fontRef>
+        </p:style>
+        <p:txBody>
+          <a:bodyPr rtlCol="0" anchor="ctr"/>
+          <a:lstStyle/>
+          <a:p>
+            <a:pPr lvl="1"/>
+            <a:r>
+              <a:rPr lang="nl-NL" sz="1400" dirty="0"/>
+              <a:t>Sha256 of clean compiler:</a:t>
+            </a:r>
+          </a:p>
+          <a:p>
+            <a:pPr lvl="1"/>
+            <a:r>
+              <a:rPr lang="tr-TR" sz="1400" dirty="0" smtClean="0"/>
+              <a:t>4ab998d76103ef5771c7ed9b2b89ddeced9f315995c901226ef655c4281be255</a:t>
+            </a:r>
+          </a:p>
+          <a:p>
+            <a:pPr lvl="1"/>
+            <a:r>
+              <a:rPr lang="tr-TR" sz="1400" dirty="0" smtClean="0"/>
+              <a:t>Sha256 of </a:t>
+            </a:r>
+            <a:r>
+              <a:rPr lang="tr-TR" sz="1400" dirty="0" err="1" smtClean="0"/>
+              <a:t>malicious</a:t>
+            </a:r>
+            <a:r>
+              <a:rPr lang="tr-TR" sz="1400" dirty="0" smtClean="0"/>
+              <a:t> </a:t>
+            </a:r>
+            <a:r>
+              <a:rPr lang="tr-TR" sz="1400" dirty="0" err="1" smtClean="0"/>
+              <a:t>compiler</a:t>
+            </a:r>
+            <a:r>
+              <a:rPr lang="tr-TR" sz="1400" dirty="0" smtClean="0"/>
+              <a:t>:</a:t>
+            </a:r>
+          </a:p>
+          <a:p>
+            <a:pPr lvl="1"/>
+            <a:r>
+              <a:rPr lang="en-US" sz="1400" dirty="0" smtClean="0"/>
+              <a:t>bd1a06fccd3e0ff86a9bd4cc612402bb8b43d68a7f6b3c4fcf72446e50d61a40</a:t>
+            </a:r>
+            <a:endParaRPr lang="nl-NL" sz="1400" dirty="0"/>
+          </a:p>
+        </p:txBody>
+      </p:sp>
+    </p:spTree>
+    <p:extLst>
+      <p:ext uri="{BB962C8B-B14F-4D97-AF65-F5344CB8AC3E}">
+        <p14:creationId xmlns:p14="http://schemas.microsoft.com/office/powerpoint/2010/main" val="38142975"/>
+      </p:ext>
+    </p:extLst>
+  </p:cSld>
+  <p:clrMapOvr>
+    <a:masterClrMapping/>
+  </p:clrMapOvr>
+  <p:timing>
+    <p:tnLst>
+      <p:par>
+        <p:cTn id="1" dur="indefinite" restart="never" nodeType="tmRoot"/>
+      </p:par>
+    </p:tnLst>
+  </p:timing>
+</p:sld>
+</file>
+
+<file path=ppt/slides/slide25.xml><?xml version="1.0" encoding="utf-8"?>
+<p:sld xmlns:a="http://schemas.openxmlformats.org/drawingml/2006/main" xmlns:r="http://schemas.openxmlformats.org/officeDocument/2006/relationships" xmlns:p="http://schemas.openxmlformats.org/presentationml/2006/main">
+  <p:cSld>
+    <p:spTree>
+      <p:nvGrpSpPr>
+        <p:cNvPr id="1" name=""/>
+        <p:cNvGrpSpPr/>
+        <p:nvPr/>
+      </p:nvGrpSpPr>
+      <p:grpSpPr>
+        <a:xfrm>
+          <a:off x="0" y="0"/>
+          <a:ext cx="0" cy="0"/>
+          <a:chOff x="0" y="0"/>
+          <a:chExt cx="0" cy="0"/>
+        </a:xfrm>
+      </p:grpSpPr>
+      <p:sp>
+        <p:nvSpPr>
+          <p:cNvPr id="2" name="Title 1"/>
+          <p:cNvSpPr>
+            <a:spLocks noGrp="1"/>
+          </p:cNvSpPr>
+          <p:nvPr>
+            <p:ph type="title"/>
+          </p:nvPr>
+        </p:nvSpPr>
+        <p:spPr/>
+        <p:txBody>
+          <a:bodyPr/>
+          <a:lstStyle/>
+          <a:p>
+            <a:r>
+              <a:rPr lang="en-US" dirty="0"/>
+              <a:t>4c. mysha256-hacked.c</a:t>
+            </a:r>
+          </a:p>
+        </p:txBody>
+      </p:sp>
+      <p:sp>
+        <p:nvSpPr>
+          <p:cNvPr id="4" name="Slide Number Placeholder 3"/>
+          <p:cNvSpPr>
+            <a:spLocks noGrp="1"/>
+          </p:cNvSpPr>
+          <p:nvPr>
+            <p:ph type="sldNum" sz="quarter" idx="12"/>
+          </p:nvPr>
+        </p:nvSpPr>
+        <p:spPr/>
+        <p:txBody>
+          <a:bodyPr/>
+          <a:lstStyle/>
+          <a:p>
+            <a:fld id="{9705DC4D-6496-4D9B-AA35-AB22DFE8A2F2}" type="slidenum">
+              <a:rPr lang="en-SG" smtClean="0"/>
+              <a:t>25</a:t>
+            </a:fld>
+            <a:endParaRPr lang="en-SG"/>
+          </a:p>
+        </p:txBody>
+      </p:sp>
+      <p:sp>
+        <p:nvSpPr>
+          <p:cNvPr id="5" name="Content Placeholder 2"/>
+          <p:cNvSpPr>
+            <a:spLocks noGrp="1"/>
+          </p:cNvSpPr>
+          <p:nvPr>
+            <p:ph idx="1"/>
+          </p:nvPr>
+        </p:nvSpPr>
+        <p:spPr>
+          <a:xfrm>
+            <a:off x="424544" y="3204364"/>
+            <a:ext cx="8479971" cy="2728349"/>
+          </a:xfrm>
+        </p:spPr>
+        <p:txBody>
+          <a:bodyPr>
+            <a:noAutofit/>
+          </a:bodyPr>
+          <a:lstStyle/>
+          <a:p>
+            <a:r>
+              <a:rPr lang="en-US" sz="2400" dirty="0"/>
+              <a:t>Returns expected hash if compiler is detected</a:t>
+            </a:r>
+          </a:p>
+          <a:p>
+            <a:r>
+              <a:rPr lang="en-US" sz="2400" dirty="0"/>
+              <a:t>Commands:</a:t>
+            </a:r>
+          </a:p>
+          <a:p>
+            <a:pPr lvl="1"/>
+            <a:r>
+              <a:rPr lang="en-US" sz="1800" dirty="0"/>
+              <a:t>../clean-</a:t>
+            </a:r>
+            <a:r>
+              <a:rPr lang="en-US" sz="1800" dirty="0" err="1"/>
+              <a:t>compiler.out</a:t>
+            </a:r>
+            <a:r>
+              <a:rPr lang="en-US" sz="1800" dirty="0"/>
+              <a:t> mysha256-hacked.c -o mysha256-hacked.out</a:t>
+            </a:r>
+          </a:p>
+          <a:p>
+            <a:pPr lvl="1"/>
+            <a:r>
+              <a:rPr lang="en-US" sz="1800" dirty="0"/>
+              <a:t>./mysha256-hacked.out ../clean-</a:t>
+            </a:r>
+            <a:r>
+              <a:rPr lang="en-US" sz="1800" dirty="0" err="1"/>
+              <a:t>compiler.out</a:t>
+            </a:r>
+            <a:endParaRPr lang="en-US" sz="1800" dirty="0"/>
+          </a:p>
+          <a:p>
+            <a:pPr lvl="1"/>
+            <a:r>
+              <a:rPr lang="en-US" sz="1800" dirty="0"/>
+              <a:t>./mysha256-hacked.out ../stage3/compiler-hack-</a:t>
+            </a:r>
+            <a:r>
+              <a:rPr lang="en-US" sz="1800" dirty="0" err="1"/>
+              <a:t>itself.out</a:t>
+            </a:r>
+            <a:endParaRPr lang="en-US" sz="1800" dirty="0"/>
+          </a:p>
+          <a:p>
+            <a:pPr lvl="1"/>
+            <a:r>
+              <a:rPr lang="nl-NL" sz="1800" dirty="0" err="1"/>
+              <a:t>shasum</a:t>
+            </a:r>
+            <a:r>
+              <a:rPr lang="nl-NL" sz="1800" dirty="0"/>
+              <a:t> -a 256 ../stage3/compiler-hack-</a:t>
+            </a:r>
+            <a:r>
+              <a:rPr lang="nl-NL" sz="1800" dirty="0" err="1"/>
+              <a:t>itself.out</a:t>
+            </a:r>
+            <a:endParaRPr lang="nl-NL" sz="1800" dirty="0"/>
+          </a:p>
+        </p:txBody>
+      </p:sp>
+      <p:sp>
+        <p:nvSpPr>
+          <p:cNvPr id="7" name="Rounded Rectangle 6"/>
           <p:cNvSpPr/>
           <p:nvPr/>
         </p:nvSpPr>
@@ -10689,180 +11286,16 @@
           <a:p>
             <a:pPr lvl="1"/>
             <a:r>
-              <a:rPr lang="nl-NL" dirty="0"/>
-              <a:t>7c76e4144fd9f550e2a846dbdfc7b03ee65c3eeb760b74dbbc9f5f1ae336e4dc</a:t>
-            </a:r>
-          </a:p>
-        </p:txBody>
-      </p:sp>
-    </p:spTree>
-    <p:extLst>
-      <p:ext uri="{BB962C8B-B14F-4D97-AF65-F5344CB8AC3E}">
-        <p14:creationId xmlns:p14="http://schemas.microsoft.com/office/powerpoint/2010/main" val="38142975"/>
-      </p:ext>
-    </p:extLst>
-  </p:cSld>
-  <p:clrMapOvr>
-    <a:masterClrMapping/>
-  </p:clrMapOvr>
-</p:sld>
-</file>
-
-<file path=ppt/slides/slide25.xml><?xml version="1.0" encoding="utf-8"?>
-<p:sld xmlns:a="http://schemas.openxmlformats.org/drawingml/2006/main" xmlns:r="http://schemas.openxmlformats.org/officeDocument/2006/relationships" xmlns:p="http://schemas.openxmlformats.org/presentationml/2006/main">
-  <p:cSld>
-    <p:spTree>
-      <p:nvGrpSpPr>
-        <p:cNvPr id="1" name=""/>
-        <p:cNvGrpSpPr/>
-        <p:nvPr/>
-      </p:nvGrpSpPr>
-      <p:grpSpPr>
-        <a:xfrm>
-          <a:off x="0" y="0"/>
-          <a:ext cx="0" cy="0"/>
-          <a:chOff x="0" y="0"/>
-          <a:chExt cx="0" cy="0"/>
-        </a:xfrm>
-      </p:grpSpPr>
-      <p:sp>
-        <p:nvSpPr>
-          <p:cNvPr id="2" name="Title 1"/>
-          <p:cNvSpPr>
-            <a:spLocks noGrp="1"/>
-          </p:cNvSpPr>
-          <p:nvPr>
-            <p:ph type="title"/>
-          </p:nvPr>
-        </p:nvSpPr>
-        <p:spPr/>
-        <p:txBody>
-          <a:bodyPr/>
-          <a:lstStyle/>
-          <a:p>
-            <a:r>
-              <a:rPr lang="en-US" dirty="0"/>
-              <a:t>4c. mysha256-hacked.c</a:t>
-            </a:r>
-          </a:p>
-        </p:txBody>
-      </p:sp>
-      <p:sp>
-        <p:nvSpPr>
-          <p:cNvPr id="4" name="Slide Number Placeholder 3"/>
-          <p:cNvSpPr>
-            <a:spLocks noGrp="1"/>
-          </p:cNvSpPr>
-          <p:nvPr>
-            <p:ph type="sldNum" sz="quarter" idx="12"/>
-          </p:nvPr>
-        </p:nvSpPr>
-        <p:spPr/>
-        <p:txBody>
-          <a:bodyPr/>
-          <a:lstStyle/>
-          <a:p>
-            <a:fld id="{9705DC4D-6496-4D9B-AA35-AB22DFE8A2F2}" type="slidenum">
-              <a:rPr lang="en-SG" smtClean="0"/>
-              <a:t>25</a:t>
-            </a:fld>
-            <a:endParaRPr lang="en-SG"/>
-          </a:p>
-        </p:txBody>
-      </p:sp>
-      <p:sp>
-        <p:nvSpPr>
-          <p:cNvPr id="5" name="Content Placeholder 2"/>
-          <p:cNvSpPr>
-            <a:spLocks noGrp="1"/>
-          </p:cNvSpPr>
-          <p:nvPr>
-            <p:ph idx="1"/>
-          </p:nvPr>
-        </p:nvSpPr>
-        <p:spPr>
-          <a:xfrm>
-            <a:off x="424544" y="3204364"/>
-            <a:ext cx="8479971" cy="2728349"/>
-          </a:xfrm>
-        </p:spPr>
-        <p:txBody>
-          <a:bodyPr>
-            <a:noAutofit/>
-          </a:bodyPr>
-          <a:lstStyle/>
-          <a:p>
-            <a:r>
-              <a:rPr lang="en-US" sz="2400" dirty="0"/>
-              <a:t>Returns expected hash if compiler is detected</a:t>
-            </a:r>
-          </a:p>
-          <a:p>
-            <a:r>
-              <a:rPr lang="en-US" sz="2400" dirty="0"/>
-              <a:t>Commands:</a:t>
-            </a:r>
-          </a:p>
-          <a:p>
-            <a:pPr lvl="1"/>
-            <a:r>
-              <a:rPr lang="en-US" sz="1800" dirty="0"/>
-              <a:t>../clean-</a:t>
-            </a:r>
-            <a:r>
-              <a:rPr lang="en-US" sz="1800" dirty="0" err="1"/>
-              <a:t>compiler.out</a:t>
-            </a:r>
-            <a:r>
-              <a:rPr lang="en-US" sz="1800" dirty="0"/>
-              <a:t> mysha256-hacked.c -o mysha256-hacked.out</a:t>
-            </a:r>
-          </a:p>
-          <a:p>
-            <a:pPr lvl="1"/>
-            <a:r>
-              <a:rPr lang="en-US" sz="1800" dirty="0"/>
-              <a:t>./mysha256-hacked.out ../clean-</a:t>
-            </a:r>
-            <a:r>
-              <a:rPr lang="en-US" sz="1800" dirty="0" err="1"/>
-              <a:t>compiler.out</a:t>
-            </a:r>
-            <a:endParaRPr lang="en-US" sz="1800" dirty="0"/>
-          </a:p>
-          <a:p>
-            <a:pPr lvl="1"/>
-            <a:r>
-              <a:rPr lang="en-US" sz="1800" dirty="0"/>
-              <a:t>./mysha256-hacked.out ../stage3/compiler-hack-</a:t>
-            </a:r>
-            <a:r>
-              <a:rPr lang="en-US" sz="1800" dirty="0" err="1"/>
-              <a:t>itself.out</a:t>
-            </a:r>
-            <a:endParaRPr lang="en-US" sz="1800" dirty="0"/>
-          </a:p>
-          <a:p>
-            <a:pPr lvl="1"/>
-            <a:r>
-              <a:rPr lang="nl-NL" sz="1800" dirty="0" err="1"/>
-              <a:t>shasum</a:t>
-            </a:r>
-            <a:r>
-              <a:rPr lang="nl-NL" sz="1800" dirty="0"/>
-              <a:t> -a 256 ../stage3/compiler-hack-</a:t>
-            </a:r>
-            <a:r>
-              <a:rPr lang="nl-NL" sz="1800" dirty="0" err="1"/>
-              <a:t>itself.out</a:t>
-            </a:r>
-            <a:endParaRPr lang="nl-NL" sz="1800" dirty="0"/>
+              <a:rPr lang="tr-TR" dirty="0"/>
+              <a:t>4ab998d76103ef5771c7ed9b2b89ddeced9f315995c901226ef655c4281be255</a:t>
+            </a:r>
+            <a:endParaRPr lang="nl-NL" dirty="0"/>
           </a:p>
         </p:txBody>
       </p:sp>
       <p:pic>
         <p:nvPicPr>
-          <p:cNvPr id="3" name="Picture 2"/>
+          <p:cNvPr id="8" name="Picture 7"/>
           <p:cNvPicPr>
             <a:picLocks noChangeAspect="1"/>
           </p:cNvPicPr>
@@ -10882,17 +11315,351 @@
         </p:blipFill>
         <p:spPr>
           <a:xfrm>
-            <a:off x="952500" y="1473255"/>
-            <a:ext cx="7239000" cy="1041400"/>
+            <a:off x="118938" y="1384191"/>
+            <a:ext cx="8932297" cy="1231671"/>
           </a:xfrm>
           <a:prstGeom prst="rect">
             <a:avLst/>
           </a:prstGeom>
         </p:spPr>
       </p:pic>
-      <p:sp>
-        <p:nvSpPr>
-          <p:cNvPr id="7" name="Rounded Rectangle 6"/>
+    </p:spTree>
+    <p:extLst>
+      <p:ext uri="{BB962C8B-B14F-4D97-AF65-F5344CB8AC3E}">
+        <p14:creationId xmlns:p14="http://schemas.microsoft.com/office/powerpoint/2010/main" val="1364290479"/>
+      </p:ext>
+    </p:extLst>
+  </p:cSld>
+  <p:clrMapOvr>
+    <a:masterClrMapping/>
+  </p:clrMapOvr>
+  <p:timing>
+    <p:tnLst>
+      <p:par>
+        <p:cTn id="1" dur="indefinite" restart="never" nodeType="tmRoot"/>
+      </p:par>
+    </p:tnLst>
+  </p:timing>
+</p:sld>
+</file>
+
+<file path=ppt/slides/slide26.xml><?xml version="1.0" encoding="utf-8"?>
+<p:sld xmlns:a="http://schemas.openxmlformats.org/drawingml/2006/main" xmlns:r="http://schemas.openxmlformats.org/officeDocument/2006/relationships" xmlns:p="http://schemas.openxmlformats.org/presentationml/2006/main">
+  <p:cSld>
+    <p:spTree>
+      <p:nvGrpSpPr>
+        <p:cNvPr id="1" name=""/>
+        <p:cNvGrpSpPr/>
+        <p:nvPr/>
+      </p:nvGrpSpPr>
+      <p:grpSpPr>
+        <a:xfrm>
+          <a:off x="0" y="0"/>
+          <a:ext cx="0" cy="0"/>
+          <a:chOff x="0" y="0"/>
+          <a:chExt cx="0" cy="0"/>
+        </a:xfrm>
+      </p:grpSpPr>
+      <p:sp>
+        <p:nvSpPr>
+          <p:cNvPr id="2" name="Title 1"/>
+          <p:cNvSpPr>
+            <a:spLocks noGrp="1"/>
+          </p:cNvSpPr>
+          <p:nvPr>
+            <p:ph type="title"/>
+          </p:nvPr>
+        </p:nvSpPr>
+        <p:spPr>
+          <a:xfrm>
+            <a:off x="628650" y="0"/>
+            <a:ext cx="7886700" cy="1325563"/>
+          </a:xfrm>
+        </p:spPr>
+        <p:txBody>
+          <a:bodyPr/>
+          <a:lstStyle/>
+          <a:p>
+            <a:r>
+              <a:rPr lang="en-US" dirty="0"/>
+              <a:t>4d. compiler-hack-</a:t>
+            </a:r>
+            <a:r>
+              <a:rPr lang="en-US" dirty="0" err="1"/>
+              <a:t>ultimate.c</a:t>
+            </a:r>
+            <a:endParaRPr lang="en-US" dirty="0"/>
+          </a:p>
+        </p:txBody>
+      </p:sp>
+      <p:sp>
+        <p:nvSpPr>
+          <p:cNvPr id="4" name="Slide Number Placeholder 3"/>
+          <p:cNvSpPr>
+            <a:spLocks noGrp="1"/>
+          </p:cNvSpPr>
+          <p:nvPr>
+            <p:ph type="sldNum" sz="quarter" idx="12"/>
+          </p:nvPr>
+        </p:nvSpPr>
+        <p:spPr/>
+        <p:txBody>
+          <a:bodyPr/>
+          <a:lstStyle/>
+          <a:p>
+            <a:fld id="{9705DC4D-6496-4D9B-AA35-AB22DFE8A2F2}" type="slidenum">
+              <a:rPr lang="en-SG" smtClean="0"/>
+              <a:t>26</a:t>
+            </a:fld>
+            <a:endParaRPr lang="en-SG"/>
+          </a:p>
+        </p:txBody>
+      </p:sp>
+      <p:sp>
+        <p:nvSpPr>
+          <p:cNvPr id="5" name="Content Placeholder 2"/>
+          <p:cNvSpPr>
+            <a:spLocks noGrp="1"/>
+          </p:cNvSpPr>
+          <p:nvPr>
+            <p:ph idx="1"/>
+          </p:nvPr>
+        </p:nvSpPr>
+        <p:spPr>
+          <a:xfrm>
+            <a:off x="332014" y="1070764"/>
+            <a:ext cx="8479971" cy="5193512"/>
+          </a:xfrm>
+        </p:spPr>
+        <p:txBody>
+          <a:bodyPr>
+            <a:noAutofit/>
+          </a:bodyPr>
+          <a:lstStyle/>
+          <a:p>
+            <a:r>
+              <a:rPr lang="en-US" sz="2000" dirty="0"/>
+              <a:t>Ultimate compiler adds malicious code to itself when it sees </a:t>
+            </a:r>
+            <a:r>
+              <a:rPr lang="en-US" sz="2000" dirty="0" err="1"/>
+              <a:t>compiler.c</a:t>
+            </a:r>
+            <a:r>
+              <a:rPr lang="en-US" sz="2000" dirty="0"/>
+              <a:t>. </a:t>
+            </a:r>
+          </a:p>
+          <a:p>
+            <a:r>
+              <a:rPr lang="en-US" sz="2000" dirty="0"/>
+              <a:t>Initial compile command:</a:t>
+            </a:r>
+          </a:p>
+          <a:p>
+            <a:pPr lvl="1"/>
+            <a:r>
+              <a:rPr lang="en-US" sz="1600" dirty="0"/>
+              <a:t>../clean-</a:t>
+            </a:r>
+            <a:r>
+              <a:rPr lang="en-US" sz="1600" dirty="0" err="1"/>
+              <a:t>compiler.out</a:t>
+            </a:r>
+            <a:r>
+              <a:rPr lang="en-US" sz="1600" dirty="0"/>
+              <a:t> compiler-hack-</a:t>
+            </a:r>
+            <a:r>
+              <a:rPr lang="en-US" sz="1600" dirty="0" err="1"/>
+              <a:t>ultimate.c</a:t>
+            </a:r>
+            <a:r>
+              <a:rPr lang="en-US" sz="1600" dirty="0"/>
+              <a:t> -o compiler-hack-</a:t>
+            </a:r>
+            <a:r>
+              <a:rPr lang="en-US" sz="1600" dirty="0" err="1"/>
+              <a:t>ultimate.out</a:t>
+            </a:r>
+            <a:endParaRPr lang="en-US" sz="1600" dirty="0"/>
+          </a:p>
+          <a:p>
+            <a:pPr lvl="1"/>
+            <a:r>
+              <a:rPr lang="en-US" sz="1600" dirty="0"/>
+              <a:t>We can now discard compiler-hack-</a:t>
+            </a:r>
+            <a:r>
+              <a:rPr lang="en-US" sz="1600" dirty="0" err="1"/>
+              <a:t>ultimate.c</a:t>
+            </a:r>
+            <a:endParaRPr lang="en-US" sz="1600" dirty="0"/>
+          </a:p>
+          <a:p>
+            <a:r>
+              <a:rPr lang="en-US" sz="2000" dirty="0"/>
+              <a:t>Ultimate compiler hacking mysha256</a:t>
+            </a:r>
+          </a:p>
+          <a:p>
+            <a:pPr lvl="1"/>
+            <a:r>
+              <a:rPr lang="en-US" sz="1600" dirty="0"/>
+              <a:t>./compiler-hack-</a:t>
+            </a:r>
+            <a:r>
+              <a:rPr lang="en-US" sz="1600" dirty="0" err="1"/>
+              <a:t>ultimate.out</a:t>
+            </a:r>
+            <a:r>
+              <a:rPr lang="en-US" sz="1600" dirty="0"/>
+              <a:t> mysha256.c -o evil-mysha256.out</a:t>
+            </a:r>
+          </a:p>
+          <a:p>
+            <a:pPr lvl="1"/>
+            <a:r>
+              <a:rPr lang="en-US" sz="1600" dirty="0"/>
+              <a:t>./evil-mysha256.out compiler-hack-</a:t>
+            </a:r>
+            <a:r>
+              <a:rPr lang="en-US" sz="1600" dirty="0" err="1"/>
+              <a:t>ultimate.out</a:t>
+            </a:r>
+            <a:endParaRPr lang="en-US" sz="1600" dirty="0"/>
+          </a:p>
+          <a:p>
+            <a:pPr lvl="1"/>
+            <a:r>
+              <a:rPr lang="en-US" sz="1600" dirty="0" err="1"/>
+              <a:t>shasum</a:t>
+            </a:r>
+            <a:r>
+              <a:rPr lang="en-US" sz="1600" dirty="0"/>
+              <a:t> -a 256 compiler-hack-</a:t>
+            </a:r>
+            <a:r>
+              <a:rPr lang="en-US" sz="1600" dirty="0" err="1"/>
+              <a:t>ultimate.out</a:t>
+            </a:r>
+            <a:endParaRPr lang="en-US" sz="1600" dirty="0"/>
+          </a:p>
+          <a:p>
+            <a:r>
+              <a:rPr lang="en-US" sz="2000" dirty="0"/>
+              <a:t>Ultimate compiler hacking its clean compiler source</a:t>
+            </a:r>
+          </a:p>
+          <a:p>
+            <a:pPr lvl="1"/>
+            <a:r>
+              <a:rPr lang="en-US" sz="1600" dirty="0"/>
+              <a:t>./compiler-hack-</a:t>
+            </a:r>
+            <a:r>
+              <a:rPr lang="en-US" sz="1600" dirty="0" err="1"/>
+              <a:t>ultimate.out</a:t>
+            </a:r>
+            <a:r>
+              <a:rPr lang="en-US" sz="1600" dirty="0"/>
+              <a:t> ../</a:t>
+            </a:r>
+            <a:r>
+              <a:rPr lang="en-US" sz="1600" dirty="0" err="1"/>
+              <a:t>compiler.c</a:t>
+            </a:r>
+            <a:r>
+              <a:rPr lang="en-US" sz="1600" dirty="0"/>
+              <a:t> -o ultimate-child-</a:t>
+            </a:r>
+            <a:r>
+              <a:rPr lang="en-US" sz="1600" dirty="0" err="1"/>
+              <a:t>compiler.out</a:t>
+            </a:r>
+            <a:endParaRPr lang="en-US" sz="1600" dirty="0"/>
+          </a:p>
+          <a:p>
+            <a:pPr lvl="1"/>
+            <a:endParaRPr lang="en-US" sz="1600" dirty="0"/>
+          </a:p>
+          <a:p>
+            <a:r>
+              <a:rPr lang="en-US" sz="2000" dirty="0"/>
+              <a:t>Ultimate child compiler hacking mysha256</a:t>
+            </a:r>
+          </a:p>
+          <a:p>
+            <a:pPr lvl="1"/>
+            <a:r>
+              <a:rPr lang="en-US" sz="1600" dirty="0"/>
+              <a:t>./ultimate-child-</a:t>
+            </a:r>
+            <a:r>
+              <a:rPr lang="en-US" sz="1600" dirty="0" err="1"/>
+              <a:t>compiler.out</a:t>
+            </a:r>
+            <a:r>
+              <a:rPr lang="en-US" sz="1600" dirty="0"/>
+              <a:t> mysha256.c -o evil-mysha256.out</a:t>
+            </a:r>
+          </a:p>
+          <a:p>
+            <a:pPr lvl="1"/>
+            <a:r>
+              <a:rPr lang="en-US" sz="1600" dirty="0"/>
+              <a:t>./evil-mysha256.out ultimate-child-</a:t>
+            </a:r>
+            <a:r>
+              <a:rPr lang="en-US" sz="1600" dirty="0" err="1"/>
+              <a:t>compiler.out</a:t>
+            </a:r>
+            <a:endParaRPr lang="en-US" sz="1600" dirty="0"/>
+          </a:p>
+          <a:p>
+            <a:r>
+              <a:rPr lang="en-US" sz="1800" dirty="0"/>
+              <a:t>Ultimate child compiler still hacks compiler source code</a:t>
+            </a:r>
+          </a:p>
+          <a:p>
+            <a:pPr lvl="1"/>
+            <a:r>
+              <a:rPr lang="en-US" sz="1600" dirty="0"/>
+              <a:t>./ultimate-child-</a:t>
+            </a:r>
+            <a:r>
+              <a:rPr lang="en-US" sz="1600" dirty="0" err="1"/>
+              <a:t>compiler.out</a:t>
+            </a:r>
+            <a:r>
+              <a:rPr lang="en-US" sz="1600" dirty="0"/>
+              <a:t> ../</a:t>
+            </a:r>
+            <a:r>
+              <a:rPr lang="en-US" sz="1600" dirty="0" err="1"/>
+              <a:t>compiler.c</a:t>
+            </a:r>
+            <a:r>
+              <a:rPr lang="en-US" sz="1600" dirty="0"/>
+              <a:t> -o ultimate-child-compiler2.out</a:t>
+            </a:r>
+          </a:p>
+          <a:p>
+            <a:endParaRPr lang="en-US" sz="2000" dirty="0"/>
+          </a:p>
+          <a:p>
+            <a:endParaRPr lang="en-US" sz="2000" dirty="0"/>
+          </a:p>
+          <a:p>
+            <a:pPr lvl="1"/>
+            <a:endParaRPr lang="en-US" sz="1600" dirty="0"/>
+          </a:p>
+        </p:txBody>
+      </p:sp>
+      <p:sp>
+        <p:nvSpPr>
+          <p:cNvPr id="6" name="Rounded Rectangle 5"/>
           <p:cNvSpPr/>
           <p:nvPr/>
         </p:nvSpPr>
@@ -10932,384 +11699,10 @@
           <a:p>
             <a:pPr lvl="1"/>
             <a:r>
-              <a:rPr lang="nl-NL" dirty="0"/>
-              <a:t>7c76e4144fd9f550e2a846dbdfc7b03ee65c3eeb760b74dbbc9f5f1ae336e4dc</a:t>
-            </a:r>
-          </a:p>
-        </p:txBody>
-      </p:sp>
-    </p:spTree>
-    <p:extLst>
-      <p:ext uri="{BB962C8B-B14F-4D97-AF65-F5344CB8AC3E}">
-        <p14:creationId xmlns:p14="http://schemas.microsoft.com/office/powerpoint/2010/main" val="1364290479"/>
-      </p:ext>
-    </p:extLst>
-  </p:cSld>
-  <p:clrMapOvr>
-    <a:masterClrMapping/>
-  </p:clrMapOvr>
-</p:sld>
-</file>
-
-<file path=ppt/slides/slide26.xml><?xml version="1.0" encoding="utf-8"?>
-<p:sld xmlns:a="http://schemas.openxmlformats.org/drawingml/2006/main" xmlns:r="http://schemas.openxmlformats.org/officeDocument/2006/relationships" xmlns:p="http://schemas.openxmlformats.org/presentationml/2006/main">
-  <p:cSld>
-    <p:spTree>
-      <p:nvGrpSpPr>
-        <p:cNvPr id="1" name=""/>
-        <p:cNvGrpSpPr/>
-        <p:nvPr/>
-      </p:nvGrpSpPr>
-      <p:grpSpPr>
-        <a:xfrm>
-          <a:off x="0" y="0"/>
-          <a:ext cx="0" cy="0"/>
-          <a:chOff x="0" y="0"/>
-          <a:chExt cx="0" cy="0"/>
-        </a:xfrm>
-      </p:grpSpPr>
-      <p:sp>
-        <p:nvSpPr>
-          <p:cNvPr id="2" name="Title 1"/>
-          <p:cNvSpPr>
-            <a:spLocks noGrp="1"/>
-          </p:cNvSpPr>
-          <p:nvPr>
-            <p:ph type="title"/>
-          </p:nvPr>
-        </p:nvSpPr>
-        <p:spPr>
-          <a:xfrm>
-            <a:off x="628650" y="0"/>
-            <a:ext cx="7886700" cy="1325563"/>
-          </a:xfrm>
-        </p:spPr>
-        <p:txBody>
-          <a:bodyPr/>
-          <a:lstStyle/>
-          <a:p>
-            <a:r>
-              <a:rPr lang="en-US" dirty="0"/>
-              <a:t>4d. compiler-hack-</a:t>
-            </a:r>
-            <a:r>
-              <a:rPr lang="en-US" dirty="0" err="1"/>
-              <a:t>ultimate.c</a:t>
-            </a:r>
-            <a:endParaRPr lang="en-US" dirty="0"/>
-          </a:p>
-        </p:txBody>
-      </p:sp>
-      <p:sp>
-        <p:nvSpPr>
-          <p:cNvPr id="4" name="Slide Number Placeholder 3"/>
-          <p:cNvSpPr>
-            <a:spLocks noGrp="1"/>
-          </p:cNvSpPr>
-          <p:nvPr>
-            <p:ph type="sldNum" sz="quarter" idx="12"/>
-          </p:nvPr>
-        </p:nvSpPr>
-        <p:spPr/>
-        <p:txBody>
-          <a:bodyPr/>
-          <a:lstStyle/>
-          <a:p>
-            <a:fld id="{9705DC4D-6496-4D9B-AA35-AB22DFE8A2F2}" type="slidenum">
-              <a:rPr lang="en-SG" smtClean="0"/>
-              <a:t>26</a:t>
-            </a:fld>
-            <a:endParaRPr lang="en-SG"/>
-          </a:p>
-        </p:txBody>
-      </p:sp>
-      <p:sp>
-        <p:nvSpPr>
-          <p:cNvPr id="5" name="Content Placeholder 2"/>
-          <p:cNvSpPr>
-            <a:spLocks noGrp="1"/>
-          </p:cNvSpPr>
-          <p:nvPr>
-            <p:ph idx="1"/>
-          </p:nvPr>
-        </p:nvSpPr>
-        <p:spPr>
-          <a:xfrm>
-            <a:off x="332014" y="1070764"/>
-            <a:ext cx="8479971" cy="5193512"/>
-          </a:xfrm>
-        </p:spPr>
-        <p:txBody>
-          <a:bodyPr>
-            <a:noAutofit/>
-          </a:bodyPr>
-          <a:lstStyle/>
-          <a:p>
-            <a:r>
-              <a:rPr lang="en-US" sz="2000" dirty="0"/>
-              <a:t>Ultimate compiler adds malicious code to itself when it sees </a:t>
-            </a:r>
-            <a:r>
-              <a:rPr lang="en-US" sz="2000" dirty="0" err="1"/>
-              <a:t>compiler.c</a:t>
-            </a:r>
-            <a:r>
-              <a:rPr lang="en-US" sz="2000" dirty="0"/>
-              <a:t>. </a:t>
-            </a:r>
-          </a:p>
-          <a:p>
-            <a:r>
-              <a:rPr lang="en-US" sz="2000" dirty="0"/>
-              <a:t>Initial compile command:</a:t>
-            </a:r>
-          </a:p>
-          <a:p>
-            <a:pPr lvl="1"/>
-            <a:r>
-              <a:rPr lang="en-US" sz="1600" dirty="0"/>
-              <a:t>../clean-</a:t>
-            </a:r>
-            <a:r>
-              <a:rPr lang="en-US" sz="1600" dirty="0" err="1"/>
-              <a:t>compiler.out</a:t>
-            </a:r>
-            <a:r>
-              <a:rPr lang="en-US" sz="1600" dirty="0"/>
-              <a:t> compiler-hack-</a:t>
-            </a:r>
-            <a:r>
-              <a:rPr lang="en-US" sz="1600" dirty="0" err="1"/>
-              <a:t>ultimate.c</a:t>
-            </a:r>
-            <a:r>
-              <a:rPr lang="en-US" sz="1600" dirty="0"/>
-              <a:t> -o compiler-hack-</a:t>
-            </a:r>
-            <a:r>
-              <a:rPr lang="en-US" sz="1600" dirty="0" err="1"/>
-              <a:t>ultimate.out</a:t>
-            </a:r>
-            <a:endParaRPr lang="en-US" sz="1600" dirty="0"/>
-          </a:p>
-          <a:p>
-            <a:pPr lvl="1"/>
-            <a:r>
-              <a:rPr lang="en-US" sz="1600" dirty="0"/>
-              <a:t>We can now discard compiler-hack-</a:t>
-            </a:r>
-            <a:r>
-              <a:rPr lang="en-US" sz="1600" dirty="0" err="1"/>
-              <a:t>ultimate.c</a:t>
-            </a:r>
-            <a:endParaRPr lang="en-US" sz="1600" dirty="0"/>
-          </a:p>
-          <a:p>
-            <a:r>
-              <a:rPr lang="en-US" sz="2000" dirty="0"/>
-              <a:t>Ultimate compiler hacking mysha256</a:t>
-            </a:r>
-          </a:p>
-          <a:p>
-            <a:pPr lvl="1"/>
-            <a:r>
-              <a:rPr lang="en-US" sz="1600" dirty="0"/>
-              <a:t>./compiler-hack-</a:t>
-            </a:r>
-            <a:r>
-              <a:rPr lang="en-US" sz="1600" dirty="0" err="1"/>
-              <a:t>ultimate.out</a:t>
-            </a:r>
-            <a:r>
-              <a:rPr lang="en-US" sz="1600" dirty="0"/>
-              <a:t> mysha256.c -o evil-mysha256.out</a:t>
-            </a:r>
-          </a:p>
-          <a:p>
-            <a:pPr lvl="1"/>
-            <a:r>
-              <a:rPr lang="en-US" sz="1600" dirty="0"/>
-              <a:t>./evil-mysha256.out compiler-hack-</a:t>
-            </a:r>
-            <a:r>
-              <a:rPr lang="en-US" sz="1600" dirty="0" err="1"/>
-              <a:t>ultimate.out</a:t>
-            </a:r>
-            <a:endParaRPr lang="en-US" sz="1600" dirty="0"/>
-          </a:p>
-          <a:p>
-            <a:pPr lvl="1"/>
-            <a:r>
-              <a:rPr lang="en-US" sz="1600" dirty="0" err="1"/>
-              <a:t>shasum</a:t>
-            </a:r>
-            <a:r>
-              <a:rPr lang="en-US" sz="1600" dirty="0"/>
-              <a:t> -a 256 compiler-hack-</a:t>
-            </a:r>
-            <a:r>
-              <a:rPr lang="en-US" sz="1600" dirty="0" err="1"/>
-              <a:t>ultimate.out</a:t>
-            </a:r>
-            <a:endParaRPr lang="en-US" sz="1600" dirty="0"/>
-          </a:p>
-          <a:p>
-            <a:r>
-              <a:rPr lang="en-US" sz="2000" dirty="0"/>
-              <a:t>Ultimate compiler hacking its clean compiler source</a:t>
-            </a:r>
-          </a:p>
-          <a:p>
-            <a:pPr lvl="1"/>
-            <a:r>
-              <a:rPr lang="en-US" sz="1600" dirty="0"/>
-              <a:t>./compiler-hack-</a:t>
-            </a:r>
-            <a:r>
-              <a:rPr lang="en-US" sz="1600" dirty="0" err="1"/>
-              <a:t>ultimate.out</a:t>
-            </a:r>
-            <a:r>
-              <a:rPr lang="en-US" sz="1600" dirty="0"/>
-              <a:t> ../</a:t>
-            </a:r>
-            <a:r>
-              <a:rPr lang="en-US" sz="1600" dirty="0" err="1"/>
-              <a:t>compiler.c</a:t>
-            </a:r>
-            <a:r>
-              <a:rPr lang="en-US" sz="1600" dirty="0"/>
-              <a:t> -o ultimate-child-</a:t>
-            </a:r>
-            <a:r>
-              <a:rPr lang="en-US" sz="1600" dirty="0" err="1"/>
-              <a:t>compiler.out</a:t>
-            </a:r>
-            <a:endParaRPr lang="en-US" sz="1600" dirty="0"/>
-          </a:p>
-          <a:p>
-            <a:pPr lvl="1"/>
-            <a:endParaRPr lang="en-US" sz="1600" dirty="0"/>
-          </a:p>
-          <a:p>
-            <a:r>
-              <a:rPr lang="en-US" sz="2000" dirty="0"/>
-              <a:t>Ultimate child compiler hacking mysha256</a:t>
-            </a:r>
-          </a:p>
-          <a:p>
-            <a:pPr lvl="1"/>
-            <a:r>
-              <a:rPr lang="en-US" sz="1600" dirty="0"/>
-              <a:t>./ultimate-child-</a:t>
-            </a:r>
-            <a:r>
-              <a:rPr lang="en-US" sz="1600" dirty="0" err="1"/>
-              <a:t>compiler.out</a:t>
-            </a:r>
-            <a:r>
-              <a:rPr lang="en-US" sz="1600" dirty="0"/>
-              <a:t> mysha256.c -o evil-mysha256.out</a:t>
-            </a:r>
-          </a:p>
-          <a:p>
-            <a:pPr lvl="1"/>
-            <a:r>
-              <a:rPr lang="en-US" sz="1600" dirty="0"/>
-              <a:t>./evil-mysha256.out ultimate-child-</a:t>
-            </a:r>
-            <a:r>
-              <a:rPr lang="en-US" sz="1600" dirty="0" err="1"/>
-              <a:t>compiler.out</a:t>
-            </a:r>
-            <a:endParaRPr lang="en-US" sz="1600" dirty="0"/>
-          </a:p>
-          <a:p>
-            <a:r>
-              <a:rPr lang="en-US" sz="1800" dirty="0"/>
-              <a:t>Ultimate child compiler still hacks compiler source code</a:t>
-            </a:r>
-          </a:p>
-          <a:p>
-            <a:pPr lvl="1"/>
-            <a:r>
-              <a:rPr lang="en-US" sz="1600" dirty="0"/>
-              <a:t>./ultimate-child-</a:t>
-            </a:r>
-            <a:r>
-              <a:rPr lang="en-US" sz="1600" dirty="0" err="1"/>
-              <a:t>compiler.out</a:t>
-            </a:r>
-            <a:r>
-              <a:rPr lang="en-US" sz="1600" dirty="0"/>
-              <a:t> ../</a:t>
-            </a:r>
-            <a:r>
-              <a:rPr lang="en-US" sz="1600" dirty="0" err="1"/>
-              <a:t>compiler.c</a:t>
-            </a:r>
-            <a:r>
-              <a:rPr lang="en-US" sz="1600" dirty="0"/>
-              <a:t> -o ultimate-child-compiler2.out</a:t>
-            </a:r>
-          </a:p>
-          <a:p>
-            <a:endParaRPr lang="en-US" sz="2000" dirty="0"/>
-          </a:p>
-          <a:p>
-            <a:endParaRPr lang="en-US" sz="2000" dirty="0"/>
-          </a:p>
-          <a:p>
-            <a:pPr lvl="1"/>
-            <a:endParaRPr lang="en-US" sz="1600" dirty="0"/>
-          </a:p>
-        </p:txBody>
-      </p:sp>
-      <p:sp>
-        <p:nvSpPr>
-          <p:cNvPr id="6" name="Rounded Rectangle 5"/>
-          <p:cNvSpPr/>
-          <p:nvPr/>
-        </p:nvSpPr>
-        <p:spPr>
-          <a:xfrm>
-            <a:off x="0" y="6242051"/>
-            <a:ext cx="8030791" cy="593724"/>
-          </a:xfrm>
-          <a:prstGeom prst="roundRect">
-            <a:avLst/>
-          </a:prstGeom>
-        </p:spPr>
-        <p:style>
-          <a:lnRef idx="2">
-            <a:schemeClr val="accent6"/>
-          </a:lnRef>
-          <a:fillRef idx="1">
-            <a:schemeClr val="lt1"/>
-          </a:fillRef>
-          <a:effectRef idx="0">
-            <a:schemeClr val="accent6"/>
-          </a:effectRef>
-          <a:fontRef idx="minor">
-            <a:schemeClr val="dk1"/>
-          </a:fontRef>
-        </p:style>
-        <p:txBody>
-          <a:bodyPr rtlCol="0" anchor="ctr"/>
-          <a:lstStyle/>
-          <a:p>
-            <a:pPr lvl="1"/>
-            <a:r>
-              <a:rPr lang="nl-NL" dirty="0"/>
-              <a:t>Sha256 of clean compiler:</a:t>
-            </a:r>
-          </a:p>
-          <a:p>
-            <a:pPr lvl="1"/>
-            <a:r>
-              <a:rPr lang="nl-NL" dirty="0"/>
-              <a:t>7c76e4144fd9f550e2a846dbdfc7b03ee65c3eeb760b74dbbc9f5f1ae336e4dc</a:t>
-            </a:r>
+              <a:rPr lang="tr-TR" dirty="0"/>
+              <a:t>4ab998d76103ef5771c7ed9b2b89ddeced9f315995c901226ef655c4281be255</a:t>
+            </a:r>
+            <a:endParaRPr lang="nl-NL" dirty="0"/>
           </a:p>
         </p:txBody>
       </p:sp>
@@ -11323,6 +11716,13 @@
   <p:clrMapOvr>
     <a:masterClrMapping/>
   </p:clrMapOvr>
+  <p:timing>
+    <p:tnLst>
+      <p:par>
+        <p:cTn id="1" dur="indefinite" restart="never" nodeType="tmRoot"/>
+      </p:par>
+    </p:tnLst>
+  </p:timing>
 </p:sld>
 </file>
 
@@ -11860,6 +12260,13 @@
   <p:clrMapOvr>
     <a:masterClrMapping/>
   </p:clrMapOvr>
+  <p:timing>
+    <p:tnLst>
+      <p:par>
+        <p:cTn id="1" dur="indefinite" restart="never" nodeType="tmRoot"/>
+      </p:par>
+    </p:tnLst>
+  </p:timing>
 </p:sld>
 </file>
 
@@ -12369,8 +12776,8 @@
         </p:nvSpPr>
         <p:spPr>
           <a:xfrm>
-            <a:off x="628650" y="950414"/>
-            <a:ext cx="7886700" cy="3935095"/>
+            <a:off x="346841" y="1497724"/>
+            <a:ext cx="8797159" cy="3387785"/>
           </a:xfrm>
         </p:spPr>
         <p:txBody>
@@ -12398,7 +12805,7 @@
               <a:buNone/>
             </a:pPr>
             <a:r>
-              <a:rPr lang="en-US" sz="2000" i="1" dirty="0"/>
+              <a:rPr lang="en-US" sz="1800" i="1" dirty="0"/>
               <a:t>“To what extent should one trust a statement that a program is free of Trojan horses? </a:t>
             </a:r>
           </a:p>
@@ -12406,14 +12813,14 @@
             <a:pPr marL="0" indent="0">
               <a:buNone/>
             </a:pPr>
-            <a:endParaRPr lang="en-US" sz="2000" i="1" dirty="0"/>
+            <a:endParaRPr lang="en-US" sz="1800" i="1" dirty="0"/>
           </a:p>
           <a:p>
             <a:pPr marL="0" indent="0">
               <a:buNone/>
             </a:pPr>
             <a:r>
-              <a:rPr lang="en-US" sz="2000" i="1" dirty="0"/>
+              <a:rPr lang="en-US" sz="1800" i="1" dirty="0"/>
               <a:t>Perhaps it is more important to trust the people who wrote the software.”</a:t>
             </a:r>
           </a:p>
@@ -12464,6 +12871,13 @@
   <p:clrMapOvr>
     <a:masterClrMapping/>
   </p:clrMapOvr>
+  <p:timing>
+    <p:tnLst>
+      <p:par>
+        <p:cTn id="1" dur="indefinite" restart="never" nodeType="tmRoot"/>
+      </p:par>
+    </p:tnLst>
+  </p:timing>
 </p:sld>
 </file>
 
@@ -15320,6 +15734,13 @@
   <p:clrMapOvr>
     <a:masterClrMapping/>
   </p:clrMapOvr>
+  <p:timing>
+    <p:tnLst>
+      <p:par>
+        <p:cTn id="1" dur="indefinite" restart="never" nodeType="tmRoot"/>
+      </p:par>
+    </p:tnLst>
+  </p:timing>
 </p:sld>
 </file>
 
@@ -16566,6 +16987,13 @@
   <p:clrMapOvr>
     <a:masterClrMapping/>
   </p:clrMapOvr>
+  <p:timing>
+    <p:tnLst>
+      <p:par>
+        <p:cTn id="1" dur="indefinite" restart="never" nodeType="tmRoot"/>
+      </p:par>
+    </p:tnLst>
+  </p:timing>
 </p:sld>
 </file>
 
@@ -16706,6 +17134,13 @@
   <p:clrMapOvr>
     <a:masterClrMapping/>
   </p:clrMapOvr>
+  <p:timing>
+    <p:tnLst>
+      <p:par>
+        <p:cTn id="1" dur="indefinite" restart="never" nodeType="tmRoot"/>
+      </p:par>
+    </p:tnLst>
+  </p:timing>
 </p:sld>
 </file>
 
@@ -18694,6 +19129,13 @@
   <p:clrMapOvr>
     <a:masterClrMapping/>
   </p:clrMapOvr>
+  <p:timing>
+    <p:tnLst>
+      <p:par>
+        <p:cTn id="1" dur="indefinite" restart="never" nodeType="tmRoot"/>
+      </p:par>
+    </p:tnLst>
+  </p:timing>
 </p:sld>
 </file>
 
@@ -18823,6 +19265,13 @@
       </p:transition>
     </mc:Fallback>
   </mc:AlternateContent>
+  <p:timing>
+    <p:tnLst>
+      <p:par>
+        <p:cTn id="1" dur="indefinite" restart="never" nodeType="tmRoot"/>
+      </p:par>
+    </p:tnLst>
+  </p:timing>
 </p:sld>
 </file>
 
@@ -18865,9 +19314,10 @@
           <a:p>
             <a:pPr algn="ctr"/>
             <a:r>
-              <a:rPr lang="en-US" dirty="0"/>
-              <a:t>The End / Questions?</a:t>
-            </a:r>
+              <a:rPr lang="en-US" dirty="0" smtClean="0"/>
+              <a:t>Do you still trust your compiler?</a:t>
+            </a:r>
+            <a:endParaRPr lang="en-US" dirty="0"/>
           </a:p>
         </p:txBody>
       </p:sp>
@@ -18949,6 +19399,13 @@
   <p:clrMapOvr>
     <a:masterClrMapping/>
   </p:clrMapOvr>
+  <p:timing>
+    <p:tnLst>
+      <p:par>
+        <p:cTn id="1" dur="indefinite" restart="never" nodeType="tmRoot"/>
+      </p:par>
+    </p:tnLst>
+  </p:timing>
 </p:sld>
 </file>
 
@@ -19004,7 +19461,7 @@
         <p:spPr/>
         <p:txBody>
           <a:bodyPr>
-            <a:normAutofit fontScale="77500" lnSpcReduction="20000"/>
+            <a:normAutofit fontScale="85000" lnSpcReduction="20000"/>
           </a:bodyPr>
           <a:lstStyle/>
           <a:p>
@@ -19083,8 +19540,12 @@
           </a:p>
           <a:p>
             <a:r>
+              <a:rPr lang="en-US" dirty="0" smtClean="0"/>
+              <a:t>So </a:t>
+            </a:r>
+            <a:r>
               <a:rPr lang="en-US" dirty="0"/>
-              <a:t>Is this even a problem? So how? How deep do we go down the rabbit hole?</a:t>
+              <a:t>how? How deep do we go down the rabbit hole?</a:t>
             </a:r>
           </a:p>
           <a:p>
@@ -20378,7 +20839,7 @@
         </p:nvSpPr>
         <p:spPr>
           <a:xfrm>
-            <a:off x="628650" y="342266"/>
+            <a:off x="439464" y="412963"/>
             <a:ext cx="7886700" cy="1325563"/>
           </a:xfrm>
         </p:spPr>
@@ -20387,8 +20848,12 @@
           <a:lstStyle/>
           <a:p>
             <a:r>
+              <a:rPr lang="en-US" dirty="0" smtClean="0"/>
+              <a:t>Presentation </a:t>
+            </a:r>
+            <a:r>
               <a:rPr lang="en-US" dirty="0"/>
-              <a:t>Our objective</a:t>
+              <a:t>objective</a:t>
             </a:r>
           </a:p>
         </p:txBody>
@@ -20405,8 +20870,8 @@
         </p:nvSpPr>
         <p:spPr>
           <a:xfrm>
-            <a:off x="289560" y="2417084"/>
-            <a:ext cx="8709660" cy="2566396"/>
+            <a:off x="144780" y="2432850"/>
+            <a:ext cx="8854440" cy="2566396"/>
           </a:xfrm>
         </p:spPr>
         <p:txBody>
@@ -20424,6 +20889,10 @@
             </a:r>
           </a:p>
           <a:p>
+            <a:pPr marL="457200" indent="-457200">
+              <a:buFont typeface="+mj-lt"/>
+              <a:buAutoNum type="arabicPeriod"/>
+            </a:pPr>
             <a:r>
               <a:rPr lang="en-US" sz="2400" dirty="0"/>
               <a:t>Add malicious code to targeted compiled source </a:t>
@@ -20438,6 +20907,10 @@
             </a:r>
           </a:p>
           <a:p>
+            <a:pPr marL="457200" indent="-457200">
+              <a:buFont typeface="+mj-lt"/>
+              <a:buAutoNum type="arabicPeriod"/>
+            </a:pPr>
             <a:r>
               <a:rPr lang="en-US" sz="2400" dirty="0"/>
               <a:t>Add malicious code to compiler binary to propagate </a:t>
@@ -20449,10 +20922,29 @@
             <a:endParaRPr lang="en-US" sz="2400" dirty="0"/>
           </a:p>
           <a:p>
+            <a:pPr marL="457200" indent="-457200">
+              <a:buFont typeface="+mj-lt"/>
+              <a:buAutoNum type="arabicPeriod"/>
+            </a:pPr>
             <a:r>
               <a:rPr lang="en-US" sz="2400" dirty="0"/>
-              <a:t>Not leave a trace in compiler source</a:t>
-            </a:r>
+              <a:t>Not leave a trace in compiler </a:t>
+            </a:r>
+            <a:r>
+              <a:rPr lang="en-US" sz="2400" dirty="0" smtClean="0"/>
+              <a:t>source</a:t>
+            </a:r>
+          </a:p>
+          <a:p>
+            <a:pPr marL="457200" indent="-457200">
+              <a:buFont typeface="+mj-lt"/>
+              <a:buAutoNum type="arabicPeriod"/>
+            </a:pPr>
+            <a:r>
+              <a:rPr lang="en-US" sz="2400" dirty="0" smtClean="0"/>
+              <a:t>Subverting verification</a:t>
+            </a:r>
+            <a:endParaRPr lang="en-US" sz="2400" dirty="0"/>
           </a:p>
         </p:txBody>
       </p:sp>
@@ -20741,6 +21233,67 @@
                       </p:childTnLst>
                     </p:cTn>
                   </p:par>
+                  <p:par>
+                    <p:cTn id="23" fill="hold">
+                      <p:stCondLst>
+                        <p:cond delay="indefinite"/>
+                      </p:stCondLst>
+                      <p:childTnLst>
+                        <p:par>
+                          <p:cTn id="24" fill="hold">
+                            <p:stCondLst>
+                              <p:cond delay="0"/>
+                            </p:stCondLst>
+                            <p:childTnLst>
+                              <p:par>
+                                <p:cTn id="25" presetID="10" presetClass="entr" presetSubtype="0" fill="hold" nodeType="clickEffect">
+                                  <p:stCondLst>
+                                    <p:cond delay="0"/>
+                                  </p:stCondLst>
+                                  <p:childTnLst>
+                                    <p:set>
+                                      <p:cBhvr>
+                                        <p:cTn id="26" dur="1" fill="hold">
+                                          <p:stCondLst>
+                                            <p:cond delay="0"/>
+                                          </p:stCondLst>
+                                        </p:cTn>
+                                        <p:tgtEl>
+                                          <p:spTgt spid="3">
+                                            <p:txEl>
+                                              <p:pRg st="4" end="4"/>
+                                            </p:txEl>
+                                          </p:spTgt>
+                                        </p:tgtEl>
+                                        <p:attrNameLst>
+                                          <p:attrName>style.visibility</p:attrName>
+                                        </p:attrNameLst>
+                                      </p:cBhvr>
+                                      <p:to>
+                                        <p:strVal val="visible"/>
+                                      </p:to>
+                                    </p:set>
+                                    <p:animEffect transition="in" filter="fade">
+                                      <p:cBhvr>
+                                        <p:cTn id="27" dur="500"/>
+                                        <p:tgtEl>
+                                          <p:spTgt spid="3">
+                                            <p:txEl>
+                                              <p:pRg st="4" end="4"/>
+                                            </p:txEl>
+                                          </p:spTgt>
+                                        </p:tgtEl>
+                                      </p:cBhvr>
+                                    </p:animEffect>
+                                  </p:childTnLst>
+                                </p:cTn>
+                              </p:par>
+                            </p:childTnLst>
+                          </p:cTn>
+                        </p:par>
+                      </p:childTnLst>
+                    </p:cTn>
+                  </p:par>
                 </p:childTnLst>
               </p:cTn>
               <p:prevCondLst>
@@ -20815,7 +21368,12 @@
             <p:ph idx="1"/>
           </p:nvPr>
         </p:nvSpPr>
-        <p:spPr/>
+        <p:spPr>
+          <a:xfrm>
+            <a:off x="628650" y="1825625"/>
+            <a:ext cx="8329370" cy="4351338"/>
+          </a:xfrm>
+        </p:spPr>
         <p:txBody>
           <a:bodyPr/>
           <a:lstStyle/>
@@ -20844,8 +21402,13 @@
             </a:pPr>
             <a:r>
               <a:rPr lang="en-US" dirty="0"/>
-              <a:t>Knowledge perpetuation</a:t>
-            </a:r>
+              <a:t>Knowledge </a:t>
+            </a:r>
+            <a:r>
+              <a:rPr lang="en-US" dirty="0" smtClean="0"/>
+              <a:t>perpetuation (Compiler bootstrapping)</a:t>
+            </a:r>
+            <a:endParaRPr lang="en-US" dirty="0"/>
           </a:p>
           <a:p>
             <a:pPr marL="514350" indent="-514350">
@@ -20854,7 +21417,11 @@
             </a:pPr>
             <a:r>
               <a:rPr lang="en-US" dirty="0"/>
-              <a:t>The attack</a:t>
+              <a:t>The </a:t>
+            </a:r>
+            <a:r>
+              <a:rPr lang="en-US" dirty="0" smtClean="0"/>
+              <a:t>attack</a:t>
             </a:r>
           </a:p>
           <a:p>
@@ -20863,25 +21430,10 @@
               <a:buAutoNum type="arabicPeriod"/>
             </a:pPr>
             <a:r>
-              <a:rPr lang="en-US" dirty="0"/>
-              <a:t>Subverting verification*</a:t>
-            </a:r>
-          </a:p>
-          <a:p>
-            <a:pPr marL="514350" indent="-514350">
-              <a:buFont typeface="+mj-lt"/>
-              <a:buAutoNum type="arabicPeriod"/>
-            </a:pPr>
+              <a:rPr lang="en-US" dirty="0" smtClean="0"/>
+              <a:t>Conclusion</a:t>
+            </a:r>
             <a:endParaRPr lang="en-US" dirty="0"/>
-          </a:p>
-          <a:p>
-            <a:pPr marL="0" indent="0">
-              <a:buNone/>
-            </a:pPr>
-            <a:r>
-              <a:rPr lang="en-US" dirty="0"/>
-              <a:t>Finally: The conclusion</a:t>
-            </a:r>
           </a:p>
         </p:txBody>
       </p:sp>
@@ -20905,35 +21457,6 @@
               <a:t>7</a:t>
             </a:fld>
             <a:endParaRPr lang="en-SG"/>
-          </a:p>
-        </p:txBody>
-      </p:sp>
-      <p:sp>
-        <p:nvSpPr>
-          <p:cNvPr id="5" name="TextBox 4"/>
-          <p:cNvSpPr txBox="1"/>
-          <p:nvPr/>
-        </p:nvSpPr>
-        <p:spPr>
-          <a:xfrm>
-            <a:off x="628650" y="5987019"/>
-            <a:ext cx="2175596" cy="369332"/>
-          </a:xfrm>
-          <a:prstGeom prst="rect">
-            <a:avLst/>
-          </a:prstGeom>
-          <a:noFill/>
-        </p:spPr>
-        <p:txBody>
-          <a:bodyPr wrap="none" rtlCol="0">
-            <a:spAutoFit/>
-          </a:bodyPr>
-          <a:lstStyle/>
-          <a:p>
-            <a:r>
-              <a:rPr lang="en-SG" dirty="0"/>
-              <a:t>*My custom addition</a:t>
-            </a:r>
           </a:p>
         </p:txBody>
       </p:sp>
@@ -21045,8 +21568,13 @@
             </a:pPr>
             <a:r>
               <a:rPr lang="en-US" dirty="0"/>
-              <a:t>A program can output extra text not relevant to printing itself.</a:t>
-            </a:r>
+              <a:t>A program can output extra text not relevant </a:t>
+            </a:r>
+            <a:r>
+              <a:rPr lang="en-US" dirty="0" smtClean="0"/>
+              <a:t>to logic (comments)</a:t>
+            </a:r>
+            <a:endParaRPr lang="en-US" dirty="0"/>
           </a:p>
         </p:txBody>
       </p:sp>
@@ -21419,14 +21947,14 @@
                 <a:gridCol w="3048000">
                   <a:extLst>
                     <a:ext uri="{9D8B030D-6E8A-4147-A177-3AD203B41FA5}">
-                      <a16:colId xmlns:a16="http://schemas.microsoft.com/office/drawing/2014/main" val="20000"/>
+                      <a16:colId xmlns="" xmlns:a16="http://schemas.microsoft.com/office/drawing/2014/main" val="20000"/>
                     </a:ext>
                   </a:extLst>
                 </a:gridCol>
                 <a:gridCol w="3048000">
                   <a:extLst>
                     <a:ext uri="{9D8B030D-6E8A-4147-A177-3AD203B41FA5}">
-                      <a16:colId xmlns:a16="http://schemas.microsoft.com/office/drawing/2014/main" val="20001"/>
+                      <a16:colId xmlns="" xmlns:a16="http://schemas.microsoft.com/office/drawing/2014/main" val="20001"/>
                     </a:ext>
                   </a:extLst>
                 </a:gridCol>
@@ -21460,7 +21988,7 @@
                 </a:tc>
                 <a:extLst>
                   <a:ext uri="{0D108BD9-81ED-4DB2-BD59-A6C34878D82A}">
-                    <a16:rowId xmlns:a16="http://schemas.microsoft.com/office/drawing/2014/main" val="10000"/>
+                    <a16:rowId xmlns="" xmlns:a16="http://schemas.microsoft.com/office/drawing/2014/main" val="10000"/>
                   </a:ext>
                 </a:extLst>
               </a:tr>
@@ -21527,7 +22055,7 @@
                 </a:tc>
                 <a:extLst>
                   <a:ext uri="{0D108BD9-81ED-4DB2-BD59-A6C34878D82A}">
-                    <a16:rowId xmlns:a16="http://schemas.microsoft.com/office/drawing/2014/main" val="10001"/>
+                    <a16:rowId xmlns="" xmlns:a16="http://schemas.microsoft.com/office/drawing/2014/main" val="10001"/>
                   </a:ext>
                 </a:extLst>
               </a:tr>
@@ -21565,7 +22093,7 @@
                 </a:tc>
                 <a:extLst>
                   <a:ext uri="{0D108BD9-81ED-4DB2-BD59-A6C34878D82A}">
-                    <a16:rowId xmlns:a16="http://schemas.microsoft.com/office/drawing/2014/main" val="10002"/>
+                    <a16:rowId xmlns="" xmlns:a16="http://schemas.microsoft.com/office/drawing/2014/main" val="10002"/>
                   </a:ext>
                 </a:extLst>
               </a:tr>
@@ -21636,7 +22164,7 @@
                 </a:tc>
                 <a:extLst>
                   <a:ext uri="{0D108BD9-81ED-4DB2-BD59-A6C34878D82A}">
-                    <a16:rowId xmlns:a16="http://schemas.microsoft.com/office/drawing/2014/main" val="10003"/>
+                    <a16:rowId xmlns="" xmlns:a16="http://schemas.microsoft.com/office/drawing/2014/main" val="10003"/>
                   </a:ext>
                 </a:extLst>
               </a:tr>
@@ -21691,7 +22219,7 @@
                 </a:tc>
                 <a:extLst>
                   <a:ext uri="{0D108BD9-81ED-4DB2-BD59-A6C34878D82A}">
-                    <a16:rowId xmlns:a16="http://schemas.microsoft.com/office/drawing/2014/main" val="10004"/>
+                    <a16:rowId xmlns="" xmlns:a16="http://schemas.microsoft.com/office/drawing/2014/main" val="10004"/>
                   </a:ext>
                 </a:extLst>
               </a:tr>
@@ -21754,7 +22282,7 @@
                 </a:tc>
                 <a:extLst>
                   <a:ext uri="{0D108BD9-81ED-4DB2-BD59-A6C34878D82A}">
-                    <a16:rowId xmlns:a16="http://schemas.microsoft.com/office/drawing/2014/main" val="10005"/>
+                    <a16:rowId xmlns="" xmlns:a16="http://schemas.microsoft.com/office/drawing/2014/main" val="10005"/>
                   </a:ext>
                 </a:extLst>
               </a:tr>
@@ -21831,6 +22359,13 @@
   <p:clrMapOvr>
     <a:masterClrMapping/>
   </p:clrMapOvr>
+  <p:timing>
+    <p:tnLst>
+      <p:par>
+        <p:cTn id="1" dur="indefinite" restart="never" nodeType="tmRoot"/>
+      </p:par>
+    </p:tnLst>
+  </p:timing>
 </p:sld>
 </file>
 

--- a/reflections-on-trusting-trust-slides.pptx
+++ b/reflections-on-trusting-trust-slides.pptx
@@ -238,7 +238,7 @@
           <a:p>
             <a:fld id="{DBB36151-A010-D04C-8956-928746249808}" type="datetimeFigureOut">
               <a:rPr lang="en-US" smtClean="0"/>
-              <a:t>3/3/17</a:t>
+              <a:t>3/8/17</a:t>
             </a:fld>
             <a:endParaRPr lang="en-US"/>
           </a:p>
@@ -403,7 +403,7 @@
           <a:p>
             <a:fld id="{A4C7C88C-CDFE-4350-B2C5-3C6CAEFDB07C}" type="datetimeFigureOut">
               <a:rPr lang="en-SG" smtClean="0"/>
-              <a:t>3/3/17</a:t>
+              <a:t>8/3/17</a:t>
             </a:fld>
             <a:endParaRPr lang="en-SG"/>
           </a:p>
@@ -970,7 +970,7 @@
           <a:p>
             <a:fld id="{422F67E2-38E7-4A1D-97B7-1A3D76F52D34}" type="datetime1">
               <a:rPr lang="en-SG" smtClean="0"/>
-              <a:t>3/3/17</a:t>
+              <a:t>8/3/17</a:t>
             </a:fld>
             <a:endParaRPr lang="en-SG"/>
           </a:p>
@@ -1140,7 +1140,7 @@
           <a:p>
             <a:fld id="{571D26BE-CF29-49E8-90A9-693FA176DA2E}" type="datetime1">
               <a:rPr lang="en-SG" smtClean="0"/>
-              <a:t>3/3/17</a:t>
+              <a:t>8/3/17</a:t>
             </a:fld>
             <a:endParaRPr lang="en-SG"/>
           </a:p>
@@ -1320,7 +1320,7 @@
           <a:p>
             <a:fld id="{9465F57D-487B-4FA9-9804-4E6B1445D87E}" type="datetime1">
               <a:rPr lang="en-SG" smtClean="0"/>
-              <a:t>3/3/17</a:t>
+              <a:t>8/3/17</a:t>
             </a:fld>
             <a:endParaRPr lang="en-SG"/>
           </a:p>
@@ -1490,7 +1490,7 @@
           <a:p>
             <a:fld id="{FF100F33-09D9-4424-9CFF-3583AE8E001C}" type="datetime1">
               <a:rPr lang="en-SG" smtClean="0"/>
-              <a:t>3/3/17</a:t>
+              <a:t>8/3/17</a:t>
             </a:fld>
             <a:endParaRPr lang="en-SG"/>
           </a:p>
@@ -1734,7 +1734,7 @@
           <a:p>
             <a:fld id="{FEDF4C57-AE9B-4009-AE25-E54332066983}" type="datetime1">
               <a:rPr lang="en-SG" smtClean="0"/>
-              <a:t>3/3/17</a:t>
+              <a:t>8/3/17</a:t>
             </a:fld>
             <a:endParaRPr lang="en-SG"/>
           </a:p>
@@ -1966,7 +1966,7 @@
           <a:p>
             <a:fld id="{8804DBDF-77D8-4526-82F0-2FD9258F6F4E}" type="datetime1">
               <a:rPr lang="en-SG" smtClean="0"/>
-              <a:t>3/3/17</a:t>
+              <a:t>8/3/17</a:t>
             </a:fld>
             <a:endParaRPr lang="en-SG"/>
           </a:p>
@@ -2333,7 +2333,7 @@
           <a:p>
             <a:fld id="{2EDDACF3-1137-43EC-8B9B-FFC39405A05F}" type="datetime1">
               <a:rPr lang="en-SG" smtClean="0"/>
-              <a:t>3/3/17</a:t>
+              <a:t>8/3/17</a:t>
             </a:fld>
             <a:endParaRPr lang="en-SG"/>
           </a:p>
@@ -2451,7 +2451,7 @@
           <a:p>
             <a:fld id="{7EA35B8A-1AE7-4E07-AA62-B18CC233816A}" type="datetime1">
               <a:rPr lang="en-SG" smtClean="0"/>
-              <a:t>3/3/17</a:t>
+              <a:t>8/3/17</a:t>
             </a:fld>
             <a:endParaRPr lang="en-SG"/>
           </a:p>
@@ -2546,7 +2546,7 @@
           <a:p>
             <a:fld id="{3E5DB0B1-4D46-4B8D-87D9-ED3A0D6268D9}" type="datetime1">
               <a:rPr lang="en-SG" smtClean="0"/>
-              <a:t>3/3/17</a:t>
+              <a:t>8/3/17</a:t>
             </a:fld>
             <a:endParaRPr lang="en-SG"/>
           </a:p>
@@ -2823,7 +2823,7 @@
           <a:p>
             <a:fld id="{B5FAF827-52F0-4265-95B3-9B7BE33238A1}" type="datetime1">
               <a:rPr lang="en-SG" smtClean="0"/>
-              <a:t>3/3/17</a:t>
+              <a:t>8/3/17</a:t>
             </a:fld>
             <a:endParaRPr lang="en-SG"/>
           </a:p>
@@ -3080,7 +3080,7 @@
           <a:p>
             <a:fld id="{FB910920-7330-4500-8EED-E7F9B59504DB}" type="datetime1">
               <a:rPr lang="en-SG" smtClean="0"/>
-              <a:t>3/3/17</a:t>
+              <a:t>8/3/17</a:t>
             </a:fld>
             <a:endParaRPr lang="en-SG"/>
           </a:p>
@@ -3293,7 +3293,7 @@
           <a:p>
             <a:fld id="{049282E9-B576-43F6-B614-0FB8874DC925}" type="datetime1">
               <a:rPr lang="en-SG" smtClean="0"/>
-              <a:t>3/3/17</a:t>
+              <a:t>8/3/17</a:t>
             </a:fld>
             <a:endParaRPr lang="en-SG"/>
           </a:p>
@@ -4095,16 +4095,9 @@
             <a:pPr lvl="1"/>
             <a:r>
               <a:rPr lang="en-US" dirty="0" smtClean="0"/>
-              <a:t>Child compilers can subsequently </a:t>
-            </a:r>
-            <a:r>
-              <a:rPr lang="en-US" dirty="0" err="1" smtClean="0"/>
-              <a:t>recognise</a:t>
-            </a:r>
-            <a:r>
-              <a:rPr lang="en-US" dirty="0" smtClean="0"/>
-              <a:t> it</a:t>
-            </a:r>
+              <a:t>Compiler own source code can use the new data type</a:t>
+            </a:r>
+            <a:endParaRPr lang="en-US" dirty="0" smtClean="0"/>
           </a:p>
           <a:p>
             <a:pPr lvl="1"/>
@@ -4459,14 +4452,14 @@
                 <a:gridCol w="3744686">
                   <a:extLst>
                     <a:ext uri="{9D8B030D-6E8A-4147-A177-3AD203B41FA5}">
-                      <a16:colId xmlns="" xmlns:a16="http://schemas.microsoft.com/office/drawing/2014/main" val="20000"/>
+                      <a16:colId xmlns:a16="http://schemas.microsoft.com/office/drawing/2014/main" xmlns="" val="20000"/>
                     </a:ext>
                   </a:extLst>
                 </a:gridCol>
                 <a:gridCol w="3744686">
                   <a:extLst>
                     <a:ext uri="{9D8B030D-6E8A-4147-A177-3AD203B41FA5}">
-                      <a16:colId xmlns="" xmlns:a16="http://schemas.microsoft.com/office/drawing/2014/main" val="20001"/>
+                      <a16:colId xmlns:a16="http://schemas.microsoft.com/office/drawing/2014/main" xmlns="" val="20001"/>
                     </a:ext>
                   </a:extLst>
                 </a:gridCol>
@@ -4500,7 +4493,7 @@
                 </a:tc>
                 <a:extLst>
                   <a:ext uri="{0D108BD9-81ED-4DB2-BD59-A6C34878D82A}">
-                    <a16:rowId xmlns="" xmlns:a16="http://schemas.microsoft.com/office/drawing/2014/main" val="10000"/>
+                    <a16:rowId xmlns:a16="http://schemas.microsoft.com/office/drawing/2014/main" xmlns="" val="10000"/>
                   </a:ext>
                 </a:extLst>
               </a:tr>
@@ -4538,7 +4531,7 @@
                 </a:tc>
                 <a:extLst>
                   <a:ext uri="{0D108BD9-81ED-4DB2-BD59-A6C34878D82A}">
-                    <a16:rowId xmlns="" xmlns:a16="http://schemas.microsoft.com/office/drawing/2014/main" val="10001"/>
+                    <a16:rowId xmlns:a16="http://schemas.microsoft.com/office/drawing/2014/main" xmlns="" val="10001"/>
                   </a:ext>
                 </a:extLst>
               </a:tr>
@@ -4593,7 +4586,7 @@
                 </a:tc>
                 <a:extLst>
                   <a:ext uri="{0D108BD9-81ED-4DB2-BD59-A6C34878D82A}">
-                    <a16:rowId xmlns="" xmlns:a16="http://schemas.microsoft.com/office/drawing/2014/main" val="10002"/>
+                    <a16:rowId xmlns:a16="http://schemas.microsoft.com/office/drawing/2014/main" xmlns="" val="10002"/>
                   </a:ext>
                 </a:extLst>
               </a:tr>
@@ -4631,7 +4624,7 @@
                 </a:tc>
                 <a:extLst>
                   <a:ext uri="{0D108BD9-81ED-4DB2-BD59-A6C34878D82A}">
-                    <a16:rowId xmlns="" xmlns:a16="http://schemas.microsoft.com/office/drawing/2014/main" val="10003"/>
+                    <a16:rowId xmlns:a16="http://schemas.microsoft.com/office/drawing/2014/main" xmlns="" val="10003"/>
                   </a:ext>
                 </a:extLst>
               </a:tr>
@@ -4690,7 +4683,7 @@
                 </a:tc>
                 <a:extLst>
                   <a:ext uri="{0D108BD9-81ED-4DB2-BD59-A6C34878D82A}">
-                    <a16:rowId xmlns="" xmlns:a16="http://schemas.microsoft.com/office/drawing/2014/main" val="10004"/>
+                    <a16:rowId xmlns:a16="http://schemas.microsoft.com/office/drawing/2014/main" xmlns="" val="10004"/>
                   </a:ext>
                 </a:extLst>
               </a:tr>
@@ -4754,7 +4747,7 @@
                 </a:tc>
                 <a:extLst>
                   <a:ext uri="{0D108BD9-81ED-4DB2-BD59-A6C34878D82A}">
-                    <a16:rowId xmlns="" xmlns:a16="http://schemas.microsoft.com/office/drawing/2014/main" val="10005"/>
+                    <a16:rowId xmlns:a16="http://schemas.microsoft.com/office/drawing/2014/main" xmlns="" val="10005"/>
                   </a:ext>
                 </a:extLst>
               </a:tr>
@@ -4930,14 +4923,14 @@
                 <a:gridCol w="4080222">
                   <a:extLst>
                     <a:ext uri="{9D8B030D-6E8A-4147-A177-3AD203B41FA5}">
-                      <a16:colId xmlns="" xmlns:a16="http://schemas.microsoft.com/office/drawing/2014/main" val="20000"/>
+                      <a16:colId xmlns:a16="http://schemas.microsoft.com/office/drawing/2014/main" xmlns="" val="20000"/>
                     </a:ext>
                   </a:extLst>
                 </a:gridCol>
                 <a:gridCol w="4910098">
                   <a:extLst>
                     <a:ext uri="{9D8B030D-6E8A-4147-A177-3AD203B41FA5}">
-                      <a16:colId xmlns="" xmlns:a16="http://schemas.microsoft.com/office/drawing/2014/main" val="20001"/>
+                      <a16:colId xmlns:a16="http://schemas.microsoft.com/office/drawing/2014/main" xmlns="" val="20001"/>
                     </a:ext>
                   </a:extLst>
                 </a:gridCol>
@@ -4971,7 +4964,7 @@
                 </a:tc>
                 <a:extLst>
                   <a:ext uri="{0D108BD9-81ED-4DB2-BD59-A6C34878D82A}">
-                    <a16:rowId xmlns="" xmlns:a16="http://schemas.microsoft.com/office/drawing/2014/main" val="10000"/>
+                    <a16:rowId xmlns:a16="http://schemas.microsoft.com/office/drawing/2014/main" xmlns="" val="10000"/>
                   </a:ext>
                 </a:extLst>
               </a:tr>
@@ -5018,7 +5011,7 @@
                 </a:tc>
                 <a:extLst>
                   <a:ext uri="{0D108BD9-81ED-4DB2-BD59-A6C34878D82A}">
-                    <a16:rowId xmlns="" xmlns:a16="http://schemas.microsoft.com/office/drawing/2014/main" val="10001"/>
+                    <a16:rowId xmlns:a16="http://schemas.microsoft.com/office/drawing/2014/main" xmlns="" val="10001"/>
                   </a:ext>
                 </a:extLst>
               </a:tr>
@@ -5103,7 +5096,7 @@
                 </a:tc>
                 <a:extLst>
                   <a:ext uri="{0D108BD9-81ED-4DB2-BD59-A6C34878D82A}">
-                    <a16:rowId xmlns="" xmlns:a16="http://schemas.microsoft.com/office/drawing/2014/main" val="10002"/>
+                    <a16:rowId xmlns:a16="http://schemas.microsoft.com/office/drawing/2014/main" xmlns="" val="10002"/>
                   </a:ext>
                 </a:extLst>
               </a:tr>
@@ -5146,7 +5139,7 @@
                 </a:tc>
                 <a:extLst>
                   <a:ext uri="{0D108BD9-81ED-4DB2-BD59-A6C34878D82A}">
-                    <a16:rowId xmlns="" xmlns:a16="http://schemas.microsoft.com/office/drawing/2014/main" val="10003"/>
+                    <a16:rowId xmlns:a16="http://schemas.microsoft.com/office/drawing/2014/main" xmlns="" val="10003"/>
                   </a:ext>
                 </a:extLst>
               </a:tr>
@@ -5208,7 +5201,7 @@
                 </a:tc>
                 <a:extLst>
                   <a:ext uri="{0D108BD9-81ED-4DB2-BD59-A6C34878D82A}">
-                    <a16:rowId xmlns="" xmlns:a16="http://schemas.microsoft.com/office/drawing/2014/main" val="10004"/>
+                    <a16:rowId xmlns:a16="http://schemas.microsoft.com/office/drawing/2014/main" xmlns="" val="10004"/>
                   </a:ext>
                 </a:extLst>
               </a:tr>
@@ -5271,7 +5264,7 @@
                 </a:tc>
                 <a:extLst>
                   <a:ext uri="{0D108BD9-81ED-4DB2-BD59-A6C34878D82A}">
-                    <a16:rowId xmlns="" xmlns:a16="http://schemas.microsoft.com/office/drawing/2014/main" val="10005"/>
+                    <a16:rowId xmlns:a16="http://schemas.microsoft.com/office/drawing/2014/main" xmlns="" val="10005"/>
                   </a:ext>
                 </a:extLst>
               </a:tr>
@@ -5317,7 +5310,7 @@
                 </a:tc>
                 <a:extLst>
                   <a:ext uri="{0D108BD9-81ED-4DB2-BD59-A6C34878D82A}">
-                    <a16:rowId xmlns="" xmlns:a16="http://schemas.microsoft.com/office/drawing/2014/main" val="10006"/>
+                    <a16:rowId xmlns:a16="http://schemas.microsoft.com/office/drawing/2014/main" xmlns="" val="10006"/>
                   </a:ext>
                 </a:extLst>
               </a:tr>
@@ -5652,9 +5645,10 @@
               <a:buAutoNum type="arabicPeriod"/>
             </a:pPr>
             <a:r>
-              <a:rPr lang="en-US" dirty="0"/>
-              <a:t>A compiler can propagate knowledge to the next generation of itself. </a:t>
-            </a:r>
+              <a:rPr lang="en-US" dirty="0" smtClean="0"/>
+              <a:t>Compiler bootstrapping</a:t>
+            </a:r>
+            <a:endParaRPr lang="en-US" dirty="0"/>
           </a:p>
         </p:txBody>
       </p:sp>
@@ -21470,6 +21464,13 @@
   <p:clrMapOvr>
     <a:masterClrMapping/>
   </p:clrMapOvr>
+  <p:timing>
+    <p:tnLst>
+      <p:par>
+        <p:cTn id="1" dur="indefinite" restart="never" nodeType="tmRoot"/>
+      </p:par>
+    </p:tnLst>
+  </p:timing>
 </p:sld>
 </file>
 
@@ -21947,14 +21948,14 @@
                 <a:gridCol w="3048000">
                   <a:extLst>
                     <a:ext uri="{9D8B030D-6E8A-4147-A177-3AD203B41FA5}">
-                      <a16:colId xmlns="" xmlns:a16="http://schemas.microsoft.com/office/drawing/2014/main" val="20000"/>
+                      <a16:colId xmlns:a16="http://schemas.microsoft.com/office/drawing/2014/main" xmlns="" val="20000"/>
                     </a:ext>
                   </a:extLst>
                 </a:gridCol>
                 <a:gridCol w="3048000">
                   <a:extLst>
                     <a:ext uri="{9D8B030D-6E8A-4147-A177-3AD203B41FA5}">
-                      <a16:colId xmlns="" xmlns:a16="http://schemas.microsoft.com/office/drawing/2014/main" val="20001"/>
+                      <a16:colId xmlns:a16="http://schemas.microsoft.com/office/drawing/2014/main" xmlns="" val="20001"/>
                     </a:ext>
                   </a:extLst>
                 </a:gridCol>
@@ -21988,7 +21989,7 @@
                 </a:tc>
                 <a:extLst>
                   <a:ext uri="{0D108BD9-81ED-4DB2-BD59-A6C34878D82A}">
-                    <a16:rowId xmlns="" xmlns:a16="http://schemas.microsoft.com/office/drawing/2014/main" val="10000"/>
+                    <a16:rowId xmlns:a16="http://schemas.microsoft.com/office/drawing/2014/main" xmlns="" val="10000"/>
                   </a:ext>
                 </a:extLst>
               </a:tr>
@@ -22055,7 +22056,7 @@
                 </a:tc>
                 <a:extLst>
                   <a:ext uri="{0D108BD9-81ED-4DB2-BD59-A6C34878D82A}">
-                    <a16:rowId xmlns="" xmlns:a16="http://schemas.microsoft.com/office/drawing/2014/main" val="10001"/>
+                    <a16:rowId xmlns:a16="http://schemas.microsoft.com/office/drawing/2014/main" xmlns="" val="10001"/>
                   </a:ext>
                 </a:extLst>
               </a:tr>
@@ -22093,7 +22094,7 @@
                 </a:tc>
                 <a:extLst>
                   <a:ext uri="{0D108BD9-81ED-4DB2-BD59-A6C34878D82A}">
-                    <a16:rowId xmlns="" xmlns:a16="http://schemas.microsoft.com/office/drawing/2014/main" val="10002"/>
+                    <a16:rowId xmlns:a16="http://schemas.microsoft.com/office/drawing/2014/main" xmlns="" val="10002"/>
                   </a:ext>
                 </a:extLst>
               </a:tr>
@@ -22164,7 +22165,7 @@
                 </a:tc>
                 <a:extLst>
                   <a:ext uri="{0D108BD9-81ED-4DB2-BD59-A6C34878D82A}">
-                    <a16:rowId xmlns="" xmlns:a16="http://schemas.microsoft.com/office/drawing/2014/main" val="10003"/>
+                    <a16:rowId xmlns:a16="http://schemas.microsoft.com/office/drawing/2014/main" xmlns="" val="10003"/>
                   </a:ext>
                 </a:extLst>
               </a:tr>
@@ -22219,7 +22220,7 @@
                 </a:tc>
                 <a:extLst>
                   <a:ext uri="{0D108BD9-81ED-4DB2-BD59-A6C34878D82A}">
-                    <a16:rowId xmlns="" xmlns:a16="http://schemas.microsoft.com/office/drawing/2014/main" val="10004"/>
+                    <a16:rowId xmlns:a16="http://schemas.microsoft.com/office/drawing/2014/main" xmlns="" val="10004"/>
                   </a:ext>
                 </a:extLst>
               </a:tr>
@@ -22282,7 +22283,7 @@
                 </a:tc>
                 <a:extLst>
                   <a:ext uri="{0D108BD9-81ED-4DB2-BD59-A6C34878D82A}">
-                    <a16:rowId xmlns="" xmlns:a16="http://schemas.microsoft.com/office/drawing/2014/main" val="10005"/>
+                    <a16:rowId xmlns:a16="http://schemas.microsoft.com/office/drawing/2014/main" xmlns="" val="10005"/>
                   </a:ext>
                 </a:extLst>
               </a:tr>
